--- a/특강 프로젝트 PPT.pptx
+++ b/특강 프로젝트 PPT.pptx
@@ -13,6 +13,9 @@
     <p:sldId id="266" r:id="rId7"/>
     <p:sldId id="265" r:id="rId8"/>
     <p:sldId id="264" r:id="rId9"/>
+    <p:sldId id="268" r:id="rId10"/>
+    <p:sldId id="269" r:id="rId11"/>
+    <p:sldId id="270" r:id="rId12"/>
   </p:sldIdLst>
   <p:sldSz cx="12192000" cy="6858000"/>
   <p:notesSz cx="6858000" cy="9144000"/>
@@ -901,6 +904,753 @@
 </dgm:colorsDef>
 </file>
 
+<file path=ppt/diagrams/colors2.xml><?xml version="1.0" encoding="utf-8"?>
+<dgm:colorsDef xmlns:dgm="http://schemas.openxmlformats.org/drawingml/2006/diagram" xmlns:a="http://schemas.openxmlformats.org/drawingml/2006/main" uniqueId="urn:microsoft.com/office/officeart/2005/8/colors/accent1_2">
+  <dgm:title val=""/>
+  <dgm:desc val=""/>
+  <dgm:catLst>
+    <dgm:cat type="accent1" pri="11200"/>
+  </dgm:catLst>
+  <dgm:styleLbl name="node0">
+    <dgm:fillClrLst meth="repeat">
+      <a:schemeClr val="accent1"/>
+    </dgm:fillClrLst>
+    <dgm:linClrLst meth="repeat">
+      <a:schemeClr val="lt1"/>
+    </dgm:linClrLst>
+    <dgm:effectClrLst/>
+    <dgm:txLinClrLst/>
+    <dgm:txFillClrLst/>
+    <dgm:txEffectClrLst/>
+  </dgm:styleLbl>
+  <dgm:styleLbl name="alignNode1">
+    <dgm:fillClrLst meth="repeat">
+      <a:schemeClr val="accent1"/>
+    </dgm:fillClrLst>
+    <dgm:linClrLst meth="repeat">
+      <a:schemeClr val="accent1"/>
+    </dgm:linClrLst>
+    <dgm:effectClrLst/>
+    <dgm:txLinClrLst/>
+    <dgm:txFillClrLst/>
+    <dgm:txEffectClrLst/>
+  </dgm:styleLbl>
+  <dgm:styleLbl name="node1">
+    <dgm:fillClrLst meth="repeat">
+      <a:schemeClr val="accent1"/>
+    </dgm:fillClrLst>
+    <dgm:linClrLst meth="repeat">
+      <a:schemeClr val="lt1"/>
+    </dgm:linClrLst>
+    <dgm:effectClrLst/>
+    <dgm:txLinClrLst/>
+    <dgm:txFillClrLst/>
+    <dgm:txEffectClrLst/>
+  </dgm:styleLbl>
+  <dgm:styleLbl name="lnNode1">
+    <dgm:fillClrLst meth="repeat">
+      <a:schemeClr val="accent1"/>
+    </dgm:fillClrLst>
+    <dgm:linClrLst meth="repeat">
+      <a:schemeClr val="lt1"/>
+    </dgm:linClrLst>
+    <dgm:effectClrLst/>
+    <dgm:txLinClrLst/>
+    <dgm:txFillClrLst/>
+    <dgm:txEffectClrLst/>
+  </dgm:styleLbl>
+  <dgm:styleLbl name="vennNode1">
+    <dgm:fillClrLst meth="repeat">
+      <a:schemeClr val="accent1">
+        <a:alpha val="50000"/>
+      </a:schemeClr>
+    </dgm:fillClrLst>
+    <dgm:linClrLst meth="repeat">
+      <a:schemeClr val="lt1"/>
+    </dgm:linClrLst>
+    <dgm:effectClrLst/>
+    <dgm:txLinClrLst/>
+    <dgm:txFillClrLst/>
+    <dgm:txEffectClrLst/>
+  </dgm:styleLbl>
+  <dgm:styleLbl name="node2">
+    <dgm:fillClrLst meth="repeat">
+      <a:schemeClr val="accent1"/>
+    </dgm:fillClrLst>
+    <dgm:linClrLst meth="repeat">
+      <a:schemeClr val="lt1"/>
+    </dgm:linClrLst>
+    <dgm:effectClrLst/>
+    <dgm:txLinClrLst/>
+    <dgm:txFillClrLst/>
+    <dgm:txEffectClrLst/>
+  </dgm:styleLbl>
+  <dgm:styleLbl name="node3">
+    <dgm:fillClrLst meth="repeat">
+      <a:schemeClr val="accent1"/>
+    </dgm:fillClrLst>
+    <dgm:linClrLst meth="repeat">
+      <a:schemeClr val="lt1"/>
+    </dgm:linClrLst>
+    <dgm:effectClrLst/>
+    <dgm:txLinClrLst/>
+    <dgm:txFillClrLst/>
+    <dgm:txEffectClrLst/>
+  </dgm:styleLbl>
+  <dgm:styleLbl name="node4">
+    <dgm:fillClrLst meth="repeat">
+      <a:schemeClr val="accent1"/>
+    </dgm:fillClrLst>
+    <dgm:linClrLst meth="repeat">
+      <a:schemeClr val="lt1"/>
+    </dgm:linClrLst>
+    <dgm:effectClrLst/>
+    <dgm:txLinClrLst/>
+    <dgm:txFillClrLst/>
+    <dgm:txEffectClrLst/>
+  </dgm:styleLbl>
+  <dgm:styleLbl name="fgImgPlace1">
+    <dgm:fillClrLst meth="repeat">
+      <a:schemeClr val="accent1">
+        <a:tint val="50000"/>
+      </a:schemeClr>
+    </dgm:fillClrLst>
+    <dgm:linClrLst meth="repeat">
+      <a:schemeClr val="lt1"/>
+    </dgm:linClrLst>
+    <dgm:effectClrLst/>
+    <dgm:txLinClrLst/>
+    <dgm:txFillClrLst meth="repeat">
+      <a:schemeClr val="lt1"/>
+    </dgm:txFillClrLst>
+    <dgm:txEffectClrLst/>
+  </dgm:styleLbl>
+  <dgm:styleLbl name="alignImgPlace1">
+    <dgm:fillClrLst meth="repeat">
+      <a:schemeClr val="accent1">
+        <a:tint val="50000"/>
+      </a:schemeClr>
+    </dgm:fillClrLst>
+    <dgm:linClrLst meth="repeat">
+      <a:schemeClr val="lt1"/>
+    </dgm:linClrLst>
+    <dgm:effectClrLst/>
+    <dgm:txLinClrLst/>
+    <dgm:txFillClrLst meth="repeat">
+      <a:schemeClr val="lt1"/>
+    </dgm:txFillClrLst>
+    <dgm:txEffectClrLst/>
+  </dgm:styleLbl>
+  <dgm:styleLbl name="bgImgPlace1">
+    <dgm:fillClrLst meth="repeat">
+      <a:schemeClr val="accent1">
+        <a:tint val="50000"/>
+      </a:schemeClr>
+    </dgm:fillClrLst>
+    <dgm:linClrLst meth="repeat">
+      <a:schemeClr val="lt1"/>
+    </dgm:linClrLst>
+    <dgm:effectClrLst/>
+    <dgm:txLinClrLst/>
+    <dgm:txFillClrLst meth="repeat">
+      <a:schemeClr val="lt1"/>
+    </dgm:txFillClrLst>
+    <dgm:txEffectClrLst/>
+  </dgm:styleLbl>
+  <dgm:styleLbl name="sibTrans2D1">
+    <dgm:fillClrLst meth="repeat">
+      <a:schemeClr val="accent1">
+        <a:tint val="60000"/>
+      </a:schemeClr>
+    </dgm:fillClrLst>
+    <dgm:linClrLst meth="repeat">
+      <a:schemeClr val="accent1">
+        <a:tint val="60000"/>
+      </a:schemeClr>
+    </dgm:linClrLst>
+    <dgm:effectClrLst/>
+    <dgm:txLinClrLst/>
+    <dgm:txFillClrLst/>
+    <dgm:txEffectClrLst/>
+  </dgm:styleLbl>
+  <dgm:styleLbl name="fgSibTrans2D1">
+    <dgm:fillClrLst meth="repeat">
+      <a:schemeClr val="accent1">
+        <a:tint val="60000"/>
+      </a:schemeClr>
+    </dgm:fillClrLst>
+    <dgm:linClrLst meth="repeat">
+      <a:schemeClr val="accent1">
+        <a:tint val="60000"/>
+      </a:schemeClr>
+    </dgm:linClrLst>
+    <dgm:effectClrLst/>
+    <dgm:txLinClrLst/>
+    <dgm:txFillClrLst/>
+    <dgm:txEffectClrLst/>
+  </dgm:styleLbl>
+  <dgm:styleLbl name="bgSibTrans2D1">
+    <dgm:fillClrLst meth="repeat">
+      <a:schemeClr val="accent1">
+        <a:tint val="60000"/>
+      </a:schemeClr>
+    </dgm:fillClrLst>
+    <dgm:linClrLst meth="repeat">
+      <a:schemeClr val="accent1">
+        <a:tint val="60000"/>
+      </a:schemeClr>
+    </dgm:linClrLst>
+    <dgm:effectClrLst/>
+    <dgm:txLinClrLst/>
+    <dgm:txFillClrLst/>
+    <dgm:txEffectClrLst/>
+  </dgm:styleLbl>
+  <dgm:styleLbl name="sibTrans1D1">
+    <dgm:fillClrLst meth="repeat">
+      <a:schemeClr val="accent1"/>
+    </dgm:fillClrLst>
+    <dgm:linClrLst meth="repeat">
+      <a:schemeClr val="accent1"/>
+    </dgm:linClrLst>
+    <dgm:effectClrLst/>
+    <dgm:txLinClrLst/>
+    <dgm:txFillClrLst meth="repeat">
+      <a:schemeClr val="tx1"/>
+    </dgm:txFillClrLst>
+    <dgm:txEffectClrLst/>
+  </dgm:styleLbl>
+  <dgm:styleLbl name="callout">
+    <dgm:fillClrLst meth="repeat">
+      <a:schemeClr val="accent1"/>
+    </dgm:fillClrLst>
+    <dgm:linClrLst meth="repeat">
+      <a:schemeClr val="accent1">
+        <a:tint val="50000"/>
+      </a:schemeClr>
+    </dgm:linClrLst>
+    <dgm:effectClrLst/>
+    <dgm:txLinClrLst/>
+    <dgm:txFillClrLst meth="repeat">
+      <a:schemeClr val="tx1"/>
+    </dgm:txFillClrLst>
+    <dgm:txEffectClrLst/>
+  </dgm:styleLbl>
+  <dgm:styleLbl name="asst0">
+    <dgm:fillClrLst meth="repeat">
+      <a:schemeClr val="accent1"/>
+    </dgm:fillClrLst>
+    <dgm:linClrLst meth="repeat">
+      <a:schemeClr val="lt1"/>
+    </dgm:linClrLst>
+    <dgm:effectClrLst/>
+    <dgm:txLinClrLst/>
+    <dgm:txFillClrLst/>
+    <dgm:txEffectClrLst/>
+  </dgm:styleLbl>
+  <dgm:styleLbl name="asst1">
+    <dgm:fillClrLst meth="repeat">
+      <a:schemeClr val="accent1"/>
+    </dgm:fillClrLst>
+    <dgm:linClrLst meth="repeat">
+      <a:schemeClr val="lt1"/>
+    </dgm:linClrLst>
+    <dgm:effectClrLst/>
+    <dgm:txLinClrLst/>
+    <dgm:txFillClrLst/>
+    <dgm:txEffectClrLst/>
+  </dgm:styleLbl>
+  <dgm:styleLbl name="asst2">
+    <dgm:fillClrLst meth="repeat">
+      <a:schemeClr val="accent1"/>
+    </dgm:fillClrLst>
+    <dgm:linClrLst meth="repeat">
+      <a:schemeClr val="lt1"/>
+    </dgm:linClrLst>
+    <dgm:effectClrLst/>
+    <dgm:txLinClrLst/>
+    <dgm:txFillClrLst/>
+    <dgm:txEffectClrLst/>
+  </dgm:styleLbl>
+  <dgm:styleLbl name="asst3">
+    <dgm:fillClrLst meth="repeat">
+      <a:schemeClr val="accent1"/>
+    </dgm:fillClrLst>
+    <dgm:linClrLst meth="repeat">
+      <a:schemeClr val="lt1"/>
+    </dgm:linClrLst>
+    <dgm:effectClrLst/>
+    <dgm:txLinClrLst/>
+    <dgm:txFillClrLst/>
+    <dgm:txEffectClrLst/>
+  </dgm:styleLbl>
+  <dgm:styleLbl name="asst4">
+    <dgm:fillClrLst meth="repeat">
+      <a:schemeClr val="accent1"/>
+    </dgm:fillClrLst>
+    <dgm:linClrLst meth="repeat">
+      <a:schemeClr val="lt1"/>
+    </dgm:linClrLst>
+    <dgm:effectClrLst/>
+    <dgm:txLinClrLst/>
+    <dgm:txFillClrLst/>
+    <dgm:txEffectClrLst/>
+  </dgm:styleLbl>
+  <dgm:styleLbl name="parChTrans2D1">
+    <dgm:fillClrLst meth="repeat">
+      <a:schemeClr val="accent1">
+        <a:tint val="60000"/>
+      </a:schemeClr>
+    </dgm:fillClrLst>
+    <dgm:linClrLst meth="repeat">
+      <a:schemeClr val="accent1">
+        <a:tint val="60000"/>
+      </a:schemeClr>
+    </dgm:linClrLst>
+    <dgm:effectClrLst/>
+    <dgm:txLinClrLst/>
+    <dgm:txFillClrLst meth="repeat">
+      <a:schemeClr val="lt1"/>
+    </dgm:txFillClrLst>
+    <dgm:txEffectClrLst/>
+  </dgm:styleLbl>
+  <dgm:styleLbl name="parChTrans2D2">
+    <dgm:fillClrLst meth="repeat">
+      <a:schemeClr val="accent1"/>
+    </dgm:fillClrLst>
+    <dgm:linClrLst meth="repeat">
+      <a:schemeClr val="accent1"/>
+    </dgm:linClrLst>
+    <dgm:effectClrLst/>
+    <dgm:txLinClrLst/>
+    <dgm:txFillClrLst meth="repeat">
+      <a:schemeClr val="lt1"/>
+    </dgm:txFillClrLst>
+    <dgm:txEffectClrLst/>
+  </dgm:styleLbl>
+  <dgm:styleLbl name="parChTrans2D3">
+    <dgm:fillClrLst meth="repeat">
+      <a:schemeClr val="accent1"/>
+    </dgm:fillClrLst>
+    <dgm:linClrLst meth="repeat">
+      <a:schemeClr val="accent1"/>
+    </dgm:linClrLst>
+    <dgm:effectClrLst/>
+    <dgm:txLinClrLst/>
+    <dgm:txFillClrLst meth="repeat">
+      <a:schemeClr val="lt1"/>
+    </dgm:txFillClrLst>
+    <dgm:txEffectClrLst/>
+  </dgm:styleLbl>
+  <dgm:styleLbl name="parChTrans2D4">
+    <dgm:fillClrLst meth="repeat">
+      <a:schemeClr val="accent1"/>
+    </dgm:fillClrLst>
+    <dgm:linClrLst meth="repeat">
+      <a:schemeClr val="accent1"/>
+    </dgm:linClrLst>
+    <dgm:effectClrLst/>
+    <dgm:txLinClrLst/>
+    <dgm:txFillClrLst meth="repeat">
+      <a:schemeClr val="lt1"/>
+    </dgm:txFillClrLst>
+    <dgm:txEffectClrLst/>
+  </dgm:styleLbl>
+  <dgm:styleLbl name="parChTrans1D1">
+    <dgm:fillClrLst meth="repeat">
+      <a:schemeClr val="accent1"/>
+    </dgm:fillClrLst>
+    <dgm:linClrLst meth="repeat">
+      <a:schemeClr val="accent1">
+        <a:shade val="60000"/>
+      </a:schemeClr>
+    </dgm:linClrLst>
+    <dgm:effectClrLst/>
+    <dgm:txLinClrLst/>
+    <dgm:txFillClrLst meth="repeat">
+      <a:schemeClr val="tx1"/>
+    </dgm:txFillClrLst>
+    <dgm:txEffectClrLst/>
+  </dgm:styleLbl>
+  <dgm:styleLbl name="parChTrans1D2">
+    <dgm:fillClrLst meth="repeat">
+      <a:schemeClr val="accent1"/>
+    </dgm:fillClrLst>
+    <dgm:linClrLst meth="repeat">
+      <a:schemeClr val="accent1">
+        <a:shade val="60000"/>
+      </a:schemeClr>
+    </dgm:linClrLst>
+    <dgm:effectClrLst/>
+    <dgm:txLinClrLst/>
+    <dgm:txFillClrLst meth="repeat">
+      <a:schemeClr val="tx1"/>
+    </dgm:txFillClrLst>
+    <dgm:txEffectClrLst/>
+  </dgm:styleLbl>
+  <dgm:styleLbl name="parChTrans1D3">
+    <dgm:fillClrLst meth="repeat">
+      <a:schemeClr val="accent1"/>
+    </dgm:fillClrLst>
+    <dgm:linClrLst meth="repeat">
+      <a:schemeClr val="accent1">
+        <a:shade val="80000"/>
+      </a:schemeClr>
+    </dgm:linClrLst>
+    <dgm:effectClrLst/>
+    <dgm:txLinClrLst/>
+    <dgm:txFillClrLst meth="repeat">
+      <a:schemeClr val="tx1"/>
+    </dgm:txFillClrLst>
+    <dgm:txEffectClrLst/>
+  </dgm:styleLbl>
+  <dgm:styleLbl name="parChTrans1D4">
+    <dgm:fillClrLst meth="repeat">
+      <a:schemeClr val="accent1"/>
+    </dgm:fillClrLst>
+    <dgm:linClrLst meth="repeat">
+      <a:schemeClr val="accent1">
+        <a:shade val="80000"/>
+      </a:schemeClr>
+    </dgm:linClrLst>
+    <dgm:effectClrLst/>
+    <dgm:txLinClrLst/>
+    <dgm:txFillClrLst meth="repeat">
+      <a:schemeClr val="tx1"/>
+    </dgm:txFillClrLst>
+    <dgm:txEffectClrLst/>
+  </dgm:styleLbl>
+  <dgm:styleLbl name="fgAcc1">
+    <dgm:fillClrLst meth="repeat">
+      <a:schemeClr val="lt1">
+        <a:alpha val="90000"/>
+      </a:schemeClr>
+    </dgm:fillClrLst>
+    <dgm:linClrLst meth="repeat">
+      <a:schemeClr val="accent1"/>
+    </dgm:linClrLst>
+    <dgm:effectClrLst/>
+    <dgm:txLinClrLst/>
+    <dgm:txFillClrLst meth="repeat">
+      <a:schemeClr val="dk1"/>
+    </dgm:txFillClrLst>
+    <dgm:txEffectClrLst/>
+  </dgm:styleLbl>
+  <dgm:styleLbl name="conFgAcc1">
+    <dgm:fillClrLst meth="repeat">
+      <a:schemeClr val="lt1">
+        <a:alpha val="90000"/>
+      </a:schemeClr>
+    </dgm:fillClrLst>
+    <dgm:linClrLst meth="repeat">
+      <a:schemeClr val="accent1"/>
+    </dgm:linClrLst>
+    <dgm:effectClrLst/>
+    <dgm:txLinClrLst/>
+    <dgm:txFillClrLst meth="repeat">
+      <a:schemeClr val="dk1"/>
+    </dgm:txFillClrLst>
+    <dgm:txEffectClrLst/>
+  </dgm:styleLbl>
+  <dgm:styleLbl name="alignAcc1">
+    <dgm:fillClrLst meth="repeat">
+      <a:schemeClr val="lt1">
+        <a:alpha val="90000"/>
+      </a:schemeClr>
+    </dgm:fillClrLst>
+    <dgm:linClrLst meth="repeat">
+      <a:schemeClr val="accent1"/>
+    </dgm:linClrLst>
+    <dgm:effectClrLst/>
+    <dgm:txLinClrLst/>
+    <dgm:txFillClrLst meth="repeat">
+      <a:schemeClr val="dk1"/>
+    </dgm:txFillClrLst>
+    <dgm:txEffectClrLst/>
+  </dgm:styleLbl>
+  <dgm:styleLbl name="trAlignAcc1">
+    <dgm:fillClrLst meth="repeat">
+      <a:schemeClr val="lt1">
+        <a:alpha val="40000"/>
+      </a:schemeClr>
+    </dgm:fillClrLst>
+    <dgm:linClrLst meth="repeat">
+      <a:schemeClr val="accent1"/>
+    </dgm:linClrLst>
+    <dgm:effectClrLst/>
+    <dgm:txLinClrLst/>
+    <dgm:txFillClrLst meth="repeat">
+      <a:schemeClr val="dk1"/>
+    </dgm:txFillClrLst>
+    <dgm:txEffectClrLst/>
+  </dgm:styleLbl>
+  <dgm:styleLbl name="bgAcc1">
+    <dgm:fillClrLst meth="repeat">
+      <a:schemeClr val="lt1">
+        <a:alpha val="90000"/>
+      </a:schemeClr>
+    </dgm:fillClrLst>
+    <dgm:linClrLst meth="repeat">
+      <a:schemeClr val="accent1"/>
+    </dgm:linClrLst>
+    <dgm:effectClrLst/>
+    <dgm:txLinClrLst/>
+    <dgm:txFillClrLst meth="repeat">
+      <a:schemeClr val="dk1"/>
+    </dgm:txFillClrLst>
+    <dgm:txEffectClrLst/>
+  </dgm:styleLbl>
+  <dgm:styleLbl name="solidFgAcc1">
+    <dgm:fillClrLst meth="repeat">
+      <a:schemeClr val="lt1"/>
+    </dgm:fillClrLst>
+    <dgm:linClrLst meth="repeat">
+      <a:schemeClr val="accent1"/>
+    </dgm:linClrLst>
+    <dgm:effectClrLst/>
+    <dgm:txLinClrLst/>
+    <dgm:txFillClrLst meth="repeat">
+      <a:schemeClr val="dk1"/>
+    </dgm:txFillClrLst>
+    <dgm:txEffectClrLst/>
+  </dgm:styleLbl>
+  <dgm:styleLbl name="solidAlignAcc1">
+    <dgm:fillClrLst meth="repeat">
+      <a:schemeClr val="lt1"/>
+    </dgm:fillClrLst>
+    <dgm:linClrLst meth="repeat">
+      <a:schemeClr val="accent1"/>
+    </dgm:linClrLst>
+    <dgm:effectClrLst/>
+    <dgm:txLinClrLst/>
+    <dgm:txFillClrLst meth="repeat">
+      <a:schemeClr val="dk1"/>
+    </dgm:txFillClrLst>
+    <dgm:txEffectClrLst/>
+  </dgm:styleLbl>
+  <dgm:styleLbl name="solidBgAcc1">
+    <dgm:fillClrLst meth="repeat">
+      <a:schemeClr val="lt1"/>
+    </dgm:fillClrLst>
+    <dgm:linClrLst meth="repeat">
+      <a:schemeClr val="accent1"/>
+    </dgm:linClrLst>
+    <dgm:effectClrLst/>
+    <dgm:txLinClrLst/>
+    <dgm:txFillClrLst meth="repeat">
+      <a:schemeClr val="dk1"/>
+    </dgm:txFillClrLst>
+    <dgm:txEffectClrLst/>
+  </dgm:styleLbl>
+  <dgm:styleLbl name="fgAccFollowNode1">
+    <dgm:fillClrLst meth="repeat">
+      <a:schemeClr val="accent1">
+        <a:alpha val="90000"/>
+        <a:tint val="40000"/>
+      </a:schemeClr>
+    </dgm:fillClrLst>
+    <dgm:linClrLst meth="repeat">
+      <a:schemeClr val="accent1">
+        <a:alpha val="90000"/>
+        <a:tint val="40000"/>
+      </a:schemeClr>
+    </dgm:linClrLst>
+    <dgm:effectClrLst/>
+    <dgm:txLinClrLst/>
+    <dgm:txFillClrLst meth="repeat">
+      <a:schemeClr val="dk1"/>
+    </dgm:txFillClrLst>
+    <dgm:txEffectClrLst/>
+  </dgm:styleLbl>
+  <dgm:styleLbl name="alignAccFollowNode1">
+    <dgm:fillClrLst meth="repeat">
+      <a:schemeClr val="accent1">
+        <a:alpha val="90000"/>
+        <a:tint val="40000"/>
+      </a:schemeClr>
+    </dgm:fillClrLst>
+    <dgm:linClrLst meth="repeat">
+      <a:schemeClr val="accent1">
+        <a:alpha val="90000"/>
+        <a:tint val="40000"/>
+      </a:schemeClr>
+    </dgm:linClrLst>
+    <dgm:effectClrLst/>
+    <dgm:txLinClrLst/>
+    <dgm:txFillClrLst meth="repeat">
+      <a:schemeClr val="dk1"/>
+    </dgm:txFillClrLst>
+    <dgm:txEffectClrLst/>
+  </dgm:styleLbl>
+  <dgm:styleLbl name="bgAccFollowNode1">
+    <dgm:fillClrLst meth="repeat">
+      <a:schemeClr val="accent1">
+        <a:alpha val="90000"/>
+        <a:tint val="40000"/>
+      </a:schemeClr>
+    </dgm:fillClrLst>
+    <dgm:linClrLst meth="repeat">
+      <a:schemeClr val="accent1">
+        <a:alpha val="90000"/>
+        <a:tint val="40000"/>
+      </a:schemeClr>
+    </dgm:linClrLst>
+    <dgm:effectClrLst/>
+    <dgm:txLinClrLst/>
+    <dgm:txFillClrLst meth="repeat">
+      <a:schemeClr val="dk1"/>
+    </dgm:txFillClrLst>
+    <dgm:txEffectClrLst/>
+  </dgm:styleLbl>
+  <dgm:styleLbl name="fgAcc0">
+    <dgm:fillClrLst meth="repeat">
+      <a:schemeClr val="lt1">
+        <a:alpha val="90000"/>
+      </a:schemeClr>
+    </dgm:fillClrLst>
+    <dgm:linClrLst meth="repeat">
+      <a:schemeClr val="accent1"/>
+    </dgm:linClrLst>
+    <dgm:effectClrLst/>
+    <dgm:txLinClrLst/>
+    <dgm:txFillClrLst meth="repeat">
+      <a:schemeClr val="dk1"/>
+    </dgm:txFillClrLst>
+    <dgm:txEffectClrLst/>
+  </dgm:styleLbl>
+  <dgm:styleLbl name="fgAcc2">
+    <dgm:fillClrLst meth="repeat">
+      <a:schemeClr val="lt1">
+        <a:alpha val="90000"/>
+      </a:schemeClr>
+    </dgm:fillClrLst>
+    <dgm:linClrLst meth="repeat">
+      <a:schemeClr val="accent1"/>
+    </dgm:linClrLst>
+    <dgm:effectClrLst/>
+    <dgm:txLinClrLst/>
+    <dgm:txFillClrLst meth="repeat">
+      <a:schemeClr val="dk1"/>
+    </dgm:txFillClrLst>
+    <dgm:txEffectClrLst/>
+  </dgm:styleLbl>
+  <dgm:styleLbl name="fgAcc3">
+    <dgm:fillClrLst meth="repeat">
+      <a:schemeClr val="lt1">
+        <a:alpha val="90000"/>
+      </a:schemeClr>
+    </dgm:fillClrLst>
+    <dgm:linClrLst meth="repeat">
+      <a:schemeClr val="accent1"/>
+    </dgm:linClrLst>
+    <dgm:effectClrLst/>
+    <dgm:txLinClrLst/>
+    <dgm:txFillClrLst meth="repeat">
+      <a:schemeClr val="dk1"/>
+    </dgm:txFillClrLst>
+    <dgm:txEffectClrLst/>
+  </dgm:styleLbl>
+  <dgm:styleLbl name="fgAcc4">
+    <dgm:fillClrLst meth="repeat">
+      <a:schemeClr val="lt1">
+        <a:alpha val="90000"/>
+      </a:schemeClr>
+    </dgm:fillClrLst>
+    <dgm:linClrLst meth="repeat">
+      <a:schemeClr val="accent1"/>
+    </dgm:linClrLst>
+    <dgm:effectClrLst/>
+    <dgm:txLinClrLst/>
+    <dgm:txFillClrLst meth="repeat">
+      <a:schemeClr val="dk1"/>
+    </dgm:txFillClrLst>
+    <dgm:txEffectClrLst/>
+  </dgm:styleLbl>
+  <dgm:styleLbl name="bgShp">
+    <dgm:fillClrLst meth="repeat">
+      <a:schemeClr val="accent1">
+        <a:tint val="40000"/>
+      </a:schemeClr>
+    </dgm:fillClrLst>
+    <dgm:linClrLst meth="repeat">
+      <a:schemeClr val="accent1"/>
+    </dgm:linClrLst>
+    <dgm:effectClrLst/>
+    <dgm:txLinClrLst/>
+    <dgm:txFillClrLst meth="repeat">
+      <a:schemeClr val="dk1"/>
+    </dgm:txFillClrLst>
+    <dgm:txEffectClrLst/>
+  </dgm:styleLbl>
+  <dgm:styleLbl name="dkBgShp">
+    <dgm:fillClrLst meth="repeat">
+      <a:schemeClr val="accent1">
+        <a:shade val="80000"/>
+      </a:schemeClr>
+    </dgm:fillClrLst>
+    <dgm:linClrLst meth="repeat">
+      <a:schemeClr val="accent1"/>
+    </dgm:linClrLst>
+    <dgm:effectClrLst/>
+    <dgm:txLinClrLst/>
+    <dgm:txFillClrLst meth="repeat">
+      <a:schemeClr val="lt1"/>
+    </dgm:txFillClrLst>
+    <dgm:txEffectClrLst/>
+  </dgm:styleLbl>
+  <dgm:styleLbl name="trBgShp">
+    <dgm:fillClrLst meth="repeat">
+      <a:schemeClr val="accent1">
+        <a:tint val="50000"/>
+        <a:alpha val="40000"/>
+      </a:schemeClr>
+    </dgm:fillClrLst>
+    <dgm:linClrLst meth="repeat">
+      <a:schemeClr val="accent1"/>
+    </dgm:linClrLst>
+    <dgm:effectClrLst/>
+    <dgm:txLinClrLst/>
+    <dgm:txFillClrLst meth="repeat">
+      <a:schemeClr val="lt1"/>
+    </dgm:txFillClrLst>
+    <dgm:txEffectClrLst/>
+  </dgm:styleLbl>
+  <dgm:styleLbl name="fgShp">
+    <dgm:fillClrLst meth="repeat">
+      <a:schemeClr val="accent1">
+        <a:tint val="60000"/>
+      </a:schemeClr>
+    </dgm:fillClrLst>
+    <dgm:linClrLst meth="repeat">
+      <a:schemeClr val="lt1"/>
+    </dgm:linClrLst>
+    <dgm:effectClrLst/>
+    <dgm:txLinClrLst/>
+    <dgm:txFillClrLst meth="repeat">
+      <a:schemeClr val="dk1"/>
+    </dgm:txFillClrLst>
+    <dgm:txEffectClrLst/>
+  </dgm:styleLbl>
+  <dgm:styleLbl name="revTx">
+    <dgm:fillClrLst meth="repeat">
+      <a:schemeClr val="lt1">
+        <a:alpha val="0"/>
+      </a:schemeClr>
+    </dgm:fillClrLst>
+    <dgm:linClrLst meth="repeat">
+      <a:schemeClr val="dk1">
+        <a:alpha val="0"/>
+      </a:schemeClr>
+    </dgm:linClrLst>
+    <dgm:effectClrLst/>
+    <dgm:txLinClrLst/>
+    <dgm:txFillClrLst meth="repeat">
+      <a:schemeClr val="tx1"/>
+    </dgm:txFillClrLst>
+    <dgm:txEffectClrLst/>
+  </dgm:styleLbl>
+</dgm:colorsDef>
+</file>
+
 <file path=ppt/diagrams/data1.xml><?xml version="1.0" encoding="utf-8"?>
 <dgm:dataModel xmlns:dgm="http://schemas.openxmlformats.org/drawingml/2006/diagram" xmlns:a="http://schemas.openxmlformats.org/drawingml/2006/main">
   <dgm:ptLst>
@@ -1215,6 +1965,692 @@
     <dgm:cxn modelId="{2AC9FC02-BB4D-4202-8FDE-9D443CE8366C}" type="presParOf" srcId="{ED5A127C-68D7-49D8-A38F-C3A5925C44FE}" destId="{F468BAB3-3C9B-4DDA-A652-F00E4A030B9E}" srcOrd="1" destOrd="0" presId="urn:microsoft.com/office/officeart/2005/8/layout/list1"/>
     <dgm:cxn modelId="{D90800A8-48B5-43BF-A2D4-F102B60D251E}" type="presParOf" srcId="{0A2C63D3-F383-4D79-83C2-2233314340E7}" destId="{42EF43C9-B9CD-4388-8814-50CD83B8515E}" srcOrd="9" destOrd="0" presId="urn:microsoft.com/office/officeart/2005/8/layout/list1"/>
     <dgm:cxn modelId="{663C87D1-58A7-4C58-9E57-0315C25D4EB8}" type="presParOf" srcId="{0A2C63D3-F383-4D79-83C2-2233314340E7}" destId="{84183FAC-29EF-488E-BA91-A38536FAB0E5}" srcOrd="10" destOrd="0" presId="urn:microsoft.com/office/officeart/2005/8/layout/list1"/>
+  </dgm:cxnLst>
+  <dgm:bg/>
+  <dgm:whole/>
+  <dgm:extLst>
+    <a:ext uri="http://schemas.microsoft.com/office/drawing/2008/diagram">
+      <dsp:dataModelExt xmlns:dsp="http://schemas.microsoft.com/office/drawing/2008/diagram" relId="rId6" minVer="http://schemas.openxmlformats.org/drawingml/2006/diagram"/>
+    </a:ext>
+  </dgm:extLst>
+</dgm:dataModel>
+</file>
+
+<file path=ppt/diagrams/data2.xml><?xml version="1.0" encoding="utf-8"?>
+<dgm:dataModel xmlns:dgm="http://schemas.openxmlformats.org/drawingml/2006/diagram" xmlns:a="http://schemas.openxmlformats.org/drawingml/2006/main">
+  <dgm:ptLst>
+    <dgm:pt modelId="{44FEC64A-ACA6-4E13-9EF4-7DD28C5723DA}" type="doc">
+      <dgm:prSet loTypeId="urn:microsoft.com/office/officeart/2005/8/layout/vList4" loCatId="picture" qsTypeId="urn:microsoft.com/office/officeart/2005/8/quickstyle/simple1" qsCatId="simple" csTypeId="urn:microsoft.com/office/officeart/2005/8/colors/accent1_2" csCatId="accent1" phldr="1"/>
+      <dgm:spPr/>
+      <dgm:t>
+        <a:bodyPr/>
+        <a:lstStyle/>
+        <a:p>
+          <a:pPr latinLnBrk="1"/>
+          <a:endParaRPr lang="ko-KR" altLang="en-US"/>
+        </a:p>
+      </dgm:t>
+    </dgm:pt>
+    <dgm:pt modelId="{06310EED-3EBD-428F-B9C3-2EB86A38AE73}">
+      <dgm:prSet phldrT="[텍스트]"/>
+      <dgm:spPr/>
+      <dgm:t>
+        <a:bodyPr/>
+        <a:lstStyle/>
+        <a:p>
+          <a:pPr latinLnBrk="1"/>
+          <a:r>
+            <a:rPr lang="en-US" altLang="ko-KR" b="1" i="0" dirty="0">
+              <a:ln w="9525">
+                <a:noFill/>
+              </a:ln>
+              <a:solidFill>
+                <a:schemeClr val="accent4"/>
+              </a:solidFill>
+              <a:latin typeface="한컴 고딕" panose="02000500000000000000" pitchFamily="2" charset="-127"/>
+              <a:ea typeface="한컴 고딕" panose="02000500000000000000" pitchFamily="2" charset="-127"/>
+            </a:rPr>
+            <a:t>Linear Regression</a:t>
+          </a:r>
+          <a:endParaRPr lang="ko-KR" altLang="en-US" i="0" dirty="0">
+            <a:solidFill>
+              <a:schemeClr val="accent4"/>
+            </a:solidFill>
+            <a:latin typeface="한컴 고딕" panose="02000500000000000000" pitchFamily="2" charset="-127"/>
+            <a:ea typeface="한컴 고딕" panose="02000500000000000000" pitchFamily="2" charset="-127"/>
+          </a:endParaRPr>
+        </a:p>
+      </dgm:t>
+    </dgm:pt>
+    <dgm:pt modelId="{CDE412B6-31EA-43AE-A2A7-43A9F3944113}" type="parTrans" cxnId="{1CCD81D6-25F1-4DA8-8929-E6CE42FB782A}">
+      <dgm:prSet/>
+      <dgm:spPr/>
+      <dgm:t>
+        <a:bodyPr/>
+        <a:lstStyle/>
+        <a:p>
+          <a:pPr latinLnBrk="1"/>
+          <a:endParaRPr lang="ko-KR" altLang="en-US"/>
+        </a:p>
+      </dgm:t>
+    </dgm:pt>
+    <dgm:pt modelId="{375143AA-BB2E-4B9B-9CC7-CD8BBBA76EAD}" type="sibTrans" cxnId="{1CCD81D6-25F1-4DA8-8929-E6CE42FB782A}">
+      <dgm:prSet/>
+      <dgm:spPr/>
+      <dgm:t>
+        <a:bodyPr/>
+        <a:lstStyle/>
+        <a:p>
+          <a:pPr latinLnBrk="1"/>
+          <a:endParaRPr lang="ko-KR" altLang="en-US"/>
+        </a:p>
+      </dgm:t>
+    </dgm:pt>
+    <dgm:pt modelId="{58220369-C43F-4728-A500-D3BAE81C4A9A}">
+      <dgm:prSet phldrT="[텍스트]"/>
+      <dgm:spPr/>
+      <dgm:t>
+        <a:bodyPr/>
+        <a:lstStyle/>
+        <a:p>
+          <a:pPr latinLnBrk="1"/>
+          <a:r>
+            <a:rPr lang="ko-KR" altLang="en-US" b="0" dirty="0">
+              <a:latin typeface="-윤고딕330" panose="02030504000101010101" pitchFamily="18" charset="-127"/>
+              <a:ea typeface="-윤고딕330" panose="02030504000101010101" pitchFamily="18" charset="-127"/>
+            </a:rPr>
+            <a:t>중간성능의 오차율을 보여주었다</a:t>
+          </a:r>
+          <a:r>
+            <a:rPr lang="en-US" altLang="ko-KR" b="0" dirty="0">
+              <a:latin typeface="-윤고딕330" panose="02030504000101010101" pitchFamily="18" charset="-127"/>
+              <a:ea typeface="-윤고딕330" panose="02030504000101010101" pitchFamily="18" charset="-127"/>
+            </a:rPr>
+            <a:t>.</a:t>
+          </a:r>
+          <a:endParaRPr lang="ko-KR" altLang="en-US" b="0" dirty="0">
+            <a:latin typeface="-윤고딕330" panose="02030504000101010101" pitchFamily="18" charset="-127"/>
+            <a:ea typeface="-윤고딕330" panose="02030504000101010101" pitchFamily="18" charset="-127"/>
+          </a:endParaRPr>
+        </a:p>
+      </dgm:t>
+    </dgm:pt>
+    <dgm:pt modelId="{0712417B-E239-47D4-A478-FE6AE090D180}" type="parTrans" cxnId="{715EA671-C9FA-45FB-A516-E72B5E9D6C5A}">
+      <dgm:prSet/>
+      <dgm:spPr/>
+      <dgm:t>
+        <a:bodyPr/>
+        <a:lstStyle/>
+        <a:p>
+          <a:pPr latinLnBrk="1"/>
+          <a:endParaRPr lang="ko-KR" altLang="en-US"/>
+        </a:p>
+      </dgm:t>
+    </dgm:pt>
+    <dgm:pt modelId="{59BE1032-95C7-48F8-A6DD-DC7498DF9866}" type="sibTrans" cxnId="{715EA671-C9FA-45FB-A516-E72B5E9D6C5A}">
+      <dgm:prSet/>
+      <dgm:spPr/>
+      <dgm:t>
+        <a:bodyPr/>
+        <a:lstStyle/>
+        <a:p>
+          <a:pPr latinLnBrk="1"/>
+          <a:endParaRPr lang="ko-KR" altLang="en-US"/>
+        </a:p>
+      </dgm:t>
+    </dgm:pt>
+    <dgm:pt modelId="{AFB6AADE-C0E4-4A28-9607-566B9CCF2662}">
+      <dgm:prSet phldrT="[텍스트]"/>
+      <dgm:spPr/>
+      <dgm:t>
+        <a:bodyPr/>
+        <a:lstStyle/>
+        <a:p>
+          <a:pPr latinLnBrk="1"/>
+          <a:r>
+            <a:rPr lang="ko-KR" altLang="en-US" b="0" dirty="0">
+              <a:latin typeface="-윤고딕330" panose="02030504000101010101" pitchFamily="18" charset="-127"/>
+              <a:ea typeface="-윤고딕330" panose="02030504000101010101" pitchFamily="18" charset="-127"/>
+            </a:rPr>
+            <a:t>그래프의 아래쪽으로 데이터가 몰리는 현상이 보인다</a:t>
+          </a:r>
+          <a:r>
+            <a:rPr lang="en-US" altLang="ko-KR" b="0" dirty="0">
+              <a:latin typeface="-윤고딕330" panose="02030504000101010101" pitchFamily="18" charset="-127"/>
+              <a:ea typeface="-윤고딕330" panose="02030504000101010101" pitchFamily="18" charset="-127"/>
+            </a:rPr>
+            <a:t>.</a:t>
+          </a:r>
+          <a:endParaRPr lang="ko-KR" altLang="en-US" b="0" dirty="0">
+            <a:latin typeface="-윤고딕330" panose="02030504000101010101" pitchFamily="18" charset="-127"/>
+            <a:ea typeface="-윤고딕330" panose="02030504000101010101" pitchFamily="18" charset="-127"/>
+          </a:endParaRPr>
+        </a:p>
+      </dgm:t>
+    </dgm:pt>
+    <dgm:pt modelId="{50695C9B-ADCF-4DE1-BF3F-96E12B916C35}" type="parTrans" cxnId="{474B0A65-0376-4AF0-99D1-F1FD49B8E78F}">
+      <dgm:prSet/>
+      <dgm:spPr/>
+      <dgm:t>
+        <a:bodyPr/>
+        <a:lstStyle/>
+        <a:p>
+          <a:pPr latinLnBrk="1"/>
+          <a:endParaRPr lang="ko-KR" altLang="en-US"/>
+        </a:p>
+      </dgm:t>
+    </dgm:pt>
+    <dgm:pt modelId="{FB8A324F-F63D-43D6-B059-901E55FA6A26}" type="sibTrans" cxnId="{474B0A65-0376-4AF0-99D1-F1FD49B8E78F}">
+      <dgm:prSet/>
+      <dgm:spPr/>
+      <dgm:t>
+        <a:bodyPr/>
+        <a:lstStyle/>
+        <a:p>
+          <a:pPr latinLnBrk="1"/>
+          <a:endParaRPr lang="ko-KR" altLang="en-US"/>
+        </a:p>
+      </dgm:t>
+    </dgm:pt>
+    <dgm:pt modelId="{C9F2E036-D5FA-4347-9135-1B3964ED9FC0}">
+      <dgm:prSet phldrT="[텍스트]"/>
+      <dgm:spPr/>
+      <dgm:t>
+        <a:bodyPr/>
+        <a:lstStyle/>
+        <a:p>
+          <a:pPr latinLnBrk="1"/>
+          <a:r>
+            <a:rPr lang="en-US" altLang="ko-KR" b="1" i="0" dirty="0">
+              <a:ln w="9525">
+                <a:noFill/>
+              </a:ln>
+              <a:solidFill>
+                <a:schemeClr val="accent4"/>
+              </a:solidFill>
+              <a:latin typeface="한컴 고딕" panose="02000500000000000000" pitchFamily="2" charset="-127"/>
+              <a:ea typeface="한컴 고딕" panose="02000500000000000000" pitchFamily="2" charset="-127"/>
+            </a:rPr>
+            <a:t>Random Forest Regressor</a:t>
+          </a:r>
+          <a:endParaRPr lang="ko-KR" altLang="en-US" i="0" dirty="0">
+            <a:solidFill>
+              <a:schemeClr val="accent4"/>
+            </a:solidFill>
+            <a:latin typeface="한컴 고딕" panose="02000500000000000000" pitchFamily="2" charset="-127"/>
+            <a:ea typeface="한컴 고딕" panose="02000500000000000000" pitchFamily="2" charset="-127"/>
+          </a:endParaRPr>
+        </a:p>
+      </dgm:t>
+    </dgm:pt>
+    <dgm:pt modelId="{669817F5-1312-425B-83EC-2F32FF5F305D}" type="parTrans" cxnId="{400586DA-7A11-444F-9300-0EC83339C75E}">
+      <dgm:prSet/>
+      <dgm:spPr/>
+      <dgm:t>
+        <a:bodyPr/>
+        <a:lstStyle/>
+        <a:p>
+          <a:pPr latinLnBrk="1"/>
+          <a:endParaRPr lang="ko-KR" altLang="en-US"/>
+        </a:p>
+      </dgm:t>
+    </dgm:pt>
+    <dgm:pt modelId="{FFF7CF6B-E71F-4A45-AE6E-AAC79BFA251E}" type="sibTrans" cxnId="{400586DA-7A11-444F-9300-0EC83339C75E}">
+      <dgm:prSet/>
+      <dgm:spPr/>
+      <dgm:t>
+        <a:bodyPr/>
+        <a:lstStyle/>
+        <a:p>
+          <a:pPr latinLnBrk="1"/>
+          <a:endParaRPr lang="ko-KR" altLang="en-US"/>
+        </a:p>
+      </dgm:t>
+    </dgm:pt>
+    <dgm:pt modelId="{4EF09503-7390-456C-B5F0-966F978CE7DA}">
+      <dgm:prSet phldrT="[텍스트]"/>
+      <dgm:spPr/>
+      <dgm:t>
+        <a:bodyPr/>
+        <a:lstStyle/>
+        <a:p>
+          <a:pPr latinLnBrk="1"/>
+          <a:r>
+            <a:rPr lang="ko-KR" altLang="en-US" dirty="0">
+              <a:latin typeface="-윤고딕330" panose="02030504000101010101" pitchFamily="18" charset="-127"/>
+              <a:ea typeface="-윤고딕330" panose="02030504000101010101" pitchFamily="18" charset="-127"/>
+            </a:rPr>
+            <a:t>오차율이 가장 적은 알고리즘이었다</a:t>
+          </a:r>
+          <a:r>
+            <a:rPr lang="en-US" altLang="ko-KR" dirty="0">
+              <a:latin typeface="-윤고딕330" panose="02030504000101010101" pitchFamily="18" charset="-127"/>
+              <a:ea typeface="-윤고딕330" panose="02030504000101010101" pitchFamily="18" charset="-127"/>
+            </a:rPr>
+            <a:t>.</a:t>
+          </a:r>
+          <a:endParaRPr lang="ko-KR" altLang="en-US" dirty="0">
+            <a:latin typeface="-윤고딕330" panose="02030504000101010101" pitchFamily="18" charset="-127"/>
+            <a:ea typeface="-윤고딕330" panose="02030504000101010101" pitchFamily="18" charset="-127"/>
+          </a:endParaRPr>
+        </a:p>
+      </dgm:t>
+    </dgm:pt>
+    <dgm:pt modelId="{D83F411E-D5B2-4D9D-B6F1-5DBCCEA03FC3}" type="parTrans" cxnId="{549CC94D-E985-4088-AFA6-77C779CB55E8}">
+      <dgm:prSet/>
+      <dgm:spPr/>
+      <dgm:t>
+        <a:bodyPr/>
+        <a:lstStyle/>
+        <a:p>
+          <a:pPr latinLnBrk="1"/>
+          <a:endParaRPr lang="ko-KR" altLang="en-US"/>
+        </a:p>
+      </dgm:t>
+    </dgm:pt>
+    <dgm:pt modelId="{13B75BBB-F719-494F-8B11-AC3FEA7C50C9}" type="sibTrans" cxnId="{549CC94D-E985-4088-AFA6-77C779CB55E8}">
+      <dgm:prSet/>
+      <dgm:spPr/>
+      <dgm:t>
+        <a:bodyPr/>
+        <a:lstStyle/>
+        <a:p>
+          <a:pPr latinLnBrk="1"/>
+          <a:endParaRPr lang="ko-KR" altLang="en-US"/>
+        </a:p>
+      </dgm:t>
+    </dgm:pt>
+    <dgm:pt modelId="{32BD9A6C-036E-4567-AD00-65A547459F6E}">
+      <dgm:prSet phldrT="[텍스트]"/>
+      <dgm:spPr/>
+      <dgm:t>
+        <a:bodyPr/>
+        <a:lstStyle/>
+        <a:p>
+          <a:pPr latinLnBrk="1"/>
+          <a:r>
+            <a:rPr lang="ko-KR" altLang="en-US" dirty="0">
+              <a:latin typeface="-윤고딕330" panose="02030504000101010101" pitchFamily="18" charset="-127"/>
+              <a:ea typeface="-윤고딕330" panose="02030504000101010101" pitchFamily="18" charset="-127"/>
+            </a:rPr>
+            <a:t>따라서 과적합을 의심해 볼 필요가 있다</a:t>
+          </a:r>
+          <a:r>
+            <a:rPr lang="en-US" altLang="ko-KR" dirty="0">
+              <a:latin typeface="-윤고딕330" panose="02030504000101010101" pitchFamily="18" charset="-127"/>
+              <a:ea typeface="-윤고딕330" panose="02030504000101010101" pitchFamily="18" charset="-127"/>
+            </a:rPr>
+            <a:t>.</a:t>
+          </a:r>
+          <a:endParaRPr lang="ko-KR" altLang="en-US" dirty="0">
+            <a:latin typeface="-윤고딕330" panose="02030504000101010101" pitchFamily="18" charset="-127"/>
+            <a:ea typeface="-윤고딕330" panose="02030504000101010101" pitchFamily="18" charset="-127"/>
+          </a:endParaRPr>
+        </a:p>
+      </dgm:t>
+    </dgm:pt>
+    <dgm:pt modelId="{1E4F0CD4-D4AA-4E89-A655-D40992D40854}" type="parTrans" cxnId="{3983C18D-55A6-46C1-9D00-E9769EC30CF0}">
+      <dgm:prSet/>
+      <dgm:spPr/>
+      <dgm:t>
+        <a:bodyPr/>
+        <a:lstStyle/>
+        <a:p>
+          <a:pPr latinLnBrk="1"/>
+          <a:endParaRPr lang="ko-KR" altLang="en-US"/>
+        </a:p>
+      </dgm:t>
+    </dgm:pt>
+    <dgm:pt modelId="{C17E58BC-EC17-4C3F-A454-6E7685399472}" type="sibTrans" cxnId="{3983C18D-55A6-46C1-9D00-E9769EC30CF0}">
+      <dgm:prSet/>
+      <dgm:spPr/>
+      <dgm:t>
+        <a:bodyPr/>
+        <a:lstStyle/>
+        <a:p>
+          <a:pPr latinLnBrk="1"/>
+          <a:endParaRPr lang="ko-KR" altLang="en-US"/>
+        </a:p>
+      </dgm:t>
+    </dgm:pt>
+    <dgm:pt modelId="{1BEA6B58-71FD-47A2-B44A-7ABFB9C32DD6}">
+      <dgm:prSet phldrT="[텍스트]"/>
+      <dgm:spPr/>
+      <dgm:t>
+        <a:bodyPr/>
+        <a:lstStyle/>
+        <a:p>
+          <a:pPr latinLnBrk="1"/>
+          <a:r>
+            <a:rPr lang="en-US" altLang="ko-KR" b="1" i="0" dirty="0" err="1">
+              <a:ln w="9525">
+                <a:noFill/>
+              </a:ln>
+              <a:solidFill>
+                <a:schemeClr val="accent4"/>
+              </a:solidFill>
+              <a:latin typeface="한컴 고딕" panose="02000500000000000000" pitchFamily="2" charset="-127"/>
+              <a:ea typeface="한컴 고딕" panose="02000500000000000000" pitchFamily="2" charset="-127"/>
+            </a:rPr>
+            <a:t>SVR</a:t>
+          </a:r>
+          <a:endParaRPr lang="ko-KR" altLang="en-US" i="0" dirty="0">
+            <a:solidFill>
+              <a:schemeClr val="accent4"/>
+            </a:solidFill>
+            <a:latin typeface="한컴 고딕" panose="02000500000000000000" pitchFamily="2" charset="-127"/>
+            <a:ea typeface="한컴 고딕" panose="02000500000000000000" pitchFamily="2" charset="-127"/>
+          </a:endParaRPr>
+        </a:p>
+      </dgm:t>
+    </dgm:pt>
+    <dgm:pt modelId="{FE99A6A0-4006-4D40-949B-9224D8D95A1E}" type="parTrans" cxnId="{545D7074-2A2A-4B00-96A5-A9D6F2F7F121}">
+      <dgm:prSet/>
+      <dgm:spPr/>
+      <dgm:t>
+        <a:bodyPr/>
+        <a:lstStyle/>
+        <a:p>
+          <a:pPr latinLnBrk="1"/>
+          <a:endParaRPr lang="ko-KR" altLang="en-US"/>
+        </a:p>
+      </dgm:t>
+    </dgm:pt>
+    <dgm:pt modelId="{FC56F634-B1A6-4661-96D7-A2E28328C38A}" type="sibTrans" cxnId="{545D7074-2A2A-4B00-96A5-A9D6F2F7F121}">
+      <dgm:prSet/>
+      <dgm:spPr/>
+      <dgm:t>
+        <a:bodyPr/>
+        <a:lstStyle/>
+        <a:p>
+          <a:pPr latinLnBrk="1"/>
+          <a:endParaRPr lang="ko-KR" altLang="en-US"/>
+        </a:p>
+      </dgm:t>
+    </dgm:pt>
+    <dgm:pt modelId="{167A4854-3B28-4B76-A753-6D39884A48C1}">
+      <dgm:prSet phldrT="[텍스트]"/>
+      <dgm:spPr/>
+      <dgm:t>
+        <a:bodyPr/>
+        <a:lstStyle/>
+        <a:p>
+          <a:pPr latinLnBrk="1"/>
+          <a:r>
+            <a:rPr lang="ko-KR" altLang="en-US" dirty="0">
+              <a:latin typeface="-윤고딕330" panose="02030504000101010101" pitchFamily="18" charset="-127"/>
+              <a:ea typeface="-윤고딕330" panose="02030504000101010101" pitchFamily="18" charset="-127"/>
+            </a:rPr>
+            <a:t>가장 </a:t>
+          </a:r>
+          <a:r>
+            <a:rPr lang="ko-KR" altLang="en-US" dirty="0" err="1">
+              <a:latin typeface="-윤고딕330" panose="02030504000101010101" pitchFamily="18" charset="-127"/>
+              <a:ea typeface="-윤고딕330" panose="02030504000101010101" pitchFamily="18" charset="-127"/>
+            </a:rPr>
+            <a:t>안좋은</a:t>
+          </a:r>
+          <a:r>
+            <a:rPr lang="ko-KR" altLang="en-US" dirty="0">
+              <a:latin typeface="-윤고딕330" panose="02030504000101010101" pitchFamily="18" charset="-127"/>
+              <a:ea typeface="-윤고딕330" panose="02030504000101010101" pitchFamily="18" charset="-127"/>
+            </a:rPr>
+            <a:t> 오차율을 보여주었다</a:t>
+          </a:r>
+          <a:r>
+            <a:rPr lang="en-US" altLang="ko-KR" dirty="0">
+              <a:latin typeface="-윤고딕330" panose="02030504000101010101" pitchFamily="18" charset="-127"/>
+              <a:ea typeface="-윤고딕330" panose="02030504000101010101" pitchFamily="18" charset="-127"/>
+            </a:rPr>
+            <a:t>.</a:t>
+          </a:r>
+          <a:endParaRPr lang="ko-KR" altLang="en-US" dirty="0">
+            <a:latin typeface="-윤고딕330" panose="02030504000101010101" pitchFamily="18" charset="-127"/>
+            <a:ea typeface="-윤고딕330" panose="02030504000101010101" pitchFamily="18" charset="-127"/>
+          </a:endParaRPr>
+        </a:p>
+      </dgm:t>
+    </dgm:pt>
+    <dgm:pt modelId="{7E1F7941-6F3A-4ABB-8DE5-31E5493868A4}" type="parTrans" cxnId="{4CB86B8F-13B4-4F8A-8C87-5E32E60C0C7B}">
+      <dgm:prSet/>
+      <dgm:spPr/>
+      <dgm:t>
+        <a:bodyPr/>
+        <a:lstStyle/>
+        <a:p>
+          <a:pPr latinLnBrk="1"/>
+          <a:endParaRPr lang="ko-KR" altLang="en-US"/>
+        </a:p>
+      </dgm:t>
+    </dgm:pt>
+    <dgm:pt modelId="{143B6E9C-7F1D-46AC-999D-11CD258FCEDF}" type="sibTrans" cxnId="{4CB86B8F-13B4-4F8A-8C87-5E32E60C0C7B}">
+      <dgm:prSet/>
+      <dgm:spPr/>
+      <dgm:t>
+        <a:bodyPr/>
+        <a:lstStyle/>
+        <a:p>
+          <a:pPr latinLnBrk="1"/>
+          <a:endParaRPr lang="ko-KR" altLang="en-US"/>
+        </a:p>
+      </dgm:t>
+    </dgm:pt>
+    <dgm:pt modelId="{A894A79F-3196-4900-8799-43A822ADE1B2}">
+      <dgm:prSet phldrT="[텍스트]"/>
+      <dgm:spPr/>
+      <dgm:t>
+        <a:bodyPr/>
+        <a:lstStyle/>
+        <a:p>
+          <a:pPr latinLnBrk="1"/>
+          <a:r>
+            <a:rPr lang="ko-KR" altLang="en-US" dirty="0">
+              <a:latin typeface="-윤고딕330" panose="02030504000101010101" pitchFamily="18" charset="-127"/>
+              <a:ea typeface="-윤고딕330" panose="02030504000101010101" pitchFamily="18" charset="-127"/>
+            </a:rPr>
+            <a:t>그래프가 점들의 가운데를 지나는 것이 보인다</a:t>
+          </a:r>
+          <a:r>
+            <a:rPr lang="en-US" altLang="ko-KR" dirty="0">
+              <a:latin typeface="-윤고딕330" panose="02030504000101010101" pitchFamily="18" charset="-127"/>
+              <a:ea typeface="-윤고딕330" panose="02030504000101010101" pitchFamily="18" charset="-127"/>
+            </a:rPr>
+            <a:t>.</a:t>
+          </a:r>
+          <a:endParaRPr lang="ko-KR" altLang="en-US" dirty="0">
+            <a:latin typeface="-윤고딕330" panose="02030504000101010101" pitchFamily="18" charset="-127"/>
+            <a:ea typeface="-윤고딕330" panose="02030504000101010101" pitchFamily="18" charset="-127"/>
+          </a:endParaRPr>
+        </a:p>
+      </dgm:t>
+    </dgm:pt>
+    <dgm:pt modelId="{B78EA0A5-1A00-4F57-A7A3-27F969794379}" type="parTrans" cxnId="{38909EC2-FD44-43C0-9F9A-E7CC293C8078}">
+      <dgm:prSet/>
+      <dgm:spPr/>
+      <dgm:t>
+        <a:bodyPr/>
+        <a:lstStyle/>
+        <a:p>
+          <a:pPr latinLnBrk="1"/>
+          <a:endParaRPr lang="ko-KR" altLang="en-US"/>
+        </a:p>
+      </dgm:t>
+    </dgm:pt>
+    <dgm:pt modelId="{FFB3DE86-88B2-49F0-B6C6-97275B05C25C}" type="sibTrans" cxnId="{38909EC2-FD44-43C0-9F9A-E7CC293C8078}">
+      <dgm:prSet/>
+      <dgm:spPr/>
+      <dgm:t>
+        <a:bodyPr/>
+        <a:lstStyle/>
+        <a:p>
+          <a:pPr latinLnBrk="1"/>
+          <a:endParaRPr lang="ko-KR" altLang="en-US"/>
+        </a:p>
+      </dgm:t>
+    </dgm:pt>
+    <dgm:pt modelId="{BE4D7C83-70D5-4EDC-A974-05E09D927CB0}" type="pres">
+      <dgm:prSet presAssocID="{44FEC64A-ACA6-4E13-9EF4-7DD28C5723DA}" presName="linear" presStyleCnt="0">
+        <dgm:presLayoutVars>
+          <dgm:dir/>
+          <dgm:resizeHandles val="exact"/>
+        </dgm:presLayoutVars>
+      </dgm:prSet>
+      <dgm:spPr/>
+    </dgm:pt>
+    <dgm:pt modelId="{C02A2B76-4CA1-4A08-96DA-1A27977E0E68}" type="pres">
+      <dgm:prSet presAssocID="{06310EED-3EBD-428F-B9C3-2EB86A38AE73}" presName="comp" presStyleCnt="0"/>
+      <dgm:spPr/>
+    </dgm:pt>
+    <dgm:pt modelId="{DD18D2BE-9BD5-4C8E-AB43-5D0786955A11}" type="pres">
+      <dgm:prSet presAssocID="{06310EED-3EBD-428F-B9C3-2EB86A38AE73}" presName="box" presStyleLbl="node1" presStyleIdx="0" presStyleCnt="3"/>
+      <dgm:spPr/>
+    </dgm:pt>
+    <dgm:pt modelId="{4EFBE82C-F5EC-4BF7-9C5E-60059AEE6CEB}" type="pres">
+      <dgm:prSet presAssocID="{06310EED-3EBD-428F-B9C3-2EB86A38AE73}" presName="img" presStyleLbl="fgImgPlace1" presStyleIdx="0" presStyleCnt="3"/>
+      <dgm:spPr>
+        <a:blipFill>
+          <a:blip xmlns:r="http://schemas.openxmlformats.org/officeDocument/2006/relationships" r:embed="rId1" cstate="print">
+            <a:extLst>
+              <a:ext uri="{28A0092B-C50C-407E-A947-70E740481C1C}">
+                <a14:useLocalDpi xmlns:a14="http://schemas.microsoft.com/office/drawing/2010/main" val="0"/>
+              </a:ext>
+            </a:extLst>
+          </a:blip>
+          <a:srcRect/>
+          <a:stretch>
+            <a:fillRect l="-6000" r="-6000"/>
+          </a:stretch>
+        </a:blipFill>
+      </dgm:spPr>
+    </dgm:pt>
+    <dgm:pt modelId="{FFD85187-9744-4CAA-AACC-CF469C36C37C}" type="pres">
+      <dgm:prSet presAssocID="{06310EED-3EBD-428F-B9C3-2EB86A38AE73}" presName="text" presStyleLbl="node1" presStyleIdx="0" presStyleCnt="3">
+        <dgm:presLayoutVars>
+          <dgm:bulletEnabled val="1"/>
+        </dgm:presLayoutVars>
+      </dgm:prSet>
+      <dgm:spPr/>
+    </dgm:pt>
+    <dgm:pt modelId="{625989CB-D527-4B90-AEE1-984BD7818769}" type="pres">
+      <dgm:prSet presAssocID="{375143AA-BB2E-4B9B-9CC7-CD8BBBA76EAD}" presName="spacer" presStyleCnt="0"/>
+      <dgm:spPr/>
+    </dgm:pt>
+    <dgm:pt modelId="{76BCBE49-8B76-45B6-84FC-FC74837DED12}" type="pres">
+      <dgm:prSet presAssocID="{C9F2E036-D5FA-4347-9135-1B3964ED9FC0}" presName="comp" presStyleCnt="0"/>
+      <dgm:spPr/>
+    </dgm:pt>
+    <dgm:pt modelId="{8BD05C22-B991-469E-9D24-1EF1624CC7FA}" type="pres">
+      <dgm:prSet presAssocID="{C9F2E036-D5FA-4347-9135-1B3964ED9FC0}" presName="box" presStyleLbl="node1" presStyleIdx="1" presStyleCnt="3"/>
+      <dgm:spPr/>
+    </dgm:pt>
+    <dgm:pt modelId="{3446C4EB-C101-455C-8055-4F6FA8BDE0E9}" type="pres">
+      <dgm:prSet presAssocID="{C9F2E036-D5FA-4347-9135-1B3964ED9FC0}" presName="img" presStyleLbl="fgImgPlace1" presStyleIdx="1" presStyleCnt="3"/>
+      <dgm:spPr>
+        <a:blipFill>
+          <a:blip xmlns:r="http://schemas.openxmlformats.org/officeDocument/2006/relationships" r:embed="rId2" cstate="print">
+            <a:extLst>
+              <a:ext uri="{28A0092B-C50C-407E-A947-70E740481C1C}">
+                <a14:useLocalDpi xmlns:a14="http://schemas.microsoft.com/office/drawing/2010/main" val="0"/>
+              </a:ext>
+            </a:extLst>
+          </a:blip>
+          <a:srcRect/>
+          <a:stretch>
+            <a:fillRect l="-5000" r="-5000"/>
+          </a:stretch>
+        </a:blipFill>
+      </dgm:spPr>
+    </dgm:pt>
+    <dgm:pt modelId="{19F1E340-0436-4A80-80DE-F235C728D199}" type="pres">
+      <dgm:prSet presAssocID="{C9F2E036-D5FA-4347-9135-1B3964ED9FC0}" presName="text" presStyleLbl="node1" presStyleIdx="1" presStyleCnt="3">
+        <dgm:presLayoutVars>
+          <dgm:bulletEnabled val="1"/>
+        </dgm:presLayoutVars>
+      </dgm:prSet>
+      <dgm:spPr/>
+    </dgm:pt>
+    <dgm:pt modelId="{1173E171-C456-4341-ACE5-5DAAB12C0A1E}" type="pres">
+      <dgm:prSet presAssocID="{FFF7CF6B-E71F-4A45-AE6E-AAC79BFA251E}" presName="spacer" presStyleCnt="0"/>
+      <dgm:spPr/>
+    </dgm:pt>
+    <dgm:pt modelId="{F63953B0-52AF-459F-876C-BEC26B0B2AD2}" type="pres">
+      <dgm:prSet presAssocID="{1BEA6B58-71FD-47A2-B44A-7ABFB9C32DD6}" presName="comp" presStyleCnt="0"/>
+      <dgm:spPr/>
+    </dgm:pt>
+    <dgm:pt modelId="{2CDF8092-6E89-4AA6-8A68-BD59FFC75893}" type="pres">
+      <dgm:prSet presAssocID="{1BEA6B58-71FD-47A2-B44A-7ABFB9C32DD6}" presName="box" presStyleLbl="node1" presStyleIdx="2" presStyleCnt="3"/>
+      <dgm:spPr/>
+    </dgm:pt>
+    <dgm:pt modelId="{7F522747-9735-46C6-BCC0-6C95BCBA5245}" type="pres">
+      <dgm:prSet presAssocID="{1BEA6B58-71FD-47A2-B44A-7ABFB9C32DD6}" presName="img" presStyleLbl="fgImgPlace1" presStyleIdx="2" presStyleCnt="3"/>
+      <dgm:spPr>
+        <a:blipFill>
+          <a:blip xmlns:r="http://schemas.openxmlformats.org/officeDocument/2006/relationships" r:embed="rId3" cstate="print">
+            <a:extLst>
+              <a:ext uri="{28A0092B-C50C-407E-A947-70E740481C1C}">
+                <a14:useLocalDpi xmlns:a14="http://schemas.microsoft.com/office/drawing/2010/main" val="0"/>
+              </a:ext>
+            </a:extLst>
+          </a:blip>
+          <a:srcRect/>
+          <a:stretch>
+            <a:fillRect l="-6000" r="-6000"/>
+          </a:stretch>
+        </a:blipFill>
+      </dgm:spPr>
+    </dgm:pt>
+    <dgm:pt modelId="{62B362B8-9CF9-4186-9A2C-252807868475}" type="pres">
+      <dgm:prSet presAssocID="{1BEA6B58-71FD-47A2-B44A-7ABFB9C32DD6}" presName="text" presStyleLbl="node1" presStyleIdx="2" presStyleCnt="3">
+        <dgm:presLayoutVars>
+          <dgm:bulletEnabled val="1"/>
+        </dgm:presLayoutVars>
+      </dgm:prSet>
+      <dgm:spPr/>
+    </dgm:pt>
+  </dgm:ptLst>
+  <dgm:cxnLst>
+    <dgm:cxn modelId="{DDAC9C0F-97A7-444A-9D20-7610354B9BEE}" type="presOf" srcId="{4EF09503-7390-456C-B5F0-966F978CE7DA}" destId="{19F1E340-0436-4A80-80DE-F235C728D199}" srcOrd="1" destOrd="1" presId="urn:microsoft.com/office/officeart/2005/8/layout/vList4"/>
+    <dgm:cxn modelId="{F8315D13-E03B-41E5-BE7D-B1F25951CD71}" type="presOf" srcId="{58220369-C43F-4728-A500-D3BAE81C4A9A}" destId="{FFD85187-9744-4CAA-AACC-CF469C36C37C}" srcOrd="1" destOrd="1" presId="urn:microsoft.com/office/officeart/2005/8/layout/vList4"/>
+    <dgm:cxn modelId="{E6C4B21D-294E-4433-AAF9-11498108744A}" type="presOf" srcId="{44FEC64A-ACA6-4E13-9EF4-7DD28C5723DA}" destId="{BE4D7C83-70D5-4EDC-A974-05E09D927CB0}" srcOrd="0" destOrd="0" presId="urn:microsoft.com/office/officeart/2005/8/layout/vList4"/>
+    <dgm:cxn modelId="{CCBDAF24-FAE9-418C-AC3C-D45C5FF337E6}" type="presOf" srcId="{06310EED-3EBD-428F-B9C3-2EB86A38AE73}" destId="{FFD85187-9744-4CAA-AACC-CF469C36C37C}" srcOrd="1" destOrd="0" presId="urn:microsoft.com/office/officeart/2005/8/layout/vList4"/>
+    <dgm:cxn modelId="{C4ACBE26-710A-4DD3-A9F8-885F98F5BD99}" type="presOf" srcId="{32BD9A6C-036E-4567-AD00-65A547459F6E}" destId="{19F1E340-0436-4A80-80DE-F235C728D199}" srcOrd="1" destOrd="2" presId="urn:microsoft.com/office/officeart/2005/8/layout/vList4"/>
+    <dgm:cxn modelId="{1E3B1C27-50C2-4748-BC8F-5B7526581048}" type="presOf" srcId="{1BEA6B58-71FD-47A2-B44A-7ABFB9C32DD6}" destId="{2CDF8092-6E89-4AA6-8A68-BD59FFC75893}" srcOrd="0" destOrd="0" presId="urn:microsoft.com/office/officeart/2005/8/layout/vList4"/>
+    <dgm:cxn modelId="{1CD58C5B-3FFD-4D03-A485-53ADBB36C776}" type="presOf" srcId="{AFB6AADE-C0E4-4A28-9607-566B9CCF2662}" destId="{DD18D2BE-9BD5-4C8E-AB43-5D0786955A11}" srcOrd="0" destOrd="2" presId="urn:microsoft.com/office/officeart/2005/8/layout/vList4"/>
+    <dgm:cxn modelId="{2B199D5B-FE19-441C-BED6-B9B73723343D}" type="presOf" srcId="{AFB6AADE-C0E4-4A28-9607-566B9CCF2662}" destId="{FFD85187-9744-4CAA-AACC-CF469C36C37C}" srcOrd="1" destOrd="2" presId="urn:microsoft.com/office/officeart/2005/8/layout/vList4"/>
+    <dgm:cxn modelId="{5586565E-6F86-474E-B6C4-53BA3EC34C18}" type="presOf" srcId="{C9F2E036-D5FA-4347-9135-1B3964ED9FC0}" destId="{19F1E340-0436-4A80-80DE-F235C728D199}" srcOrd="1" destOrd="0" presId="urn:microsoft.com/office/officeart/2005/8/layout/vList4"/>
+    <dgm:cxn modelId="{474B0A65-0376-4AF0-99D1-F1FD49B8E78F}" srcId="{06310EED-3EBD-428F-B9C3-2EB86A38AE73}" destId="{AFB6AADE-C0E4-4A28-9607-566B9CCF2662}" srcOrd="1" destOrd="0" parTransId="{50695C9B-ADCF-4DE1-BF3F-96E12B916C35}" sibTransId="{FB8A324F-F63D-43D6-B059-901E55FA6A26}"/>
+    <dgm:cxn modelId="{1A4FB447-C4A7-4616-8EB0-A78A26F558CB}" type="presOf" srcId="{C9F2E036-D5FA-4347-9135-1B3964ED9FC0}" destId="{8BD05C22-B991-469E-9D24-1EF1624CC7FA}" srcOrd="0" destOrd="0" presId="urn:microsoft.com/office/officeart/2005/8/layout/vList4"/>
+    <dgm:cxn modelId="{549CC94D-E985-4088-AFA6-77C779CB55E8}" srcId="{C9F2E036-D5FA-4347-9135-1B3964ED9FC0}" destId="{4EF09503-7390-456C-B5F0-966F978CE7DA}" srcOrd="0" destOrd="0" parTransId="{D83F411E-D5B2-4D9D-B6F1-5DBCCEA03FC3}" sibTransId="{13B75BBB-F719-494F-8B11-AC3FEA7C50C9}"/>
+    <dgm:cxn modelId="{6320F46D-5867-43BA-8924-BD747B71C150}" type="presOf" srcId="{1BEA6B58-71FD-47A2-B44A-7ABFB9C32DD6}" destId="{62B362B8-9CF9-4186-9A2C-252807868475}" srcOrd="1" destOrd="0" presId="urn:microsoft.com/office/officeart/2005/8/layout/vList4"/>
+    <dgm:cxn modelId="{715EA671-C9FA-45FB-A516-E72B5E9D6C5A}" srcId="{06310EED-3EBD-428F-B9C3-2EB86A38AE73}" destId="{58220369-C43F-4728-A500-D3BAE81C4A9A}" srcOrd="0" destOrd="0" parTransId="{0712417B-E239-47D4-A478-FE6AE090D180}" sibTransId="{59BE1032-95C7-48F8-A6DD-DC7498DF9866}"/>
+    <dgm:cxn modelId="{545D7074-2A2A-4B00-96A5-A9D6F2F7F121}" srcId="{44FEC64A-ACA6-4E13-9EF4-7DD28C5723DA}" destId="{1BEA6B58-71FD-47A2-B44A-7ABFB9C32DD6}" srcOrd="2" destOrd="0" parTransId="{FE99A6A0-4006-4D40-949B-9224D8D95A1E}" sibTransId="{FC56F634-B1A6-4661-96D7-A2E28328C38A}"/>
+    <dgm:cxn modelId="{5951D688-E041-4242-8466-FF2CFB072510}" type="presOf" srcId="{58220369-C43F-4728-A500-D3BAE81C4A9A}" destId="{DD18D2BE-9BD5-4C8E-AB43-5D0786955A11}" srcOrd="0" destOrd="1" presId="urn:microsoft.com/office/officeart/2005/8/layout/vList4"/>
+    <dgm:cxn modelId="{3983C18D-55A6-46C1-9D00-E9769EC30CF0}" srcId="{C9F2E036-D5FA-4347-9135-1B3964ED9FC0}" destId="{32BD9A6C-036E-4567-AD00-65A547459F6E}" srcOrd="1" destOrd="0" parTransId="{1E4F0CD4-D4AA-4E89-A655-D40992D40854}" sibTransId="{C17E58BC-EC17-4C3F-A454-6E7685399472}"/>
+    <dgm:cxn modelId="{4CB86B8F-13B4-4F8A-8C87-5E32E60C0C7B}" srcId="{1BEA6B58-71FD-47A2-B44A-7ABFB9C32DD6}" destId="{167A4854-3B28-4B76-A753-6D39884A48C1}" srcOrd="0" destOrd="0" parTransId="{7E1F7941-6F3A-4ABB-8DE5-31E5493868A4}" sibTransId="{143B6E9C-7F1D-46AC-999D-11CD258FCEDF}"/>
+    <dgm:cxn modelId="{3D5C4891-FD61-4322-BD5B-8DE629B163F8}" type="presOf" srcId="{06310EED-3EBD-428F-B9C3-2EB86A38AE73}" destId="{DD18D2BE-9BD5-4C8E-AB43-5D0786955A11}" srcOrd="0" destOrd="0" presId="urn:microsoft.com/office/officeart/2005/8/layout/vList4"/>
+    <dgm:cxn modelId="{3B984D9A-5A77-4DEF-91DE-0C9BF0811406}" type="presOf" srcId="{A894A79F-3196-4900-8799-43A822ADE1B2}" destId="{2CDF8092-6E89-4AA6-8A68-BD59FFC75893}" srcOrd="0" destOrd="2" presId="urn:microsoft.com/office/officeart/2005/8/layout/vList4"/>
+    <dgm:cxn modelId="{F037B09F-AB88-4B94-96BD-D47EC0CD31DE}" type="presOf" srcId="{A894A79F-3196-4900-8799-43A822ADE1B2}" destId="{62B362B8-9CF9-4186-9A2C-252807868475}" srcOrd="1" destOrd="2" presId="urn:microsoft.com/office/officeart/2005/8/layout/vList4"/>
+    <dgm:cxn modelId="{62F12DA5-65E2-428F-9949-8453AAB68F39}" type="presOf" srcId="{4EF09503-7390-456C-B5F0-966F978CE7DA}" destId="{8BD05C22-B991-469E-9D24-1EF1624CC7FA}" srcOrd="0" destOrd="1" presId="urn:microsoft.com/office/officeart/2005/8/layout/vList4"/>
+    <dgm:cxn modelId="{51D915A7-2AE9-43D8-B55A-430C5C02673E}" type="presOf" srcId="{32BD9A6C-036E-4567-AD00-65A547459F6E}" destId="{8BD05C22-B991-469E-9D24-1EF1624CC7FA}" srcOrd="0" destOrd="2" presId="urn:microsoft.com/office/officeart/2005/8/layout/vList4"/>
+    <dgm:cxn modelId="{38909EC2-FD44-43C0-9F9A-E7CC293C8078}" srcId="{1BEA6B58-71FD-47A2-B44A-7ABFB9C32DD6}" destId="{A894A79F-3196-4900-8799-43A822ADE1B2}" srcOrd="1" destOrd="0" parTransId="{B78EA0A5-1A00-4F57-A7A3-27F969794379}" sibTransId="{FFB3DE86-88B2-49F0-B6C6-97275B05C25C}"/>
+    <dgm:cxn modelId="{098E53D0-E003-4125-9A23-321056777739}" type="presOf" srcId="{167A4854-3B28-4B76-A753-6D39884A48C1}" destId="{2CDF8092-6E89-4AA6-8A68-BD59FFC75893}" srcOrd="0" destOrd="1" presId="urn:microsoft.com/office/officeart/2005/8/layout/vList4"/>
+    <dgm:cxn modelId="{29CC85D0-4A17-427A-947E-18C0BB539BC8}" type="presOf" srcId="{167A4854-3B28-4B76-A753-6D39884A48C1}" destId="{62B362B8-9CF9-4186-9A2C-252807868475}" srcOrd="1" destOrd="1" presId="urn:microsoft.com/office/officeart/2005/8/layout/vList4"/>
+    <dgm:cxn modelId="{1CCD81D6-25F1-4DA8-8929-E6CE42FB782A}" srcId="{44FEC64A-ACA6-4E13-9EF4-7DD28C5723DA}" destId="{06310EED-3EBD-428F-B9C3-2EB86A38AE73}" srcOrd="0" destOrd="0" parTransId="{CDE412B6-31EA-43AE-A2A7-43A9F3944113}" sibTransId="{375143AA-BB2E-4B9B-9CC7-CD8BBBA76EAD}"/>
+    <dgm:cxn modelId="{400586DA-7A11-444F-9300-0EC83339C75E}" srcId="{44FEC64A-ACA6-4E13-9EF4-7DD28C5723DA}" destId="{C9F2E036-D5FA-4347-9135-1B3964ED9FC0}" srcOrd="1" destOrd="0" parTransId="{669817F5-1312-425B-83EC-2F32FF5F305D}" sibTransId="{FFF7CF6B-E71F-4A45-AE6E-AAC79BFA251E}"/>
+    <dgm:cxn modelId="{D3D52509-99BB-46F8-A18F-992B3382827F}" type="presParOf" srcId="{BE4D7C83-70D5-4EDC-A974-05E09D927CB0}" destId="{C02A2B76-4CA1-4A08-96DA-1A27977E0E68}" srcOrd="0" destOrd="0" presId="urn:microsoft.com/office/officeart/2005/8/layout/vList4"/>
+    <dgm:cxn modelId="{A80A26A1-19E7-4111-AFDC-E6D27F41ABD4}" type="presParOf" srcId="{C02A2B76-4CA1-4A08-96DA-1A27977E0E68}" destId="{DD18D2BE-9BD5-4C8E-AB43-5D0786955A11}" srcOrd="0" destOrd="0" presId="urn:microsoft.com/office/officeart/2005/8/layout/vList4"/>
+    <dgm:cxn modelId="{55F43D90-C83B-4C9B-9CE0-32A2D1A72320}" type="presParOf" srcId="{C02A2B76-4CA1-4A08-96DA-1A27977E0E68}" destId="{4EFBE82C-F5EC-4BF7-9C5E-60059AEE6CEB}" srcOrd="1" destOrd="0" presId="urn:microsoft.com/office/officeart/2005/8/layout/vList4"/>
+    <dgm:cxn modelId="{166A2256-6ACB-482D-A52A-43F0F6BF3FC4}" type="presParOf" srcId="{C02A2B76-4CA1-4A08-96DA-1A27977E0E68}" destId="{FFD85187-9744-4CAA-AACC-CF469C36C37C}" srcOrd="2" destOrd="0" presId="urn:microsoft.com/office/officeart/2005/8/layout/vList4"/>
+    <dgm:cxn modelId="{53510B6B-8882-44E0-A246-CB8688D0CAB1}" type="presParOf" srcId="{BE4D7C83-70D5-4EDC-A974-05E09D927CB0}" destId="{625989CB-D527-4B90-AEE1-984BD7818769}" srcOrd="1" destOrd="0" presId="urn:microsoft.com/office/officeart/2005/8/layout/vList4"/>
+    <dgm:cxn modelId="{6F26741F-C81E-4E05-A4E8-91A0C2D87063}" type="presParOf" srcId="{BE4D7C83-70D5-4EDC-A974-05E09D927CB0}" destId="{76BCBE49-8B76-45B6-84FC-FC74837DED12}" srcOrd="2" destOrd="0" presId="urn:microsoft.com/office/officeart/2005/8/layout/vList4"/>
+    <dgm:cxn modelId="{27DAE97F-A512-4E4F-A58B-279FD7B3B2CE}" type="presParOf" srcId="{76BCBE49-8B76-45B6-84FC-FC74837DED12}" destId="{8BD05C22-B991-469E-9D24-1EF1624CC7FA}" srcOrd="0" destOrd="0" presId="urn:microsoft.com/office/officeart/2005/8/layout/vList4"/>
+    <dgm:cxn modelId="{4C3F8269-73F2-4013-B5F0-A33CF2D3B5DF}" type="presParOf" srcId="{76BCBE49-8B76-45B6-84FC-FC74837DED12}" destId="{3446C4EB-C101-455C-8055-4F6FA8BDE0E9}" srcOrd="1" destOrd="0" presId="urn:microsoft.com/office/officeart/2005/8/layout/vList4"/>
+    <dgm:cxn modelId="{3A958F06-BF46-4E7D-82D5-2EDF29414073}" type="presParOf" srcId="{76BCBE49-8B76-45B6-84FC-FC74837DED12}" destId="{19F1E340-0436-4A80-80DE-F235C728D199}" srcOrd="2" destOrd="0" presId="urn:microsoft.com/office/officeart/2005/8/layout/vList4"/>
+    <dgm:cxn modelId="{8ADB8566-E4FD-46FB-80F0-1E68E1128B59}" type="presParOf" srcId="{BE4D7C83-70D5-4EDC-A974-05E09D927CB0}" destId="{1173E171-C456-4341-ACE5-5DAAB12C0A1E}" srcOrd="3" destOrd="0" presId="urn:microsoft.com/office/officeart/2005/8/layout/vList4"/>
+    <dgm:cxn modelId="{102CE7C2-B291-4E30-A007-900BAC67EF6B}" type="presParOf" srcId="{BE4D7C83-70D5-4EDC-A974-05E09D927CB0}" destId="{F63953B0-52AF-459F-876C-BEC26B0B2AD2}" srcOrd="4" destOrd="0" presId="urn:microsoft.com/office/officeart/2005/8/layout/vList4"/>
+    <dgm:cxn modelId="{B13C450A-4B81-484E-8DEB-ED296E106C77}" type="presParOf" srcId="{F63953B0-52AF-459F-876C-BEC26B0B2AD2}" destId="{2CDF8092-6E89-4AA6-8A68-BD59FFC75893}" srcOrd="0" destOrd="0" presId="urn:microsoft.com/office/officeart/2005/8/layout/vList4"/>
+    <dgm:cxn modelId="{547A697F-4009-4F21-BD9F-FEF2E8FB94CD}" type="presParOf" srcId="{F63953B0-52AF-459F-876C-BEC26B0B2AD2}" destId="{7F522747-9735-46C6-BCC0-6C95BCBA5245}" srcOrd="1" destOrd="0" presId="urn:microsoft.com/office/officeart/2005/8/layout/vList4"/>
+    <dgm:cxn modelId="{BA00E915-6858-444A-8351-10CB040E7DF3}" type="presParOf" srcId="{F63953B0-52AF-459F-876C-BEC26B0B2AD2}" destId="{62B362B8-9CF9-4186-9A2C-252807868475}" srcOrd="2" destOrd="0" presId="urn:microsoft.com/office/officeart/2005/8/layout/vList4"/>
   </dgm:cxnLst>
   <dgm:bg/>
   <dgm:whole/>
@@ -1634,6 +3070,677 @@
 </dsp:drawing>
 </file>
 
+<file path=ppt/diagrams/drawing2.xml><?xml version="1.0" encoding="utf-8"?>
+<dsp:drawing xmlns:dgm="http://schemas.openxmlformats.org/drawingml/2006/diagram" xmlns:dsp="http://schemas.microsoft.com/office/drawing/2008/diagram" xmlns:a="http://schemas.openxmlformats.org/drawingml/2006/main">
+  <dsp:spTree>
+    <dsp:nvGrpSpPr>
+      <dsp:cNvPr id="0" name=""/>
+      <dsp:cNvGrpSpPr/>
+    </dsp:nvGrpSpPr>
+    <dsp:grpSpPr/>
+    <dsp:sp modelId="{DD18D2BE-9BD5-4C8E-AB43-5D0786955A11}">
+      <dsp:nvSpPr>
+        <dsp:cNvPr id="0" name=""/>
+        <dsp:cNvSpPr/>
+      </dsp:nvSpPr>
+      <dsp:spPr>
+        <a:xfrm>
+          <a:off x="0" y="0"/>
+          <a:ext cx="8128000" cy="1693333"/>
+        </a:xfrm>
+        <a:prstGeom prst="roundRect">
+          <a:avLst>
+            <a:gd name="adj" fmla="val 10000"/>
+          </a:avLst>
+        </a:prstGeom>
+        <a:solidFill>
+          <a:schemeClr val="accent1">
+            <a:hueOff val="0"/>
+            <a:satOff val="0"/>
+            <a:lumOff val="0"/>
+            <a:alphaOff val="0"/>
+          </a:schemeClr>
+        </a:solidFill>
+        <a:ln w="12700" cap="flat" cmpd="sng" algn="ctr">
+          <a:solidFill>
+            <a:schemeClr val="lt1">
+              <a:hueOff val="0"/>
+              <a:satOff val="0"/>
+              <a:lumOff val="0"/>
+              <a:alphaOff val="0"/>
+            </a:schemeClr>
+          </a:solidFill>
+          <a:prstDash val="solid"/>
+          <a:miter lim="800000"/>
+        </a:ln>
+        <a:effectLst/>
+      </dsp:spPr>
+      <dsp:style>
+        <a:lnRef idx="2">
+          <a:scrgbClr r="0" g="0" b="0"/>
+        </a:lnRef>
+        <a:fillRef idx="1">
+          <a:scrgbClr r="0" g="0" b="0"/>
+        </a:fillRef>
+        <a:effectRef idx="0">
+          <a:scrgbClr r="0" g="0" b="0"/>
+        </a:effectRef>
+        <a:fontRef idx="minor">
+          <a:schemeClr val="lt1"/>
+        </a:fontRef>
+      </dsp:style>
+      <dsp:txBody>
+        <a:bodyPr spcFirstLastPara="0" vert="horz" wrap="square" lIns="99060" tIns="99060" rIns="99060" bIns="99060" numCol="1" spcCol="1270" anchor="t" anchorCtr="0">
+          <a:noAutofit/>
+        </a:bodyPr>
+        <a:lstStyle/>
+        <a:p>
+          <a:pPr marL="0" lvl="0" indent="0" algn="l" defTabSz="1155700" latinLnBrk="1">
+            <a:lnSpc>
+              <a:spcPct val="90000"/>
+            </a:lnSpc>
+            <a:spcBef>
+              <a:spcPct val="0"/>
+            </a:spcBef>
+            <a:spcAft>
+              <a:spcPct val="35000"/>
+            </a:spcAft>
+            <a:buNone/>
+          </a:pPr>
+          <a:r>
+            <a:rPr lang="en-US" altLang="ko-KR" sz="2600" b="1" i="0" kern="1200" dirty="0">
+              <a:ln w="9525">
+                <a:noFill/>
+              </a:ln>
+              <a:solidFill>
+                <a:schemeClr val="accent4"/>
+              </a:solidFill>
+              <a:latin typeface="한컴 고딕" panose="02000500000000000000" pitchFamily="2" charset="-127"/>
+              <a:ea typeface="한컴 고딕" panose="02000500000000000000" pitchFamily="2" charset="-127"/>
+            </a:rPr>
+            <a:t>Linear Regression</a:t>
+          </a:r>
+          <a:endParaRPr lang="ko-KR" altLang="en-US" sz="2600" i="0" kern="1200" dirty="0">
+            <a:solidFill>
+              <a:schemeClr val="accent4"/>
+            </a:solidFill>
+            <a:latin typeface="한컴 고딕" panose="02000500000000000000" pitchFamily="2" charset="-127"/>
+            <a:ea typeface="한컴 고딕" panose="02000500000000000000" pitchFamily="2" charset="-127"/>
+          </a:endParaRPr>
+        </a:p>
+        <a:p>
+          <a:pPr marL="228600" lvl="1" indent="-228600" algn="l" defTabSz="889000" latinLnBrk="1">
+            <a:lnSpc>
+              <a:spcPct val="90000"/>
+            </a:lnSpc>
+            <a:spcBef>
+              <a:spcPct val="0"/>
+            </a:spcBef>
+            <a:spcAft>
+              <a:spcPct val="15000"/>
+            </a:spcAft>
+            <a:buChar char="•"/>
+          </a:pPr>
+          <a:r>
+            <a:rPr lang="ko-KR" altLang="en-US" sz="2000" b="0" kern="1200" dirty="0">
+              <a:latin typeface="-윤고딕330" panose="02030504000101010101" pitchFamily="18" charset="-127"/>
+              <a:ea typeface="-윤고딕330" panose="02030504000101010101" pitchFamily="18" charset="-127"/>
+            </a:rPr>
+            <a:t>중간성능의 오차율을 보여주었다</a:t>
+          </a:r>
+          <a:r>
+            <a:rPr lang="en-US" altLang="ko-KR" sz="2000" b="0" kern="1200" dirty="0">
+              <a:latin typeface="-윤고딕330" panose="02030504000101010101" pitchFamily="18" charset="-127"/>
+              <a:ea typeface="-윤고딕330" panose="02030504000101010101" pitchFamily="18" charset="-127"/>
+            </a:rPr>
+            <a:t>.</a:t>
+          </a:r>
+          <a:endParaRPr lang="ko-KR" altLang="en-US" sz="2000" b="0" kern="1200" dirty="0">
+            <a:latin typeface="-윤고딕330" panose="02030504000101010101" pitchFamily="18" charset="-127"/>
+            <a:ea typeface="-윤고딕330" panose="02030504000101010101" pitchFamily="18" charset="-127"/>
+          </a:endParaRPr>
+        </a:p>
+        <a:p>
+          <a:pPr marL="228600" lvl="1" indent="-228600" algn="l" defTabSz="889000" latinLnBrk="1">
+            <a:lnSpc>
+              <a:spcPct val="90000"/>
+            </a:lnSpc>
+            <a:spcBef>
+              <a:spcPct val="0"/>
+            </a:spcBef>
+            <a:spcAft>
+              <a:spcPct val="15000"/>
+            </a:spcAft>
+            <a:buChar char="•"/>
+          </a:pPr>
+          <a:r>
+            <a:rPr lang="ko-KR" altLang="en-US" sz="2000" b="0" kern="1200" dirty="0">
+              <a:latin typeface="-윤고딕330" panose="02030504000101010101" pitchFamily="18" charset="-127"/>
+              <a:ea typeface="-윤고딕330" panose="02030504000101010101" pitchFamily="18" charset="-127"/>
+            </a:rPr>
+            <a:t>그래프의 아래쪽으로 데이터가 몰리는 현상이 보인다</a:t>
+          </a:r>
+          <a:r>
+            <a:rPr lang="en-US" altLang="ko-KR" sz="2000" b="0" kern="1200" dirty="0">
+              <a:latin typeface="-윤고딕330" panose="02030504000101010101" pitchFamily="18" charset="-127"/>
+              <a:ea typeface="-윤고딕330" panose="02030504000101010101" pitchFamily="18" charset="-127"/>
+            </a:rPr>
+            <a:t>.</a:t>
+          </a:r>
+          <a:endParaRPr lang="ko-KR" altLang="en-US" sz="2000" b="0" kern="1200" dirty="0">
+            <a:latin typeface="-윤고딕330" panose="02030504000101010101" pitchFamily="18" charset="-127"/>
+            <a:ea typeface="-윤고딕330" panose="02030504000101010101" pitchFamily="18" charset="-127"/>
+          </a:endParaRPr>
+        </a:p>
+      </dsp:txBody>
+      <dsp:txXfrm>
+        <a:off x="1794933" y="0"/>
+        <a:ext cx="6333066" cy="1693333"/>
+      </dsp:txXfrm>
+    </dsp:sp>
+    <dsp:sp modelId="{4EFBE82C-F5EC-4BF7-9C5E-60059AEE6CEB}">
+      <dsp:nvSpPr>
+        <dsp:cNvPr id="0" name=""/>
+        <dsp:cNvSpPr/>
+      </dsp:nvSpPr>
+      <dsp:spPr>
+        <a:xfrm>
+          <a:off x="169333" y="169333"/>
+          <a:ext cx="1625600" cy="1354666"/>
+        </a:xfrm>
+        <a:prstGeom prst="roundRect">
+          <a:avLst>
+            <a:gd name="adj" fmla="val 10000"/>
+          </a:avLst>
+        </a:prstGeom>
+        <a:blipFill>
+          <a:blip xmlns:r="http://schemas.openxmlformats.org/officeDocument/2006/relationships" r:embed="rId1" cstate="print">
+            <a:extLst>
+              <a:ext uri="{28A0092B-C50C-407E-A947-70E740481C1C}">
+                <a14:useLocalDpi xmlns:a14="http://schemas.microsoft.com/office/drawing/2010/main" val="0"/>
+              </a:ext>
+            </a:extLst>
+          </a:blip>
+          <a:srcRect/>
+          <a:stretch>
+            <a:fillRect l="-6000" r="-6000"/>
+          </a:stretch>
+        </a:blipFill>
+        <a:ln w="12700" cap="flat" cmpd="sng" algn="ctr">
+          <a:solidFill>
+            <a:schemeClr val="lt1">
+              <a:hueOff val="0"/>
+              <a:satOff val="0"/>
+              <a:lumOff val="0"/>
+              <a:alphaOff val="0"/>
+            </a:schemeClr>
+          </a:solidFill>
+          <a:prstDash val="solid"/>
+          <a:miter lim="800000"/>
+        </a:ln>
+        <a:effectLst/>
+      </dsp:spPr>
+      <dsp:style>
+        <a:lnRef idx="2">
+          <a:scrgbClr r="0" g="0" b="0"/>
+        </a:lnRef>
+        <a:fillRef idx="1">
+          <a:scrgbClr r="0" g="0" b="0"/>
+        </a:fillRef>
+        <a:effectRef idx="0">
+          <a:scrgbClr r="0" g="0" b="0"/>
+        </a:effectRef>
+        <a:fontRef idx="minor"/>
+      </dsp:style>
+    </dsp:sp>
+    <dsp:sp modelId="{8BD05C22-B991-469E-9D24-1EF1624CC7FA}">
+      <dsp:nvSpPr>
+        <dsp:cNvPr id="0" name=""/>
+        <dsp:cNvSpPr/>
+      </dsp:nvSpPr>
+      <dsp:spPr>
+        <a:xfrm>
+          <a:off x="0" y="1862666"/>
+          <a:ext cx="8128000" cy="1693333"/>
+        </a:xfrm>
+        <a:prstGeom prst="roundRect">
+          <a:avLst>
+            <a:gd name="adj" fmla="val 10000"/>
+          </a:avLst>
+        </a:prstGeom>
+        <a:solidFill>
+          <a:schemeClr val="accent1">
+            <a:hueOff val="0"/>
+            <a:satOff val="0"/>
+            <a:lumOff val="0"/>
+            <a:alphaOff val="0"/>
+          </a:schemeClr>
+        </a:solidFill>
+        <a:ln w="12700" cap="flat" cmpd="sng" algn="ctr">
+          <a:solidFill>
+            <a:schemeClr val="lt1">
+              <a:hueOff val="0"/>
+              <a:satOff val="0"/>
+              <a:lumOff val="0"/>
+              <a:alphaOff val="0"/>
+            </a:schemeClr>
+          </a:solidFill>
+          <a:prstDash val="solid"/>
+          <a:miter lim="800000"/>
+        </a:ln>
+        <a:effectLst/>
+      </dsp:spPr>
+      <dsp:style>
+        <a:lnRef idx="2">
+          <a:scrgbClr r="0" g="0" b="0"/>
+        </a:lnRef>
+        <a:fillRef idx="1">
+          <a:scrgbClr r="0" g="0" b="0"/>
+        </a:fillRef>
+        <a:effectRef idx="0">
+          <a:scrgbClr r="0" g="0" b="0"/>
+        </a:effectRef>
+        <a:fontRef idx="minor">
+          <a:schemeClr val="lt1"/>
+        </a:fontRef>
+      </dsp:style>
+      <dsp:txBody>
+        <a:bodyPr spcFirstLastPara="0" vert="horz" wrap="square" lIns="99060" tIns="99060" rIns="99060" bIns="99060" numCol="1" spcCol="1270" anchor="t" anchorCtr="0">
+          <a:noAutofit/>
+        </a:bodyPr>
+        <a:lstStyle/>
+        <a:p>
+          <a:pPr marL="0" lvl="0" indent="0" algn="l" defTabSz="1155700" latinLnBrk="1">
+            <a:lnSpc>
+              <a:spcPct val="90000"/>
+            </a:lnSpc>
+            <a:spcBef>
+              <a:spcPct val="0"/>
+            </a:spcBef>
+            <a:spcAft>
+              <a:spcPct val="35000"/>
+            </a:spcAft>
+            <a:buNone/>
+          </a:pPr>
+          <a:r>
+            <a:rPr lang="en-US" altLang="ko-KR" sz="2600" b="1" i="0" kern="1200" dirty="0">
+              <a:ln w="9525">
+                <a:noFill/>
+              </a:ln>
+              <a:solidFill>
+                <a:schemeClr val="accent4"/>
+              </a:solidFill>
+              <a:latin typeface="한컴 고딕" panose="02000500000000000000" pitchFamily="2" charset="-127"/>
+              <a:ea typeface="한컴 고딕" panose="02000500000000000000" pitchFamily="2" charset="-127"/>
+            </a:rPr>
+            <a:t>Random Forest Regressor</a:t>
+          </a:r>
+          <a:endParaRPr lang="ko-KR" altLang="en-US" sz="2600" i="0" kern="1200" dirty="0">
+            <a:solidFill>
+              <a:schemeClr val="accent4"/>
+            </a:solidFill>
+            <a:latin typeface="한컴 고딕" panose="02000500000000000000" pitchFamily="2" charset="-127"/>
+            <a:ea typeface="한컴 고딕" panose="02000500000000000000" pitchFamily="2" charset="-127"/>
+          </a:endParaRPr>
+        </a:p>
+        <a:p>
+          <a:pPr marL="228600" lvl="1" indent="-228600" algn="l" defTabSz="889000" latinLnBrk="1">
+            <a:lnSpc>
+              <a:spcPct val="90000"/>
+            </a:lnSpc>
+            <a:spcBef>
+              <a:spcPct val="0"/>
+            </a:spcBef>
+            <a:spcAft>
+              <a:spcPct val="15000"/>
+            </a:spcAft>
+            <a:buChar char="•"/>
+          </a:pPr>
+          <a:r>
+            <a:rPr lang="ko-KR" altLang="en-US" sz="2000" kern="1200" dirty="0">
+              <a:latin typeface="-윤고딕330" panose="02030504000101010101" pitchFamily="18" charset="-127"/>
+              <a:ea typeface="-윤고딕330" panose="02030504000101010101" pitchFamily="18" charset="-127"/>
+            </a:rPr>
+            <a:t>오차율이 가장 적은 알고리즘이었다</a:t>
+          </a:r>
+          <a:r>
+            <a:rPr lang="en-US" altLang="ko-KR" sz="2000" kern="1200" dirty="0">
+              <a:latin typeface="-윤고딕330" panose="02030504000101010101" pitchFamily="18" charset="-127"/>
+              <a:ea typeface="-윤고딕330" panose="02030504000101010101" pitchFamily="18" charset="-127"/>
+            </a:rPr>
+            <a:t>.</a:t>
+          </a:r>
+          <a:endParaRPr lang="ko-KR" altLang="en-US" sz="2000" kern="1200" dirty="0">
+            <a:latin typeface="-윤고딕330" panose="02030504000101010101" pitchFamily="18" charset="-127"/>
+            <a:ea typeface="-윤고딕330" panose="02030504000101010101" pitchFamily="18" charset="-127"/>
+          </a:endParaRPr>
+        </a:p>
+        <a:p>
+          <a:pPr marL="228600" lvl="1" indent="-228600" algn="l" defTabSz="889000" latinLnBrk="1">
+            <a:lnSpc>
+              <a:spcPct val="90000"/>
+            </a:lnSpc>
+            <a:spcBef>
+              <a:spcPct val="0"/>
+            </a:spcBef>
+            <a:spcAft>
+              <a:spcPct val="15000"/>
+            </a:spcAft>
+            <a:buChar char="•"/>
+          </a:pPr>
+          <a:r>
+            <a:rPr lang="ko-KR" altLang="en-US" sz="2000" kern="1200" dirty="0">
+              <a:latin typeface="-윤고딕330" panose="02030504000101010101" pitchFamily="18" charset="-127"/>
+              <a:ea typeface="-윤고딕330" panose="02030504000101010101" pitchFamily="18" charset="-127"/>
+            </a:rPr>
+            <a:t>따라서 과적합을 의심해 볼 필요가 있다</a:t>
+          </a:r>
+          <a:r>
+            <a:rPr lang="en-US" altLang="ko-KR" sz="2000" kern="1200" dirty="0">
+              <a:latin typeface="-윤고딕330" panose="02030504000101010101" pitchFamily="18" charset="-127"/>
+              <a:ea typeface="-윤고딕330" panose="02030504000101010101" pitchFamily="18" charset="-127"/>
+            </a:rPr>
+            <a:t>.</a:t>
+          </a:r>
+          <a:endParaRPr lang="ko-KR" altLang="en-US" sz="2000" kern="1200" dirty="0">
+            <a:latin typeface="-윤고딕330" panose="02030504000101010101" pitchFamily="18" charset="-127"/>
+            <a:ea typeface="-윤고딕330" panose="02030504000101010101" pitchFamily="18" charset="-127"/>
+          </a:endParaRPr>
+        </a:p>
+      </dsp:txBody>
+      <dsp:txXfrm>
+        <a:off x="1794933" y="1862666"/>
+        <a:ext cx="6333066" cy="1693333"/>
+      </dsp:txXfrm>
+    </dsp:sp>
+    <dsp:sp modelId="{3446C4EB-C101-455C-8055-4F6FA8BDE0E9}">
+      <dsp:nvSpPr>
+        <dsp:cNvPr id="0" name=""/>
+        <dsp:cNvSpPr/>
+      </dsp:nvSpPr>
+      <dsp:spPr>
+        <a:xfrm>
+          <a:off x="169333" y="2032000"/>
+          <a:ext cx="1625600" cy="1354666"/>
+        </a:xfrm>
+        <a:prstGeom prst="roundRect">
+          <a:avLst>
+            <a:gd name="adj" fmla="val 10000"/>
+          </a:avLst>
+        </a:prstGeom>
+        <a:blipFill>
+          <a:blip xmlns:r="http://schemas.openxmlformats.org/officeDocument/2006/relationships" r:embed="rId2" cstate="print">
+            <a:extLst>
+              <a:ext uri="{28A0092B-C50C-407E-A947-70E740481C1C}">
+                <a14:useLocalDpi xmlns:a14="http://schemas.microsoft.com/office/drawing/2010/main" val="0"/>
+              </a:ext>
+            </a:extLst>
+          </a:blip>
+          <a:srcRect/>
+          <a:stretch>
+            <a:fillRect l="-5000" r="-5000"/>
+          </a:stretch>
+        </a:blipFill>
+        <a:ln w="12700" cap="flat" cmpd="sng" algn="ctr">
+          <a:solidFill>
+            <a:schemeClr val="lt1">
+              <a:hueOff val="0"/>
+              <a:satOff val="0"/>
+              <a:lumOff val="0"/>
+              <a:alphaOff val="0"/>
+            </a:schemeClr>
+          </a:solidFill>
+          <a:prstDash val="solid"/>
+          <a:miter lim="800000"/>
+        </a:ln>
+        <a:effectLst/>
+      </dsp:spPr>
+      <dsp:style>
+        <a:lnRef idx="2">
+          <a:scrgbClr r="0" g="0" b="0"/>
+        </a:lnRef>
+        <a:fillRef idx="1">
+          <a:scrgbClr r="0" g="0" b="0"/>
+        </a:fillRef>
+        <a:effectRef idx="0">
+          <a:scrgbClr r="0" g="0" b="0"/>
+        </a:effectRef>
+        <a:fontRef idx="minor"/>
+      </dsp:style>
+    </dsp:sp>
+    <dsp:sp modelId="{2CDF8092-6E89-4AA6-8A68-BD59FFC75893}">
+      <dsp:nvSpPr>
+        <dsp:cNvPr id="0" name=""/>
+        <dsp:cNvSpPr/>
+      </dsp:nvSpPr>
+      <dsp:spPr>
+        <a:xfrm>
+          <a:off x="0" y="3725333"/>
+          <a:ext cx="8128000" cy="1693333"/>
+        </a:xfrm>
+        <a:prstGeom prst="roundRect">
+          <a:avLst>
+            <a:gd name="adj" fmla="val 10000"/>
+          </a:avLst>
+        </a:prstGeom>
+        <a:solidFill>
+          <a:schemeClr val="accent1">
+            <a:hueOff val="0"/>
+            <a:satOff val="0"/>
+            <a:lumOff val="0"/>
+            <a:alphaOff val="0"/>
+          </a:schemeClr>
+        </a:solidFill>
+        <a:ln w="12700" cap="flat" cmpd="sng" algn="ctr">
+          <a:solidFill>
+            <a:schemeClr val="lt1">
+              <a:hueOff val="0"/>
+              <a:satOff val="0"/>
+              <a:lumOff val="0"/>
+              <a:alphaOff val="0"/>
+            </a:schemeClr>
+          </a:solidFill>
+          <a:prstDash val="solid"/>
+          <a:miter lim="800000"/>
+        </a:ln>
+        <a:effectLst/>
+      </dsp:spPr>
+      <dsp:style>
+        <a:lnRef idx="2">
+          <a:scrgbClr r="0" g="0" b="0"/>
+        </a:lnRef>
+        <a:fillRef idx="1">
+          <a:scrgbClr r="0" g="0" b="0"/>
+        </a:fillRef>
+        <a:effectRef idx="0">
+          <a:scrgbClr r="0" g="0" b="0"/>
+        </a:effectRef>
+        <a:fontRef idx="minor">
+          <a:schemeClr val="lt1"/>
+        </a:fontRef>
+      </dsp:style>
+      <dsp:txBody>
+        <a:bodyPr spcFirstLastPara="0" vert="horz" wrap="square" lIns="99060" tIns="99060" rIns="99060" bIns="99060" numCol="1" spcCol="1270" anchor="t" anchorCtr="0">
+          <a:noAutofit/>
+        </a:bodyPr>
+        <a:lstStyle/>
+        <a:p>
+          <a:pPr marL="0" lvl="0" indent="0" algn="l" defTabSz="1155700" latinLnBrk="1">
+            <a:lnSpc>
+              <a:spcPct val="90000"/>
+            </a:lnSpc>
+            <a:spcBef>
+              <a:spcPct val="0"/>
+            </a:spcBef>
+            <a:spcAft>
+              <a:spcPct val="35000"/>
+            </a:spcAft>
+            <a:buNone/>
+          </a:pPr>
+          <a:r>
+            <a:rPr lang="en-US" altLang="ko-KR" sz="2600" b="1" i="0" kern="1200" dirty="0" err="1">
+              <a:ln w="9525">
+                <a:noFill/>
+              </a:ln>
+              <a:solidFill>
+                <a:schemeClr val="accent4"/>
+              </a:solidFill>
+              <a:latin typeface="한컴 고딕" panose="02000500000000000000" pitchFamily="2" charset="-127"/>
+              <a:ea typeface="한컴 고딕" panose="02000500000000000000" pitchFamily="2" charset="-127"/>
+            </a:rPr>
+            <a:t>SVR</a:t>
+          </a:r>
+          <a:endParaRPr lang="ko-KR" altLang="en-US" sz="2600" i="0" kern="1200" dirty="0">
+            <a:solidFill>
+              <a:schemeClr val="accent4"/>
+            </a:solidFill>
+            <a:latin typeface="한컴 고딕" panose="02000500000000000000" pitchFamily="2" charset="-127"/>
+            <a:ea typeface="한컴 고딕" panose="02000500000000000000" pitchFamily="2" charset="-127"/>
+          </a:endParaRPr>
+        </a:p>
+        <a:p>
+          <a:pPr marL="228600" lvl="1" indent="-228600" algn="l" defTabSz="889000" latinLnBrk="1">
+            <a:lnSpc>
+              <a:spcPct val="90000"/>
+            </a:lnSpc>
+            <a:spcBef>
+              <a:spcPct val="0"/>
+            </a:spcBef>
+            <a:spcAft>
+              <a:spcPct val="15000"/>
+            </a:spcAft>
+            <a:buChar char="•"/>
+          </a:pPr>
+          <a:r>
+            <a:rPr lang="ko-KR" altLang="en-US" sz="2000" kern="1200" dirty="0">
+              <a:latin typeface="-윤고딕330" panose="02030504000101010101" pitchFamily="18" charset="-127"/>
+              <a:ea typeface="-윤고딕330" panose="02030504000101010101" pitchFamily="18" charset="-127"/>
+            </a:rPr>
+            <a:t>가장 </a:t>
+          </a:r>
+          <a:r>
+            <a:rPr lang="ko-KR" altLang="en-US" sz="2000" kern="1200" dirty="0" err="1">
+              <a:latin typeface="-윤고딕330" panose="02030504000101010101" pitchFamily="18" charset="-127"/>
+              <a:ea typeface="-윤고딕330" panose="02030504000101010101" pitchFamily="18" charset="-127"/>
+            </a:rPr>
+            <a:t>안좋은</a:t>
+          </a:r>
+          <a:r>
+            <a:rPr lang="ko-KR" altLang="en-US" sz="2000" kern="1200" dirty="0">
+              <a:latin typeface="-윤고딕330" panose="02030504000101010101" pitchFamily="18" charset="-127"/>
+              <a:ea typeface="-윤고딕330" panose="02030504000101010101" pitchFamily="18" charset="-127"/>
+            </a:rPr>
+            <a:t> 오차율을 보여주었다</a:t>
+          </a:r>
+          <a:r>
+            <a:rPr lang="en-US" altLang="ko-KR" sz="2000" kern="1200" dirty="0">
+              <a:latin typeface="-윤고딕330" panose="02030504000101010101" pitchFamily="18" charset="-127"/>
+              <a:ea typeface="-윤고딕330" panose="02030504000101010101" pitchFamily="18" charset="-127"/>
+            </a:rPr>
+            <a:t>.</a:t>
+          </a:r>
+          <a:endParaRPr lang="ko-KR" altLang="en-US" sz="2000" kern="1200" dirty="0">
+            <a:latin typeface="-윤고딕330" panose="02030504000101010101" pitchFamily="18" charset="-127"/>
+            <a:ea typeface="-윤고딕330" panose="02030504000101010101" pitchFamily="18" charset="-127"/>
+          </a:endParaRPr>
+        </a:p>
+        <a:p>
+          <a:pPr marL="228600" lvl="1" indent="-228600" algn="l" defTabSz="889000" latinLnBrk="1">
+            <a:lnSpc>
+              <a:spcPct val="90000"/>
+            </a:lnSpc>
+            <a:spcBef>
+              <a:spcPct val="0"/>
+            </a:spcBef>
+            <a:spcAft>
+              <a:spcPct val="15000"/>
+            </a:spcAft>
+            <a:buChar char="•"/>
+          </a:pPr>
+          <a:r>
+            <a:rPr lang="ko-KR" altLang="en-US" sz="2000" kern="1200" dirty="0">
+              <a:latin typeface="-윤고딕330" panose="02030504000101010101" pitchFamily="18" charset="-127"/>
+              <a:ea typeface="-윤고딕330" panose="02030504000101010101" pitchFamily="18" charset="-127"/>
+            </a:rPr>
+            <a:t>그래프가 점들의 가운데를 지나는 것이 보인다</a:t>
+          </a:r>
+          <a:r>
+            <a:rPr lang="en-US" altLang="ko-KR" sz="2000" kern="1200" dirty="0">
+              <a:latin typeface="-윤고딕330" panose="02030504000101010101" pitchFamily="18" charset="-127"/>
+              <a:ea typeface="-윤고딕330" panose="02030504000101010101" pitchFamily="18" charset="-127"/>
+            </a:rPr>
+            <a:t>.</a:t>
+          </a:r>
+          <a:endParaRPr lang="ko-KR" altLang="en-US" sz="2000" kern="1200" dirty="0">
+            <a:latin typeface="-윤고딕330" panose="02030504000101010101" pitchFamily="18" charset="-127"/>
+            <a:ea typeface="-윤고딕330" panose="02030504000101010101" pitchFamily="18" charset="-127"/>
+          </a:endParaRPr>
+        </a:p>
+      </dsp:txBody>
+      <dsp:txXfrm>
+        <a:off x="1794933" y="3725333"/>
+        <a:ext cx="6333066" cy="1693333"/>
+      </dsp:txXfrm>
+    </dsp:sp>
+    <dsp:sp modelId="{7F522747-9735-46C6-BCC0-6C95BCBA5245}">
+      <dsp:nvSpPr>
+        <dsp:cNvPr id="0" name=""/>
+        <dsp:cNvSpPr/>
+      </dsp:nvSpPr>
+      <dsp:spPr>
+        <a:xfrm>
+          <a:off x="169333" y="3894666"/>
+          <a:ext cx="1625600" cy="1354666"/>
+        </a:xfrm>
+        <a:prstGeom prst="roundRect">
+          <a:avLst>
+            <a:gd name="adj" fmla="val 10000"/>
+          </a:avLst>
+        </a:prstGeom>
+        <a:blipFill>
+          <a:blip xmlns:r="http://schemas.openxmlformats.org/officeDocument/2006/relationships" r:embed="rId3" cstate="print">
+            <a:extLst>
+              <a:ext uri="{28A0092B-C50C-407E-A947-70E740481C1C}">
+                <a14:useLocalDpi xmlns:a14="http://schemas.microsoft.com/office/drawing/2010/main" val="0"/>
+              </a:ext>
+            </a:extLst>
+          </a:blip>
+          <a:srcRect/>
+          <a:stretch>
+            <a:fillRect l="-6000" r="-6000"/>
+          </a:stretch>
+        </a:blipFill>
+        <a:ln w="12700" cap="flat" cmpd="sng" algn="ctr">
+          <a:solidFill>
+            <a:schemeClr val="lt1">
+              <a:hueOff val="0"/>
+              <a:satOff val="0"/>
+              <a:lumOff val="0"/>
+              <a:alphaOff val="0"/>
+            </a:schemeClr>
+          </a:solidFill>
+          <a:prstDash val="solid"/>
+          <a:miter lim="800000"/>
+        </a:ln>
+        <a:effectLst/>
+      </dsp:spPr>
+      <dsp:style>
+        <a:lnRef idx="2">
+          <a:scrgbClr r="0" g="0" b="0"/>
+        </a:lnRef>
+        <a:fillRef idx="1">
+          <a:scrgbClr r="0" g="0" b="0"/>
+        </a:fillRef>
+        <a:effectRef idx="0">
+          <a:scrgbClr r="0" g="0" b="0"/>
+        </a:effectRef>
+        <a:fontRef idx="minor"/>
+      </dsp:style>
+    </dsp:sp>
+  </dsp:spTree>
+</dsp:drawing>
+</file>
+
 <file path=ppt/diagrams/layout1.xml><?xml version="1.0" encoding="utf-8"?>
 <dgm:layoutDef xmlns:dgm="http://schemas.openxmlformats.org/drawingml/2006/diagram" xmlns:a="http://schemas.openxmlformats.org/drawingml/2006/main" uniqueId="urn:microsoft.com/office/officeart/2005/8/layout/list1">
   <dgm:title val=""/>
@@ -1859,7 +3966,1248 @@
 </dgm:layoutDef>
 </file>
 
+<file path=ppt/diagrams/layout2.xml><?xml version="1.0" encoding="utf-8"?>
+<dgm:layoutDef xmlns:dgm="http://schemas.openxmlformats.org/drawingml/2006/diagram" xmlns:a="http://schemas.openxmlformats.org/drawingml/2006/main" uniqueId="urn:microsoft.com/office/officeart/2005/8/layout/vList4">
+  <dgm:title val=""/>
+  <dgm:desc val=""/>
+  <dgm:catLst>
+    <dgm:cat type="list" pri="13000"/>
+    <dgm:cat type="picture" pri="26000"/>
+    <dgm:cat type="pictureconvert" pri="26000"/>
+  </dgm:catLst>
+  <dgm:sampData>
+    <dgm:dataModel>
+      <dgm:ptLst>
+        <dgm:pt modelId="0" type="doc"/>
+        <dgm:pt modelId="1">
+          <dgm:prSet phldr="1"/>
+        </dgm:pt>
+        <dgm:pt modelId="11">
+          <dgm:prSet phldr="1"/>
+        </dgm:pt>
+        <dgm:pt modelId="12">
+          <dgm:prSet phldr="1"/>
+        </dgm:pt>
+        <dgm:pt modelId="2">
+          <dgm:prSet phldr="1"/>
+        </dgm:pt>
+        <dgm:pt modelId="21">
+          <dgm:prSet phldr="1"/>
+        </dgm:pt>
+        <dgm:pt modelId="22">
+          <dgm:prSet phldr="1"/>
+        </dgm:pt>
+        <dgm:pt modelId="3">
+          <dgm:prSet phldr="1"/>
+        </dgm:pt>
+        <dgm:pt modelId="31">
+          <dgm:prSet phldr="1"/>
+        </dgm:pt>
+        <dgm:pt modelId="32">
+          <dgm:prSet phldr="1"/>
+        </dgm:pt>
+      </dgm:ptLst>
+      <dgm:cxnLst>
+        <dgm:cxn modelId="4" srcId="0" destId="1" srcOrd="0" destOrd="0"/>
+        <dgm:cxn modelId="5" srcId="0" destId="2" srcOrd="1" destOrd="0"/>
+        <dgm:cxn modelId="13" srcId="1" destId="11" srcOrd="0" destOrd="0"/>
+        <dgm:cxn modelId="14" srcId="1" destId="12" srcOrd="0" destOrd="0"/>
+        <dgm:cxn modelId="23" srcId="2" destId="21" srcOrd="0" destOrd="0"/>
+        <dgm:cxn modelId="24" srcId="2" destId="22" srcOrd="0" destOrd="0"/>
+        <dgm:cxn modelId="33" srcId="3" destId="31" srcOrd="0" destOrd="0"/>
+        <dgm:cxn modelId="34" srcId="3" destId="32" srcOrd="0" destOrd="0"/>
+      </dgm:cxnLst>
+      <dgm:bg/>
+      <dgm:whole/>
+    </dgm:dataModel>
+  </dgm:sampData>
+  <dgm:styleData>
+    <dgm:dataModel>
+      <dgm:ptLst>
+        <dgm:pt modelId="0" type="doc"/>
+        <dgm:pt modelId="1"/>
+        <dgm:pt modelId="2"/>
+      </dgm:ptLst>
+      <dgm:cxnLst>
+        <dgm:cxn modelId="3" srcId="0" destId="1" srcOrd="0" destOrd="0"/>
+        <dgm:cxn modelId="4" srcId="0" destId="2" srcOrd="1" destOrd="0"/>
+      </dgm:cxnLst>
+      <dgm:bg/>
+      <dgm:whole/>
+    </dgm:dataModel>
+  </dgm:styleData>
+  <dgm:clrData>
+    <dgm:dataModel>
+      <dgm:ptLst>
+        <dgm:pt modelId="0" type="doc"/>
+        <dgm:pt modelId="1"/>
+        <dgm:pt modelId="2"/>
+        <dgm:pt modelId="3"/>
+        <dgm:pt modelId="4"/>
+      </dgm:ptLst>
+      <dgm:cxnLst>
+        <dgm:cxn modelId="5" srcId="0" destId="1" srcOrd="0" destOrd="0"/>
+        <dgm:cxn modelId="6" srcId="0" destId="2" srcOrd="1" destOrd="0"/>
+        <dgm:cxn modelId="7" srcId="0" destId="3" srcOrd="2" destOrd="0"/>
+        <dgm:cxn modelId="8" srcId="0" destId="4" srcOrd="3" destOrd="0"/>
+      </dgm:cxnLst>
+      <dgm:bg/>
+      <dgm:whole/>
+    </dgm:dataModel>
+  </dgm:clrData>
+  <dgm:layoutNode name="linear">
+    <dgm:varLst>
+      <dgm:dir/>
+      <dgm:resizeHandles val="exact"/>
+    </dgm:varLst>
+    <dgm:alg type="lin">
+      <dgm:param type="linDir" val="fromT"/>
+      <dgm:param type="vertAlign" val="t"/>
+    </dgm:alg>
+    <dgm:shape xmlns:r="http://schemas.openxmlformats.org/officeDocument/2006/relationships" r:blip="">
+      <dgm:adjLst/>
+    </dgm:shape>
+    <dgm:presOf/>
+    <dgm:constrLst>
+      <dgm:constr type="w" for="ch" forName="comp" refType="w"/>
+      <dgm:constr type="h" for="ch" forName="comp" refType="h"/>
+      <dgm:constr type="h" for="ch" forName="spacer" refType="h" refFor="ch" refForName="comp" op="equ" fact="0.1"/>
+      <dgm:constr type="primFontSz" for="des" forName="text" op="equ" val="65"/>
+    </dgm:constrLst>
+    <dgm:ruleLst/>
+    <dgm:forEach name="Name0" axis="ch" ptType="node">
+      <dgm:layoutNode name="comp" styleLbl="node1">
+        <dgm:alg type="composite"/>
+        <dgm:shape xmlns:r="http://schemas.openxmlformats.org/officeDocument/2006/relationships" r:blip="">
+          <dgm:adjLst/>
+        </dgm:shape>
+        <dgm:presOf/>
+        <dgm:choose name="Name1">
+          <dgm:if name="Name2" func="var" arg="dir" op="equ" val="norm">
+            <dgm:constrLst>
+              <dgm:constr type="h" for="ch" forName="box" refType="h"/>
+              <dgm:constr type="w" for="ch" forName="box" refType="w"/>
+              <dgm:constr type="w" for="ch" forName="img" refType="w" refFor="ch" refForName="box" fact="0.2"/>
+              <dgm:constr type="h" for="ch" forName="img" refType="h" refFor="ch" refForName="box" fact="0.8"/>
+              <dgm:constr type="t" for="ch" forName="img" refType="h" refFor="ch" refForName="box" fact="0.1"/>
+              <dgm:constr type="l" for="ch" forName="img" refType="h" refFor="ch" refForName="box" fact="0.1"/>
+              <dgm:constr type="h" for="ch" forName="text" refType="h"/>
+              <dgm:constr type="l" for="ch" forName="text" refType="r" refFor="ch" refForName="img"/>
+              <dgm:constr type="r" for="ch" forName="text" refType="w"/>
+            </dgm:constrLst>
+          </dgm:if>
+          <dgm:else name="Name3">
+            <dgm:constrLst>
+              <dgm:constr type="h" for="ch" forName="box" refType="h"/>
+              <dgm:constr type="w" for="ch" forName="box" refType="w"/>
+              <dgm:constr type="w" for="ch" forName="img" refType="w" refFor="ch" refForName="box" fact="0.2"/>
+              <dgm:constr type="h" for="ch" forName="img" refType="h" refFor="ch" refForName="box" fact="0.8"/>
+              <dgm:constr type="t" for="ch" forName="img" refType="h" refFor="ch" refForName="box" fact="0.1"/>
+              <dgm:constr type="r" for="ch" forName="img" refType="w" refFor="ch" refForName="box"/>
+              <dgm:constr type="rOff" for="ch" forName="img" refType="h" refFor="ch" refForName="box" fact="-0.1"/>
+              <dgm:constr type="h" for="ch" forName="text" refType="h"/>
+              <dgm:constr type="r" for="ch" forName="text" refType="l" refFor="ch" refForName="img"/>
+              <dgm:constr type="l" for="ch" forName="text"/>
+            </dgm:constrLst>
+          </dgm:else>
+        </dgm:choose>
+        <dgm:ruleLst/>
+        <dgm:layoutNode name="box" styleLbl="node1">
+          <dgm:alg type="sp"/>
+          <dgm:shape xmlns:r="http://schemas.openxmlformats.org/officeDocument/2006/relationships" type="roundRect" r:blip="">
+            <dgm:adjLst>
+              <dgm:adj idx="1" val="0.1"/>
+            </dgm:adjLst>
+          </dgm:shape>
+          <dgm:presOf axis="desOrSelf" ptType="node"/>
+          <dgm:constrLst/>
+          <dgm:ruleLst/>
+        </dgm:layoutNode>
+        <dgm:layoutNode name="img" styleLbl="fgImgPlace1">
+          <dgm:alg type="sp"/>
+          <dgm:shape xmlns:r="http://schemas.openxmlformats.org/officeDocument/2006/relationships" type="roundRect" r:blip="" blipPhldr="1">
+            <dgm:adjLst>
+              <dgm:adj idx="1" val="0.1"/>
+            </dgm:adjLst>
+          </dgm:shape>
+          <dgm:presOf/>
+          <dgm:constrLst/>
+          <dgm:ruleLst/>
+        </dgm:layoutNode>
+        <dgm:layoutNode name="text">
+          <dgm:varLst>
+            <dgm:bulletEnabled val="1"/>
+          </dgm:varLst>
+          <dgm:alg type="tx">
+            <dgm:param type="parTxLTRAlign" val="l"/>
+            <dgm:param type="parTxRTLAlign" val="r"/>
+          </dgm:alg>
+          <dgm:shape xmlns:r="http://schemas.openxmlformats.org/officeDocument/2006/relationships" type="rect" r:blip="" hideGeom="1">
+            <dgm:adjLst/>
+          </dgm:shape>
+          <dgm:presOf axis="desOrSelf" ptType="node"/>
+          <dgm:constrLst>
+            <dgm:constr type="tMarg" refType="primFontSz" fact="0.3"/>
+            <dgm:constr type="bMarg" refType="primFontSz" fact="0.3"/>
+            <dgm:constr type="lMarg" refType="primFontSz" fact="0.3"/>
+            <dgm:constr type="rMarg" refType="primFontSz" fact="0.3"/>
+          </dgm:constrLst>
+          <dgm:ruleLst>
+            <dgm:rule type="primFontSz" val="5" fact="NaN" max="NaN"/>
+          </dgm:ruleLst>
+        </dgm:layoutNode>
+      </dgm:layoutNode>
+      <dgm:forEach name="Name4" axis="followSib" ptType="sibTrans" cnt="1">
+        <dgm:layoutNode name="spacer">
+          <dgm:alg type="sp"/>
+          <dgm:shape xmlns:r="http://schemas.openxmlformats.org/officeDocument/2006/relationships" r:blip="">
+            <dgm:adjLst/>
+          </dgm:shape>
+          <dgm:presOf axis="self"/>
+          <dgm:constrLst/>
+          <dgm:ruleLst/>
+        </dgm:layoutNode>
+      </dgm:forEach>
+    </dgm:forEach>
+  </dgm:layoutNode>
+</dgm:layoutDef>
+</file>
+
 <file path=ppt/diagrams/quickStyle1.xml><?xml version="1.0" encoding="utf-8"?>
+<dgm:styleDef xmlns:dgm="http://schemas.openxmlformats.org/drawingml/2006/diagram" xmlns:a="http://schemas.openxmlformats.org/drawingml/2006/main" uniqueId="urn:microsoft.com/office/officeart/2005/8/quickstyle/simple1">
+  <dgm:title val=""/>
+  <dgm:desc val=""/>
+  <dgm:catLst>
+    <dgm:cat type="simple" pri="10100"/>
+  </dgm:catLst>
+  <dgm:scene3d>
+    <a:camera prst="orthographicFront"/>
+    <a:lightRig rig="threePt" dir="t"/>
+  </dgm:scene3d>
+  <dgm:styleLbl name="node0">
+    <dgm:scene3d>
+      <a:camera prst="orthographicFront"/>
+      <a:lightRig rig="threePt" dir="t"/>
+    </dgm:scene3d>
+    <dgm:sp3d/>
+    <dgm:txPr/>
+    <dgm:style>
+      <a:lnRef idx="2">
+        <a:scrgbClr r="0" g="0" b="0"/>
+      </a:lnRef>
+      <a:fillRef idx="1">
+        <a:scrgbClr r="0" g="0" b="0"/>
+      </a:fillRef>
+      <a:effectRef idx="0">
+        <a:scrgbClr r="0" g="0" b="0"/>
+      </a:effectRef>
+      <a:fontRef idx="minor">
+        <a:schemeClr val="lt1"/>
+      </a:fontRef>
+    </dgm:style>
+  </dgm:styleLbl>
+  <dgm:styleLbl name="lnNode1">
+    <dgm:scene3d>
+      <a:camera prst="orthographicFront"/>
+      <a:lightRig rig="threePt" dir="t"/>
+    </dgm:scene3d>
+    <dgm:sp3d/>
+    <dgm:txPr/>
+    <dgm:style>
+      <a:lnRef idx="2">
+        <a:scrgbClr r="0" g="0" b="0"/>
+      </a:lnRef>
+      <a:fillRef idx="1">
+        <a:scrgbClr r="0" g="0" b="0"/>
+      </a:fillRef>
+      <a:effectRef idx="0">
+        <a:scrgbClr r="0" g="0" b="0"/>
+      </a:effectRef>
+      <a:fontRef idx="minor">
+        <a:schemeClr val="lt1"/>
+      </a:fontRef>
+    </dgm:style>
+  </dgm:styleLbl>
+  <dgm:styleLbl name="vennNode1">
+    <dgm:scene3d>
+      <a:camera prst="orthographicFront"/>
+      <a:lightRig rig="threePt" dir="t"/>
+    </dgm:scene3d>
+    <dgm:sp3d/>
+    <dgm:txPr/>
+    <dgm:style>
+      <a:lnRef idx="2">
+        <a:scrgbClr r="0" g="0" b="0"/>
+      </a:lnRef>
+      <a:fillRef idx="1">
+        <a:scrgbClr r="0" g="0" b="0"/>
+      </a:fillRef>
+      <a:effectRef idx="0">
+        <a:scrgbClr r="0" g="0" b="0"/>
+      </a:effectRef>
+      <a:fontRef idx="minor">
+        <a:schemeClr val="tx1"/>
+      </a:fontRef>
+    </dgm:style>
+  </dgm:styleLbl>
+  <dgm:styleLbl name="alignNode1">
+    <dgm:scene3d>
+      <a:camera prst="orthographicFront"/>
+      <a:lightRig rig="threePt" dir="t"/>
+    </dgm:scene3d>
+    <dgm:sp3d/>
+    <dgm:txPr/>
+    <dgm:style>
+      <a:lnRef idx="2">
+        <a:scrgbClr r="0" g="0" b="0"/>
+      </a:lnRef>
+      <a:fillRef idx="1">
+        <a:scrgbClr r="0" g="0" b="0"/>
+      </a:fillRef>
+      <a:effectRef idx="0">
+        <a:scrgbClr r="0" g="0" b="0"/>
+      </a:effectRef>
+      <a:fontRef idx="minor">
+        <a:schemeClr val="lt1"/>
+      </a:fontRef>
+    </dgm:style>
+  </dgm:styleLbl>
+  <dgm:styleLbl name="node1">
+    <dgm:scene3d>
+      <a:camera prst="orthographicFront"/>
+      <a:lightRig rig="threePt" dir="t"/>
+    </dgm:scene3d>
+    <dgm:sp3d/>
+    <dgm:txPr/>
+    <dgm:style>
+      <a:lnRef idx="2">
+        <a:scrgbClr r="0" g="0" b="0"/>
+      </a:lnRef>
+      <a:fillRef idx="1">
+        <a:scrgbClr r="0" g="0" b="0"/>
+      </a:fillRef>
+      <a:effectRef idx="0">
+        <a:scrgbClr r="0" g="0" b="0"/>
+      </a:effectRef>
+      <a:fontRef idx="minor">
+        <a:schemeClr val="lt1"/>
+      </a:fontRef>
+    </dgm:style>
+  </dgm:styleLbl>
+  <dgm:styleLbl name="node2">
+    <dgm:scene3d>
+      <a:camera prst="orthographicFront"/>
+      <a:lightRig rig="threePt" dir="t"/>
+    </dgm:scene3d>
+    <dgm:sp3d/>
+    <dgm:txPr/>
+    <dgm:style>
+      <a:lnRef idx="2">
+        <a:scrgbClr r="0" g="0" b="0"/>
+      </a:lnRef>
+      <a:fillRef idx="1">
+        <a:scrgbClr r="0" g="0" b="0"/>
+      </a:fillRef>
+      <a:effectRef idx="0">
+        <a:scrgbClr r="0" g="0" b="0"/>
+      </a:effectRef>
+      <a:fontRef idx="minor">
+        <a:schemeClr val="lt1"/>
+      </a:fontRef>
+    </dgm:style>
+  </dgm:styleLbl>
+  <dgm:styleLbl name="node3">
+    <dgm:scene3d>
+      <a:camera prst="orthographicFront"/>
+      <a:lightRig rig="threePt" dir="t"/>
+    </dgm:scene3d>
+    <dgm:sp3d/>
+    <dgm:txPr/>
+    <dgm:style>
+      <a:lnRef idx="2">
+        <a:scrgbClr r="0" g="0" b="0"/>
+      </a:lnRef>
+      <a:fillRef idx="1">
+        <a:scrgbClr r="0" g="0" b="0"/>
+      </a:fillRef>
+      <a:effectRef idx="0">
+        <a:scrgbClr r="0" g="0" b="0"/>
+      </a:effectRef>
+      <a:fontRef idx="minor">
+        <a:schemeClr val="lt1"/>
+      </a:fontRef>
+    </dgm:style>
+  </dgm:styleLbl>
+  <dgm:styleLbl name="node4">
+    <dgm:scene3d>
+      <a:camera prst="orthographicFront"/>
+      <a:lightRig rig="threePt" dir="t"/>
+    </dgm:scene3d>
+    <dgm:sp3d/>
+    <dgm:txPr/>
+    <dgm:style>
+      <a:lnRef idx="2">
+        <a:scrgbClr r="0" g="0" b="0"/>
+      </a:lnRef>
+      <a:fillRef idx="1">
+        <a:scrgbClr r="0" g="0" b="0"/>
+      </a:fillRef>
+      <a:effectRef idx="0">
+        <a:scrgbClr r="0" g="0" b="0"/>
+      </a:effectRef>
+      <a:fontRef idx="minor">
+        <a:schemeClr val="lt1"/>
+      </a:fontRef>
+    </dgm:style>
+  </dgm:styleLbl>
+  <dgm:styleLbl name="fgImgPlace1">
+    <dgm:scene3d>
+      <a:camera prst="orthographicFront"/>
+      <a:lightRig rig="threePt" dir="t"/>
+    </dgm:scene3d>
+    <dgm:sp3d/>
+    <dgm:txPr/>
+    <dgm:style>
+      <a:lnRef idx="2">
+        <a:scrgbClr r="0" g="0" b="0"/>
+      </a:lnRef>
+      <a:fillRef idx="1">
+        <a:scrgbClr r="0" g="0" b="0"/>
+      </a:fillRef>
+      <a:effectRef idx="0">
+        <a:scrgbClr r="0" g="0" b="0"/>
+      </a:effectRef>
+      <a:fontRef idx="minor"/>
+    </dgm:style>
+  </dgm:styleLbl>
+  <dgm:styleLbl name="alignImgPlace1">
+    <dgm:scene3d>
+      <a:camera prst="orthographicFront"/>
+      <a:lightRig rig="threePt" dir="t"/>
+    </dgm:scene3d>
+    <dgm:sp3d/>
+    <dgm:txPr/>
+    <dgm:style>
+      <a:lnRef idx="2">
+        <a:scrgbClr r="0" g="0" b="0"/>
+      </a:lnRef>
+      <a:fillRef idx="1">
+        <a:scrgbClr r="0" g="0" b="0"/>
+      </a:fillRef>
+      <a:effectRef idx="0">
+        <a:scrgbClr r="0" g="0" b="0"/>
+      </a:effectRef>
+      <a:fontRef idx="minor"/>
+    </dgm:style>
+  </dgm:styleLbl>
+  <dgm:styleLbl name="bgImgPlace1">
+    <dgm:scene3d>
+      <a:camera prst="orthographicFront"/>
+      <a:lightRig rig="threePt" dir="t"/>
+    </dgm:scene3d>
+    <dgm:sp3d/>
+    <dgm:txPr/>
+    <dgm:style>
+      <a:lnRef idx="2">
+        <a:scrgbClr r="0" g="0" b="0"/>
+      </a:lnRef>
+      <a:fillRef idx="1">
+        <a:scrgbClr r="0" g="0" b="0"/>
+      </a:fillRef>
+      <a:effectRef idx="0">
+        <a:scrgbClr r="0" g="0" b="0"/>
+      </a:effectRef>
+      <a:fontRef idx="minor"/>
+    </dgm:style>
+  </dgm:styleLbl>
+  <dgm:styleLbl name="sibTrans2D1">
+    <dgm:scene3d>
+      <a:camera prst="orthographicFront"/>
+      <a:lightRig rig="threePt" dir="t"/>
+    </dgm:scene3d>
+    <dgm:sp3d/>
+    <dgm:txPr/>
+    <dgm:style>
+      <a:lnRef idx="0">
+        <a:scrgbClr r="0" g="0" b="0"/>
+      </a:lnRef>
+      <a:fillRef idx="1">
+        <a:scrgbClr r="0" g="0" b="0"/>
+      </a:fillRef>
+      <a:effectRef idx="0">
+        <a:scrgbClr r="0" g="0" b="0"/>
+      </a:effectRef>
+      <a:fontRef idx="minor">
+        <a:schemeClr val="lt1"/>
+      </a:fontRef>
+    </dgm:style>
+  </dgm:styleLbl>
+  <dgm:styleLbl name="fgSibTrans2D1">
+    <dgm:scene3d>
+      <a:camera prst="orthographicFront"/>
+      <a:lightRig rig="threePt" dir="t"/>
+    </dgm:scene3d>
+    <dgm:sp3d/>
+    <dgm:txPr/>
+    <dgm:style>
+      <a:lnRef idx="0">
+        <a:scrgbClr r="0" g="0" b="0"/>
+      </a:lnRef>
+      <a:fillRef idx="1">
+        <a:scrgbClr r="0" g="0" b="0"/>
+      </a:fillRef>
+      <a:effectRef idx="0">
+        <a:scrgbClr r="0" g="0" b="0"/>
+      </a:effectRef>
+      <a:fontRef idx="minor">
+        <a:schemeClr val="lt1"/>
+      </a:fontRef>
+    </dgm:style>
+  </dgm:styleLbl>
+  <dgm:styleLbl name="bgSibTrans2D1">
+    <dgm:scene3d>
+      <a:camera prst="orthographicFront"/>
+      <a:lightRig rig="threePt" dir="t"/>
+    </dgm:scene3d>
+    <dgm:sp3d/>
+    <dgm:txPr/>
+    <dgm:style>
+      <a:lnRef idx="0">
+        <a:scrgbClr r="0" g="0" b="0"/>
+      </a:lnRef>
+      <a:fillRef idx="1">
+        <a:scrgbClr r="0" g="0" b="0"/>
+      </a:fillRef>
+      <a:effectRef idx="0">
+        <a:scrgbClr r="0" g="0" b="0"/>
+      </a:effectRef>
+      <a:fontRef idx="minor">
+        <a:schemeClr val="lt1"/>
+      </a:fontRef>
+    </dgm:style>
+  </dgm:styleLbl>
+  <dgm:styleLbl name="sibTrans1D1">
+    <dgm:scene3d>
+      <a:camera prst="orthographicFront"/>
+      <a:lightRig rig="threePt" dir="t"/>
+    </dgm:scene3d>
+    <dgm:sp3d/>
+    <dgm:txPr/>
+    <dgm:style>
+      <a:lnRef idx="1">
+        <a:scrgbClr r="0" g="0" b="0"/>
+      </a:lnRef>
+      <a:fillRef idx="0">
+        <a:scrgbClr r="0" g="0" b="0"/>
+      </a:fillRef>
+      <a:effectRef idx="0">
+        <a:scrgbClr r="0" g="0" b="0"/>
+      </a:effectRef>
+      <a:fontRef idx="minor"/>
+    </dgm:style>
+  </dgm:styleLbl>
+  <dgm:styleLbl name="callout">
+    <dgm:scene3d>
+      <a:camera prst="orthographicFront"/>
+      <a:lightRig rig="threePt" dir="t"/>
+    </dgm:scene3d>
+    <dgm:sp3d/>
+    <dgm:txPr/>
+    <dgm:style>
+      <a:lnRef idx="2">
+        <a:scrgbClr r="0" g="0" b="0"/>
+      </a:lnRef>
+      <a:fillRef idx="1">
+        <a:scrgbClr r="0" g="0" b="0"/>
+      </a:fillRef>
+      <a:effectRef idx="0">
+        <a:scrgbClr r="0" g="0" b="0"/>
+      </a:effectRef>
+      <a:fontRef idx="minor"/>
+    </dgm:style>
+  </dgm:styleLbl>
+  <dgm:styleLbl name="asst0">
+    <dgm:scene3d>
+      <a:camera prst="orthographicFront"/>
+      <a:lightRig rig="threePt" dir="t"/>
+    </dgm:scene3d>
+    <dgm:sp3d/>
+    <dgm:txPr/>
+    <dgm:style>
+      <a:lnRef idx="2">
+        <a:scrgbClr r="0" g="0" b="0"/>
+      </a:lnRef>
+      <a:fillRef idx="1">
+        <a:scrgbClr r="0" g="0" b="0"/>
+      </a:fillRef>
+      <a:effectRef idx="0">
+        <a:scrgbClr r="0" g="0" b="0"/>
+      </a:effectRef>
+      <a:fontRef idx="minor">
+        <a:schemeClr val="lt1"/>
+      </a:fontRef>
+    </dgm:style>
+  </dgm:styleLbl>
+  <dgm:styleLbl name="asst1">
+    <dgm:scene3d>
+      <a:camera prst="orthographicFront"/>
+      <a:lightRig rig="threePt" dir="t"/>
+    </dgm:scene3d>
+    <dgm:sp3d/>
+    <dgm:txPr/>
+    <dgm:style>
+      <a:lnRef idx="2">
+        <a:scrgbClr r="0" g="0" b="0"/>
+      </a:lnRef>
+      <a:fillRef idx="1">
+        <a:scrgbClr r="0" g="0" b="0"/>
+      </a:fillRef>
+      <a:effectRef idx="0">
+        <a:scrgbClr r="0" g="0" b="0"/>
+      </a:effectRef>
+      <a:fontRef idx="minor">
+        <a:schemeClr val="lt1"/>
+      </a:fontRef>
+    </dgm:style>
+  </dgm:styleLbl>
+  <dgm:styleLbl name="asst2">
+    <dgm:scene3d>
+      <a:camera prst="orthographicFront"/>
+      <a:lightRig rig="threePt" dir="t"/>
+    </dgm:scene3d>
+    <dgm:sp3d/>
+    <dgm:txPr/>
+    <dgm:style>
+      <a:lnRef idx="2">
+        <a:scrgbClr r="0" g="0" b="0"/>
+      </a:lnRef>
+      <a:fillRef idx="1">
+        <a:scrgbClr r="0" g="0" b="0"/>
+      </a:fillRef>
+      <a:effectRef idx="0">
+        <a:scrgbClr r="0" g="0" b="0"/>
+      </a:effectRef>
+      <a:fontRef idx="minor">
+        <a:schemeClr val="lt1"/>
+      </a:fontRef>
+    </dgm:style>
+  </dgm:styleLbl>
+  <dgm:styleLbl name="asst3">
+    <dgm:scene3d>
+      <a:camera prst="orthographicFront"/>
+      <a:lightRig rig="threePt" dir="t"/>
+    </dgm:scene3d>
+    <dgm:sp3d/>
+    <dgm:txPr/>
+    <dgm:style>
+      <a:lnRef idx="2">
+        <a:scrgbClr r="0" g="0" b="0"/>
+      </a:lnRef>
+      <a:fillRef idx="1">
+        <a:scrgbClr r="0" g="0" b="0"/>
+      </a:fillRef>
+      <a:effectRef idx="0">
+        <a:scrgbClr r="0" g="0" b="0"/>
+      </a:effectRef>
+      <a:fontRef idx="minor">
+        <a:schemeClr val="lt1"/>
+      </a:fontRef>
+    </dgm:style>
+  </dgm:styleLbl>
+  <dgm:styleLbl name="asst4">
+    <dgm:scene3d>
+      <a:camera prst="orthographicFront"/>
+      <a:lightRig rig="threePt" dir="t"/>
+    </dgm:scene3d>
+    <dgm:sp3d/>
+    <dgm:txPr/>
+    <dgm:style>
+      <a:lnRef idx="2">
+        <a:scrgbClr r="0" g="0" b="0"/>
+      </a:lnRef>
+      <a:fillRef idx="1">
+        <a:scrgbClr r="0" g="0" b="0"/>
+      </a:fillRef>
+      <a:effectRef idx="0">
+        <a:scrgbClr r="0" g="0" b="0"/>
+      </a:effectRef>
+      <a:fontRef idx="minor">
+        <a:schemeClr val="lt1"/>
+      </a:fontRef>
+    </dgm:style>
+  </dgm:styleLbl>
+  <dgm:styleLbl name="parChTrans2D1">
+    <dgm:scene3d>
+      <a:camera prst="orthographicFront"/>
+      <a:lightRig rig="threePt" dir="t"/>
+    </dgm:scene3d>
+    <dgm:sp3d/>
+    <dgm:txPr/>
+    <dgm:style>
+      <a:lnRef idx="2">
+        <a:scrgbClr r="0" g="0" b="0"/>
+      </a:lnRef>
+      <a:fillRef idx="1">
+        <a:scrgbClr r="0" g="0" b="0"/>
+      </a:fillRef>
+      <a:effectRef idx="0">
+        <a:scrgbClr r="0" g="0" b="0"/>
+      </a:effectRef>
+      <a:fontRef idx="minor">
+        <a:schemeClr val="lt1"/>
+      </a:fontRef>
+    </dgm:style>
+  </dgm:styleLbl>
+  <dgm:styleLbl name="parChTrans2D2">
+    <dgm:scene3d>
+      <a:camera prst="orthographicFront"/>
+      <a:lightRig rig="threePt" dir="t"/>
+    </dgm:scene3d>
+    <dgm:sp3d/>
+    <dgm:txPr/>
+    <dgm:style>
+      <a:lnRef idx="2">
+        <a:scrgbClr r="0" g="0" b="0"/>
+      </a:lnRef>
+      <a:fillRef idx="1">
+        <a:scrgbClr r="0" g="0" b="0"/>
+      </a:fillRef>
+      <a:effectRef idx="0">
+        <a:scrgbClr r="0" g="0" b="0"/>
+      </a:effectRef>
+      <a:fontRef idx="minor">
+        <a:schemeClr val="lt1"/>
+      </a:fontRef>
+    </dgm:style>
+  </dgm:styleLbl>
+  <dgm:styleLbl name="parChTrans2D3">
+    <dgm:scene3d>
+      <a:camera prst="orthographicFront"/>
+      <a:lightRig rig="threePt" dir="t"/>
+    </dgm:scene3d>
+    <dgm:sp3d/>
+    <dgm:txPr/>
+    <dgm:style>
+      <a:lnRef idx="2">
+        <a:scrgbClr r="0" g="0" b="0"/>
+      </a:lnRef>
+      <a:fillRef idx="1">
+        <a:scrgbClr r="0" g="0" b="0"/>
+      </a:fillRef>
+      <a:effectRef idx="0">
+        <a:scrgbClr r="0" g="0" b="0"/>
+      </a:effectRef>
+      <a:fontRef idx="minor">
+        <a:schemeClr val="lt1"/>
+      </a:fontRef>
+    </dgm:style>
+  </dgm:styleLbl>
+  <dgm:styleLbl name="parChTrans2D4">
+    <dgm:scene3d>
+      <a:camera prst="orthographicFront"/>
+      <a:lightRig rig="threePt" dir="t"/>
+    </dgm:scene3d>
+    <dgm:sp3d/>
+    <dgm:txPr/>
+    <dgm:style>
+      <a:lnRef idx="2">
+        <a:scrgbClr r="0" g="0" b="0"/>
+      </a:lnRef>
+      <a:fillRef idx="1">
+        <a:scrgbClr r="0" g="0" b="0"/>
+      </a:fillRef>
+      <a:effectRef idx="0">
+        <a:scrgbClr r="0" g="0" b="0"/>
+      </a:effectRef>
+      <a:fontRef idx="minor">
+        <a:schemeClr val="lt1"/>
+      </a:fontRef>
+    </dgm:style>
+  </dgm:styleLbl>
+  <dgm:styleLbl name="parChTrans1D1">
+    <dgm:scene3d>
+      <a:camera prst="orthographicFront"/>
+      <a:lightRig rig="threePt" dir="t"/>
+    </dgm:scene3d>
+    <dgm:sp3d/>
+    <dgm:txPr/>
+    <dgm:style>
+      <a:lnRef idx="2">
+        <a:scrgbClr r="0" g="0" b="0"/>
+      </a:lnRef>
+      <a:fillRef idx="0">
+        <a:scrgbClr r="0" g="0" b="0"/>
+      </a:fillRef>
+      <a:effectRef idx="0">
+        <a:scrgbClr r="0" g="0" b="0"/>
+      </a:effectRef>
+      <a:fontRef idx="minor"/>
+    </dgm:style>
+  </dgm:styleLbl>
+  <dgm:styleLbl name="parChTrans1D2">
+    <dgm:scene3d>
+      <a:camera prst="orthographicFront"/>
+      <a:lightRig rig="threePt" dir="t"/>
+    </dgm:scene3d>
+    <dgm:sp3d/>
+    <dgm:txPr/>
+    <dgm:style>
+      <a:lnRef idx="2">
+        <a:scrgbClr r="0" g="0" b="0"/>
+      </a:lnRef>
+      <a:fillRef idx="0">
+        <a:scrgbClr r="0" g="0" b="0"/>
+      </a:fillRef>
+      <a:effectRef idx="0">
+        <a:scrgbClr r="0" g="0" b="0"/>
+      </a:effectRef>
+      <a:fontRef idx="minor"/>
+    </dgm:style>
+  </dgm:styleLbl>
+  <dgm:styleLbl name="parChTrans1D3">
+    <dgm:scene3d>
+      <a:camera prst="orthographicFront"/>
+      <a:lightRig rig="threePt" dir="t"/>
+    </dgm:scene3d>
+    <dgm:sp3d/>
+    <dgm:txPr/>
+    <dgm:style>
+      <a:lnRef idx="2">
+        <a:scrgbClr r="0" g="0" b="0"/>
+      </a:lnRef>
+      <a:fillRef idx="0">
+        <a:scrgbClr r="0" g="0" b="0"/>
+      </a:fillRef>
+      <a:effectRef idx="0">
+        <a:scrgbClr r="0" g="0" b="0"/>
+      </a:effectRef>
+      <a:fontRef idx="minor"/>
+    </dgm:style>
+  </dgm:styleLbl>
+  <dgm:styleLbl name="parChTrans1D4">
+    <dgm:scene3d>
+      <a:camera prst="orthographicFront"/>
+      <a:lightRig rig="threePt" dir="t"/>
+    </dgm:scene3d>
+    <dgm:sp3d/>
+    <dgm:txPr/>
+    <dgm:style>
+      <a:lnRef idx="2">
+        <a:scrgbClr r="0" g="0" b="0"/>
+      </a:lnRef>
+      <a:fillRef idx="0">
+        <a:scrgbClr r="0" g="0" b="0"/>
+      </a:fillRef>
+      <a:effectRef idx="0">
+        <a:scrgbClr r="0" g="0" b="0"/>
+      </a:effectRef>
+      <a:fontRef idx="minor"/>
+    </dgm:style>
+  </dgm:styleLbl>
+  <dgm:styleLbl name="fgAcc1">
+    <dgm:scene3d>
+      <a:camera prst="orthographicFront"/>
+      <a:lightRig rig="threePt" dir="t"/>
+    </dgm:scene3d>
+    <dgm:sp3d/>
+    <dgm:txPr/>
+    <dgm:style>
+      <a:lnRef idx="2">
+        <a:scrgbClr r="0" g="0" b="0"/>
+      </a:lnRef>
+      <a:fillRef idx="1">
+        <a:scrgbClr r="0" g="0" b="0"/>
+      </a:fillRef>
+      <a:effectRef idx="0">
+        <a:scrgbClr r="0" g="0" b="0"/>
+      </a:effectRef>
+      <a:fontRef idx="minor"/>
+    </dgm:style>
+  </dgm:styleLbl>
+  <dgm:styleLbl name="conFgAcc1">
+    <dgm:scene3d>
+      <a:camera prst="orthographicFront"/>
+      <a:lightRig rig="threePt" dir="t"/>
+    </dgm:scene3d>
+    <dgm:sp3d/>
+    <dgm:txPr/>
+    <dgm:style>
+      <a:lnRef idx="2">
+        <a:scrgbClr r="0" g="0" b="0"/>
+      </a:lnRef>
+      <a:fillRef idx="1">
+        <a:scrgbClr r="0" g="0" b="0"/>
+      </a:fillRef>
+      <a:effectRef idx="0">
+        <a:scrgbClr r="0" g="0" b="0"/>
+      </a:effectRef>
+      <a:fontRef idx="minor"/>
+    </dgm:style>
+  </dgm:styleLbl>
+  <dgm:styleLbl name="alignAcc1">
+    <dgm:scene3d>
+      <a:camera prst="orthographicFront"/>
+      <a:lightRig rig="threePt" dir="t"/>
+    </dgm:scene3d>
+    <dgm:sp3d/>
+    <dgm:txPr/>
+    <dgm:style>
+      <a:lnRef idx="2">
+        <a:scrgbClr r="0" g="0" b="0"/>
+      </a:lnRef>
+      <a:fillRef idx="1">
+        <a:scrgbClr r="0" g="0" b="0"/>
+      </a:fillRef>
+      <a:effectRef idx="0">
+        <a:scrgbClr r="0" g="0" b="0"/>
+      </a:effectRef>
+      <a:fontRef idx="minor"/>
+    </dgm:style>
+  </dgm:styleLbl>
+  <dgm:styleLbl name="trAlignAcc1">
+    <dgm:scene3d>
+      <a:camera prst="orthographicFront"/>
+      <a:lightRig rig="threePt" dir="t"/>
+    </dgm:scene3d>
+    <dgm:sp3d/>
+    <dgm:txPr/>
+    <dgm:style>
+      <a:lnRef idx="1">
+        <a:scrgbClr r="0" g="0" b="0"/>
+      </a:lnRef>
+      <a:fillRef idx="1">
+        <a:scrgbClr r="0" g="0" b="0"/>
+      </a:fillRef>
+      <a:effectRef idx="0">
+        <a:scrgbClr r="0" g="0" b="0"/>
+      </a:effectRef>
+      <a:fontRef idx="minor"/>
+    </dgm:style>
+  </dgm:styleLbl>
+  <dgm:styleLbl name="bgAcc1">
+    <dgm:scene3d>
+      <a:camera prst="orthographicFront"/>
+      <a:lightRig rig="threePt" dir="t"/>
+    </dgm:scene3d>
+    <dgm:sp3d/>
+    <dgm:txPr/>
+    <dgm:style>
+      <a:lnRef idx="2">
+        <a:scrgbClr r="0" g="0" b="0"/>
+      </a:lnRef>
+      <a:fillRef idx="1">
+        <a:scrgbClr r="0" g="0" b="0"/>
+      </a:fillRef>
+      <a:effectRef idx="0">
+        <a:scrgbClr r="0" g="0" b="0"/>
+      </a:effectRef>
+      <a:fontRef idx="minor"/>
+    </dgm:style>
+  </dgm:styleLbl>
+  <dgm:styleLbl name="solidFgAcc1">
+    <dgm:scene3d>
+      <a:camera prst="orthographicFront"/>
+      <a:lightRig rig="threePt" dir="t"/>
+    </dgm:scene3d>
+    <dgm:sp3d/>
+    <dgm:txPr/>
+    <dgm:style>
+      <a:lnRef idx="2">
+        <a:scrgbClr r="0" g="0" b="0"/>
+      </a:lnRef>
+      <a:fillRef idx="1">
+        <a:scrgbClr r="0" g="0" b="0"/>
+      </a:fillRef>
+      <a:effectRef idx="0">
+        <a:scrgbClr r="0" g="0" b="0"/>
+      </a:effectRef>
+      <a:fontRef idx="minor"/>
+    </dgm:style>
+  </dgm:styleLbl>
+  <dgm:styleLbl name="solidAlignAcc1">
+    <dgm:scene3d>
+      <a:camera prst="orthographicFront"/>
+      <a:lightRig rig="threePt" dir="t"/>
+    </dgm:scene3d>
+    <dgm:sp3d/>
+    <dgm:txPr/>
+    <dgm:style>
+      <a:lnRef idx="2">
+        <a:scrgbClr r="0" g="0" b="0"/>
+      </a:lnRef>
+      <a:fillRef idx="1">
+        <a:scrgbClr r="0" g="0" b="0"/>
+      </a:fillRef>
+      <a:effectRef idx="0">
+        <a:scrgbClr r="0" g="0" b="0"/>
+      </a:effectRef>
+      <a:fontRef idx="minor"/>
+    </dgm:style>
+  </dgm:styleLbl>
+  <dgm:styleLbl name="solidBgAcc1">
+    <dgm:scene3d>
+      <a:camera prst="orthographicFront"/>
+      <a:lightRig rig="threePt" dir="t"/>
+    </dgm:scene3d>
+    <dgm:sp3d/>
+    <dgm:txPr/>
+    <dgm:style>
+      <a:lnRef idx="2">
+        <a:scrgbClr r="0" g="0" b="0"/>
+      </a:lnRef>
+      <a:fillRef idx="1">
+        <a:scrgbClr r="0" g="0" b="0"/>
+      </a:fillRef>
+      <a:effectRef idx="0">
+        <a:scrgbClr r="0" g="0" b="0"/>
+      </a:effectRef>
+      <a:fontRef idx="minor"/>
+    </dgm:style>
+  </dgm:styleLbl>
+  <dgm:styleLbl name="fgAccFollowNode1">
+    <dgm:scene3d>
+      <a:camera prst="orthographicFront"/>
+      <a:lightRig rig="threePt" dir="t"/>
+    </dgm:scene3d>
+    <dgm:sp3d/>
+    <dgm:txPr/>
+    <dgm:style>
+      <a:lnRef idx="2">
+        <a:scrgbClr r="0" g="0" b="0"/>
+      </a:lnRef>
+      <a:fillRef idx="1">
+        <a:scrgbClr r="0" g="0" b="0"/>
+      </a:fillRef>
+      <a:effectRef idx="0">
+        <a:scrgbClr r="0" g="0" b="0"/>
+      </a:effectRef>
+      <a:fontRef idx="minor"/>
+    </dgm:style>
+  </dgm:styleLbl>
+  <dgm:styleLbl name="alignAccFollowNode1">
+    <dgm:scene3d>
+      <a:camera prst="orthographicFront"/>
+      <a:lightRig rig="threePt" dir="t"/>
+    </dgm:scene3d>
+    <dgm:sp3d/>
+    <dgm:txPr/>
+    <dgm:style>
+      <a:lnRef idx="2">
+        <a:scrgbClr r="0" g="0" b="0"/>
+      </a:lnRef>
+      <a:fillRef idx="1">
+        <a:scrgbClr r="0" g="0" b="0"/>
+      </a:fillRef>
+      <a:effectRef idx="0">
+        <a:scrgbClr r="0" g="0" b="0"/>
+      </a:effectRef>
+      <a:fontRef idx="minor"/>
+    </dgm:style>
+  </dgm:styleLbl>
+  <dgm:styleLbl name="bgAccFollowNode1">
+    <dgm:scene3d>
+      <a:camera prst="orthographicFront"/>
+      <a:lightRig rig="threePt" dir="t"/>
+    </dgm:scene3d>
+    <dgm:sp3d/>
+    <dgm:txPr/>
+    <dgm:style>
+      <a:lnRef idx="2">
+        <a:scrgbClr r="0" g="0" b="0"/>
+      </a:lnRef>
+      <a:fillRef idx="1">
+        <a:scrgbClr r="0" g="0" b="0"/>
+      </a:fillRef>
+      <a:effectRef idx="0">
+        <a:scrgbClr r="0" g="0" b="0"/>
+      </a:effectRef>
+      <a:fontRef idx="minor"/>
+    </dgm:style>
+  </dgm:styleLbl>
+  <dgm:styleLbl name="fgAcc0">
+    <dgm:scene3d>
+      <a:camera prst="orthographicFront"/>
+      <a:lightRig rig="threePt" dir="t"/>
+    </dgm:scene3d>
+    <dgm:sp3d/>
+    <dgm:txPr/>
+    <dgm:style>
+      <a:lnRef idx="2">
+        <a:scrgbClr r="0" g="0" b="0"/>
+      </a:lnRef>
+      <a:fillRef idx="1">
+        <a:scrgbClr r="0" g="0" b="0"/>
+      </a:fillRef>
+      <a:effectRef idx="0">
+        <a:scrgbClr r="0" g="0" b="0"/>
+      </a:effectRef>
+      <a:fontRef idx="minor"/>
+    </dgm:style>
+  </dgm:styleLbl>
+  <dgm:styleLbl name="fgAcc2">
+    <dgm:scene3d>
+      <a:camera prst="orthographicFront"/>
+      <a:lightRig rig="threePt" dir="t"/>
+    </dgm:scene3d>
+    <dgm:sp3d/>
+    <dgm:txPr/>
+    <dgm:style>
+      <a:lnRef idx="2">
+        <a:scrgbClr r="0" g="0" b="0"/>
+      </a:lnRef>
+      <a:fillRef idx="1">
+        <a:scrgbClr r="0" g="0" b="0"/>
+      </a:fillRef>
+      <a:effectRef idx="0">
+        <a:scrgbClr r="0" g="0" b="0"/>
+      </a:effectRef>
+      <a:fontRef idx="minor"/>
+    </dgm:style>
+  </dgm:styleLbl>
+  <dgm:styleLbl name="fgAcc3">
+    <dgm:scene3d>
+      <a:camera prst="orthographicFront"/>
+      <a:lightRig rig="threePt" dir="t"/>
+    </dgm:scene3d>
+    <dgm:sp3d/>
+    <dgm:txPr/>
+    <dgm:style>
+      <a:lnRef idx="2">
+        <a:scrgbClr r="0" g="0" b="0"/>
+      </a:lnRef>
+      <a:fillRef idx="1">
+        <a:scrgbClr r="0" g="0" b="0"/>
+      </a:fillRef>
+      <a:effectRef idx="0">
+        <a:scrgbClr r="0" g="0" b="0"/>
+      </a:effectRef>
+      <a:fontRef idx="minor"/>
+    </dgm:style>
+  </dgm:styleLbl>
+  <dgm:styleLbl name="fgAcc4">
+    <dgm:scene3d>
+      <a:camera prst="orthographicFront"/>
+      <a:lightRig rig="threePt" dir="t"/>
+    </dgm:scene3d>
+    <dgm:sp3d/>
+    <dgm:txPr/>
+    <dgm:style>
+      <a:lnRef idx="2">
+        <a:scrgbClr r="0" g="0" b="0"/>
+      </a:lnRef>
+      <a:fillRef idx="1">
+        <a:scrgbClr r="0" g="0" b="0"/>
+      </a:fillRef>
+      <a:effectRef idx="0">
+        <a:scrgbClr r="0" g="0" b="0"/>
+      </a:effectRef>
+      <a:fontRef idx="minor"/>
+    </dgm:style>
+  </dgm:styleLbl>
+  <dgm:styleLbl name="bgShp">
+    <dgm:scene3d>
+      <a:camera prst="orthographicFront"/>
+      <a:lightRig rig="threePt" dir="t"/>
+    </dgm:scene3d>
+    <dgm:sp3d/>
+    <dgm:txPr/>
+    <dgm:style>
+      <a:lnRef idx="0">
+        <a:scrgbClr r="0" g="0" b="0"/>
+      </a:lnRef>
+      <a:fillRef idx="1">
+        <a:scrgbClr r="0" g="0" b="0"/>
+      </a:fillRef>
+      <a:effectRef idx="0">
+        <a:scrgbClr r="0" g="0" b="0"/>
+      </a:effectRef>
+      <a:fontRef idx="minor"/>
+    </dgm:style>
+  </dgm:styleLbl>
+  <dgm:styleLbl name="dkBgShp">
+    <dgm:scene3d>
+      <a:camera prst="orthographicFront"/>
+      <a:lightRig rig="threePt" dir="t"/>
+    </dgm:scene3d>
+    <dgm:sp3d/>
+    <dgm:txPr/>
+    <dgm:style>
+      <a:lnRef idx="0">
+        <a:scrgbClr r="0" g="0" b="0"/>
+      </a:lnRef>
+      <a:fillRef idx="1">
+        <a:scrgbClr r="0" g="0" b="0"/>
+      </a:fillRef>
+      <a:effectRef idx="0">
+        <a:scrgbClr r="0" g="0" b="0"/>
+      </a:effectRef>
+      <a:fontRef idx="minor"/>
+    </dgm:style>
+  </dgm:styleLbl>
+  <dgm:styleLbl name="trBgShp">
+    <dgm:scene3d>
+      <a:camera prst="orthographicFront"/>
+      <a:lightRig rig="threePt" dir="t"/>
+    </dgm:scene3d>
+    <dgm:sp3d/>
+    <dgm:txPr/>
+    <dgm:style>
+      <a:lnRef idx="0">
+        <a:scrgbClr r="0" g="0" b="0"/>
+      </a:lnRef>
+      <a:fillRef idx="1">
+        <a:scrgbClr r="0" g="0" b="0"/>
+      </a:fillRef>
+      <a:effectRef idx="0">
+        <a:scrgbClr r="0" g="0" b="0"/>
+      </a:effectRef>
+      <a:fontRef idx="minor"/>
+    </dgm:style>
+  </dgm:styleLbl>
+  <dgm:styleLbl name="fgShp">
+    <dgm:scene3d>
+      <a:camera prst="orthographicFront"/>
+      <a:lightRig rig="threePt" dir="t"/>
+    </dgm:scene3d>
+    <dgm:sp3d/>
+    <dgm:txPr/>
+    <dgm:style>
+      <a:lnRef idx="2">
+        <a:scrgbClr r="0" g="0" b="0"/>
+      </a:lnRef>
+      <a:fillRef idx="1">
+        <a:scrgbClr r="0" g="0" b="0"/>
+      </a:fillRef>
+      <a:effectRef idx="0">
+        <a:scrgbClr r="0" g="0" b="0"/>
+      </a:effectRef>
+      <a:fontRef idx="minor"/>
+    </dgm:style>
+  </dgm:styleLbl>
+  <dgm:styleLbl name="revTx">
+    <dgm:scene3d>
+      <a:camera prst="orthographicFront"/>
+      <a:lightRig rig="threePt" dir="t"/>
+    </dgm:scene3d>
+    <dgm:sp3d/>
+    <dgm:txPr/>
+    <dgm:style>
+      <a:lnRef idx="0">
+        <a:scrgbClr r="0" g="0" b="0"/>
+      </a:lnRef>
+      <a:fillRef idx="0">
+        <a:scrgbClr r="0" g="0" b="0"/>
+      </a:fillRef>
+      <a:effectRef idx="0">
+        <a:scrgbClr r="0" g="0" b="0"/>
+      </a:effectRef>
+      <a:fontRef idx="minor"/>
+    </dgm:style>
+  </dgm:styleLbl>
+</dgm:styleDef>
+</file>
+
+<file path=ppt/diagrams/quickStyle2.xml><?xml version="1.0" encoding="utf-8"?>
 <dgm:styleDef xmlns:dgm="http://schemas.openxmlformats.org/drawingml/2006/diagram" xmlns:a="http://schemas.openxmlformats.org/drawingml/2006/main" uniqueId="urn:microsoft.com/office/officeart/2005/8/quickstyle/simple1">
   <dgm:title val=""/>
   <dgm:desc val=""/>
@@ -6801,7 +10149,7 @@
           <p:spPr>
             <a:xfrm>
               <a:off x="276225" y="289960"/>
-              <a:ext cx="1065021" cy="338554"/>
+              <a:ext cx="1065021" cy="399056"/>
             </a:xfrm>
             <a:prstGeom prst="rect">
               <a:avLst/>
@@ -6818,18 +10166,22 @@
                 <a:defRPr/>
               </a:pPr>
               <a:r>
-                <a:rPr lang="en-US" altLang="ko-KR" sz="1600" dirty="0">
+                <a:rPr lang="en-US" altLang="ko-KR" sz="2000" b="1" dirty="0">
                   <a:solidFill>
                     <a:prstClr val="white"/>
                   </a:solidFill>
+                  <a:latin typeface="-윤고딕330" panose="02030504000101010101" pitchFamily="18" charset="-127"/>
+                  <a:ea typeface="-윤고딕330" panose="02030504000101010101" pitchFamily="18" charset="-127"/>
                 </a:rPr>
                 <a:t>6</a:t>
               </a:r>
               <a:r>
-                <a:rPr lang="ko-KR" altLang="en-US" sz="1600" dirty="0">
+                <a:rPr lang="ko-KR" altLang="en-US" sz="2000" b="1" dirty="0">
                   <a:solidFill>
                     <a:prstClr val="white"/>
                   </a:solidFill>
+                  <a:latin typeface="-윤고딕330" panose="02030504000101010101" pitchFamily="18" charset="-127"/>
+                  <a:ea typeface="-윤고딕330" panose="02030504000101010101" pitchFamily="18" charset="-127"/>
                 </a:rPr>
                 <a:t>조</a:t>
               </a:r>
@@ -6905,66 +10257,6 @@
                   <a:prstClr val="white">
                     <a:lumMod val="65000"/>
                   </a:prstClr>
-                </a:solidFill>
-              </a:endParaRPr>
-            </a:p>
-          </p:txBody>
-        </p:sp>
-        <p:sp>
-          <p:nvSpPr>
-            <p:cNvPr id="37" name="타원 36">
-              <a:extLst>
-                <a:ext uri="{FF2B5EF4-FFF2-40B4-BE49-F238E27FC236}">
-                  <a16:creationId xmlns:a16="http://schemas.microsoft.com/office/drawing/2014/main" id="{55A0324E-D20D-3C8F-81DF-257150795065}"/>
-                </a:ext>
-              </a:extLst>
-            </p:cNvPr>
-            <p:cNvSpPr/>
-            <p:nvPr/>
-          </p:nvSpPr>
-          <p:spPr>
-            <a:xfrm>
-              <a:off x="11357852" y="342642"/>
-              <a:ext cx="392400" cy="393700"/>
-            </a:xfrm>
-            <a:prstGeom prst="ellipse">
-              <a:avLst/>
-            </a:prstGeom>
-            <a:solidFill>
-              <a:schemeClr val="bg1">
-                <a:lumMod val="50000"/>
-              </a:schemeClr>
-            </a:solidFill>
-            <a:ln>
-              <a:noFill/>
-            </a:ln>
-          </p:spPr>
-          <p:style>
-            <a:lnRef idx="2">
-              <a:schemeClr val="accent1">
-                <a:shade val="50000"/>
-              </a:schemeClr>
-            </a:lnRef>
-            <a:fillRef idx="1">
-              <a:schemeClr val="accent1"/>
-            </a:fillRef>
-            <a:effectRef idx="0">
-              <a:schemeClr val="accent1"/>
-            </a:effectRef>
-            <a:fontRef idx="minor">
-              <a:schemeClr val="lt1"/>
-            </a:fontRef>
-          </p:style>
-          <p:txBody>
-            <a:bodyPr rtlCol="0" anchor="ctr"/>
-            <a:lstStyle/>
-            <a:p>
-              <a:pPr algn="ctr">
-                <a:defRPr/>
-              </a:pPr>
-              <a:endParaRPr lang="ko-KR" altLang="en-US" sz="1200" dirty="0">
-                <a:solidFill>
-                  <a:prstClr val="white"/>
                 </a:solidFill>
               </a:endParaRPr>
             </a:p>
@@ -7165,8 +10457,8 @@
         </p:nvSpPr>
         <p:spPr>
           <a:xfrm>
-            <a:off x="978010" y="4713708"/>
-            <a:ext cx="8280568" cy="1624532"/>
+            <a:off x="1411347" y="4460121"/>
+            <a:ext cx="10442743" cy="1624532"/>
           </a:xfrm>
           <a:prstGeom prst="rect">
             <a:avLst/>
@@ -7371,7 +10663,7 @@
                 <a:latin typeface="-윤고딕330" panose="02030504000101010101" pitchFamily="18" charset="-127"/>
                 <a:ea typeface="-윤고딕330" panose="02030504000101010101" pitchFamily="18" charset="-127"/>
               </a:rPr>
-              <a:t>AI</a:t>
+              <a:t>AI </a:t>
             </a:r>
             <a:r>
               <a:rPr lang="ko-KR" altLang="en-US" dirty="0">
@@ -7744,6 +11036,3843 @@
     <p:extLst>
       <p:ext uri="{BB962C8B-B14F-4D97-AF65-F5344CB8AC3E}">
         <p14:creationId xmlns:p14="http://schemas.microsoft.com/office/powerpoint/2010/main" val="3646699531"/>
+      </p:ext>
+    </p:extLst>
+  </p:cSld>
+  <p:clrMapOvr>
+    <a:masterClrMapping/>
+  </p:clrMapOvr>
+</p:sld>
+</file>
+
+<file path=ppt/slides/slide10.xml><?xml version="1.0" encoding="utf-8"?>
+<p:sld xmlns:a="http://schemas.openxmlformats.org/drawingml/2006/main" xmlns:r="http://schemas.openxmlformats.org/officeDocument/2006/relationships" xmlns:p="http://schemas.openxmlformats.org/presentationml/2006/main">
+  <p:cSld>
+    <p:bg>
+      <p:bgPr>
+        <a:solidFill>
+          <a:srgbClr val="16D3B3"/>
+        </a:solidFill>
+        <a:effectLst/>
+      </p:bgPr>
+    </p:bg>
+    <p:spTree>
+      <p:nvGrpSpPr>
+        <p:cNvPr id="1" name=""/>
+        <p:cNvGrpSpPr/>
+        <p:nvPr/>
+      </p:nvGrpSpPr>
+      <p:grpSpPr>
+        <a:xfrm>
+          <a:off x="0" y="0"/>
+          <a:ext cx="0" cy="0"/>
+          <a:chOff x="0" y="0"/>
+          <a:chExt cx="0" cy="0"/>
+        </a:xfrm>
+      </p:grpSpPr>
+      <p:grpSp>
+        <p:nvGrpSpPr>
+          <p:cNvPr id="19" name="그룹 18">
+            <a:extLst>
+              <a:ext uri="{FF2B5EF4-FFF2-40B4-BE49-F238E27FC236}">
+                <a16:creationId xmlns:a16="http://schemas.microsoft.com/office/drawing/2014/main" id="{68471FE8-50F9-DD29-6382-B9993983BD2C}"/>
+              </a:ext>
+            </a:extLst>
+          </p:cNvPr>
+          <p:cNvGrpSpPr/>
+          <p:nvPr/>
+        </p:nvGrpSpPr>
+        <p:grpSpPr>
+          <a:xfrm>
+            <a:off x="276225" y="173736"/>
+            <a:ext cx="11639550" cy="6446140"/>
+            <a:chOff x="276225" y="173736"/>
+            <a:chExt cx="11639550" cy="6446140"/>
+          </a:xfrm>
+        </p:grpSpPr>
+        <p:sp>
+          <p:nvSpPr>
+            <p:cNvPr id="4" name="사각형: 둥근 위쪽 모서리 3">
+              <a:extLst>
+                <a:ext uri="{FF2B5EF4-FFF2-40B4-BE49-F238E27FC236}">
+                  <a16:creationId xmlns:a16="http://schemas.microsoft.com/office/drawing/2014/main" id="{235E556F-700D-0BAB-2E72-D02143BBB46F}"/>
+                </a:ext>
+              </a:extLst>
+            </p:cNvPr>
+            <p:cNvSpPr/>
+            <p:nvPr/>
+          </p:nvSpPr>
+          <p:spPr>
+            <a:xfrm>
+              <a:off x="276225" y="263524"/>
+              <a:ext cx="11639550" cy="6356352"/>
+            </a:xfrm>
+            <a:prstGeom prst="round2SameRect">
+              <a:avLst>
+                <a:gd name="adj1" fmla="val 4932"/>
+                <a:gd name="adj2" fmla="val 4211"/>
+              </a:avLst>
+            </a:prstGeom>
+            <a:solidFill>
+              <a:srgbClr val="28B2C2"/>
+            </a:solidFill>
+            <a:ln>
+              <a:noFill/>
+            </a:ln>
+            <a:effectLst>
+              <a:outerShdw blurRad="101600" dist="76200" dir="2700000" algn="tl" rotWithShape="0">
+                <a:prstClr val="black">
+                  <a:alpha val="28000"/>
+                </a:prstClr>
+              </a:outerShdw>
+            </a:effectLst>
+          </p:spPr>
+          <p:style>
+            <a:lnRef idx="2">
+              <a:schemeClr val="accent1">
+                <a:shade val="15000"/>
+              </a:schemeClr>
+            </a:lnRef>
+            <a:fillRef idx="1">
+              <a:schemeClr val="accent1"/>
+            </a:fillRef>
+            <a:effectRef idx="0">
+              <a:schemeClr val="accent1"/>
+            </a:effectRef>
+            <a:fontRef idx="minor">
+              <a:schemeClr val="lt1"/>
+            </a:fontRef>
+          </p:style>
+          <p:txBody>
+            <a:bodyPr rtlCol="0" anchor="ctr"/>
+            <a:lstStyle/>
+            <a:p>
+              <a:pPr algn="ctr">
+                <a:defRPr/>
+              </a:pPr>
+              <a:endParaRPr lang="ko-KR" altLang="en-US">
+                <a:solidFill>
+                  <a:prstClr val="white"/>
+                </a:solidFill>
+              </a:endParaRPr>
+            </a:p>
+          </p:txBody>
+        </p:sp>
+        <p:sp>
+          <p:nvSpPr>
+            <p:cNvPr id="2" name="사각형: 둥근 위쪽 모서리 1">
+              <a:extLst>
+                <a:ext uri="{FF2B5EF4-FFF2-40B4-BE49-F238E27FC236}">
+                  <a16:creationId xmlns:a16="http://schemas.microsoft.com/office/drawing/2014/main" id="{26BA66BF-7A19-9E72-6CD7-7CF458793A8C}"/>
+                </a:ext>
+              </a:extLst>
+            </p:cNvPr>
+            <p:cNvSpPr/>
+            <p:nvPr/>
+          </p:nvSpPr>
+          <p:spPr>
+            <a:xfrm>
+              <a:off x="276225" y="677862"/>
+              <a:ext cx="11639550" cy="5942014"/>
+            </a:xfrm>
+            <a:prstGeom prst="round2SameRect">
+              <a:avLst>
+                <a:gd name="adj1" fmla="val 0"/>
+                <a:gd name="adj2" fmla="val 3685"/>
+              </a:avLst>
+            </a:prstGeom>
+            <a:solidFill>
+              <a:schemeClr val="bg1"/>
+            </a:solidFill>
+            <a:ln>
+              <a:noFill/>
+            </a:ln>
+          </p:spPr>
+          <p:style>
+            <a:lnRef idx="2">
+              <a:schemeClr val="accent1">
+                <a:shade val="15000"/>
+              </a:schemeClr>
+            </a:lnRef>
+            <a:fillRef idx="1">
+              <a:schemeClr val="accent1"/>
+            </a:fillRef>
+            <a:effectRef idx="0">
+              <a:schemeClr val="accent1"/>
+            </a:effectRef>
+            <a:fontRef idx="minor">
+              <a:schemeClr val="lt1"/>
+            </a:fontRef>
+          </p:style>
+          <p:txBody>
+            <a:bodyPr rtlCol="0" anchor="ctr"/>
+            <a:lstStyle/>
+            <a:p>
+              <a:pPr algn="ctr">
+                <a:defRPr/>
+              </a:pPr>
+              <a:endParaRPr lang="ko-KR" altLang="en-US" dirty="0">
+                <a:solidFill>
+                  <a:prstClr val="white"/>
+                </a:solidFill>
+              </a:endParaRPr>
+            </a:p>
+          </p:txBody>
+        </p:sp>
+        <p:grpSp>
+          <p:nvGrpSpPr>
+            <p:cNvPr id="12" name="그룹 11">
+              <a:extLst>
+                <a:ext uri="{FF2B5EF4-FFF2-40B4-BE49-F238E27FC236}">
+                  <a16:creationId xmlns:a16="http://schemas.microsoft.com/office/drawing/2014/main" id="{99C181EE-00C3-A88C-2213-CE35054E78F2}"/>
+                </a:ext>
+              </a:extLst>
+            </p:cNvPr>
+            <p:cNvGrpSpPr/>
+            <p:nvPr/>
+          </p:nvGrpSpPr>
+          <p:grpSpPr>
+            <a:xfrm>
+              <a:off x="1207919" y="173736"/>
+              <a:ext cx="10707856" cy="504126"/>
+              <a:chOff x="1325674" y="263524"/>
+              <a:chExt cx="8800720" cy="414338"/>
+            </a:xfrm>
+          </p:grpSpPr>
+          <p:sp>
+            <p:nvSpPr>
+              <p:cNvPr id="30" name="자유형: 도형 29">
+                <a:extLst>
+                  <a:ext uri="{FF2B5EF4-FFF2-40B4-BE49-F238E27FC236}">
+                    <a16:creationId xmlns:a16="http://schemas.microsoft.com/office/drawing/2014/main" id="{07B619FB-E787-B802-3BD4-6F55CFF7EA9A}"/>
+                  </a:ext>
+                </a:extLst>
+              </p:cNvPr>
+              <p:cNvSpPr/>
+              <p:nvPr/>
+            </p:nvSpPr>
+            <p:spPr>
+              <a:xfrm flipV="1">
+                <a:off x="1325674" y="473077"/>
+                <a:ext cx="423864" cy="204785"/>
+              </a:xfrm>
+              <a:custGeom>
+                <a:avLst/>
+                <a:gdLst>
+                  <a:gd name="connsiteX0" fmla="*/ 0 w 423864"/>
+                  <a:gd name="connsiteY0" fmla="*/ 0 h 204785"/>
+                  <a:gd name="connsiteX1" fmla="*/ 238125 w 423864"/>
+                  <a:gd name="connsiteY1" fmla="*/ 0 h 204785"/>
+                  <a:gd name="connsiteX2" fmla="*/ 423864 w 423864"/>
+                  <a:gd name="connsiteY2" fmla="*/ 185739 h 204785"/>
+                  <a:gd name="connsiteX3" fmla="*/ 423864 w 423864"/>
+                  <a:gd name="connsiteY3" fmla="*/ 204785 h 204785"/>
+                  <a:gd name="connsiteX4" fmla="*/ 185739 w 423864"/>
+                  <a:gd name="connsiteY4" fmla="*/ 204785 h 204785"/>
+                  <a:gd name="connsiteX5" fmla="*/ 185739 w 423864"/>
+                  <a:gd name="connsiteY5" fmla="*/ 185739 h 204785"/>
+                  <a:gd name="connsiteX6" fmla="*/ 0 w 423864"/>
+                  <a:gd name="connsiteY6" fmla="*/ 0 h 204785"/>
+                </a:gdLst>
+                <a:ahLst/>
+                <a:cxnLst>
+                  <a:cxn ang="0">
+                    <a:pos x="connsiteX0" y="connsiteY0"/>
+                  </a:cxn>
+                  <a:cxn ang="0">
+                    <a:pos x="connsiteX1" y="connsiteY1"/>
+                  </a:cxn>
+                  <a:cxn ang="0">
+                    <a:pos x="connsiteX2" y="connsiteY2"/>
+                  </a:cxn>
+                  <a:cxn ang="0">
+                    <a:pos x="connsiteX3" y="connsiteY3"/>
+                  </a:cxn>
+                  <a:cxn ang="0">
+                    <a:pos x="connsiteX4" y="connsiteY4"/>
+                  </a:cxn>
+                  <a:cxn ang="0">
+                    <a:pos x="connsiteX5" y="connsiteY5"/>
+                  </a:cxn>
+                  <a:cxn ang="0">
+                    <a:pos x="connsiteX6" y="connsiteY6"/>
+                  </a:cxn>
+                </a:cxnLst>
+                <a:rect l="l" t="t" r="r" b="b"/>
+                <a:pathLst>
+                  <a:path w="423864" h="204785">
+                    <a:moveTo>
+                      <a:pt x="0" y="0"/>
+                    </a:moveTo>
+                    <a:lnTo>
+                      <a:pt x="238125" y="0"/>
+                    </a:lnTo>
+                    <a:cubicBezTo>
+                      <a:pt x="340706" y="0"/>
+                      <a:pt x="423864" y="83158"/>
+                      <a:pt x="423864" y="185739"/>
+                    </a:cubicBezTo>
+                    <a:lnTo>
+                      <a:pt x="423864" y="204785"/>
+                    </a:lnTo>
+                    <a:lnTo>
+                      <a:pt x="185739" y="204785"/>
+                    </a:lnTo>
+                    <a:lnTo>
+                      <a:pt x="185739" y="185739"/>
+                    </a:lnTo>
+                    <a:cubicBezTo>
+                      <a:pt x="185739" y="83158"/>
+                      <a:pt x="102581" y="0"/>
+                      <a:pt x="0" y="0"/>
+                    </a:cubicBezTo>
+                    <a:close/>
+                  </a:path>
+                </a:pathLst>
+              </a:custGeom>
+              <a:solidFill>
+                <a:schemeClr val="bg1"/>
+              </a:solidFill>
+              <a:ln>
+                <a:noFill/>
+              </a:ln>
+            </p:spPr>
+            <p:style>
+              <a:lnRef idx="2">
+                <a:schemeClr val="accent1">
+                  <a:shade val="15000"/>
+                </a:schemeClr>
+              </a:lnRef>
+              <a:fillRef idx="1">
+                <a:schemeClr val="accent1"/>
+              </a:fillRef>
+              <a:effectRef idx="0">
+                <a:schemeClr val="accent1"/>
+              </a:effectRef>
+              <a:fontRef idx="minor">
+                <a:schemeClr val="lt1"/>
+              </a:fontRef>
+            </p:style>
+            <p:txBody>
+              <a:bodyPr wrap="square" rtlCol="0" anchor="ctr">
+                <a:noAutofit/>
+              </a:bodyPr>
+              <a:lstStyle/>
+              <a:p>
+                <a:pPr algn="ctr">
+                  <a:defRPr/>
+                </a:pPr>
+                <a:endParaRPr lang="ko-KR" altLang="en-US">
+                  <a:solidFill>
+                    <a:prstClr val="white"/>
+                  </a:solidFill>
+                </a:endParaRPr>
+              </a:p>
+            </p:txBody>
+          </p:sp>
+          <p:sp>
+            <p:nvSpPr>
+              <p:cNvPr id="6" name="사각형: 둥근 위쪽 모서리 5">
+                <a:extLst>
+                  <a:ext uri="{FF2B5EF4-FFF2-40B4-BE49-F238E27FC236}">
+                    <a16:creationId xmlns:a16="http://schemas.microsoft.com/office/drawing/2014/main" id="{B7B08B0B-5E2D-E144-C52E-E38E3A0660B1}"/>
+                  </a:ext>
+                </a:extLst>
+              </p:cNvPr>
+              <p:cNvSpPr/>
+              <p:nvPr/>
+            </p:nvSpPr>
+            <p:spPr>
+              <a:xfrm>
+                <a:off x="1511411" y="263524"/>
+                <a:ext cx="8614983" cy="414338"/>
+              </a:xfrm>
+              <a:prstGeom prst="round2SameRect">
+                <a:avLst>
+                  <a:gd name="adj1" fmla="val 44828"/>
+                  <a:gd name="adj2" fmla="val 0"/>
+                </a:avLst>
+              </a:prstGeom>
+              <a:solidFill>
+                <a:schemeClr val="bg1"/>
+              </a:solidFill>
+              <a:ln>
+                <a:noFill/>
+              </a:ln>
+            </p:spPr>
+            <p:style>
+              <a:lnRef idx="2">
+                <a:schemeClr val="accent1">
+                  <a:shade val="15000"/>
+                </a:schemeClr>
+              </a:lnRef>
+              <a:fillRef idx="1">
+                <a:schemeClr val="accent1"/>
+              </a:fillRef>
+              <a:effectRef idx="0">
+                <a:schemeClr val="accent1"/>
+              </a:effectRef>
+              <a:fontRef idx="minor">
+                <a:schemeClr val="lt1"/>
+              </a:fontRef>
+            </p:style>
+            <p:txBody>
+              <a:bodyPr rtlCol="0" anchor="ctr"/>
+              <a:lstStyle/>
+              <a:p>
+                <a:pPr marL="92075" lvl="2">
+                  <a:defRPr/>
+                </a:pPr>
+                <a:r>
+                  <a:rPr lang="ko-KR" altLang="en-US" sz="2000" b="1" i="1" kern="0" dirty="0">
+                    <a:ln w="9525">
+                      <a:noFill/>
+                    </a:ln>
+                    <a:solidFill>
+                      <a:prstClr val="black">
+                        <a:lumMod val="65000"/>
+                        <a:lumOff val="35000"/>
+                      </a:prstClr>
+                    </a:solidFill>
+                    <a:latin typeface="맑은 고딕" panose="020B0503020000020004" pitchFamily="50" charset="-127"/>
+                    <a:ea typeface="맑은 고딕" panose="020B0503020000020004" pitchFamily="50" charset="-127"/>
+                  </a:rPr>
+                  <a:t>발생했던 문제점들</a:t>
+                </a:r>
+                <a:endParaRPr lang="ko-KR" altLang="en-US" sz="2000" b="1" dirty="0">
+                  <a:solidFill>
+                    <a:prstClr val="black">
+                      <a:lumMod val="65000"/>
+                      <a:lumOff val="35000"/>
+                    </a:prstClr>
+                  </a:solidFill>
+                  <a:latin typeface="맑은 고딕" panose="020B0503020000020004" pitchFamily="50" charset="-127"/>
+                  <a:ea typeface="맑은 고딕" panose="020B0503020000020004" pitchFamily="50" charset="-127"/>
+                </a:endParaRPr>
+              </a:p>
+            </p:txBody>
+          </p:sp>
+        </p:grpSp>
+        <p:sp>
+          <p:nvSpPr>
+            <p:cNvPr id="11" name="TextBox 10">
+              <a:extLst>
+                <a:ext uri="{FF2B5EF4-FFF2-40B4-BE49-F238E27FC236}">
+                  <a16:creationId xmlns:a16="http://schemas.microsoft.com/office/drawing/2014/main" id="{38ECCADD-9553-A900-1210-EE20C64B4A6E}"/>
+                </a:ext>
+              </a:extLst>
+            </p:cNvPr>
+            <p:cNvSpPr txBox="1"/>
+            <p:nvPr/>
+          </p:nvSpPr>
+          <p:spPr>
+            <a:xfrm>
+              <a:off x="420990" y="349142"/>
+              <a:ext cx="945656" cy="253916"/>
+            </a:xfrm>
+            <a:prstGeom prst="rect">
+              <a:avLst/>
+            </a:prstGeom>
+            <a:noFill/>
+          </p:spPr>
+          <p:txBody>
+            <a:bodyPr wrap="square">
+              <a:spAutoFit/>
+            </a:bodyPr>
+            <a:lstStyle/>
+            <a:p>
+              <a:pPr algn="ctr">
+                <a:defRPr/>
+              </a:pPr>
+              <a:r>
+                <a:rPr lang="en-US" altLang="ko-KR" sz="1050" i="1" kern="0" dirty="0">
+                  <a:ln w="9525">
+                    <a:noFill/>
+                  </a:ln>
+                  <a:solidFill>
+                    <a:prstClr val="white"/>
+                  </a:solidFill>
+                  <a:latin typeface="Tmon몬소리 Black" panose="02000A03000000000000" pitchFamily="2" charset="-127"/>
+                  <a:ea typeface="Tmon몬소리 Black" panose="02000A03000000000000" pitchFamily="2" charset="-127"/>
+                </a:rPr>
+                <a:t>CONTENTS</a:t>
+              </a:r>
+              <a:endParaRPr lang="ko-KR" altLang="en-US" sz="1000" dirty="0">
+                <a:solidFill>
+                  <a:prstClr val="white"/>
+                </a:solidFill>
+              </a:endParaRPr>
+            </a:p>
+          </p:txBody>
+        </p:sp>
+        <p:sp>
+          <p:nvSpPr>
+            <p:cNvPr id="13" name="사각형: 둥근 모서리 12">
+              <a:extLst>
+                <a:ext uri="{FF2B5EF4-FFF2-40B4-BE49-F238E27FC236}">
+                  <a16:creationId xmlns:a16="http://schemas.microsoft.com/office/drawing/2014/main" id="{D7A668E9-EB2A-2773-F1BB-CE79CFDC2B78}"/>
+                </a:ext>
+              </a:extLst>
+            </p:cNvPr>
+            <p:cNvSpPr/>
+            <p:nvPr/>
+          </p:nvSpPr>
+          <p:spPr>
+            <a:xfrm>
+              <a:off x="9753601" y="342642"/>
+              <a:ext cx="1536992" cy="393700"/>
+            </a:xfrm>
+            <a:prstGeom prst="roundRect">
+              <a:avLst>
+                <a:gd name="adj" fmla="val 50000"/>
+              </a:avLst>
+            </a:prstGeom>
+            <a:solidFill>
+              <a:schemeClr val="tx1">
+                <a:alpha val="4000"/>
+              </a:schemeClr>
+            </a:solidFill>
+            <a:ln>
+              <a:noFill/>
+            </a:ln>
+          </p:spPr>
+          <p:style>
+            <a:lnRef idx="2">
+              <a:schemeClr val="accent1">
+                <a:shade val="50000"/>
+              </a:schemeClr>
+            </a:lnRef>
+            <a:fillRef idx="1">
+              <a:schemeClr val="accent1"/>
+            </a:fillRef>
+            <a:effectRef idx="0">
+              <a:schemeClr val="accent1"/>
+            </a:effectRef>
+            <a:fontRef idx="minor">
+              <a:schemeClr val="lt1"/>
+            </a:fontRef>
+          </p:style>
+          <p:txBody>
+            <a:bodyPr rtlCol="0" anchor="ctr"/>
+            <a:lstStyle/>
+            <a:p>
+              <a:pPr algn="ctr">
+                <a:defRPr/>
+              </a:pPr>
+              <a:r>
+                <a:rPr lang="en-US" altLang="ko-KR" sz="1000" dirty="0">
+                  <a:solidFill>
+                    <a:prstClr val="white">
+                      <a:lumMod val="65000"/>
+                    </a:prstClr>
+                  </a:solidFill>
+                </a:rPr>
+                <a:t>CONTENT</a:t>
+              </a:r>
+              <a:endParaRPr lang="ko-KR" altLang="en-US" sz="1200" dirty="0">
+                <a:solidFill>
+                  <a:prstClr val="white">
+                    <a:lumMod val="65000"/>
+                  </a:prstClr>
+                </a:solidFill>
+              </a:endParaRPr>
+            </a:p>
+          </p:txBody>
+        </p:sp>
+        <p:sp>
+          <p:nvSpPr>
+            <p:cNvPr id="14" name="타원 13">
+              <a:extLst>
+                <a:ext uri="{FF2B5EF4-FFF2-40B4-BE49-F238E27FC236}">
+                  <a16:creationId xmlns:a16="http://schemas.microsoft.com/office/drawing/2014/main" id="{83B1B4F7-8B81-96BD-9550-2D0F93F505E0}"/>
+                </a:ext>
+              </a:extLst>
+            </p:cNvPr>
+            <p:cNvSpPr/>
+            <p:nvPr/>
+          </p:nvSpPr>
+          <p:spPr>
+            <a:xfrm>
+              <a:off x="11357852" y="342642"/>
+              <a:ext cx="392400" cy="393700"/>
+            </a:xfrm>
+            <a:prstGeom prst="ellipse">
+              <a:avLst/>
+            </a:prstGeom>
+            <a:solidFill>
+              <a:schemeClr val="bg1">
+                <a:lumMod val="50000"/>
+              </a:schemeClr>
+            </a:solidFill>
+            <a:ln>
+              <a:noFill/>
+            </a:ln>
+          </p:spPr>
+          <p:style>
+            <a:lnRef idx="2">
+              <a:schemeClr val="accent1">
+                <a:shade val="50000"/>
+              </a:schemeClr>
+            </a:lnRef>
+            <a:fillRef idx="1">
+              <a:schemeClr val="accent1"/>
+            </a:fillRef>
+            <a:effectRef idx="0">
+              <a:schemeClr val="accent1"/>
+            </a:effectRef>
+            <a:fontRef idx="minor">
+              <a:schemeClr val="lt1"/>
+            </a:fontRef>
+          </p:style>
+          <p:txBody>
+            <a:bodyPr rtlCol="0" anchor="ctr"/>
+            <a:lstStyle/>
+            <a:p>
+              <a:pPr algn="ctr">
+                <a:defRPr/>
+              </a:pPr>
+              <a:endParaRPr lang="ko-KR" altLang="en-US" sz="1200" dirty="0">
+                <a:solidFill>
+                  <a:prstClr val="white"/>
+                </a:solidFill>
+              </a:endParaRPr>
+            </a:p>
+          </p:txBody>
+        </p:sp>
+        <p:grpSp>
+          <p:nvGrpSpPr>
+            <p:cNvPr id="15" name="그룹 14">
+              <a:extLst>
+                <a:ext uri="{FF2B5EF4-FFF2-40B4-BE49-F238E27FC236}">
+                  <a16:creationId xmlns:a16="http://schemas.microsoft.com/office/drawing/2014/main" id="{5813ADFD-5900-AB6E-B2B3-BD2F6CBC36D7}"/>
+                </a:ext>
+              </a:extLst>
+            </p:cNvPr>
+            <p:cNvGrpSpPr/>
+            <p:nvPr/>
+          </p:nvGrpSpPr>
+          <p:grpSpPr>
+            <a:xfrm>
+              <a:off x="11463394" y="428700"/>
+              <a:ext cx="187007" cy="221257"/>
+              <a:chOff x="7903029" y="1102744"/>
+              <a:chExt cx="178934" cy="211706"/>
+            </a:xfrm>
+          </p:grpSpPr>
+          <p:sp>
+            <p:nvSpPr>
+              <p:cNvPr id="16" name="원호 15">
+                <a:extLst>
+                  <a:ext uri="{FF2B5EF4-FFF2-40B4-BE49-F238E27FC236}">
+                    <a16:creationId xmlns:a16="http://schemas.microsoft.com/office/drawing/2014/main" id="{30C8AFF8-F319-9872-84E2-441C77483F03}"/>
+                  </a:ext>
+                </a:extLst>
+              </p:cNvPr>
+              <p:cNvSpPr/>
+              <p:nvPr/>
+            </p:nvSpPr>
+            <p:spPr>
+              <a:xfrm>
+                <a:off x="7903029" y="1102744"/>
+                <a:ext cx="159658" cy="159658"/>
+              </a:xfrm>
+              <a:prstGeom prst="arc">
+                <a:avLst>
+                  <a:gd name="adj1" fmla="val 7661534"/>
+                  <a:gd name="adj2" fmla="val 3290856"/>
+                </a:avLst>
+              </a:prstGeom>
+              <a:ln w="15875" cap="rnd">
+                <a:solidFill>
+                  <a:schemeClr val="bg1"/>
+                </a:solidFill>
+              </a:ln>
+            </p:spPr>
+            <p:style>
+              <a:lnRef idx="1">
+                <a:schemeClr val="accent1"/>
+              </a:lnRef>
+              <a:fillRef idx="0">
+                <a:schemeClr val="accent1"/>
+              </a:fillRef>
+              <a:effectRef idx="0">
+                <a:schemeClr val="accent1"/>
+              </a:effectRef>
+              <a:fontRef idx="minor">
+                <a:schemeClr val="tx1"/>
+              </a:fontRef>
+            </p:style>
+            <p:txBody>
+              <a:bodyPr rtlCol="0" anchor="ctr"/>
+              <a:lstStyle/>
+              <a:p>
+                <a:pPr algn="ctr">
+                  <a:defRPr/>
+                </a:pPr>
+                <a:endParaRPr lang="ko-KR" altLang="en-US">
+                  <a:solidFill>
+                    <a:prstClr val="black"/>
+                  </a:solidFill>
+                </a:endParaRPr>
+              </a:p>
+            </p:txBody>
+          </p:sp>
+          <p:sp>
+            <p:nvSpPr>
+              <p:cNvPr id="17" name="원호 16">
+                <a:extLst>
+                  <a:ext uri="{FF2B5EF4-FFF2-40B4-BE49-F238E27FC236}">
+                    <a16:creationId xmlns:a16="http://schemas.microsoft.com/office/drawing/2014/main" id="{BC6FA750-EBE7-2D49-795E-3A4E41196B56}"/>
+                  </a:ext>
+                </a:extLst>
+              </p:cNvPr>
+              <p:cNvSpPr/>
+              <p:nvPr/>
+            </p:nvSpPr>
+            <p:spPr>
+              <a:xfrm>
+                <a:off x="7903029" y="1102744"/>
+                <a:ext cx="159658" cy="159658"/>
+              </a:xfrm>
+              <a:prstGeom prst="arc">
+                <a:avLst>
+                  <a:gd name="adj1" fmla="val 5171035"/>
+                  <a:gd name="adj2" fmla="val 6163513"/>
+                </a:avLst>
+              </a:prstGeom>
+              <a:ln w="15875" cap="rnd">
+                <a:solidFill>
+                  <a:schemeClr val="bg1"/>
+                </a:solidFill>
+              </a:ln>
+            </p:spPr>
+            <p:style>
+              <a:lnRef idx="1">
+                <a:schemeClr val="accent1"/>
+              </a:lnRef>
+              <a:fillRef idx="0">
+                <a:schemeClr val="accent1"/>
+              </a:fillRef>
+              <a:effectRef idx="0">
+                <a:schemeClr val="accent1"/>
+              </a:effectRef>
+              <a:fontRef idx="minor">
+                <a:schemeClr val="tx1"/>
+              </a:fontRef>
+            </p:style>
+            <p:txBody>
+              <a:bodyPr rtlCol="0" anchor="ctr"/>
+              <a:lstStyle/>
+              <a:p>
+                <a:pPr algn="ctr">
+                  <a:defRPr/>
+                </a:pPr>
+                <a:endParaRPr lang="ko-KR" altLang="en-US">
+                  <a:solidFill>
+                    <a:prstClr val="black"/>
+                  </a:solidFill>
+                </a:endParaRPr>
+              </a:p>
+            </p:txBody>
+          </p:sp>
+          <p:cxnSp>
+            <p:nvCxnSpPr>
+              <p:cNvPr id="18" name="직선 연결선 17">
+                <a:extLst>
+                  <a:ext uri="{FF2B5EF4-FFF2-40B4-BE49-F238E27FC236}">
+                    <a16:creationId xmlns:a16="http://schemas.microsoft.com/office/drawing/2014/main" id="{D5509B5A-00CB-16D0-9CAC-7AE4CA6AA416}"/>
+                  </a:ext>
+                </a:extLst>
+              </p:cNvPr>
+              <p:cNvCxnSpPr>
+                <a:cxnSpLocks/>
+              </p:cNvCxnSpPr>
+              <p:nvPr/>
+            </p:nvCxnSpPr>
+            <p:spPr>
+              <a:xfrm>
+                <a:off x="8029127" y="1250723"/>
+                <a:ext cx="52836" cy="63727"/>
+              </a:xfrm>
+              <a:prstGeom prst="line">
+                <a:avLst/>
+              </a:prstGeom>
+              <a:ln w="15875" cap="rnd">
+                <a:solidFill>
+                  <a:schemeClr val="bg1"/>
+                </a:solidFill>
+              </a:ln>
+            </p:spPr>
+            <p:style>
+              <a:lnRef idx="1">
+                <a:schemeClr val="accent1"/>
+              </a:lnRef>
+              <a:fillRef idx="0">
+                <a:schemeClr val="accent1"/>
+              </a:fillRef>
+              <a:effectRef idx="0">
+                <a:schemeClr val="accent1"/>
+              </a:effectRef>
+              <a:fontRef idx="minor">
+                <a:schemeClr val="tx1"/>
+              </a:fontRef>
+            </p:style>
+          </p:cxnSp>
+        </p:grpSp>
+      </p:grpSp>
+      <p:grpSp>
+        <p:nvGrpSpPr>
+          <p:cNvPr id="41" name="그룹 40">
+            <a:extLst>
+              <a:ext uri="{FF2B5EF4-FFF2-40B4-BE49-F238E27FC236}">
+                <a16:creationId xmlns:a16="http://schemas.microsoft.com/office/drawing/2014/main" id="{C906C218-EE1E-8911-B8DD-D33095F6F145}"/>
+              </a:ext>
+            </a:extLst>
+          </p:cNvPr>
+          <p:cNvGrpSpPr/>
+          <p:nvPr/>
+        </p:nvGrpSpPr>
+        <p:grpSpPr>
+          <a:xfrm>
+            <a:off x="775659" y="912145"/>
+            <a:ext cx="10514933" cy="4932773"/>
+            <a:chOff x="901407" y="788663"/>
+            <a:chExt cx="6851732" cy="2436701"/>
+          </a:xfrm>
+        </p:grpSpPr>
+        <p:sp>
+          <p:nvSpPr>
+            <p:cNvPr id="42" name="사각형: 둥근 모서리 41">
+              <a:extLst>
+                <a:ext uri="{FF2B5EF4-FFF2-40B4-BE49-F238E27FC236}">
+                  <a16:creationId xmlns:a16="http://schemas.microsoft.com/office/drawing/2014/main" id="{F1698155-9C9F-253E-3921-6E3C13A88487}"/>
+                </a:ext>
+              </a:extLst>
+            </p:cNvPr>
+            <p:cNvSpPr/>
+            <p:nvPr/>
+          </p:nvSpPr>
+          <p:spPr>
+            <a:xfrm>
+              <a:off x="2127074" y="788663"/>
+              <a:ext cx="5626065" cy="1125497"/>
+            </a:xfrm>
+            <a:prstGeom prst="roundRect">
+              <a:avLst>
+                <a:gd name="adj" fmla="val 50000"/>
+              </a:avLst>
+            </a:prstGeom>
+            <a:effectLst>
+              <a:outerShdw blurRad="57150" dist="19050" dir="5400000" algn="ctr" rotWithShape="0">
+                <a:srgbClr val="000000">
+                  <a:alpha val="63000"/>
+                </a:srgbClr>
+              </a:outerShdw>
+              <a:softEdge rad="0"/>
+            </a:effectLst>
+          </p:spPr>
+          <p:style>
+            <a:lnRef idx="0">
+              <a:schemeClr val="lt1">
+                <a:hueOff val="0"/>
+                <a:satOff val="0"/>
+                <a:lumOff val="0"/>
+                <a:alphaOff val="0"/>
+              </a:schemeClr>
+            </a:lnRef>
+            <a:fillRef idx="3">
+              <a:schemeClr val="accent4">
+                <a:hueOff val="0"/>
+                <a:satOff val="0"/>
+                <a:lumOff val="0"/>
+                <a:alphaOff val="0"/>
+              </a:schemeClr>
+            </a:fillRef>
+            <a:effectRef idx="3">
+              <a:schemeClr val="accent4">
+                <a:hueOff val="0"/>
+                <a:satOff val="0"/>
+                <a:lumOff val="0"/>
+                <a:alphaOff val="0"/>
+              </a:schemeClr>
+            </a:effectRef>
+            <a:fontRef idx="minor">
+              <a:schemeClr val="lt1"/>
+            </a:fontRef>
+          </p:style>
+          <p:txBody>
+            <a:bodyPr spcFirstLastPara="0" vert="horz" wrap="square" lIns="152400" tIns="152400" rIns="152400" bIns="152400" numCol="1" spcCol="1270" anchor="ctr" anchorCtr="0">
+              <a:noAutofit/>
+            </a:bodyPr>
+            <a:lstStyle/>
+            <a:p>
+              <a:pPr marL="0" lvl="0" indent="0" algn="ctr" defTabSz="1778000" latinLnBrk="1">
+                <a:lnSpc>
+                  <a:spcPct val="90000"/>
+                </a:lnSpc>
+                <a:spcBef>
+                  <a:spcPct val="0"/>
+                </a:spcBef>
+                <a:spcAft>
+                  <a:spcPct val="35000"/>
+                </a:spcAft>
+                <a:buNone/>
+              </a:pPr>
+              <a:endParaRPr lang="ko-KR" altLang="en-US" sz="4000" kern="1200" dirty="0"/>
+            </a:p>
+          </p:txBody>
+        </p:sp>
+        <p:sp>
+          <p:nvSpPr>
+            <p:cNvPr id="44" name="사각형: 둥근 모서리 43">
+              <a:extLst>
+                <a:ext uri="{FF2B5EF4-FFF2-40B4-BE49-F238E27FC236}">
+                  <a16:creationId xmlns:a16="http://schemas.microsoft.com/office/drawing/2014/main" id="{6906FC4A-E73A-9524-207C-21A250FB4658}"/>
+                </a:ext>
+              </a:extLst>
+            </p:cNvPr>
+            <p:cNvSpPr/>
+            <p:nvPr/>
+          </p:nvSpPr>
+          <p:spPr>
+            <a:xfrm>
+              <a:off x="901407" y="2099867"/>
+              <a:ext cx="5626065" cy="1125497"/>
+            </a:xfrm>
+            <a:prstGeom prst="roundRect">
+              <a:avLst>
+                <a:gd name="adj" fmla="val 50000"/>
+              </a:avLst>
+            </a:prstGeom>
+            <a:effectLst>
+              <a:outerShdw blurRad="57150" dist="19050" dir="5400000" algn="ctr" rotWithShape="0">
+                <a:srgbClr val="000000">
+                  <a:alpha val="63000"/>
+                </a:srgbClr>
+              </a:outerShdw>
+              <a:softEdge rad="0"/>
+            </a:effectLst>
+          </p:spPr>
+          <p:style>
+            <a:lnRef idx="0">
+              <a:schemeClr val="lt1">
+                <a:hueOff val="0"/>
+                <a:satOff val="0"/>
+                <a:lumOff val="0"/>
+                <a:alphaOff val="0"/>
+              </a:schemeClr>
+            </a:lnRef>
+            <a:fillRef idx="3">
+              <a:schemeClr val="accent4">
+                <a:hueOff val="3266964"/>
+                <a:satOff val="-13592"/>
+                <a:lumOff val="3203"/>
+                <a:alphaOff val="0"/>
+              </a:schemeClr>
+            </a:fillRef>
+            <a:effectRef idx="3">
+              <a:schemeClr val="accent4">
+                <a:hueOff val="3266964"/>
+                <a:satOff val="-13592"/>
+                <a:lumOff val="3203"/>
+                <a:alphaOff val="0"/>
+              </a:schemeClr>
+            </a:effectRef>
+            <a:fontRef idx="minor">
+              <a:schemeClr val="lt1"/>
+            </a:fontRef>
+          </p:style>
+          <p:txBody>
+            <a:bodyPr spcFirstLastPara="0" vert="horz" wrap="square" lIns="152400" tIns="152400" rIns="152400" bIns="152400" numCol="1" spcCol="1270" anchor="ctr" anchorCtr="0">
+              <a:noAutofit/>
+            </a:bodyPr>
+            <a:lstStyle/>
+            <a:p>
+              <a:pPr marL="0" lvl="0" indent="0" algn="ctr" defTabSz="1778000" latinLnBrk="1">
+                <a:lnSpc>
+                  <a:spcPct val="90000"/>
+                </a:lnSpc>
+                <a:spcBef>
+                  <a:spcPct val="0"/>
+                </a:spcBef>
+                <a:spcAft>
+                  <a:spcPct val="35000"/>
+                </a:spcAft>
+                <a:buNone/>
+              </a:pPr>
+              <a:endParaRPr lang="ko-KR" altLang="en-US" sz="4000" kern="1200" dirty="0"/>
+            </a:p>
+          </p:txBody>
+        </p:sp>
+      </p:grpSp>
+      <p:sp>
+        <p:nvSpPr>
+          <p:cNvPr id="33" name="Rectangle 15">
+            <a:extLst>
+              <a:ext uri="{FF2B5EF4-FFF2-40B4-BE49-F238E27FC236}">
+                <a16:creationId xmlns:a16="http://schemas.microsoft.com/office/drawing/2014/main" id="{B2FEB774-C73D-23F2-F13B-EC5EFDC891DB}"/>
+              </a:ext>
+            </a:extLst>
+          </p:cNvPr>
+          <p:cNvSpPr>
+            <a:spLocks noChangeArrowheads="1"/>
+          </p:cNvSpPr>
+          <p:nvPr/>
+        </p:nvSpPr>
+        <p:spPr bwMode="auto">
+          <a:xfrm>
+            <a:off x="2838991" y="1181272"/>
+            <a:ext cx="8707833" cy="1745654"/>
+          </a:xfrm>
+          <a:prstGeom prst="rect">
+            <a:avLst/>
+          </a:prstGeom>
+          <a:noFill/>
+          <a:ln>
+            <a:noFill/>
+          </a:ln>
+          <a:effectLst/>
+          <a:extLst>
+            <a:ext uri="{909E8E84-426E-40DD-AFC4-6F175D3DCCD1}">
+              <a14:hiddenFill xmlns:a14="http://schemas.microsoft.com/office/drawing/2010/main">
+                <a:solidFill>
+                  <a:schemeClr val="accent1"/>
+                </a:solidFill>
+              </a14:hiddenFill>
+            </a:ext>
+            <a:ext uri="{91240B29-F687-4F45-9708-019B960494DF}">
+              <a14:hiddenLine xmlns:a14="http://schemas.microsoft.com/office/drawing/2010/main" w="9525">
+                <a:solidFill>
+                  <a:schemeClr val="tx1"/>
+                </a:solidFill>
+                <a:miter lim="800000"/>
+                <a:headEnd/>
+                <a:tailEnd/>
+              </a14:hiddenLine>
+            </a:ext>
+            <a:ext uri="{AF507438-7753-43E0-B8FC-AC1667EBCBE1}">
+              <a14:hiddenEffects xmlns:a14="http://schemas.microsoft.com/office/drawing/2010/main">
+                <a:effectLst>
+                  <a:outerShdw dist="35921" dir="2700000" algn="ctr" rotWithShape="0">
+                    <a:schemeClr val="bg2"/>
+                  </a:outerShdw>
+                </a:effectLst>
+              </a14:hiddenEffects>
+            </a:ext>
+          </a:extLst>
+        </p:spPr>
+        <p:txBody>
+          <a:bodyPr vert="horz" wrap="none" lIns="91440" tIns="23805" rIns="91440" bIns="28566" numCol="1" anchor="ctr" anchorCtr="0" compatLnSpc="1">
+            <a:prstTxWarp prst="textNoShape">
+              <a:avLst/>
+            </a:prstTxWarp>
+            <a:spAutoFit/>
+          </a:bodyPr>
+          <a:lstStyle/>
+          <a:p>
+            <a:pPr marL="457200" marR="0" lvl="0" indent="-457200" algn="l" defTabSz="914400" rtl="0" eaLnBrk="0" fontAlgn="base" latinLnBrk="0" hangingPunct="0">
+              <a:lnSpc>
+                <a:spcPct val="100000"/>
+              </a:lnSpc>
+              <a:spcBef>
+                <a:spcPct val="0"/>
+              </a:spcBef>
+              <a:spcAft>
+                <a:spcPct val="0"/>
+              </a:spcAft>
+              <a:buClrTx/>
+              <a:buSzTx/>
+              <a:buFontTx/>
+              <a:buAutoNum type="arabicPeriod"/>
+              <a:tabLst/>
+            </a:pPr>
+            <a:r>
+              <a:rPr kumimoji="0" lang="ko-KR" altLang="ko-KR" sz="3200" b="1" i="0" u="none" strike="noStrike" cap="none" normalizeH="0" baseline="0" dirty="0">
+                <a:ln>
+                  <a:noFill/>
+                </a:ln>
+                <a:solidFill>
+                  <a:srgbClr val="212121"/>
+                </a:solidFill>
+                <a:effectLst/>
+                <a:latin typeface="-윤고딕330" panose="02030504000101010101" pitchFamily="18" charset="-127"/>
+                <a:ea typeface="-윤고딕330" panose="02030504000101010101" pitchFamily="18" charset="-127"/>
+              </a:rPr>
+              <a:t>컬럼 이름의 오타 문제</a:t>
+            </a:r>
+            <a:endParaRPr kumimoji="0" lang="en-US" altLang="ko-KR" sz="3200" b="1" i="0" u="none" strike="noStrike" cap="none" normalizeH="0" baseline="0" dirty="0">
+              <a:ln>
+                <a:noFill/>
+              </a:ln>
+              <a:solidFill>
+                <a:srgbClr val="212121"/>
+              </a:solidFill>
+              <a:effectLst/>
+              <a:latin typeface="-윤고딕330" panose="02030504000101010101" pitchFamily="18" charset="-127"/>
+              <a:ea typeface="-윤고딕330" panose="02030504000101010101" pitchFamily="18" charset="-127"/>
+            </a:endParaRPr>
+          </a:p>
+          <a:p>
+            <a:pPr marL="457200" marR="0" lvl="0" indent="-457200" algn="l" defTabSz="914400" rtl="0" eaLnBrk="0" fontAlgn="base" latinLnBrk="0" hangingPunct="0">
+              <a:lnSpc>
+                <a:spcPct val="100000"/>
+              </a:lnSpc>
+              <a:spcBef>
+                <a:spcPct val="0"/>
+              </a:spcBef>
+              <a:spcAft>
+                <a:spcPct val="0"/>
+              </a:spcAft>
+              <a:buClrTx/>
+              <a:buSzTx/>
+              <a:buFontTx/>
+              <a:buAutoNum type="arabicPeriod"/>
+              <a:tabLst/>
+            </a:pPr>
+            <a:endParaRPr kumimoji="0" lang="ko-KR" altLang="ko-KR" sz="1600" b="0" i="0" u="none" strike="noStrike" cap="none" normalizeH="0" baseline="0" dirty="0">
+              <a:ln>
+                <a:noFill/>
+              </a:ln>
+              <a:solidFill>
+                <a:srgbClr val="212121"/>
+              </a:solidFill>
+              <a:effectLst/>
+              <a:latin typeface="-윤고딕330" panose="02030504000101010101" pitchFamily="18" charset="-127"/>
+              <a:ea typeface="-윤고딕330" panose="02030504000101010101" pitchFamily="18" charset="-127"/>
+            </a:endParaRPr>
+          </a:p>
+          <a:p>
+            <a:pPr marL="0" marR="0" lvl="0" indent="0" algn="l" defTabSz="914400" rtl="0" eaLnBrk="0" fontAlgn="base" latinLnBrk="0" hangingPunct="0">
+              <a:lnSpc>
+                <a:spcPct val="100000"/>
+              </a:lnSpc>
+              <a:spcBef>
+                <a:spcPct val="0"/>
+              </a:spcBef>
+              <a:spcAft>
+                <a:spcPct val="0"/>
+              </a:spcAft>
+              <a:buClrTx/>
+              <a:buSzTx/>
+              <a:buFontTx/>
+              <a:buChar char="•"/>
+              <a:tabLst/>
+            </a:pPr>
+            <a:r>
+              <a:rPr kumimoji="0" lang="en-US" altLang="ko-KR" sz="1600" b="0" i="0" u="none" strike="noStrike" cap="none" normalizeH="0" baseline="0" dirty="0">
+                <a:ln>
+                  <a:noFill/>
+                </a:ln>
+                <a:solidFill>
+                  <a:srgbClr val="212121"/>
+                </a:solidFill>
+                <a:effectLst/>
+                <a:latin typeface="-윤고딕330" panose="02030504000101010101" pitchFamily="18" charset="-127"/>
+                <a:ea typeface="-윤고딕330" panose="02030504000101010101" pitchFamily="18" charset="-127"/>
+              </a:rPr>
+              <a:t> </a:t>
+            </a:r>
+            <a:r>
+              <a:rPr kumimoji="0" lang="ko-KR" altLang="ko-KR" sz="1600" b="0" i="0" u="none" strike="noStrike" cap="none" normalizeH="0" baseline="0" dirty="0" err="1">
+                <a:ln>
+                  <a:noFill/>
+                </a:ln>
+                <a:solidFill>
+                  <a:srgbClr val="212121"/>
+                </a:solidFill>
+                <a:effectLst/>
+                <a:latin typeface="-윤고딕330" panose="02030504000101010101" pitchFamily="18" charset="-127"/>
+                <a:ea typeface="-윤고딕330" panose="02030504000101010101" pitchFamily="18" charset="-127"/>
+              </a:rPr>
+              <a:t>df</a:t>
+            </a:r>
+            <a:r>
+              <a:rPr kumimoji="0" lang="ko-KR" altLang="ko-KR" sz="1600" b="0" i="0" u="none" strike="noStrike" cap="none" normalizeH="0" baseline="0" dirty="0">
+                <a:ln>
+                  <a:noFill/>
+                </a:ln>
+                <a:solidFill>
+                  <a:srgbClr val="212121"/>
+                </a:solidFill>
+                <a:effectLst/>
+                <a:latin typeface="-윤고딕330" panose="02030504000101010101" pitchFamily="18" charset="-127"/>
+                <a:ea typeface="-윤고딕330" panose="02030504000101010101" pitchFamily="18" charset="-127"/>
+              </a:rPr>
+              <a:t>[</a:t>
+            </a:r>
+            <a:r>
+              <a:rPr kumimoji="0" lang="ko-KR" altLang="ko-KR" sz="1600" b="0" i="0" u="none" strike="noStrike" cap="none" normalizeH="0" baseline="0" dirty="0" err="1">
+                <a:ln>
+                  <a:noFill/>
+                </a:ln>
+                <a:solidFill>
+                  <a:srgbClr val="212121"/>
+                </a:solidFill>
+                <a:effectLst/>
+                <a:latin typeface="-윤고딕330" panose="02030504000101010101" pitchFamily="18" charset="-127"/>
+                <a:ea typeface="-윤고딕330" panose="02030504000101010101" pitchFamily="18" charset="-127"/>
+              </a:rPr>
+              <a:t>columns</a:t>
+            </a:r>
+            <a:r>
+              <a:rPr kumimoji="0" lang="ko-KR" altLang="ko-KR" sz="1600" b="0" i="0" u="none" strike="noStrike" cap="none" normalizeH="0" baseline="0" dirty="0">
+                <a:ln>
+                  <a:noFill/>
+                </a:ln>
+                <a:solidFill>
+                  <a:srgbClr val="212121"/>
+                </a:solidFill>
+                <a:effectLst/>
+                <a:latin typeface="-윤고딕330" panose="02030504000101010101" pitchFamily="18" charset="-127"/>
+                <a:ea typeface="-윤고딕330" panose="02030504000101010101" pitchFamily="18" charset="-127"/>
+              </a:rPr>
+              <a:t>] 명령어를 실행하였지만, 실행되지 않고 </a:t>
+            </a:r>
+            <a:r>
+              <a:rPr kumimoji="0" lang="ko-KR" altLang="ko-KR" sz="1600" b="0" i="0" u="none" strike="noStrike" cap="none" normalizeH="0" baseline="0" dirty="0" err="1">
+                <a:ln>
+                  <a:noFill/>
+                </a:ln>
+                <a:solidFill>
+                  <a:srgbClr val="212121"/>
+                </a:solidFill>
+                <a:effectLst/>
+                <a:latin typeface="-윤고딕330" panose="02030504000101010101" pitchFamily="18" charset="-127"/>
+                <a:ea typeface="-윤고딕330" panose="02030504000101010101" pitchFamily="18" charset="-127"/>
+              </a:rPr>
+              <a:t>키에러가</a:t>
+            </a:r>
+            <a:r>
+              <a:rPr kumimoji="0" lang="ko-KR" altLang="ko-KR" sz="1600" b="0" i="0" u="none" strike="noStrike" cap="none" normalizeH="0" baseline="0" dirty="0">
+                <a:ln>
+                  <a:noFill/>
+                </a:ln>
+                <a:solidFill>
+                  <a:srgbClr val="212121"/>
+                </a:solidFill>
+                <a:effectLst/>
+                <a:latin typeface="-윤고딕330" panose="02030504000101010101" pitchFamily="18" charset="-127"/>
+                <a:ea typeface="-윤고딕330" panose="02030504000101010101" pitchFamily="18" charset="-127"/>
+              </a:rPr>
+              <a:t> 출력되는 상황이 발생함</a:t>
+            </a:r>
+          </a:p>
+          <a:p>
+            <a:pPr marL="0" marR="0" lvl="0" indent="0" algn="l" defTabSz="914400" rtl="0" eaLnBrk="0" fontAlgn="base" latinLnBrk="0" hangingPunct="0">
+              <a:lnSpc>
+                <a:spcPct val="100000"/>
+              </a:lnSpc>
+              <a:spcBef>
+                <a:spcPct val="0"/>
+              </a:spcBef>
+              <a:spcAft>
+                <a:spcPct val="0"/>
+              </a:spcAft>
+              <a:buClrTx/>
+              <a:buSzTx/>
+              <a:buFontTx/>
+              <a:buChar char="•"/>
+              <a:tabLst/>
+            </a:pPr>
+            <a:r>
+              <a:rPr kumimoji="0" lang="en-US" altLang="ko-KR" sz="1600" b="0" i="0" u="none" strike="noStrike" cap="none" normalizeH="0" baseline="0" dirty="0">
+                <a:ln>
+                  <a:noFill/>
+                </a:ln>
+                <a:solidFill>
+                  <a:srgbClr val="212121"/>
+                </a:solidFill>
+                <a:effectLst/>
+                <a:latin typeface="-윤고딕330" panose="02030504000101010101" pitchFamily="18" charset="-127"/>
+                <a:ea typeface="-윤고딕330" panose="02030504000101010101" pitchFamily="18" charset="-127"/>
+              </a:rPr>
+              <a:t> </a:t>
+            </a:r>
+            <a:r>
+              <a:rPr kumimoji="0" lang="ko-KR" altLang="ko-KR" sz="1600" b="0" i="0" u="none" strike="noStrike" cap="none" normalizeH="0" baseline="0" dirty="0">
+                <a:ln>
+                  <a:noFill/>
+                </a:ln>
+                <a:solidFill>
+                  <a:srgbClr val="212121"/>
+                </a:solidFill>
+                <a:effectLst/>
+                <a:latin typeface="-윤고딕330" panose="02030504000101010101" pitchFamily="18" charset="-127"/>
+                <a:ea typeface="-윤고딕330" panose="02030504000101010101" pitchFamily="18" charset="-127"/>
+              </a:rPr>
+              <a:t>문제의 원인은 각 컬럼마다 오타, 스페이스바 공백을 처리하지 않아 발생한 문제였음을 확인함</a:t>
+            </a:r>
+          </a:p>
+          <a:p>
+            <a:pPr marL="0" marR="0" lvl="0" indent="0" algn="l" defTabSz="914400" rtl="0" eaLnBrk="0" fontAlgn="base" latinLnBrk="0" hangingPunct="0">
+              <a:lnSpc>
+                <a:spcPct val="100000"/>
+              </a:lnSpc>
+              <a:spcBef>
+                <a:spcPct val="0"/>
+              </a:spcBef>
+              <a:spcAft>
+                <a:spcPct val="0"/>
+              </a:spcAft>
+              <a:buClrTx/>
+              <a:buSzTx/>
+              <a:buFontTx/>
+              <a:buChar char="•"/>
+              <a:tabLst/>
+            </a:pPr>
+            <a:r>
+              <a:rPr kumimoji="0" lang="en-US" altLang="ko-KR" sz="1600" b="0" i="0" u="none" strike="noStrike" cap="none" normalizeH="0" baseline="0" dirty="0">
+                <a:ln>
+                  <a:noFill/>
+                </a:ln>
+                <a:solidFill>
+                  <a:srgbClr val="212121"/>
+                </a:solidFill>
+                <a:effectLst/>
+                <a:latin typeface="-윤고딕330" panose="02030504000101010101" pitchFamily="18" charset="-127"/>
+                <a:ea typeface="-윤고딕330" panose="02030504000101010101" pitchFamily="18" charset="-127"/>
+              </a:rPr>
+              <a:t> </a:t>
+            </a:r>
+            <a:r>
+              <a:rPr kumimoji="0" lang="ko-KR" altLang="ko-KR" sz="1600" b="0" i="0" u="none" strike="noStrike" cap="none" normalizeH="0" baseline="0" dirty="0" err="1">
+                <a:ln>
+                  <a:noFill/>
+                </a:ln>
+                <a:solidFill>
+                  <a:srgbClr val="212121"/>
+                </a:solidFill>
+                <a:effectLst/>
+                <a:latin typeface="-윤고딕330" panose="02030504000101010101" pitchFamily="18" charset="-127"/>
+                <a:ea typeface="-윤고딕330" panose="02030504000101010101" pitchFamily="18" charset="-127"/>
+              </a:rPr>
+              <a:t>df.columns를</a:t>
+            </a:r>
+            <a:r>
+              <a:rPr kumimoji="0" lang="ko-KR" altLang="ko-KR" sz="1600" b="0" i="0" u="none" strike="noStrike" cap="none" normalizeH="0" baseline="0" dirty="0">
+                <a:ln>
+                  <a:noFill/>
+                </a:ln>
+                <a:solidFill>
+                  <a:srgbClr val="212121"/>
+                </a:solidFill>
+                <a:effectLst/>
+                <a:latin typeface="-윤고딕330" panose="02030504000101010101" pitchFamily="18" charset="-127"/>
+                <a:ea typeface="-윤고딕330" panose="02030504000101010101" pitchFamily="18" charset="-127"/>
+              </a:rPr>
+              <a:t> 실행하여 공백을 체크한 후 원본 데이터 수정하여 해결함</a:t>
+            </a:r>
+          </a:p>
+          <a:p>
+            <a:pPr marL="0" marR="0" lvl="0" indent="0" algn="l" defTabSz="914400" rtl="0" eaLnBrk="0" fontAlgn="base" latinLnBrk="0" hangingPunct="0">
+              <a:lnSpc>
+                <a:spcPct val="100000"/>
+              </a:lnSpc>
+              <a:spcBef>
+                <a:spcPct val="0"/>
+              </a:spcBef>
+              <a:spcAft>
+                <a:spcPct val="0"/>
+              </a:spcAft>
+              <a:buClrTx/>
+              <a:buSzTx/>
+              <a:buFontTx/>
+              <a:buNone/>
+              <a:tabLst/>
+            </a:pPr>
+            <a:endParaRPr kumimoji="0" lang="ko-KR" altLang="ko-KR" sz="1400" b="0" i="0" u="none" strike="noStrike" cap="none" normalizeH="0" baseline="0" dirty="0">
+              <a:ln>
+                <a:noFill/>
+              </a:ln>
+              <a:solidFill>
+                <a:schemeClr val="tx1"/>
+              </a:solidFill>
+              <a:effectLst/>
+              <a:latin typeface="-윤고딕330" panose="02030504000101010101" pitchFamily="18" charset="-127"/>
+              <a:ea typeface="-윤고딕330" panose="02030504000101010101" pitchFamily="18" charset="-127"/>
+            </a:endParaRPr>
+          </a:p>
+        </p:txBody>
+      </p:sp>
+      <p:sp>
+        <p:nvSpPr>
+          <p:cNvPr id="35" name="Rectangle 17">
+            <a:extLst>
+              <a:ext uri="{FF2B5EF4-FFF2-40B4-BE49-F238E27FC236}">
+                <a16:creationId xmlns:a16="http://schemas.microsoft.com/office/drawing/2014/main" id="{EB31AFAD-F454-DA51-2318-302E4D8A8C60}"/>
+              </a:ext>
+            </a:extLst>
+          </p:cNvPr>
+          <p:cNvSpPr>
+            <a:spLocks noChangeArrowheads="1"/>
+          </p:cNvSpPr>
+          <p:nvPr/>
+        </p:nvSpPr>
+        <p:spPr bwMode="auto">
+          <a:xfrm>
+            <a:off x="1084731" y="3832882"/>
+            <a:ext cx="8304581" cy="1745654"/>
+          </a:xfrm>
+          <a:prstGeom prst="rect">
+            <a:avLst/>
+          </a:prstGeom>
+          <a:noFill/>
+          <a:ln>
+            <a:noFill/>
+          </a:ln>
+          <a:effectLst/>
+          <a:extLst>
+            <a:ext uri="{909E8E84-426E-40DD-AFC4-6F175D3DCCD1}">
+              <a14:hiddenFill xmlns:a14="http://schemas.microsoft.com/office/drawing/2010/main">
+                <a:solidFill>
+                  <a:schemeClr val="accent1"/>
+                </a:solidFill>
+              </a14:hiddenFill>
+            </a:ext>
+            <a:ext uri="{91240B29-F687-4F45-9708-019B960494DF}">
+              <a14:hiddenLine xmlns:a14="http://schemas.microsoft.com/office/drawing/2010/main" w="9525">
+                <a:solidFill>
+                  <a:schemeClr val="tx1"/>
+                </a:solidFill>
+                <a:miter lim="800000"/>
+                <a:headEnd/>
+                <a:tailEnd/>
+              </a14:hiddenLine>
+            </a:ext>
+            <a:ext uri="{AF507438-7753-43E0-B8FC-AC1667EBCBE1}">
+              <a14:hiddenEffects xmlns:a14="http://schemas.microsoft.com/office/drawing/2010/main">
+                <a:effectLst>
+                  <a:outerShdw dist="35921" dir="2700000" algn="ctr" rotWithShape="0">
+                    <a:schemeClr val="bg2"/>
+                  </a:outerShdw>
+                </a:effectLst>
+              </a14:hiddenEffects>
+            </a:ext>
+          </a:extLst>
+        </p:spPr>
+        <p:txBody>
+          <a:bodyPr vert="horz" wrap="none" lIns="91440" tIns="23805" rIns="91440" bIns="28566" numCol="1" anchor="ctr" anchorCtr="0" compatLnSpc="1">
+            <a:prstTxWarp prst="textNoShape">
+              <a:avLst/>
+            </a:prstTxWarp>
+            <a:spAutoFit/>
+          </a:bodyPr>
+          <a:lstStyle/>
+          <a:p>
+            <a:pPr marL="0" marR="0" lvl="0" indent="0" algn="l" defTabSz="914400" rtl="0" eaLnBrk="0" fontAlgn="base" latinLnBrk="0" hangingPunct="0">
+              <a:lnSpc>
+                <a:spcPct val="100000"/>
+              </a:lnSpc>
+              <a:spcBef>
+                <a:spcPct val="0"/>
+              </a:spcBef>
+              <a:spcAft>
+                <a:spcPct val="0"/>
+              </a:spcAft>
+              <a:buClrTx/>
+              <a:buSzTx/>
+              <a:buFontTx/>
+              <a:buNone/>
+              <a:tabLst/>
+            </a:pPr>
+            <a:r>
+              <a:rPr kumimoji="0" lang="ko-KR" altLang="ko-KR" sz="3200" b="1" i="0" u="none" strike="noStrike" cap="none" normalizeH="0" baseline="0" dirty="0">
+                <a:ln>
+                  <a:noFill/>
+                </a:ln>
+                <a:solidFill>
+                  <a:srgbClr val="212121"/>
+                </a:solidFill>
+                <a:effectLst/>
+                <a:latin typeface="-윤고딕330" panose="02030504000101010101" pitchFamily="18" charset="-127"/>
+                <a:ea typeface="-윤고딕330" panose="02030504000101010101" pitchFamily="18" charset="-127"/>
+              </a:rPr>
+              <a:t>2. 너무 많은 데이터로 인한 </a:t>
+            </a:r>
+            <a:r>
+              <a:rPr kumimoji="0" lang="ko-KR" altLang="ko-KR" sz="3200" b="1" i="0" u="none" strike="noStrike" cap="none" normalizeH="0" baseline="0" dirty="0" err="1">
+                <a:ln>
+                  <a:noFill/>
+                </a:ln>
+                <a:solidFill>
+                  <a:srgbClr val="212121"/>
+                </a:solidFill>
+                <a:effectLst/>
+                <a:latin typeface="-윤고딕330" panose="02030504000101010101" pitchFamily="18" charset="-127"/>
+                <a:ea typeface="-윤고딕330" panose="02030504000101010101" pitchFamily="18" charset="-127"/>
+              </a:rPr>
+              <a:t>과적합</a:t>
+            </a:r>
+            <a:r>
+              <a:rPr kumimoji="0" lang="ko-KR" altLang="ko-KR" sz="3200" b="1" i="0" u="none" strike="noStrike" cap="none" normalizeH="0" baseline="0" dirty="0">
+                <a:ln>
+                  <a:noFill/>
+                </a:ln>
+                <a:solidFill>
+                  <a:srgbClr val="212121"/>
+                </a:solidFill>
+                <a:effectLst/>
+                <a:latin typeface="-윤고딕330" panose="02030504000101010101" pitchFamily="18" charset="-127"/>
+                <a:ea typeface="-윤고딕330" panose="02030504000101010101" pitchFamily="18" charset="-127"/>
+              </a:rPr>
+              <a:t> 문제</a:t>
+            </a:r>
+            <a:endParaRPr kumimoji="0" lang="en-US" altLang="ko-KR" sz="3200" b="1" i="0" u="none" strike="noStrike" cap="none" normalizeH="0" baseline="0" dirty="0">
+              <a:ln>
+                <a:noFill/>
+              </a:ln>
+              <a:solidFill>
+                <a:srgbClr val="212121"/>
+              </a:solidFill>
+              <a:effectLst/>
+              <a:latin typeface="-윤고딕330" panose="02030504000101010101" pitchFamily="18" charset="-127"/>
+              <a:ea typeface="-윤고딕330" panose="02030504000101010101" pitchFamily="18" charset="-127"/>
+            </a:endParaRPr>
+          </a:p>
+          <a:p>
+            <a:pPr marL="0" marR="0" lvl="0" indent="0" algn="l" defTabSz="914400" rtl="0" eaLnBrk="0" fontAlgn="base" latinLnBrk="0" hangingPunct="0">
+              <a:lnSpc>
+                <a:spcPct val="100000"/>
+              </a:lnSpc>
+              <a:spcBef>
+                <a:spcPct val="0"/>
+              </a:spcBef>
+              <a:spcAft>
+                <a:spcPct val="0"/>
+              </a:spcAft>
+              <a:buClrTx/>
+              <a:buSzTx/>
+              <a:buFontTx/>
+              <a:buNone/>
+              <a:tabLst/>
+            </a:pPr>
+            <a:endParaRPr kumimoji="0" lang="ko-KR" altLang="ko-KR" sz="1600" b="1" i="0" u="none" strike="noStrike" cap="none" normalizeH="0" baseline="0" dirty="0">
+              <a:ln>
+                <a:noFill/>
+              </a:ln>
+              <a:solidFill>
+                <a:srgbClr val="212121"/>
+              </a:solidFill>
+              <a:effectLst/>
+              <a:latin typeface="-윤고딕330" panose="02030504000101010101" pitchFamily="18" charset="-127"/>
+              <a:ea typeface="-윤고딕330" panose="02030504000101010101" pitchFamily="18" charset="-127"/>
+            </a:endParaRPr>
+          </a:p>
+          <a:p>
+            <a:pPr marL="0" marR="0" lvl="0" indent="0" algn="l" defTabSz="914400" rtl="0" eaLnBrk="0" fontAlgn="base" latinLnBrk="0" hangingPunct="0">
+              <a:lnSpc>
+                <a:spcPct val="100000"/>
+              </a:lnSpc>
+              <a:spcBef>
+                <a:spcPct val="0"/>
+              </a:spcBef>
+              <a:spcAft>
+                <a:spcPct val="0"/>
+              </a:spcAft>
+              <a:buClrTx/>
+              <a:buSzTx/>
+              <a:buFontTx/>
+              <a:buChar char="•"/>
+              <a:tabLst/>
+            </a:pPr>
+            <a:r>
+              <a:rPr kumimoji="0" lang="en-US" altLang="ko-KR" sz="1600" b="0" i="0" u="none" strike="noStrike" cap="none" normalizeH="0" baseline="0" dirty="0">
+                <a:ln>
+                  <a:noFill/>
+                </a:ln>
+                <a:solidFill>
+                  <a:srgbClr val="212121"/>
+                </a:solidFill>
+                <a:effectLst/>
+                <a:latin typeface="-윤고딕330" panose="02030504000101010101" pitchFamily="18" charset="-127"/>
+                <a:ea typeface="-윤고딕330" panose="02030504000101010101" pitchFamily="18" charset="-127"/>
+              </a:rPr>
+              <a:t> </a:t>
+            </a:r>
+            <a:r>
+              <a:rPr kumimoji="0" lang="ko-KR" altLang="ko-KR" sz="1600" b="0" i="0" u="none" strike="noStrike" cap="none" normalizeH="0" baseline="0" dirty="0" err="1">
+                <a:ln>
+                  <a:noFill/>
+                </a:ln>
+                <a:solidFill>
+                  <a:srgbClr val="212121"/>
+                </a:solidFill>
+                <a:effectLst/>
+                <a:latin typeface="-윤고딕330" panose="02030504000101010101" pitchFamily="18" charset="-127"/>
+                <a:ea typeface="-윤고딕330" panose="02030504000101010101" pitchFamily="18" charset="-127"/>
+              </a:rPr>
+              <a:t>Year</a:t>
+            </a:r>
+            <a:r>
+              <a:rPr kumimoji="0" lang="ko-KR" altLang="ko-KR" sz="1600" b="0" i="0" u="none" strike="noStrike" cap="none" normalizeH="0" baseline="0" dirty="0">
+                <a:ln>
+                  <a:noFill/>
+                </a:ln>
+                <a:solidFill>
+                  <a:srgbClr val="212121"/>
+                </a:solidFill>
+                <a:effectLst/>
+                <a:latin typeface="-윤고딕330" panose="02030504000101010101" pitchFamily="18" charset="-127"/>
+                <a:ea typeface="-윤고딕330" panose="02030504000101010101" pitchFamily="18" charset="-127"/>
+              </a:rPr>
+              <a:t> 컬럼을 기준으로 각국의 </a:t>
+            </a:r>
+            <a:r>
+              <a:rPr kumimoji="0" lang="ko-KR" altLang="ko-KR" sz="1600" b="0" i="0" u="none" strike="noStrike" cap="none" normalizeH="0" baseline="0" dirty="0" err="1">
+                <a:ln>
+                  <a:noFill/>
+                </a:ln>
+                <a:solidFill>
+                  <a:srgbClr val="212121"/>
+                </a:solidFill>
+                <a:effectLst/>
+                <a:latin typeface="-윤고딕330" panose="02030504000101010101" pitchFamily="18" charset="-127"/>
+                <a:ea typeface="-윤고딕330" panose="02030504000101010101" pitchFamily="18" charset="-127"/>
+              </a:rPr>
+              <a:t>2000년부터</a:t>
+            </a:r>
+            <a:r>
+              <a:rPr kumimoji="0" lang="ko-KR" altLang="ko-KR" sz="1600" b="0" i="0" u="none" strike="noStrike" cap="none" normalizeH="0" baseline="0" dirty="0">
+                <a:ln>
+                  <a:noFill/>
+                </a:ln>
+                <a:solidFill>
+                  <a:srgbClr val="212121"/>
+                </a:solidFill>
+                <a:effectLst/>
+                <a:latin typeface="-윤고딕330" panose="02030504000101010101" pitchFamily="18" charset="-127"/>
+                <a:ea typeface="-윤고딕330" panose="02030504000101010101" pitchFamily="18" charset="-127"/>
+              </a:rPr>
+              <a:t> </a:t>
+            </a:r>
+            <a:r>
+              <a:rPr kumimoji="0" lang="ko-KR" altLang="ko-KR" sz="1600" b="0" i="0" u="none" strike="noStrike" cap="none" normalizeH="0" baseline="0" dirty="0" err="1">
+                <a:ln>
+                  <a:noFill/>
+                </a:ln>
+                <a:solidFill>
+                  <a:srgbClr val="212121"/>
+                </a:solidFill>
+                <a:effectLst/>
+                <a:latin typeface="-윤고딕330" panose="02030504000101010101" pitchFamily="18" charset="-127"/>
+                <a:ea typeface="-윤고딕330" panose="02030504000101010101" pitchFamily="18" charset="-127"/>
+              </a:rPr>
+              <a:t>2012년까지를</a:t>
+            </a:r>
+            <a:r>
+              <a:rPr kumimoji="0" lang="ko-KR" altLang="ko-KR" sz="1600" b="0" i="0" u="none" strike="noStrike" cap="none" normalizeH="0" baseline="0" dirty="0">
+                <a:ln>
+                  <a:noFill/>
+                </a:ln>
+                <a:solidFill>
+                  <a:srgbClr val="212121"/>
+                </a:solidFill>
+                <a:effectLst/>
+                <a:latin typeface="-윤고딕330" panose="02030504000101010101" pitchFamily="18" charset="-127"/>
+                <a:ea typeface="-윤고딕330" panose="02030504000101010101" pitchFamily="18" charset="-127"/>
+              </a:rPr>
+              <a:t> </a:t>
+            </a:r>
+            <a:r>
+              <a:rPr kumimoji="0" lang="ko-KR" altLang="ko-KR" sz="1600" b="0" i="0" u="none" strike="noStrike" cap="none" normalizeH="0" baseline="0" dirty="0" err="1">
+                <a:ln>
+                  <a:noFill/>
+                </a:ln>
+                <a:solidFill>
+                  <a:srgbClr val="212121"/>
+                </a:solidFill>
+                <a:effectLst/>
+                <a:latin typeface="-윤고딕330" panose="02030504000101010101" pitchFamily="18" charset="-127"/>
+                <a:ea typeface="-윤고딕330" panose="02030504000101010101" pitchFamily="18" charset="-127"/>
+              </a:rPr>
+              <a:t>train</a:t>
+            </a:r>
+            <a:r>
+              <a:rPr kumimoji="0" lang="ko-KR" altLang="ko-KR" sz="1600" b="0" i="0" u="none" strike="noStrike" cap="none" normalizeH="0" baseline="0" dirty="0">
+                <a:ln>
+                  <a:noFill/>
+                </a:ln>
+                <a:solidFill>
+                  <a:srgbClr val="212121"/>
+                </a:solidFill>
+                <a:effectLst/>
+                <a:latin typeface="-윤고딕330" panose="02030504000101010101" pitchFamily="18" charset="-127"/>
+                <a:ea typeface="-윤고딕330" panose="02030504000101010101" pitchFamily="18" charset="-127"/>
+              </a:rPr>
+              <a:t> 데이터로 사용할 생각이었으나</a:t>
+            </a:r>
+            <a:br>
+              <a:rPr kumimoji="0" lang="ko-KR" altLang="ko-KR" sz="1600" b="0" i="0" u="none" strike="noStrike" cap="none" normalizeH="0" baseline="0" dirty="0">
+                <a:ln>
+                  <a:noFill/>
+                </a:ln>
+                <a:solidFill>
+                  <a:srgbClr val="212121"/>
+                </a:solidFill>
+                <a:effectLst/>
+                <a:latin typeface="-윤고딕330" panose="02030504000101010101" pitchFamily="18" charset="-127"/>
+                <a:ea typeface="-윤고딕330" panose="02030504000101010101" pitchFamily="18" charset="-127"/>
+              </a:rPr>
+            </a:br>
+            <a:r>
+              <a:rPr kumimoji="0" lang="en-US" altLang="ko-KR" sz="1600" b="0" i="0" u="none" strike="noStrike" cap="none" normalizeH="0" baseline="0" dirty="0">
+                <a:ln>
+                  <a:noFill/>
+                </a:ln>
+                <a:solidFill>
+                  <a:srgbClr val="212121"/>
+                </a:solidFill>
+                <a:effectLst/>
+                <a:latin typeface="-윤고딕330" panose="02030504000101010101" pitchFamily="18" charset="-127"/>
+                <a:ea typeface="-윤고딕330" panose="02030504000101010101" pitchFamily="18" charset="-127"/>
+              </a:rPr>
+              <a:t>   </a:t>
+            </a:r>
+            <a:r>
+              <a:rPr kumimoji="0" lang="ko-KR" altLang="ko-KR" sz="1600" b="0" i="0" u="none" strike="noStrike" cap="none" normalizeH="0" baseline="0" dirty="0" err="1">
+                <a:ln>
+                  <a:noFill/>
+                </a:ln>
+                <a:solidFill>
+                  <a:srgbClr val="212121"/>
+                </a:solidFill>
+                <a:effectLst/>
+                <a:latin typeface="-윤고딕330" panose="02030504000101010101" pitchFamily="18" charset="-127"/>
+                <a:ea typeface="-윤고딕330" panose="02030504000101010101" pitchFamily="18" charset="-127"/>
+              </a:rPr>
+              <a:t>train</a:t>
+            </a:r>
+            <a:r>
+              <a:rPr kumimoji="0" lang="ko-KR" altLang="ko-KR" sz="1600" b="0" i="0" u="none" strike="noStrike" cap="none" normalizeH="0" baseline="0" dirty="0">
+                <a:ln>
+                  <a:noFill/>
+                </a:ln>
+                <a:solidFill>
+                  <a:srgbClr val="212121"/>
+                </a:solidFill>
+                <a:effectLst/>
+                <a:latin typeface="-윤고딕330" panose="02030504000101010101" pitchFamily="18" charset="-127"/>
+                <a:ea typeface="-윤고딕330" panose="02030504000101010101" pitchFamily="18" charset="-127"/>
+              </a:rPr>
+              <a:t> 데이터 수가 너무 많아 과적합이 발생할 것을 우려함</a:t>
+            </a:r>
+          </a:p>
+          <a:p>
+            <a:pPr marL="0" marR="0" lvl="0" indent="0" algn="l" defTabSz="914400" rtl="0" eaLnBrk="0" fontAlgn="base" latinLnBrk="0" hangingPunct="0">
+              <a:lnSpc>
+                <a:spcPct val="100000"/>
+              </a:lnSpc>
+              <a:spcBef>
+                <a:spcPct val="0"/>
+              </a:spcBef>
+              <a:spcAft>
+                <a:spcPct val="0"/>
+              </a:spcAft>
+              <a:buClrTx/>
+              <a:buSzTx/>
+              <a:buFontTx/>
+              <a:buChar char="•"/>
+              <a:tabLst/>
+            </a:pPr>
+            <a:r>
+              <a:rPr kumimoji="0" lang="en-US" altLang="ko-KR" sz="1600" b="0" i="0" u="none" strike="noStrike" cap="none" normalizeH="0" baseline="0" dirty="0">
+                <a:ln>
+                  <a:noFill/>
+                </a:ln>
+                <a:solidFill>
+                  <a:srgbClr val="212121"/>
+                </a:solidFill>
+                <a:effectLst/>
+                <a:latin typeface="-윤고딕330" panose="02030504000101010101" pitchFamily="18" charset="-127"/>
+                <a:ea typeface="-윤고딕330" panose="02030504000101010101" pitchFamily="18" charset="-127"/>
+              </a:rPr>
+              <a:t> </a:t>
+            </a:r>
+            <a:r>
+              <a:rPr kumimoji="0" lang="ko-KR" altLang="ko-KR" sz="1600" b="0" i="0" u="none" strike="noStrike" cap="none" normalizeH="0" baseline="0" dirty="0" err="1">
+                <a:ln>
+                  <a:noFill/>
+                </a:ln>
+                <a:solidFill>
+                  <a:srgbClr val="212121"/>
+                </a:solidFill>
+                <a:effectLst/>
+                <a:latin typeface="-윤고딕330" panose="02030504000101010101" pitchFamily="18" charset="-127"/>
+                <a:ea typeface="-윤고딕330" panose="02030504000101010101" pitchFamily="18" charset="-127"/>
+              </a:rPr>
+              <a:t>train</a:t>
+            </a:r>
+            <a:r>
+              <a:rPr kumimoji="0" lang="ko-KR" altLang="ko-KR" sz="1600" b="0" i="0" u="none" strike="noStrike" cap="none" normalizeH="0" baseline="0" dirty="0">
+                <a:ln>
+                  <a:noFill/>
+                </a:ln>
+                <a:solidFill>
+                  <a:srgbClr val="212121"/>
+                </a:solidFill>
+                <a:effectLst/>
+                <a:latin typeface="-윤고딕330" panose="02030504000101010101" pitchFamily="18" charset="-127"/>
+                <a:ea typeface="-윤고딕330" panose="02030504000101010101" pitchFamily="18" charset="-127"/>
+              </a:rPr>
+              <a:t> 데이터를 줄이고 그만큼 </a:t>
+            </a:r>
+            <a:r>
+              <a:rPr kumimoji="0" lang="ko-KR" altLang="ko-KR" sz="1600" b="0" i="0" u="none" strike="noStrike" cap="none" normalizeH="0" baseline="0" dirty="0" err="1">
+                <a:ln>
+                  <a:noFill/>
+                </a:ln>
+                <a:solidFill>
+                  <a:srgbClr val="212121"/>
+                </a:solidFill>
+                <a:effectLst/>
+                <a:latin typeface="-윤고딕330" panose="02030504000101010101" pitchFamily="18" charset="-127"/>
+                <a:ea typeface="-윤고딕330" panose="02030504000101010101" pitchFamily="18" charset="-127"/>
+              </a:rPr>
+              <a:t>test</a:t>
+            </a:r>
+            <a:r>
+              <a:rPr kumimoji="0" lang="ko-KR" altLang="ko-KR" sz="1600" b="0" i="0" u="none" strike="noStrike" cap="none" normalizeH="0" baseline="0" dirty="0">
+                <a:ln>
+                  <a:noFill/>
+                </a:ln>
+                <a:solidFill>
+                  <a:srgbClr val="212121"/>
+                </a:solidFill>
+                <a:effectLst/>
+                <a:latin typeface="-윤고딕330" panose="02030504000101010101" pitchFamily="18" charset="-127"/>
+                <a:ea typeface="-윤고딕330" panose="02030504000101010101" pitchFamily="18" charset="-127"/>
+              </a:rPr>
+              <a:t> 데이터를 늘리도록 코드를 조정하여 문제를 해결함</a:t>
+            </a:r>
+          </a:p>
+          <a:p>
+            <a:pPr marL="0" marR="0" lvl="0" indent="0" algn="l" defTabSz="914400" rtl="0" eaLnBrk="0" fontAlgn="base" latinLnBrk="0" hangingPunct="0">
+              <a:lnSpc>
+                <a:spcPct val="100000"/>
+              </a:lnSpc>
+              <a:spcBef>
+                <a:spcPct val="0"/>
+              </a:spcBef>
+              <a:spcAft>
+                <a:spcPct val="0"/>
+              </a:spcAft>
+              <a:buClrTx/>
+              <a:buSzTx/>
+              <a:buFontTx/>
+              <a:buNone/>
+              <a:tabLst/>
+            </a:pPr>
+            <a:endParaRPr kumimoji="0" lang="ko-KR" altLang="ko-KR" sz="1400" b="0" i="0" u="none" strike="noStrike" cap="none" normalizeH="0" baseline="0" dirty="0">
+              <a:ln>
+                <a:noFill/>
+              </a:ln>
+              <a:solidFill>
+                <a:schemeClr val="tx1"/>
+              </a:solidFill>
+              <a:effectLst/>
+              <a:latin typeface="-윤고딕330" panose="02030504000101010101" pitchFamily="18" charset="-127"/>
+              <a:ea typeface="-윤고딕330" panose="02030504000101010101" pitchFamily="18" charset="-127"/>
+            </a:endParaRPr>
+          </a:p>
+        </p:txBody>
+      </p:sp>
+    </p:spTree>
+    <p:extLst>
+      <p:ext uri="{BB962C8B-B14F-4D97-AF65-F5344CB8AC3E}">
+        <p14:creationId xmlns:p14="http://schemas.microsoft.com/office/powerpoint/2010/main" val="514913831"/>
+      </p:ext>
+    </p:extLst>
+  </p:cSld>
+  <p:clrMapOvr>
+    <a:masterClrMapping/>
+  </p:clrMapOvr>
+</p:sld>
+</file>
+
+<file path=ppt/slides/slide11.xml><?xml version="1.0" encoding="utf-8"?>
+<p:sld xmlns:a="http://schemas.openxmlformats.org/drawingml/2006/main" xmlns:r="http://schemas.openxmlformats.org/officeDocument/2006/relationships" xmlns:p="http://schemas.openxmlformats.org/presentationml/2006/main">
+  <p:cSld>
+    <p:bg>
+      <p:bgPr>
+        <a:solidFill>
+          <a:srgbClr val="16D3B3"/>
+        </a:solidFill>
+        <a:effectLst/>
+      </p:bgPr>
+    </p:bg>
+    <p:spTree>
+      <p:nvGrpSpPr>
+        <p:cNvPr id="1" name=""/>
+        <p:cNvGrpSpPr/>
+        <p:nvPr/>
+      </p:nvGrpSpPr>
+      <p:grpSpPr>
+        <a:xfrm>
+          <a:off x="0" y="0"/>
+          <a:ext cx="0" cy="0"/>
+          <a:chOff x="0" y="0"/>
+          <a:chExt cx="0" cy="0"/>
+        </a:xfrm>
+      </p:grpSpPr>
+      <p:grpSp>
+        <p:nvGrpSpPr>
+          <p:cNvPr id="19" name="그룹 18">
+            <a:extLst>
+              <a:ext uri="{FF2B5EF4-FFF2-40B4-BE49-F238E27FC236}">
+                <a16:creationId xmlns:a16="http://schemas.microsoft.com/office/drawing/2014/main" id="{68471FE8-50F9-DD29-6382-B9993983BD2C}"/>
+              </a:ext>
+            </a:extLst>
+          </p:cNvPr>
+          <p:cNvGrpSpPr/>
+          <p:nvPr/>
+        </p:nvGrpSpPr>
+        <p:grpSpPr>
+          <a:xfrm>
+            <a:off x="276225" y="173736"/>
+            <a:ext cx="11639550" cy="6446140"/>
+            <a:chOff x="276225" y="173736"/>
+            <a:chExt cx="11639550" cy="6446140"/>
+          </a:xfrm>
+        </p:grpSpPr>
+        <p:sp>
+          <p:nvSpPr>
+            <p:cNvPr id="4" name="사각형: 둥근 위쪽 모서리 3">
+              <a:extLst>
+                <a:ext uri="{FF2B5EF4-FFF2-40B4-BE49-F238E27FC236}">
+                  <a16:creationId xmlns:a16="http://schemas.microsoft.com/office/drawing/2014/main" id="{235E556F-700D-0BAB-2E72-D02143BBB46F}"/>
+                </a:ext>
+              </a:extLst>
+            </p:cNvPr>
+            <p:cNvSpPr/>
+            <p:nvPr/>
+          </p:nvSpPr>
+          <p:spPr>
+            <a:xfrm>
+              <a:off x="276225" y="263524"/>
+              <a:ext cx="11639550" cy="6356352"/>
+            </a:xfrm>
+            <a:prstGeom prst="round2SameRect">
+              <a:avLst>
+                <a:gd name="adj1" fmla="val 4932"/>
+                <a:gd name="adj2" fmla="val 4211"/>
+              </a:avLst>
+            </a:prstGeom>
+            <a:solidFill>
+              <a:srgbClr val="28B2C2"/>
+            </a:solidFill>
+            <a:ln>
+              <a:noFill/>
+            </a:ln>
+            <a:effectLst>
+              <a:outerShdw blurRad="101600" dist="76200" dir="2700000" algn="tl" rotWithShape="0">
+                <a:prstClr val="black">
+                  <a:alpha val="28000"/>
+                </a:prstClr>
+              </a:outerShdw>
+            </a:effectLst>
+          </p:spPr>
+          <p:style>
+            <a:lnRef idx="2">
+              <a:schemeClr val="accent1">
+                <a:shade val="15000"/>
+              </a:schemeClr>
+            </a:lnRef>
+            <a:fillRef idx="1">
+              <a:schemeClr val="accent1"/>
+            </a:fillRef>
+            <a:effectRef idx="0">
+              <a:schemeClr val="accent1"/>
+            </a:effectRef>
+            <a:fontRef idx="minor">
+              <a:schemeClr val="lt1"/>
+            </a:fontRef>
+          </p:style>
+          <p:txBody>
+            <a:bodyPr rtlCol="0" anchor="ctr"/>
+            <a:lstStyle/>
+            <a:p>
+              <a:pPr algn="ctr">
+                <a:defRPr/>
+              </a:pPr>
+              <a:endParaRPr lang="ko-KR" altLang="en-US">
+                <a:solidFill>
+                  <a:prstClr val="white"/>
+                </a:solidFill>
+              </a:endParaRPr>
+            </a:p>
+          </p:txBody>
+        </p:sp>
+        <p:sp>
+          <p:nvSpPr>
+            <p:cNvPr id="2" name="사각형: 둥근 위쪽 모서리 1">
+              <a:extLst>
+                <a:ext uri="{FF2B5EF4-FFF2-40B4-BE49-F238E27FC236}">
+                  <a16:creationId xmlns:a16="http://schemas.microsoft.com/office/drawing/2014/main" id="{26BA66BF-7A19-9E72-6CD7-7CF458793A8C}"/>
+                </a:ext>
+              </a:extLst>
+            </p:cNvPr>
+            <p:cNvSpPr/>
+            <p:nvPr/>
+          </p:nvSpPr>
+          <p:spPr>
+            <a:xfrm>
+              <a:off x="276225" y="677862"/>
+              <a:ext cx="11639550" cy="5942014"/>
+            </a:xfrm>
+            <a:prstGeom prst="round2SameRect">
+              <a:avLst>
+                <a:gd name="adj1" fmla="val 0"/>
+                <a:gd name="adj2" fmla="val 3685"/>
+              </a:avLst>
+            </a:prstGeom>
+            <a:solidFill>
+              <a:schemeClr val="bg1"/>
+            </a:solidFill>
+            <a:ln>
+              <a:noFill/>
+            </a:ln>
+          </p:spPr>
+          <p:style>
+            <a:lnRef idx="2">
+              <a:schemeClr val="accent1">
+                <a:shade val="15000"/>
+              </a:schemeClr>
+            </a:lnRef>
+            <a:fillRef idx="1">
+              <a:schemeClr val="accent1"/>
+            </a:fillRef>
+            <a:effectRef idx="0">
+              <a:schemeClr val="accent1"/>
+            </a:effectRef>
+            <a:fontRef idx="minor">
+              <a:schemeClr val="lt1"/>
+            </a:fontRef>
+          </p:style>
+          <p:txBody>
+            <a:bodyPr rtlCol="0" anchor="ctr"/>
+            <a:lstStyle/>
+            <a:p>
+              <a:pPr algn="ctr">
+                <a:defRPr/>
+              </a:pPr>
+              <a:endParaRPr lang="ko-KR" altLang="en-US" dirty="0">
+                <a:solidFill>
+                  <a:prstClr val="white"/>
+                </a:solidFill>
+              </a:endParaRPr>
+            </a:p>
+          </p:txBody>
+        </p:sp>
+        <p:grpSp>
+          <p:nvGrpSpPr>
+            <p:cNvPr id="12" name="그룹 11">
+              <a:extLst>
+                <a:ext uri="{FF2B5EF4-FFF2-40B4-BE49-F238E27FC236}">
+                  <a16:creationId xmlns:a16="http://schemas.microsoft.com/office/drawing/2014/main" id="{99C181EE-00C3-A88C-2213-CE35054E78F2}"/>
+                </a:ext>
+              </a:extLst>
+            </p:cNvPr>
+            <p:cNvGrpSpPr/>
+            <p:nvPr/>
+          </p:nvGrpSpPr>
+          <p:grpSpPr>
+            <a:xfrm>
+              <a:off x="1207919" y="173736"/>
+              <a:ext cx="10707856" cy="504126"/>
+              <a:chOff x="1325674" y="263524"/>
+              <a:chExt cx="8800720" cy="414338"/>
+            </a:xfrm>
+          </p:grpSpPr>
+          <p:sp>
+            <p:nvSpPr>
+              <p:cNvPr id="30" name="자유형: 도형 29">
+                <a:extLst>
+                  <a:ext uri="{FF2B5EF4-FFF2-40B4-BE49-F238E27FC236}">
+                    <a16:creationId xmlns:a16="http://schemas.microsoft.com/office/drawing/2014/main" id="{07B619FB-E787-B802-3BD4-6F55CFF7EA9A}"/>
+                  </a:ext>
+                </a:extLst>
+              </p:cNvPr>
+              <p:cNvSpPr/>
+              <p:nvPr/>
+            </p:nvSpPr>
+            <p:spPr>
+              <a:xfrm flipV="1">
+                <a:off x="1325674" y="473077"/>
+                <a:ext cx="423864" cy="204785"/>
+              </a:xfrm>
+              <a:custGeom>
+                <a:avLst/>
+                <a:gdLst>
+                  <a:gd name="connsiteX0" fmla="*/ 0 w 423864"/>
+                  <a:gd name="connsiteY0" fmla="*/ 0 h 204785"/>
+                  <a:gd name="connsiteX1" fmla="*/ 238125 w 423864"/>
+                  <a:gd name="connsiteY1" fmla="*/ 0 h 204785"/>
+                  <a:gd name="connsiteX2" fmla="*/ 423864 w 423864"/>
+                  <a:gd name="connsiteY2" fmla="*/ 185739 h 204785"/>
+                  <a:gd name="connsiteX3" fmla="*/ 423864 w 423864"/>
+                  <a:gd name="connsiteY3" fmla="*/ 204785 h 204785"/>
+                  <a:gd name="connsiteX4" fmla="*/ 185739 w 423864"/>
+                  <a:gd name="connsiteY4" fmla="*/ 204785 h 204785"/>
+                  <a:gd name="connsiteX5" fmla="*/ 185739 w 423864"/>
+                  <a:gd name="connsiteY5" fmla="*/ 185739 h 204785"/>
+                  <a:gd name="connsiteX6" fmla="*/ 0 w 423864"/>
+                  <a:gd name="connsiteY6" fmla="*/ 0 h 204785"/>
+                </a:gdLst>
+                <a:ahLst/>
+                <a:cxnLst>
+                  <a:cxn ang="0">
+                    <a:pos x="connsiteX0" y="connsiteY0"/>
+                  </a:cxn>
+                  <a:cxn ang="0">
+                    <a:pos x="connsiteX1" y="connsiteY1"/>
+                  </a:cxn>
+                  <a:cxn ang="0">
+                    <a:pos x="connsiteX2" y="connsiteY2"/>
+                  </a:cxn>
+                  <a:cxn ang="0">
+                    <a:pos x="connsiteX3" y="connsiteY3"/>
+                  </a:cxn>
+                  <a:cxn ang="0">
+                    <a:pos x="connsiteX4" y="connsiteY4"/>
+                  </a:cxn>
+                  <a:cxn ang="0">
+                    <a:pos x="connsiteX5" y="connsiteY5"/>
+                  </a:cxn>
+                  <a:cxn ang="0">
+                    <a:pos x="connsiteX6" y="connsiteY6"/>
+                  </a:cxn>
+                </a:cxnLst>
+                <a:rect l="l" t="t" r="r" b="b"/>
+                <a:pathLst>
+                  <a:path w="423864" h="204785">
+                    <a:moveTo>
+                      <a:pt x="0" y="0"/>
+                    </a:moveTo>
+                    <a:lnTo>
+                      <a:pt x="238125" y="0"/>
+                    </a:lnTo>
+                    <a:cubicBezTo>
+                      <a:pt x="340706" y="0"/>
+                      <a:pt x="423864" y="83158"/>
+                      <a:pt x="423864" y="185739"/>
+                    </a:cubicBezTo>
+                    <a:lnTo>
+                      <a:pt x="423864" y="204785"/>
+                    </a:lnTo>
+                    <a:lnTo>
+                      <a:pt x="185739" y="204785"/>
+                    </a:lnTo>
+                    <a:lnTo>
+                      <a:pt x="185739" y="185739"/>
+                    </a:lnTo>
+                    <a:cubicBezTo>
+                      <a:pt x="185739" y="83158"/>
+                      <a:pt x="102581" y="0"/>
+                      <a:pt x="0" y="0"/>
+                    </a:cubicBezTo>
+                    <a:close/>
+                  </a:path>
+                </a:pathLst>
+              </a:custGeom>
+              <a:solidFill>
+                <a:schemeClr val="bg1"/>
+              </a:solidFill>
+              <a:ln>
+                <a:noFill/>
+              </a:ln>
+            </p:spPr>
+            <p:style>
+              <a:lnRef idx="2">
+                <a:schemeClr val="accent1">
+                  <a:shade val="15000"/>
+                </a:schemeClr>
+              </a:lnRef>
+              <a:fillRef idx="1">
+                <a:schemeClr val="accent1"/>
+              </a:fillRef>
+              <a:effectRef idx="0">
+                <a:schemeClr val="accent1"/>
+              </a:effectRef>
+              <a:fontRef idx="minor">
+                <a:schemeClr val="lt1"/>
+              </a:fontRef>
+            </p:style>
+            <p:txBody>
+              <a:bodyPr wrap="square" rtlCol="0" anchor="ctr">
+                <a:noAutofit/>
+              </a:bodyPr>
+              <a:lstStyle/>
+              <a:p>
+                <a:pPr algn="ctr">
+                  <a:defRPr/>
+                </a:pPr>
+                <a:endParaRPr lang="ko-KR" altLang="en-US">
+                  <a:solidFill>
+                    <a:prstClr val="white"/>
+                  </a:solidFill>
+                </a:endParaRPr>
+              </a:p>
+            </p:txBody>
+          </p:sp>
+          <p:sp>
+            <p:nvSpPr>
+              <p:cNvPr id="6" name="사각형: 둥근 위쪽 모서리 5">
+                <a:extLst>
+                  <a:ext uri="{FF2B5EF4-FFF2-40B4-BE49-F238E27FC236}">
+                    <a16:creationId xmlns:a16="http://schemas.microsoft.com/office/drawing/2014/main" id="{B7B08B0B-5E2D-E144-C52E-E38E3A0660B1}"/>
+                  </a:ext>
+                </a:extLst>
+              </p:cNvPr>
+              <p:cNvSpPr/>
+              <p:nvPr/>
+            </p:nvSpPr>
+            <p:spPr>
+              <a:xfrm>
+                <a:off x="1511411" y="263524"/>
+                <a:ext cx="8614983" cy="414338"/>
+              </a:xfrm>
+              <a:prstGeom prst="round2SameRect">
+                <a:avLst>
+                  <a:gd name="adj1" fmla="val 44828"/>
+                  <a:gd name="adj2" fmla="val 0"/>
+                </a:avLst>
+              </a:prstGeom>
+              <a:solidFill>
+                <a:schemeClr val="bg1"/>
+              </a:solidFill>
+              <a:ln>
+                <a:noFill/>
+              </a:ln>
+            </p:spPr>
+            <p:style>
+              <a:lnRef idx="2">
+                <a:schemeClr val="accent1">
+                  <a:shade val="15000"/>
+                </a:schemeClr>
+              </a:lnRef>
+              <a:fillRef idx="1">
+                <a:schemeClr val="accent1"/>
+              </a:fillRef>
+              <a:effectRef idx="0">
+                <a:schemeClr val="accent1"/>
+              </a:effectRef>
+              <a:fontRef idx="minor">
+                <a:schemeClr val="lt1"/>
+              </a:fontRef>
+            </p:style>
+            <p:txBody>
+              <a:bodyPr rtlCol="0" anchor="ctr"/>
+              <a:lstStyle/>
+              <a:p>
+                <a:pPr marL="92075" lvl="2">
+                  <a:defRPr/>
+                </a:pPr>
+                <a:r>
+                  <a:rPr lang="ko-KR" altLang="en-US" sz="2000" b="1" i="1" kern="0" dirty="0">
+                    <a:ln w="9525">
+                      <a:noFill/>
+                    </a:ln>
+                    <a:solidFill>
+                      <a:prstClr val="black">
+                        <a:lumMod val="65000"/>
+                        <a:lumOff val="35000"/>
+                      </a:prstClr>
+                    </a:solidFill>
+                    <a:latin typeface="맑은 고딕" panose="020B0503020000020004" pitchFamily="50" charset="-127"/>
+                    <a:ea typeface="맑은 고딕" panose="020B0503020000020004" pitchFamily="50" charset="-127"/>
+                  </a:rPr>
+                  <a:t>발생했던 문제점들</a:t>
+                </a:r>
+                <a:endParaRPr lang="ko-KR" altLang="en-US" sz="2000" b="1" dirty="0">
+                  <a:solidFill>
+                    <a:prstClr val="black">
+                      <a:lumMod val="65000"/>
+                      <a:lumOff val="35000"/>
+                    </a:prstClr>
+                  </a:solidFill>
+                  <a:latin typeface="맑은 고딕" panose="020B0503020000020004" pitchFamily="50" charset="-127"/>
+                  <a:ea typeface="맑은 고딕" panose="020B0503020000020004" pitchFamily="50" charset="-127"/>
+                </a:endParaRPr>
+              </a:p>
+            </p:txBody>
+          </p:sp>
+        </p:grpSp>
+        <p:sp>
+          <p:nvSpPr>
+            <p:cNvPr id="11" name="TextBox 10">
+              <a:extLst>
+                <a:ext uri="{FF2B5EF4-FFF2-40B4-BE49-F238E27FC236}">
+                  <a16:creationId xmlns:a16="http://schemas.microsoft.com/office/drawing/2014/main" id="{38ECCADD-9553-A900-1210-EE20C64B4A6E}"/>
+                </a:ext>
+              </a:extLst>
+            </p:cNvPr>
+            <p:cNvSpPr txBox="1"/>
+            <p:nvPr/>
+          </p:nvSpPr>
+          <p:spPr>
+            <a:xfrm>
+              <a:off x="420990" y="349142"/>
+              <a:ext cx="945656" cy="253916"/>
+            </a:xfrm>
+            <a:prstGeom prst="rect">
+              <a:avLst/>
+            </a:prstGeom>
+            <a:noFill/>
+          </p:spPr>
+          <p:txBody>
+            <a:bodyPr wrap="square">
+              <a:spAutoFit/>
+            </a:bodyPr>
+            <a:lstStyle/>
+            <a:p>
+              <a:pPr algn="ctr">
+                <a:defRPr/>
+              </a:pPr>
+              <a:r>
+                <a:rPr lang="en-US" altLang="ko-KR" sz="1050" i="1" kern="0" dirty="0">
+                  <a:ln w="9525">
+                    <a:noFill/>
+                  </a:ln>
+                  <a:solidFill>
+                    <a:prstClr val="white"/>
+                  </a:solidFill>
+                  <a:latin typeface="Tmon몬소리 Black" panose="02000A03000000000000" pitchFamily="2" charset="-127"/>
+                  <a:ea typeface="Tmon몬소리 Black" panose="02000A03000000000000" pitchFamily="2" charset="-127"/>
+                </a:rPr>
+                <a:t>CONTENTS</a:t>
+              </a:r>
+              <a:endParaRPr lang="ko-KR" altLang="en-US" sz="1000" dirty="0">
+                <a:solidFill>
+                  <a:prstClr val="white"/>
+                </a:solidFill>
+              </a:endParaRPr>
+            </a:p>
+          </p:txBody>
+        </p:sp>
+        <p:sp>
+          <p:nvSpPr>
+            <p:cNvPr id="13" name="사각형: 둥근 모서리 12">
+              <a:extLst>
+                <a:ext uri="{FF2B5EF4-FFF2-40B4-BE49-F238E27FC236}">
+                  <a16:creationId xmlns:a16="http://schemas.microsoft.com/office/drawing/2014/main" id="{D7A668E9-EB2A-2773-F1BB-CE79CFDC2B78}"/>
+                </a:ext>
+              </a:extLst>
+            </p:cNvPr>
+            <p:cNvSpPr/>
+            <p:nvPr/>
+          </p:nvSpPr>
+          <p:spPr>
+            <a:xfrm>
+              <a:off x="9753601" y="342642"/>
+              <a:ext cx="1536992" cy="393700"/>
+            </a:xfrm>
+            <a:prstGeom prst="roundRect">
+              <a:avLst>
+                <a:gd name="adj" fmla="val 50000"/>
+              </a:avLst>
+            </a:prstGeom>
+            <a:solidFill>
+              <a:schemeClr val="tx1">
+                <a:alpha val="4000"/>
+              </a:schemeClr>
+            </a:solidFill>
+            <a:ln>
+              <a:noFill/>
+            </a:ln>
+          </p:spPr>
+          <p:style>
+            <a:lnRef idx="2">
+              <a:schemeClr val="accent1">
+                <a:shade val="50000"/>
+              </a:schemeClr>
+            </a:lnRef>
+            <a:fillRef idx="1">
+              <a:schemeClr val="accent1"/>
+            </a:fillRef>
+            <a:effectRef idx="0">
+              <a:schemeClr val="accent1"/>
+            </a:effectRef>
+            <a:fontRef idx="minor">
+              <a:schemeClr val="lt1"/>
+            </a:fontRef>
+          </p:style>
+          <p:txBody>
+            <a:bodyPr rtlCol="0" anchor="ctr"/>
+            <a:lstStyle/>
+            <a:p>
+              <a:pPr algn="ctr">
+                <a:defRPr/>
+              </a:pPr>
+              <a:r>
+                <a:rPr lang="en-US" altLang="ko-KR" sz="1000" dirty="0">
+                  <a:solidFill>
+                    <a:prstClr val="white">
+                      <a:lumMod val="65000"/>
+                    </a:prstClr>
+                  </a:solidFill>
+                </a:rPr>
+                <a:t>CONTENT</a:t>
+              </a:r>
+              <a:endParaRPr lang="ko-KR" altLang="en-US" sz="1200" dirty="0">
+                <a:solidFill>
+                  <a:prstClr val="white">
+                    <a:lumMod val="65000"/>
+                  </a:prstClr>
+                </a:solidFill>
+              </a:endParaRPr>
+            </a:p>
+          </p:txBody>
+        </p:sp>
+        <p:sp>
+          <p:nvSpPr>
+            <p:cNvPr id="14" name="타원 13">
+              <a:extLst>
+                <a:ext uri="{FF2B5EF4-FFF2-40B4-BE49-F238E27FC236}">
+                  <a16:creationId xmlns:a16="http://schemas.microsoft.com/office/drawing/2014/main" id="{83B1B4F7-8B81-96BD-9550-2D0F93F505E0}"/>
+                </a:ext>
+              </a:extLst>
+            </p:cNvPr>
+            <p:cNvSpPr/>
+            <p:nvPr/>
+          </p:nvSpPr>
+          <p:spPr>
+            <a:xfrm>
+              <a:off x="11357852" y="342642"/>
+              <a:ext cx="392400" cy="393700"/>
+            </a:xfrm>
+            <a:prstGeom prst="ellipse">
+              <a:avLst/>
+            </a:prstGeom>
+            <a:solidFill>
+              <a:schemeClr val="bg1">
+                <a:lumMod val="50000"/>
+              </a:schemeClr>
+            </a:solidFill>
+            <a:ln>
+              <a:noFill/>
+            </a:ln>
+          </p:spPr>
+          <p:style>
+            <a:lnRef idx="2">
+              <a:schemeClr val="accent1">
+                <a:shade val="50000"/>
+              </a:schemeClr>
+            </a:lnRef>
+            <a:fillRef idx="1">
+              <a:schemeClr val="accent1"/>
+            </a:fillRef>
+            <a:effectRef idx="0">
+              <a:schemeClr val="accent1"/>
+            </a:effectRef>
+            <a:fontRef idx="minor">
+              <a:schemeClr val="lt1"/>
+            </a:fontRef>
+          </p:style>
+          <p:txBody>
+            <a:bodyPr rtlCol="0" anchor="ctr"/>
+            <a:lstStyle/>
+            <a:p>
+              <a:pPr algn="ctr">
+                <a:defRPr/>
+              </a:pPr>
+              <a:endParaRPr lang="ko-KR" altLang="en-US" sz="1200" dirty="0">
+                <a:solidFill>
+                  <a:prstClr val="white"/>
+                </a:solidFill>
+              </a:endParaRPr>
+            </a:p>
+          </p:txBody>
+        </p:sp>
+        <p:grpSp>
+          <p:nvGrpSpPr>
+            <p:cNvPr id="15" name="그룹 14">
+              <a:extLst>
+                <a:ext uri="{FF2B5EF4-FFF2-40B4-BE49-F238E27FC236}">
+                  <a16:creationId xmlns:a16="http://schemas.microsoft.com/office/drawing/2014/main" id="{5813ADFD-5900-AB6E-B2B3-BD2F6CBC36D7}"/>
+                </a:ext>
+              </a:extLst>
+            </p:cNvPr>
+            <p:cNvGrpSpPr/>
+            <p:nvPr/>
+          </p:nvGrpSpPr>
+          <p:grpSpPr>
+            <a:xfrm>
+              <a:off x="11463394" y="428700"/>
+              <a:ext cx="187007" cy="221257"/>
+              <a:chOff x="7903029" y="1102744"/>
+              <a:chExt cx="178934" cy="211706"/>
+            </a:xfrm>
+          </p:grpSpPr>
+          <p:sp>
+            <p:nvSpPr>
+              <p:cNvPr id="16" name="원호 15">
+                <a:extLst>
+                  <a:ext uri="{FF2B5EF4-FFF2-40B4-BE49-F238E27FC236}">
+                    <a16:creationId xmlns:a16="http://schemas.microsoft.com/office/drawing/2014/main" id="{30C8AFF8-F319-9872-84E2-441C77483F03}"/>
+                  </a:ext>
+                </a:extLst>
+              </p:cNvPr>
+              <p:cNvSpPr/>
+              <p:nvPr/>
+            </p:nvSpPr>
+            <p:spPr>
+              <a:xfrm>
+                <a:off x="7903029" y="1102744"/>
+                <a:ext cx="159658" cy="159658"/>
+              </a:xfrm>
+              <a:prstGeom prst="arc">
+                <a:avLst>
+                  <a:gd name="adj1" fmla="val 7661534"/>
+                  <a:gd name="adj2" fmla="val 3290856"/>
+                </a:avLst>
+              </a:prstGeom>
+              <a:ln w="15875" cap="rnd">
+                <a:solidFill>
+                  <a:schemeClr val="bg1"/>
+                </a:solidFill>
+              </a:ln>
+            </p:spPr>
+            <p:style>
+              <a:lnRef idx="1">
+                <a:schemeClr val="accent1"/>
+              </a:lnRef>
+              <a:fillRef idx="0">
+                <a:schemeClr val="accent1"/>
+              </a:fillRef>
+              <a:effectRef idx="0">
+                <a:schemeClr val="accent1"/>
+              </a:effectRef>
+              <a:fontRef idx="minor">
+                <a:schemeClr val="tx1"/>
+              </a:fontRef>
+            </p:style>
+            <p:txBody>
+              <a:bodyPr rtlCol="0" anchor="ctr"/>
+              <a:lstStyle/>
+              <a:p>
+                <a:pPr algn="ctr">
+                  <a:defRPr/>
+                </a:pPr>
+                <a:endParaRPr lang="ko-KR" altLang="en-US">
+                  <a:solidFill>
+                    <a:prstClr val="black"/>
+                  </a:solidFill>
+                </a:endParaRPr>
+              </a:p>
+            </p:txBody>
+          </p:sp>
+          <p:sp>
+            <p:nvSpPr>
+              <p:cNvPr id="17" name="원호 16">
+                <a:extLst>
+                  <a:ext uri="{FF2B5EF4-FFF2-40B4-BE49-F238E27FC236}">
+                    <a16:creationId xmlns:a16="http://schemas.microsoft.com/office/drawing/2014/main" id="{BC6FA750-EBE7-2D49-795E-3A4E41196B56}"/>
+                  </a:ext>
+                </a:extLst>
+              </p:cNvPr>
+              <p:cNvSpPr/>
+              <p:nvPr/>
+            </p:nvSpPr>
+            <p:spPr>
+              <a:xfrm>
+                <a:off x="7903029" y="1102744"/>
+                <a:ext cx="159658" cy="159658"/>
+              </a:xfrm>
+              <a:prstGeom prst="arc">
+                <a:avLst>
+                  <a:gd name="adj1" fmla="val 5171035"/>
+                  <a:gd name="adj2" fmla="val 6163513"/>
+                </a:avLst>
+              </a:prstGeom>
+              <a:ln w="15875" cap="rnd">
+                <a:solidFill>
+                  <a:schemeClr val="bg1"/>
+                </a:solidFill>
+              </a:ln>
+            </p:spPr>
+            <p:style>
+              <a:lnRef idx="1">
+                <a:schemeClr val="accent1"/>
+              </a:lnRef>
+              <a:fillRef idx="0">
+                <a:schemeClr val="accent1"/>
+              </a:fillRef>
+              <a:effectRef idx="0">
+                <a:schemeClr val="accent1"/>
+              </a:effectRef>
+              <a:fontRef idx="minor">
+                <a:schemeClr val="tx1"/>
+              </a:fontRef>
+            </p:style>
+            <p:txBody>
+              <a:bodyPr rtlCol="0" anchor="ctr"/>
+              <a:lstStyle/>
+              <a:p>
+                <a:pPr algn="ctr">
+                  <a:defRPr/>
+                </a:pPr>
+                <a:endParaRPr lang="ko-KR" altLang="en-US">
+                  <a:solidFill>
+                    <a:prstClr val="black"/>
+                  </a:solidFill>
+                </a:endParaRPr>
+              </a:p>
+            </p:txBody>
+          </p:sp>
+          <p:cxnSp>
+            <p:nvCxnSpPr>
+              <p:cNvPr id="18" name="직선 연결선 17">
+                <a:extLst>
+                  <a:ext uri="{FF2B5EF4-FFF2-40B4-BE49-F238E27FC236}">
+                    <a16:creationId xmlns:a16="http://schemas.microsoft.com/office/drawing/2014/main" id="{D5509B5A-00CB-16D0-9CAC-7AE4CA6AA416}"/>
+                  </a:ext>
+                </a:extLst>
+              </p:cNvPr>
+              <p:cNvCxnSpPr>
+                <a:cxnSpLocks/>
+              </p:cNvCxnSpPr>
+              <p:nvPr/>
+            </p:nvCxnSpPr>
+            <p:spPr>
+              <a:xfrm>
+                <a:off x="8029127" y="1250723"/>
+                <a:ext cx="52836" cy="63727"/>
+              </a:xfrm>
+              <a:prstGeom prst="line">
+                <a:avLst/>
+              </a:prstGeom>
+              <a:ln w="15875" cap="rnd">
+                <a:solidFill>
+                  <a:schemeClr val="bg1"/>
+                </a:solidFill>
+              </a:ln>
+            </p:spPr>
+            <p:style>
+              <a:lnRef idx="1">
+                <a:schemeClr val="accent1"/>
+              </a:lnRef>
+              <a:fillRef idx="0">
+                <a:schemeClr val="accent1"/>
+              </a:fillRef>
+              <a:effectRef idx="0">
+                <a:schemeClr val="accent1"/>
+              </a:effectRef>
+              <a:fontRef idx="minor">
+                <a:schemeClr val="tx1"/>
+              </a:fontRef>
+            </p:style>
+          </p:cxnSp>
+        </p:grpSp>
+      </p:grpSp>
+      <p:grpSp>
+        <p:nvGrpSpPr>
+          <p:cNvPr id="41" name="그룹 40">
+            <a:extLst>
+              <a:ext uri="{FF2B5EF4-FFF2-40B4-BE49-F238E27FC236}">
+                <a16:creationId xmlns:a16="http://schemas.microsoft.com/office/drawing/2014/main" id="{C906C218-EE1E-8911-B8DD-D33095F6F145}"/>
+              </a:ext>
+            </a:extLst>
+          </p:cNvPr>
+          <p:cNvGrpSpPr/>
+          <p:nvPr/>
+        </p:nvGrpSpPr>
+        <p:grpSpPr>
+          <a:xfrm>
+            <a:off x="775659" y="1071562"/>
+            <a:ext cx="10514933" cy="4899693"/>
+            <a:chOff x="901407" y="3411072"/>
+            <a:chExt cx="6851732" cy="2436701"/>
+          </a:xfrm>
+        </p:grpSpPr>
+        <p:sp>
+          <p:nvSpPr>
+            <p:cNvPr id="46" name="사각형: 둥근 모서리 45">
+              <a:extLst>
+                <a:ext uri="{FF2B5EF4-FFF2-40B4-BE49-F238E27FC236}">
+                  <a16:creationId xmlns:a16="http://schemas.microsoft.com/office/drawing/2014/main" id="{20C803D9-9ACA-7863-5A7F-7C45A3D2BC18}"/>
+                </a:ext>
+              </a:extLst>
+            </p:cNvPr>
+            <p:cNvSpPr/>
+            <p:nvPr/>
+          </p:nvSpPr>
+          <p:spPr>
+            <a:xfrm>
+              <a:off x="2127074" y="3411072"/>
+              <a:ext cx="5626065" cy="1125497"/>
+            </a:xfrm>
+            <a:prstGeom prst="roundRect">
+              <a:avLst>
+                <a:gd name="adj" fmla="val 50000"/>
+              </a:avLst>
+            </a:prstGeom>
+            <a:effectLst>
+              <a:outerShdw blurRad="57150" dist="19050" dir="5400000" algn="ctr" rotWithShape="0">
+                <a:srgbClr val="000000">
+                  <a:alpha val="63000"/>
+                </a:srgbClr>
+              </a:outerShdw>
+              <a:softEdge rad="0"/>
+            </a:effectLst>
+          </p:spPr>
+          <p:style>
+            <a:lnRef idx="0">
+              <a:schemeClr val="lt1">
+                <a:hueOff val="0"/>
+                <a:satOff val="0"/>
+                <a:lumOff val="0"/>
+                <a:alphaOff val="0"/>
+              </a:schemeClr>
+            </a:lnRef>
+            <a:fillRef idx="3">
+              <a:schemeClr val="accent4">
+                <a:hueOff val="6533927"/>
+                <a:satOff val="-27185"/>
+                <a:lumOff val="6405"/>
+                <a:alphaOff val="0"/>
+              </a:schemeClr>
+            </a:fillRef>
+            <a:effectRef idx="3">
+              <a:schemeClr val="accent4">
+                <a:hueOff val="6533927"/>
+                <a:satOff val="-27185"/>
+                <a:lumOff val="6405"/>
+                <a:alphaOff val="0"/>
+              </a:schemeClr>
+            </a:effectRef>
+            <a:fontRef idx="minor">
+              <a:schemeClr val="lt1"/>
+            </a:fontRef>
+          </p:style>
+          <p:txBody>
+            <a:bodyPr spcFirstLastPara="0" vert="horz" wrap="square" lIns="152400" tIns="152400" rIns="152400" bIns="152400" numCol="1" spcCol="1270" anchor="ctr" anchorCtr="0">
+              <a:noAutofit/>
+            </a:bodyPr>
+            <a:lstStyle/>
+            <a:p>
+              <a:pPr marL="0" lvl="0" indent="0" algn="ctr" defTabSz="1778000" latinLnBrk="1">
+                <a:lnSpc>
+                  <a:spcPct val="90000"/>
+                </a:lnSpc>
+                <a:spcBef>
+                  <a:spcPct val="0"/>
+                </a:spcBef>
+                <a:spcAft>
+                  <a:spcPct val="35000"/>
+                </a:spcAft>
+                <a:buNone/>
+              </a:pPr>
+              <a:endParaRPr lang="ko-KR" altLang="en-US" sz="4000" kern="1200" dirty="0"/>
+            </a:p>
+          </p:txBody>
+        </p:sp>
+        <p:sp>
+          <p:nvSpPr>
+            <p:cNvPr id="48" name="사각형: 둥근 모서리 47">
+              <a:extLst>
+                <a:ext uri="{FF2B5EF4-FFF2-40B4-BE49-F238E27FC236}">
+                  <a16:creationId xmlns:a16="http://schemas.microsoft.com/office/drawing/2014/main" id="{33BD0607-26A4-6B69-23EB-D984F3229E47}"/>
+                </a:ext>
+              </a:extLst>
+            </p:cNvPr>
+            <p:cNvSpPr/>
+            <p:nvPr/>
+          </p:nvSpPr>
+          <p:spPr>
+            <a:xfrm>
+              <a:off x="901407" y="4722276"/>
+              <a:ext cx="5626065" cy="1125497"/>
+            </a:xfrm>
+            <a:prstGeom prst="roundRect">
+              <a:avLst>
+                <a:gd name="adj" fmla="val 50000"/>
+              </a:avLst>
+            </a:prstGeom>
+            <a:effectLst>
+              <a:outerShdw blurRad="57150" dist="19050" dir="5400000" algn="ctr" rotWithShape="0">
+                <a:srgbClr val="000000">
+                  <a:alpha val="63000"/>
+                </a:srgbClr>
+              </a:outerShdw>
+              <a:softEdge rad="0"/>
+            </a:effectLst>
+          </p:spPr>
+          <p:style>
+            <a:lnRef idx="0">
+              <a:schemeClr val="lt1">
+                <a:hueOff val="0"/>
+                <a:satOff val="0"/>
+                <a:lumOff val="0"/>
+                <a:alphaOff val="0"/>
+              </a:schemeClr>
+            </a:lnRef>
+            <a:fillRef idx="3">
+              <a:schemeClr val="accent4">
+                <a:hueOff val="9800891"/>
+                <a:satOff val="-40777"/>
+                <a:lumOff val="9608"/>
+                <a:alphaOff val="0"/>
+              </a:schemeClr>
+            </a:fillRef>
+            <a:effectRef idx="3">
+              <a:schemeClr val="accent4">
+                <a:hueOff val="9800891"/>
+                <a:satOff val="-40777"/>
+                <a:lumOff val="9608"/>
+                <a:alphaOff val="0"/>
+              </a:schemeClr>
+            </a:effectRef>
+            <a:fontRef idx="minor">
+              <a:schemeClr val="lt1"/>
+            </a:fontRef>
+          </p:style>
+          <p:txBody>
+            <a:bodyPr spcFirstLastPara="0" vert="horz" wrap="square" lIns="152400" tIns="152400" rIns="152400" bIns="152400" numCol="1" spcCol="1270" anchor="ctr" anchorCtr="0">
+              <a:noAutofit/>
+            </a:bodyPr>
+            <a:lstStyle/>
+            <a:p>
+              <a:pPr marL="0" lvl="0" indent="0" algn="ctr" defTabSz="1778000" latinLnBrk="1">
+                <a:lnSpc>
+                  <a:spcPct val="90000"/>
+                </a:lnSpc>
+                <a:spcBef>
+                  <a:spcPct val="0"/>
+                </a:spcBef>
+                <a:spcAft>
+                  <a:spcPct val="35000"/>
+                </a:spcAft>
+                <a:buNone/>
+              </a:pPr>
+              <a:endParaRPr lang="ko-KR" altLang="en-US" sz="4000" kern="1200" dirty="0"/>
+            </a:p>
+          </p:txBody>
+        </p:sp>
+      </p:grpSp>
+      <p:sp>
+        <p:nvSpPr>
+          <p:cNvPr id="37" name="Rectangle 19">
+            <a:extLst>
+              <a:ext uri="{FF2B5EF4-FFF2-40B4-BE49-F238E27FC236}">
+                <a16:creationId xmlns:a16="http://schemas.microsoft.com/office/drawing/2014/main" id="{79FCFB0B-9903-496A-C5CD-5A6EDC753629}"/>
+              </a:ext>
+            </a:extLst>
+          </p:cNvPr>
+          <p:cNvSpPr>
+            <a:spLocks noChangeArrowheads="1"/>
+          </p:cNvSpPr>
+          <p:nvPr/>
+        </p:nvSpPr>
+        <p:spPr bwMode="auto">
+          <a:xfrm>
+            <a:off x="2984787" y="1253446"/>
+            <a:ext cx="8315803" cy="1991875"/>
+          </a:xfrm>
+          <a:prstGeom prst="rect">
+            <a:avLst/>
+          </a:prstGeom>
+          <a:noFill/>
+          <a:ln>
+            <a:noFill/>
+          </a:ln>
+          <a:effectLst/>
+          <a:extLst>
+            <a:ext uri="{909E8E84-426E-40DD-AFC4-6F175D3DCCD1}">
+              <a14:hiddenFill xmlns:a14="http://schemas.microsoft.com/office/drawing/2010/main">
+                <a:solidFill>
+                  <a:schemeClr val="accent1"/>
+                </a:solidFill>
+              </a14:hiddenFill>
+            </a:ext>
+            <a:ext uri="{91240B29-F687-4F45-9708-019B960494DF}">
+              <a14:hiddenLine xmlns:a14="http://schemas.microsoft.com/office/drawing/2010/main" w="9525">
+                <a:solidFill>
+                  <a:schemeClr val="tx1"/>
+                </a:solidFill>
+                <a:miter lim="800000"/>
+                <a:headEnd/>
+                <a:tailEnd/>
+              </a14:hiddenLine>
+            </a:ext>
+            <a:ext uri="{AF507438-7753-43E0-B8FC-AC1667EBCBE1}">
+              <a14:hiddenEffects xmlns:a14="http://schemas.microsoft.com/office/drawing/2010/main">
+                <a:effectLst>
+                  <a:outerShdw dist="35921" dir="2700000" algn="ctr" rotWithShape="0">
+                    <a:schemeClr val="bg2"/>
+                  </a:outerShdw>
+                </a:effectLst>
+              </a14:hiddenEffects>
+            </a:ext>
+          </a:extLst>
+        </p:spPr>
+        <p:txBody>
+          <a:bodyPr vert="horz" wrap="none" lIns="91440" tIns="23805" rIns="91440" bIns="28566" numCol="1" anchor="ctr" anchorCtr="0" compatLnSpc="1">
+            <a:prstTxWarp prst="textNoShape">
+              <a:avLst/>
+            </a:prstTxWarp>
+            <a:spAutoFit/>
+          </a:bodyPr>
+          <a:lstStyle/>
+          <a:p>
+            <a:pPr marL="0" marR="0" lvl="0" indent="0" algn="l" defTabSz="914400" rtl="0" eaLnBrk="0" fontAlgn="base" latinLnBrk="0" hangingPunct="0">
+              <a:lnSpc>
+                <a:spcPct val="100000"/>
+              </a:lnSpc>
+              <a:spcBef>
+                <a:spcPct val="0"/>
+              </a:spcBef>
+              <a:spcAft>
+                <a:spcPct val="0"/>
+              </a:spcAft>
+              <a:buClrTx/>
+              <a:buSzTx/>
+              <a:buFontTx/>
+              <a:buNone/>
+              <a:tabLst/>
+            </a:pPr>
+            <a:r>
+              <a:rPr kumimoji="0" lang="ko-KR" altLang="ko-KR" sz="3200" b="1" i="0" u="none" strike="noStrike" cap="none" normalizeH="0" baseline="0" dirty="0">
+                <a:ln>
+                  <a:noFill/>
+                </a:ln>
+                <a:solidFill>
+                  <a:srgbClr val="212121"/>
+                </a:solidFill>
+                <a:effectLst/>
+                <a:latin typeface="-윤고딕330" panose="02030504000101010101" pitchFamily="18" charset="-127"/>
+                <a:ea typeface="-윤고딕330" panose="02030504000101010101" pitchFamily="18" charset="-127"/>
+              </a:rPr>
+              <a:t>3. 데이터가 너무 적은 </a:t>
+            </a:r>
+            <a:r>
+              <a:rPr kumimoji="0" lang="ko-KR" altLang="ko-KR" sz="3200" b="1" i="0" u="none" strike="noStrike" cap="none" normalizeH="0" baseline="0" dirty="0" err="1">
+                <a:ln>
+                  <a:noFill/>
+                </a:ln>
+                <a:solidFill>
+                  <a:srgbClr val="212121"/>
+                </a:solidFill>
+                <a:effectLst/>
+                <a:latin typeface="-윤고딕330" panose="02030504000101010101" pitchFamily="18" charset="-127"/>
+                <a:ea typeface="-윤고딕330" panose="02030504000101010101" pitchFamily="18" charset="-127"/>
+              </a:rPr>
+              <a:t>Feature로</a:t>
+            </a:r>
+            <a:r>
+              <a:rPr kumimoji="0" lang="ko-KR" altLang="ko-KR" sz="3200" b="1" i="0" u="none" strike="noStrike" cap="none" normalizeH="0" baseline="0" dirty="0">
+                <a:ln>
+                  <a:noFill/>
+                </a:ln>
+                <a:solidFill>
+                  <a:srgbClr val="212121"/>
+                </a:solidFill>
+                <a:effectLst/>
+                <a:latin typeface="-윤고딕330" panose="02030504000101010101" pitchFamily="18" charset="-127"/>
+                <a:ea typeface="-윤고딕330" panose="02030504000101010101" pitchFamily="18" charset="-127"/>
+              </a:rPr>
+              <a:t> 인한 문제</a:t>
+            </a:r>
+          </a:p>
+          <a:p>
+            <a:pPr marL="0" marR="0" lvl="0" indent="0" algn="l" defTabSz="914400" rtl="0" eaLnBrk="0" fontAlgn="base" latinLnBrk="0" hangingPunct="0">
+              <a:lnSpc>
+                <a:spcPct val="100000"/>
+              </a:lnSpc>
+              <a:spcBef>
+                <a:spcPct val="0"/>
+              </a:spcBef>
+              <a:spcAft>
+                <a:spcPct val="0"/>
+              </a:spcAft>
+              <a:buClrTx/>
+              <a:buSzTx/>
+              <a:buFontTx/>
+              <a:buChar char="•"/>
+              <a:tabLst/>
+            </a:pPr>
+            <a:endParaRPr kumimoji="0" lang="en-US" altLang="ko-KR" sz="1600" b="0" i="0" u="none" strike="noStrike" cap="none" normalizeH="0" baseline="0" dirty="0">
+              <a:ln>
+                <a:noFill/>
+              </a:ln>
+              <a:solidFill>
+                <a:srgbClr val="212121"/>
+              </a:solidFill>
+              <a:effectLst/>
+              <a:latin typeface="-윤고딕330" panose="02030504000101010101" pitchFamily="18" charset="-127"/>
+              <a:ea typeface="-윤고딕330" panose="02030504000101010101" pitchFamily="18" charset="-127"/>
+            </a:endParaRPr>
+          </a:p>
+          <a:p>
+            <a:pPr marL="0" marR="0" lvl="0" indent="0" algn="l" defTabSz="914400" rtl="0" eaLnBrk="0" fontAlgn="base" latinLnBrk="0" hangingPunct="0">
+              <a:lnSpc>
+                <a:spcPct val="100000"/>
+              </a:lnSpc>
+              <a:spcBef>
+                <a:spcPct val="0"/>
+              </a:spcBef>
+              <a:spcAft>
+                <a:spcPct val="0"/>
+              </a:spcAft>
+              <a:buClrTx/>
+              <a:buSzTx/>
+              <a:buFontTx/>
+              <a:buChar char="•"/>
+              <a:tabLst/>
+            </a:pPr>
+            <a:r>
+              <a:rPr kumimoji="0" lang="en-US" altLang="ko-KR" sz="1600" b="0" i="0" u="none" strike="noStrike" cap="none" normalizeH="0" baseline="0" dirty="0">
+                <a:ln>
+                  <a:noFill/>
+                </a:ln>
+                <a:solidFill>
+                  <a:srgbClr val="212121"/>
+                </a:solidFill>
+                <a:effectLst/>
+                <a:latin typeface="-윤고딕330" panose="02030504000101010101" pitchFamily="18" charset="-127"/>
+                <a:ea typeface="-윤고딕330" panose="02030504000101010101" pitchFamily="18" charset="-127"/>
+              </a:rPr>
+              <a:t> </a:t>
+            </a:r>
+            <a:r>
+              <a:rPr kumimoji="0" lang="ko-KR" altLang="ko-KR" sz="1600" b="0" i="0" u="none" strike="noStrike" cap="none" normalizeH="0" baseline="0" dirty="0" err="1">
+                <a:ln>
+                  <a:noFill/>
+                </a:ln>
+                <a:solidFill>
+                  <a:srgbClr val="212121"/>
+                </a:solidFill>
+                <a:effectLst/>
+                <a:latin typeface="-윤고딕330" panose="02030504000101010101" pitchFamily="18" charset="-127"/>
+                <a:ea typeface="-윤고딕330" panose="02030504000101010101" pitchFamily="18" charset="-127"/>
+              </a:rPr>
+              <a:t>전처리</a:t>
+            </a:r>
+            <a:r>
+              <a:rPr kumimoji="0" lang="ko-KR" altLang="ko-KR" sz="1600" b="0" i="0" u="none" strike="noStrike" cap="none" normalizeH="0" baseline="0" dirty="0">
+                <a:ln>
+                  <a:noFill/>
+                </a:ln>
+                <a:solidFill>
+                  <a:srgbClr val="212121"/>
+                </a:solidFill>
+                <a:effectLst/>
+                <a:latin typeface="-윤고딕330" panose="02030504000101010101" pitchFamily="18" charset="-127"/>
+                <a:ea typeface="-윤고딕330" panose="02030504000101010101" pitchFamily="18" charset="-127"/>
+              </a:rPr>
+              <a:t> 이후 정확한 학습이 되지 않음을 발견함</a:t>
+            </a:r>
+          </a:p>
+          <a:p>
+            <a:pPr marL="0" marR="0" lvl="0" indent="0" algn="l" defTabSz="914400" rtl="0" eaLnBrk="0" fontAlgn="base" latinLnBrk="0" hangingPunct="0">
+              <a:lnSpc>
+                <a:spcPct val="100000"/>
+              </a:lnSpc>
+              <a:spcBef>
+                <a:spcPct val="0"/>
+              </a:spcBef>
+              <a:spcAft>
+                <a:spcPct val="0"/>
+              </a:spcAft>
+              <a:buClrTx/>
+              <a:buSzTx/>
+              <a:buFontTx/>
+              <a:buChar char="•"/>
+              <a:tabLst/>
+            </a:pPr>
+            <a:r>
+              <a:rPr kumimoji="0" lang="en-US" altLang="ko-KR" sz="1600" b="0" i="0" u="none" strike="noStrike" cap="none" normalizeH="0" baseline="0" dirty="0">
+                <a:ln>
+                  <a:noFill/>
+                </a:ln>
+                <a:solidFill>
+                  <a:srgbClr val="212121"/>
+                </a:solidFill>
+                <a:effectLst/>
+                <a:latin typeface="-윤고딕330" panose="02030504000101010101" pitchFamily="18" charset="-127"/>
+                <a:ea typeface="-윤고딕330" panose="02030504000101010101" pitchFamily="18" charset="-127"/>
+              </a:rPr>
+              <a:t> </a:t>
+            </a:r>
+            <a:r>
+              <a:rPr kumimoji="0" lang="ko-KR" altLang="ko-KR" sz="1600" b="0" i="0" u="none" strike="noStrike" cap="none" normalizeH="0" baseline="0" dirty="0" err="1">
+                <a:ln>
+                  <a:noFill/>
+                </a:ln>
+                <a:solidFill>
+                  <a:srgbClr val="212121"/>
+                </a:solidFill>
+                <a:effectLst/>
+                <a:latin typeface="-윤고딕330" panose="02030504000101010101" pitchFamily="18" charset="-127"/>
+                <a:ea typeface="-윤고딕330" panose="02030504000101010101" pitchFamily="18" charset="-127"/>
+              </a:rPr>
+              <a:t>원핫인코딩</a:t>
+            </a:r>
+            <a:r>
+              <a:rPr kumimoji="0" lang="ko-KR" altLang="ko-KR" sz="1600" b="0" i="0" u="none" strike="noStrike" cap="none" normalizeH="0" baseline="0" dirty="0">
+                <a:ln>
+                  <a:noFill/>
+                </a:ln>
+                <a:solidFill>
+                  <a:srgbClr val="212121"/>
+                </a:solidFill>
+                <a:effectLst/>
+                <a:latin typeface="-윤고딕330" panose="02030504000101010101" pitchFamily="18" charset="-127"/>
+                <a:ea typeface="-윤고딕330" panose="02030504000101010101" pitchFamily="18" charset="-127"/>
+              </a:rPr>
+              <a:t> 과정에서 변수들의 </a:t>
+            </a:r>
+            <a:r>
+              <a:rPr kumimoji="0" lang="ko-KR" altLang="ko-KR" sz="1600" b="0" i="0" u="none" strike="noStrike" cap="none" normalizeH="0" baseline="0" dirty="0" err="1">
+                <a:ln>
+                  <a:noFill/>
+                </a:ln>
+                <a:solidFill>
+                  <a:srgbClr val="212121"/>
+                </a:solidFill>
+                <a:effectLst/>
+                <a:latin typeface="-윤고딕330" panose="02030504000101010101" pitchFamily="18" charset="-127"/>
+                <a:ea typeface="-윤고딕330" panose="02030504000101010101" pitchFamily="18" charset="-127"/>
+              </a:rPr>
+              <a:t>Feature</a:t>
+            </a:r>
+            <a:r>
+              <a:rPr kumimoji="0" lang="ko-KR" altLang="ko-KR" sz="1600" b="0" i="0" u="none" strike="noStrike" cap="none" normalizeH="0" baseline="0" dirty="0">
+                <a:ln>
+                  <a:noFill/>
+                </a:ln>
+                <a:solidFill>
+                  <a:srgbClr val="212121"/>
+                </a:solidFill>
+                <a:effectLst/>
+                <a:latin typeface="-윤고딕330" panose="02030504000101010101" pitchFamily="18" charset="-127"/>
+                <a:ea typeface="-윤고딕330" panose="02030504000101010101" pitchFamily="18" charset="-127"/>
+              </a:rPr>
+              <a:t> </a:t>
+            </a:r>
+            <a:r>
+              <a:rPr kumimoji="0" lang="ko-KR" altLang="ko-KR" sz="1600" b="0" i="0" u="none" strike="noStrike" cap="none" normalizeH="0" baseline="0" dirty="0" err="1">
+                <a:ln>
+                  <a:noFill/>
+                </a:ln>
+                <a:solidFill>
+                  <a:srgbClr val="212121"/>
+                </a:solidFill>
+                <a:effectLst/>
+                <a:latin typeface="-윤고딕330" panose="02030504000101010101" pitchFamily="18" charset="-127"/>
+                <a:ea typeface="-윤고딕330" panose="02030504000101010101" pitchFamily="18" charset="-127"/>
+              </a:rPr>
+              <a:t>갯수가</a:t>
+            </a:r>
+            <a:r>
+              <a:rPr kumimoji="0" lang="ko-KR" altLang="ko-KR" sz="1600" b="0" i="0" u="none" strike="noStrike" cap="none" normalizeH="0" baseline="0" dirty="0">
+                <a:ln>
+                  <a:noFill/>
+                </a:ln>
+                <a:solidFill>
+                  <a:srgbClr val="212121"/>
+                </a:solidFill>
+                <a:effectLst/>
+                <a:latin typeface="-윤고딕330" panose="02030504000101010101" pitchFamily="18" charset="-127"/>
+                <a:ea typeface="-윤고딕330" panose="02030504000101010101" pitchFamily="18" charset="-127"/>
+              </a:rPr>
+              <a:t> 달라져 </a:t>
+            </a:r>
+            <a:r>
+              <a:rPr kumimoji="0" lang="ko-KR" altLang="ko-KR" sz="1600" b="0" i="0" u="none" strike="noStrike" cap="none" normalizeH="0" baseline="0" dirty="0" err="1">
+                <a:ln>
+                  <a:noFill/>
+                </a:ln>
+                <a:solidFill>
+                  <a:srgbClr val="212121"/>
+                </a:solidFill>
+                <a:effectLst/>
+                <a:latin typeface="-윤고딕330" panose="02030504000101010101" pitchFamily="18" charset="-127"/>
+                <a:ea typeface="-윤고딕330" panose="02030504000101010101" pitchFamily="18" charset="-127"/>
+              </a:rPr>
+              <a:t>10개의</a:t>
+            </a:r>
+            <a:r>
+              <a:rPr kumimoji="0" lang="ko-KR" altLang="ko-KR" sz="1600" b="0" i="0" u="none" strike="noStrike" cap="none" normalizeH="0" baseline="0" dirty="0">
+                <a:ln>
+                  <a:noFill/>
+                </a:ln>
+                <a:solidFill>
+                  <a:srgbClr val="212121"/>
+                </a:solidFill>
+                <a:effectLst/>
+                <a:latin typeface="-윤고딕330" panose="02030504000101010101" pitchFamily="18" charset="-127"/>
+                <a:ea typeface="-윤고딕330" panose="02030504000101010101" pitchFamily="18" charset="-127"/>
+              </a:rPr>
+              <a:t> 차이가 발생한 것을 확인함</a:t>
+            </a:r>
+          </a:p>
+          <a:p>
+            <a:pPr marL="0" marR="0" lvl="0" indent="0" algn="l" defTabSz="914400" rtl="0" eaLnBrk="0" fontAlgn="base" latinLnBrk="0" hangingPunct="0">
+              <a:lnSpc>
+                <a:spcPct val="100000"/>
+              </a:lnSpc>
+              <a:spcBef>
+                <a:spcPct val="0"/>
+              </a:spcBef>
+              <a:spcAft>
+                <a:spcPct val="0"/>
+              </a:spcAft>
+              <a:buClrTx/>
+              <a:buSzTx/>
+              <a:buFontTx/>
+              <a:buChar char="•"/>
+              <a:tabLst/>
+            </a:pPr>
+            <a:r>
+              <a:rPr kumimoji="0" lang="en-US" altLang="ko-KR" sz="1600" b="0" i="0" u="none" strike="noStrike" cap="none" normalizeH="0" baseline="0" dirty="0">
+                <a:ln>
+                  <a:noFill/>
+                </a:ln>
+                <a:solidFill>
+                  <a:srgbClr val="212121"/>
+                </a:solidFill>
+                <a:effectLst/>
+                <a:latin typeface="-윤고딕330" panose="02030504000101010101" pitchFamily="18" charset="-127"/>
+                <a:ea typeface="-윤고딕330" panose="02030504000101010101" pitchFamily="18" charset="-127"/>
+              </a:rPr>
+              <a:t> </a:t>
+            </a:r>
+            <a:r>
+              <a:rPr kumimoji="0" lang="ko-KR" altLang="ko-KR" sz="1600" b="0" i="0" u="none" strike="noStrike" cap="none" normalizeH="0" baseline="0" dirty="0" err="1">
+                <a:ln>
+                  <a:noFill/>
+                </a:ln>
+                <a:solidFill>
+                  <a:srgbClr val="212121"/>
+                </a:solidFill>
+                <a:effectLst/>
+                <a:latin typeface="-윤고딕330" panose="02030504000101010101" pitchFamily="18" charset="-127"/>
+                <a:ea typeface="-윤고딕330" panose="02030504000101010101" pitchFamily="18" charset="-127"/>
+              </a:rPr>
+              <a:t>원핫인코딩에</a:t>
+            </a:r>
+            <a:r>
+              <a:rPr kumimoji="0" lang="ko-KR" altLang="ko-KR" sz="1600" b="0" i="0" u="none" strike="noStrike" cap="none" normalizeH="0" baseline="0" dirty="0">
+                <a:ln>
+                  <a:noFill/>
+                </a:ln>
+                <a:solidFill>
+                  <a:srgbClr val="212121"/>
+                </a:solidFill>
+                <a:effectLst/>
+                <a:latin typeface="-윤고딕330" panose="02030504000101010101" pitchFamily="18" charset="-127"/>
+                <a:ea typeface="-윤고딕330" panose="02030504000101010101" pitchFamily="18" charset="-127"/>
+              </a:rPr>
+              <a:t> 사용되는 컬럼을 확인해 본 결과 </a:t>
+            </a:r>
+            <a:r>
+              <a:rPr kumimoji="0" lang="en-US" altLang="ko-KR" sz="1600" b="0" i="0" u="none" strike="noStrike" cap="none" normalizeH="0" baseline="0" dirty="0">
+                <a:ln>
+                  <a:noFill/>
+                </a:ln>
+                <a:solidFill>
+                  <a:srgbClr val="212121"/>
+                </a:solidFill>
+                <a:effectLst/>
+                <a:latin typeface="-윤고딕330" panose="02030504000101010101" pitchFamily="18" charset="-127"/>
+                <a:ea typeface="-윤고딕330" panose="02030504000101010101" pitchFamily="18" charset="-127"/>
+              </a:rPr>
+              <a:t>Feature </a:t>
+            </a:r>
+            <a:r>
+              <a:rPr lang="ko-KR" altLang="en-US" sz="1600" dirty="0">
+                <a:solidFill>
+                  <a:srgbClr val="212121"/>
+                </a:solidFill>
+                <a:latin typeface="-윤고딕330" panose="02030504000101010101" pitchFamily="18" charset="-127"/>
+                <a:ea typeface="-윤고딕330" panose="02030504000101010101" pitchFamily="18" charset="-127"/>
+              </a:rPr>
+              <a:t>값이 </a:t>
+            </a:r>
+            <a:r>
+              <a:rPr kumimoji="0" lang="ko-KR" altLang="ko-KR" sz="1600" b="0" i="0" u="none" strike="noStrike" cap="none" normalizeH="0" baseline="0" dirty="0">
+                <a:ln>
+                  <a:noFill/>
+                </a:ln>
+                <a:solidFill>
+                  <a:srgbClr val="212121"/>
+                </a:solidFill>
+                <a:effectLst/>
+                <a:latin typeface="-윤고딕330" panose="02030504000101010101" pitchFamily="18" charset="-127"/>
+                <a:ea typeface="-윤고딕330" panose="02030504000101010101" pitchFamily="18" charset="-127"/>
+              </a:rPr>
+              <a:t>너무 작은 국가가 있음을 발견함</a:t>
+            </a:r>
+          </a:p>
+          <a:p>
+            <a:pPr marL="0" marR="0" lvl="0" indent="0" algn="l" defTabSz="914400" rtl="0" eaLnBrk="0" fontAlgn="base" latinLnBrk="0" hangingPunct="0">
+              <a:lnSpc>
+                <a:spcPct val="100000"/>
+              </a:lnSpc>
+              <a:spcBef>
+                <a:spcPct val="0"/>
+              </a:spcBef>
+              <a:spcAft>
+                <a:spcPct val="0"/>
+              </a:spcAft>
+              <a:buClrTx/>
+              <a:buSzTx/>
+              <a:buFontTx/>
+              <a:buChar char="•"/>
+              <a:tabLst/>
+            </a:pPr>
+            <a:r>
+              <a:rPr kumimoji="0" lang="en-US" altLang="ko-KR" sz="1600" b="0" i="0" u="none" strike="noStrike" cap="none" normalizeH="0" baseline="0" dirty="0">
+                <a:ln>
+                  <a:noFill/>
+                </a:ln>
+                <a:solidFill>
+                  <a:srgbClr val="212121"/>
+                </a:solidFill>
+                <a:effectLst/>
+                <a:latin typeface="-윤고딕330" panose="02030504000101010101" pitchFamily="18" charset="-127"/>
+                <a:ea typeface="-윤고딕330" panose="02030504000101010101" pitchFamily="18" charset="-127"/>
+              </a:rPr>
+              <a:t> </a:t>
+            </a:r>
+            <a:r>
+              <a:rPr kumimoji="0" lang="ko-KR" altLang="ko-KR" sz="1600" b="0" i="0" u="none" strike="noStrike" cap="none" normalizeH="0" baseline="0" dirty="0">
+                <a:ln>
+                  <a:noFill/>
+                </a:ln>
+                <a:solidFill>
+                  <a:srgbClr val="212121"/>
+                </a:solidFill>
+                <a:effectLst/>
+                <a:latin typeface="-윤고딕330" panose="02030504000101010101" pitchFamily="18" charset="-127"/>
+                <a:ea typeface="-윤고딕330" panose="02030504000101010101" pitchFamily="18" charset="-127"/>
+              </a:rPr>
+              <a:t>해당되는 국가를 삭제함으로써 문제를 해결함</a:t>
+            </a:r>
+          </a:p>
+          <a:p>
+            <a:pPr marL="0" marR="0" lvl="0" indent="0" algn="l" defTabSz="914400" rtl="0" eaLnBrk="0" fontAlgn="base" latinLnBrk="0" hangingPunct="0">
+              <a:lnSpc>
+                <a:spcPct val="100000"/>
+              </a:lnSpc>
+              <a:spcBef>
+                <a:spcPct val="0"/>
+              </a:spcBef>
+              <a:spcAft>
+                <a:spcPct val="0"/>
+              </a:spcAft>
+              <a:buClrTx/>
+              <a:buSzTx/>
+              <a:buFontTx/>
+              <a:buNone/>
+              <a:tabLst/>
+            </a:pPr>
+            <a:endParaRPr kumimoji="0" lang="ko-KR" altLang="ko-KR" sz="1400" b="0" i="0" u="none" strike="noStrike" cap="none" normalizeH="0" baseline="0" dirty="0">
+              <a:ln>
+                <a:noFill/>
+              </a:ln>
+              <a:solidFill>
+                <a:schemeClr val="tx1"/>
+              </a:solidFill>
+              <a:effectLst/>
+              <a:latin typeface="-윤고딕330" panose="02030504000101010101" pitchFamily="18" charset="-127"/>
+              <a:ea typeface="-윤고딕330" panose="02030504000101010101" pitchFamily="18" charset="-127"/>
+            </a:endParaRPr>
+          </a:p>
+        </p:txBody>
+      </p:sp>
+      <p:sp>
+        <p:nvSpPr>
+          <p:cNvPr id="39" name="Rectangle 21">
+            <a:extLst>
+              <a:ext uri="{FF2B5EF4-FFF2-40B4-BE49-F238E27FC236}">
+                <a16:creationId xmlns:a16="http://schemas.microsoft.com/office/drawing/2014/main" id="{049DB8BF-B67E-C1CF-3625-17EE3B1A148A}"/>
+              </a:ext>
+            </a:extLst>
+          </p:cNvPr>
+          <p:cNvSpPr>
+            <a:spLocks noChangeArrowheads="1"/>
+          </p:cNvSpPr>
+          <p:nvPr/>
+        </p:nvSpPr>
+        <p:spPr bwMode="auto">
+          <a:xfrm>
+            <a:off x="1062519" y="3861587"/>
+            <a:ext cx="10687733" cy="2047962"/>
+          </a:xfrm>
+          <a:prstGeom prst="rect">
+            <a:avLst/>
+          </a:prstGeom>
+          <a:noFill/>
+          <a:ln>
+            <a:noFill/>
+          </a:ln>
+          <a:effectLst/>
+          <a:extLst>
+            <a:ext uri="{909E8E84-426E-40DD-AFC4-6F175D3DCCD1}">
+              <a14:hiddenFill xmlns:a14="http://schemas.microsoft.com/office/drawing/2010/main">
+                <a:solidFill>
+                  <a:schemeClr val="accent1"/>
+                </a:solidFill>
+              </a14:hiddenFill>
+            </a:ext>
+            <a:ext uri="{91240B29-F687-4F45-9708-019B960494DF}">
+              <a14:hiddenLine xmlns:a14="http://schemas.microsoft.com/office/drawing/2010/main" w="9525">
+                <a:solidFill>
+                  <a:schemeClr val="tx1"/>
+                </a:solidFill>
+                <a:miter lim="800000"/>
+                <a:headEnd/>
+                <a:tailEnd/>
+              </a14:hiddenLine>
+            </a:ext>
+            <a:ext uri="{AF507438-7753-43E0-B8FC-AC1667EBCBE1}">
+              <a14:hiddenEffects xmlns:a14="http://schemas.microsoft.com/office/drawing/2010/main">
+                <a:effectLst>
+                  <a:outerShdw dist="35921" dir="2700000" algn="ctr" rotWithShape="0">
+                    <a:schemeClr val="bg2"/>
+                  </a:outerShdw>
+                </a:effectLst>
+              </a14:hiddenEffects>
+            </a:ext>
+          </a:extLst>
+        </p:spPr>
+        <p:txBody>
+          <a:bodyPr vert="horz" wrap="square" lIns="91440" tIns="79350" rIns="91440" bIns="28566" numCol="1" anchor="ctr" anchorCtr="0" compatLnSpc="1">
+            <a:prstTxWarp prst="textNoShape">
+              <a:avLst/>
+            </a:prstTxWarp>
+            <a:spAutoFit/>
+          </a:bodyPr>
+          <a:lstStyle/>
+          <a:p>
+            <a:pPr marL="0" marR="0" lvl="0" indent="0" algn="l" defTabSz="914400" rtl="0" eaLnBrk="0" fontAlgn="base" latinLnBrk="0" hangingPunct="0">
+              <a:lnSpc>
+                <a:spcPct val="100000"/>
+              </a:lnSpc>
+              <a:spcBef>
+                <a:spcPct val="0"/>
+              </a:spcBef>
+              <a:spcAft>
+                <a:spcPct val="0"/>
+              </a:spcAft>
+              <a:buClrTx/>
+              <a:buSzTx/>
+              <a:buFontTx/>
+              <a:buNone/>
+              <a:tabLst/>
+            </a:pPr>
+            <a:r>
+              <a:rPr kumimoji="0" lang="ko-KR" altLang="ko-KR" sz="3200" b="1" i="0" u="none" strike="noStrike" cap="none" normalizeH="0" baseline="0" dirty="0">
+                <a:ln>
+                  <a:noFill/>
+                </a:ln>
+                <a:solidFill>
+                  <a:srgbClr val="212121"/>
+                </a:solidFill>
+                <a:effectLst/>
+                <a:latin typeface="-윤고딕330" panose="02030504000101010101" pitchFamily="18" charset="-127"/>
+                <a:ea typeface="-윤고딕330" panose="02030504000101010101" pitchFamily="18" charset="-127"/>
+              </a:rPr>
+              <a:t>4. </a:t>
+            </a:r>
+            <a:r>
+              <a:rPr kumimoji="0" lang="ko-KR" altLang="ko-KR" sz="3200" b="1" i="0" u="none" strike="noStrike" cap="none" normalizeH="0" baseline="0" dirty="0" err="1">
+                <a:ln>
+                  <a:noFill/>
+                </a:ln>
+                <a:solidFill>
+                  <a:srgbClr val="212121"/>
+                </a:solidFill>
+                <a:effectLst/>
+                <a:latin typeface="-윤고딕330" panose="02030504000101010101" pitchFamily="18" charset="-127"/>
+                <a:ea typeface="-윤고딕330" panose="02030504000101010101" pitchFamily="18" charset="-127"/>
+              </a:rPr>
+              <a:t>과적합</a:t>
+            </a:r>
+            <a:r>
+              <a:rPr kumimoji="0" lang="ko-KR" altLang="ko-KR" sz="3200" b="1" i="0" u="none" strike="noStrike" cap="none" normalizeH="0" baseline="0" dirty="0">
+                <a:ln>
+                  <a:noFill/>
+                </a:ln>
+                <a:solidFill>
+                  <a:srgbClr val="212121"/>
+                </a:solidFill>
+                <a:effectLst/>
+                <a:latin typeface="-윤고딕330" panose="02030504000101010101" pitchFamily="18" charset="-127"/>
+                <a:ea typeface="-윤고딕330" panose="02030504000101010101" pitchFamily="18" charset="-127"/>
+              </a:rPr>
+              <a:t> 해결</a:t>
+            </a:r>
+            <a:r>
+              <a:rPr kumimoji="0" lang="en-US" altLang="ko-KR" sz="3200" b="1" i="0" u="none" strike="noStrike" cap="none" normalizeH="0" baseline="0" dirty="0">
+                <a:ln>
+                  <a:noFill/>
+                </a:ln>
+                <a:solidFill>
+                  <a:srgbClr val="212121"/>
+                </a:solidFill>
+                <a:effectLst/>
+                <a:latin typeface="-윤고딕330" panose="02030504000101010101" pitchFamily="18" charset="-127"/>
+                <a:ea typeface="-윤고딕330" panose="02030504000101010101" pitchFamily="18" charset="-127"/>
+              </a:rPr>
+              <a:t> </a:t>
+            </a:r>
+            <a:r>
+              <a:rPr kumimoji="0" lang="ko-KR" altLang="en-US" sz="3200" b="1" i="0" u="none" strike="noStrike" cap="none" normalizeH="0" baseline="0" dirty="0">
+                <a:ln>
+                  <a:noFill/>
+                </a:ln>
+                <a:solidFill>
+                  <a:srgbClr val="212121"/>
+                </a:solidFill>
+                <a:effectLst/>
+                <a:latin typeface="-윤고딕330" panose="02030504000101010101" pitchFamily="18" charset="-127"/>
+                <a:ea typeface="-윤고딕330" panose="02030504000101010101" pitchFamily="18" charset="-127"/>
+              </a:rPr>
+              <a:t>중</a:t>
+            </a:r>
+            <a:r>
+              <a:rPr kumimoji="0" lang="ko-KR" altLang="ko-KR" sz="3200" b="1" i="0" u="none" strike="noStrike" cap="none" normalizeH="0" baseline="0" dirty="0">
+                <a:ln>
+                  <a:noFill/>
+                </a:ln>
+                <a:solidFill>
+                  <a:srgbClr val="212121"/>
+                </a:solidFill>
+                <a:effectLst/>
+                <a:latin typeface="-윤고딕330" panose="02030504000101010101" pitchFamily="18" charset="-127"/>
+                <a:ea typeface="-윤고딕330" panose="02030504000101010101" pitchFamily="18" charset="-127"/>
+              </a:rPr>
+              <a:t> 컬럼 수가 많아 발생한 문제</a:t>
+            </a:r>
+          </a:p>
+          <a:p>
+            <a:pPr marL="0" marR="0" lvl="0" indent="0" algn="l" defTabSz="914400" rtl="0" eaLnBrk="0" fontAlgn="base" latinLnBrk="0" hangingPunct="0">
+              <a:lnSpc>
+                <a:spcPct val="100000"/>
+              </a:lnSpc>
+              <a:spcBef>
+                <a:spcPct val="0"/>
+              </a:spcBef>
+              <a:spcAft>
+                <a:spcPct val="0"/>
+              </a:spcAft>
+              <a:buClrTx/>
+              <a:buSzTx/>
+              <a:buFontTx/>
+              <a:buChar char="•"/>
+              <a:tabLst/>
+            </a:pPr>
+            <a:endParaRPr kumimoji="0" lang="en-US" altLang="ko-KR" sz="1600" b="1" i="0" u="none" strike="noStrike" cap="none" normalizeH="0" baseline="0" dirty="0">
+              <a:ln>
+                <a:noFill/>
+              </a:ln>
+              <a:solidFill>
+                <a:srgbClr val="212121"/>
+              </a:solidFill>
+              <a:effectLst/>
+              <a:latin typeface="-윤고딕330" panose="02030504000101010101" pitchFamily="18" charset="-127"/>
+              <a:ea typeface="-윤고딕330" panose="02030504000101010101" pitchFamily="18" charset="-127"/>
+            </a:endParaRPr>
+          </a:p>
+          <a:p>
+            <a:pPr marL="0" marR="0" lvl="0" indent="0" algn="l" defTabSz="914400" rtl="0" eaLnBrk="0" fontAlgn="base" latinLnBrk="0" hangingPunct="0">
+              <a:lnSpc>
+                <a:spcPct val="100000"/>
+              </a:lnSpc>
+              <a:spcBef>
+                <a:spcPct val="0"/>
+              </a:spcBef>
+              <a:spcAft>
+                <a:spcPct val="0"/>
+              </a:spcAft>
+              <a:buClrTx/>
+              <a:buSzTx/>
+              <a:buFontTx/>
+              <a:buChar char="•"/>
+              <a:tabLst/>
+            </a:pPr>
+            <a:r>
+              <a:rPr kumimoji="0" lang="en-US" altLang="ko-KR" sz="1600" b="0" i="0" u="none" strike="noStrike" cap="none" normalizeH="0" baseline="0" dirty="0">
+                <a:ln>
+                  <a:noFill/>
+                </a:ln>
+                <a:solidFill>
+                  <a:srgbClr val="212121"/>
+                </a:solidFill>
+                <a:effectLst/>
+                <a:latin typeface="-윤고딕330" panose="02030504000101010101" pitchFamily="18" charset="-127"/>
+                <a:ea typeface="-윤고딕330" panose="02030504000101010101" pitchFamily="18" charset="-127"/>
+              </a:rPr>
+              <a:t> </a:t>
+            </a:r>
+            <a:r>
+              <a:rPr kumimoji="0" lang="ko-KR" altLang="ko-KR" sz="1600" b="0" i="0" u="none" strike="noStrike" cap="none" normalizeH="0" baseline="0" dirty="0">
+                <a:ln>
+                  <a:noFill/>
+                </a:ln>
+                <a:solidFill>
+                  <a:srgbClr val="212121"/>
+                </a:solidFill>
+                <a:effectLst/>
+                <a:latin typeface="-윤고딕330" panose="02030504000101010101" pitchFamily="18" charset="-127"/>
+                <a:ea typeface="-윤고딕330" panose="02030504000101010101" pitchFamily="18" charset="-127"/>
+              </a:rPr>
+              <a:t>데이터를 다시 분할하였으나 여전히 </a:t>
+            </a:r>
+            <a:r>
+              <a:rPr kumimoji="0" lang="ko-KR" altLang="ko-KR" sz="1600" b="0" i="0" u="none" strike="noStrike" cap="none" normalizeH="0" baseline="0" dirty="0" err="1">
+                <a:ln>
+                  <a:noFill/>
+                </a:ln>
+                <a:solidFill>
+                  <a:srgbClr val="212121"/>
+                </a:solidFill>
+                <a:effectLst/>
+                <a:latin typeface="-윤고딕330" panose="02030504000101010101" pitchFamily="18" charset="-127"/>
+                <a:ea typeface="-윤고딕330" panose="02030504000101010101" pitchFamily="18" charset="-127"/>
+              </a:rPr>
+              <a:t>과적합</a:t>
+            </a:r>
+            <a:r>
+              <a:rPr kumimoji="0" lang="ko-KR" altLang="ko-KR" sz="1600" b="0" i="0" u="none" strike="noStrike" cap="none" normalizeH="0" baseline="0" dirty="0">
+                <a:ln>
+                  <a:noFill/>
+                </a:ln>
+                <a:solidFill>
+                  <a:srgbClr val="212121"/>
+                </a:solidFill>
+                <a:effectLst/>
+                <a:latin typeface="-윤고딕330" panose="02030504000101010101" pitchFamily="18" charset="-127"/>
+                <a:ea typeface="-윤고딕330" panose="02030504000101010101" pitchFamily="18" charset="-127"/>
+              </a:rPr>
+              <a:t> 문제를 겪었음</a:t>
+            </a:r>
+          </a:p>
+          <a:p>
+            <a:pPr marL="0" marR="0" lvl="0" indent="0" algn="l" defTabSz="914400" rtl="0" eaLnBrk="0" fontAlgn="base" latinLnBrk="0" hangingPunct="0">
+              <a:lnSpc>
+                <a:spcPct val="100000"/>
+              </a:lnSpc>
+              <a:spcBef>
+                <a:spcPct val="0"/>
+              </a:spcBef>
+              <a:spcAft>
+                <a:spcPct val="0"/>
+              </a:spcAft>
+              <a:buClrTx/>
+              <a:buSzTx/>
+              <a:buFontTx/>
+              <a:buChar char="•"/>
+              <a:tabLst/>
+            </a:pPr>
+            <a:r>
+              <a:rPr kumimoji="0" lang="en-US" altLang="ko-KR" sz="1600" b="0" i="0" u="none" strike="noStrike" cap="none" normalizeH="0" baseline="0" dirty="0">
+                <a:ln>
+                  <a:noFill/>
+                </a:ln>
+                <a:solidFill>
+                  <a:srgbClr val="212121"/>
+                </a:solidFill>
+                <a:effectLst/>
+                <a:latin typeface="-윤고딕330" panose="02030504000101010101" pitchFamily="18" charset="-127"/>
+                <a:ea typeface="-윤고딕330" panose="02030504000101010101" pitchFamily="18" charset="-127"/>
+              </a:rPr>
+              <a:t> </a:t>
+            </a:r>
+            <a:r>
+              <a:rPr kumimoji="0" lang="ko-KR" altLang="ko-KR" sz="1600" b="0" i="0" u="none" strike="noStrike" cap="none" normalizeH="0" baseline="0" dirty="0">
+                <a:ln>
+                  <a:noFill/>
+                </a:ln>
+                <a:solidFill>
+                  <a:srgbClr val="212121"/>
+                </a:solidFill>
+                <a:effectLst/>
+                <a:latin typeface="-윤고딕330" panose="02030504000101010101" pitchFamily="18" charset="-127"/>
+                <a:ea typeface="-윤고딕330" panose="02030504000101010101" pitchFamily="18" charset="-127"/>
+              </a:rPr>
+              <a:t>컬럼수가 많아 과적합이 발생한다고 의심하였음</a:t>
+            </a:r>
+          </a:p>
+          <a:p>
+            <a:pPr marL="0" marR="0" lvl="0" indent="0" algn="l" defTabSz="914400" rtl="0" eaLnBrk="0" fontAlgn="base" latinLnBrk="0" hangingPunct="0">
+              <a:lnSpc>
+                <a:spcPct val="100000"/>
+              </a:lnSpc>
+              <a:spcBef>
+                <a:spcPct val="0"/>
+              </a:spcBef>
+              <a:spcAft>
+                <a:spcPct val="0"/>
+              </a:spcAft>
+              <a:buClrTx/>
+              <a:buSzTx/>
+              <a:buFontTx/>
+              <a:buChar char="•"/>
+              <a:tabLst/>
+            </a:pPr>
+            <a:r>
+              <a:rPr kumimoji="0" lang="en-US" altLang="ko-KR" sz="1600" b="0" i="0" u="none" strike="noStrike" cap="none" normalizeH="0" baseline="0" dirty="0">
+                <a:ln>
+                  <a:noFill/>
+                </a:ln>
+                <a:solidFill>
+                  <a:srgbClr val="212121"/>
+                </a:solidFill>
+                <a:effectLst/>
+                <a:latin typeface="-윤고딕330" panose="02030504000101010101" pitchFamily="18" charset="-127"/>
+                <a:ea typeface="-윤고딕330" panose="02030504000101010101" pitchFamily="18" charset="-127"/>
+              </a:rPr>
+              <a:t> </a:t>
+            </a:r>
+            <a:r>
+              <a:rPr kumimoji="0" lang="ko-KR" altLang="ko-KR" sz="1600" b="0" i="0" u="none" strike="noStrike" cap="none" normalizeH="0" baseline="0" dirty="0" err="1">
+                <a:ln>
+                  <a:noFill/>
+                </a:ln>
+                <a:solidFill>
+                  <a:srgbClr val="212121"/>
+                </a:solidFill>
+                <a:effectLst/>
+                <a:latin typeface="-윤고딕330" panose="02030504000101010101" pitchFamily="18" charset="-127"/>
+                <a:ea typeface="-윤고딕330" panose="02030504000101010101" pitchFamily="18" charset="-127"/>
+              </a:rPr>
+              <a:t>히트맵에</a:t>
+            </a:r>
+            <a:r>
+              <a:rPr kumimoji="0" lang="ko-KR" altLang="ko-KR" sz="1600" b="0" i="0" u="none" strike="noStrike" cap="none" normalizeH="0" baseline="0" dirty="0">
+                <a:ln>
+                  <a:noFill/>
+                </a:ln>
+                <a:solidFill>
+                  <a:srgbClr val="212121"/>
+                </a:solidFill>
+                <a:effectLst/>
+                <a:latin typeface="-윤고딕330" panose="02030504000101010101" pitchFamily="18" charset="-127"/>
+                <a:ea typeface="-윤고딕330" panose="02030504000101010101" pitchFamily="18" charset="-127"/>
+              </a:rPr>
+              <a:t> 나오지 않은 </a:t>
+            </a:r>
+            <a:r>
+              <a:rPr kumimoji="0" lang="ko-KR" altLang="ko-KR" sz="1600" b="0" i="0" u="none" strike="noStrike" cap="none" normalizeH="0" baseline="0" dirty="0" err="1">
+                <a:ln>
+                  <a:noFill/>
+                </a:ln>
+                <a:solidFill>
+                  <a:srgbClr val="212121"/>
+                </a:solidFill>
+                <a:effectLst/>
+                <a:latin typeface="-윤고딕330" panose="02030504000101010101" pitchFamily="18" charset="-127"/>
+                <a:ea typeface="-윤고딕330" panose="02030504000101010101" pitchFamily="18" charset="-127"/>
+              </a:rPr>
+              <a:t>컬럼중</a:t>
+            </a:r>
+            <a:r>
+              <a:rPr kumimoji="0" lang="ko-KR" altLang="ko-KR" sz="1600" b="0" i="0" u="none" strike="noStrike" cap="none" normalizeH="0" baseline="0" dirty="0">
+                <a:ln>
+                  <a:noFill/>
+                </a:ln>
+                <a:solidFill>
+                  <a:srgbClr val="212121"/>
+                </a:solidFill>
+                <a:effectLst/>
+                <a:latin typeface="-윤고딕330" panose="02030504000101010101" pitchFamily="18" charset="-127"/>
+                <a:ea typeface="-윤고딕330" panose="02030504000101010101" pitchFamily="18" charset="-127"/>
+              </a:rPr>
+              <a:t> 연관성이 높다고 판단되는 컬럼을 제외한</a:t>
+            </a:r>
+            <a:r>
+              <a:rPr kumimoji="0" lang="en-US" altLang="ko-KR" sz="1600" b="0" i="0" u="none" strike="noStrike" cap="none" normalizeH="0" dirty="0">
+                <a:ln>
+                  <a:noFill/>
+                </a:ln>
+                <a:solidFill>
+                  <a:srgbClr val="212121"/>
+                </a:solidFill>
+                <a:effectLst/>
+                <a:latin typeface="-윤고딕330" panose="02030504000101010101" pitchFamily="18" charset="-127"/>
+                <a:ea typeface="-윤고딕330" panose="02030504000101010101" pitchFamily="18" charset="-127"/>
+              </a:rPr>
+              <a:t> </a:t>
+            </a:r>
+          </a:p>
+          <a:p>
+            <a:pPr marL="0" marR="0" lvl="0" indent="0" algn="l" defTabSz="914400" rtl="0" eaLnBrk="0" fontAlgn="base" latinLnBrk="0" hangingPunct="0">
+              <a:lnSpc>
+                <a:spcPct val="100000"/>
+              </a:lnSpc>
+              <a:spcBef>
+                <a:spcPct val="0"/>
+              </a:spcBef>
+              <a:spcAft>
+                <a:spcPct val="0"/>
+              </a:spcAft>
+              <a:buClrTx/>
+              <a:buSzTx/>
+              <a:tabLst/>
+            </a:pPr>
+            <a:r>
+              <a:rPr lang="en-US" altLang="ko-KR" sz="1600" baseline="0" dirty="0">
+                <a:solidFill>
+                  <a:srgbClr val="212121"/>
+                </a:solidFill>
+                <a:latin typeface="-윤고딕330" panose="02030504000101010101" pitchFamily="18" charset="-127"/>
+                <a:ea typeface="-윤고딕330" panose="02030504000101010101" pitchFamily="18" charset="-127"/>
+              </a:rPr>
+              <a:t>   </a:t>
+            </a:r>
+            <a:r>
+              <a:rPr kumimoji="0" lang="ko-KR" altLang="ko-KR" sz="1600" b="0" i="0" u="none" strike="noStrike" cap="none" normalizeH="0" baseline="0" dirty="0">
+                <a:ln>
+                  <a:noFill/>
+                </a:ln>
+                <a:solidFill>
+                  <a:srgbClr val="212121"/>
+                </a:solidFill>
+                <a:effectLst/>
+                <a:latin typeface="-윤고딕330" panose="02030504000101010101" pitchFamily="18" charset="-127"/>
+                <a:ea typeface="-윤고딕330" panose="02030504000101010101" pitchFamily="18" charset="-127"/>
+              </a:rPr>
+              <a:t>나머지 컬럼을 삭제하는 것으로 문제를 해결함</a:t>
+            </a:r>
+          </a:p>
+          <a:p>
+            <a:pPr marL="0" marR="0" lvl="0" indent="0" algn="l" defTabSz="914400" rtl="0" eaLnBrk="0" fontAlgn="base" latinLnBrk="0" hangingPunct="0">
+              <a:lnSpc>
+                <a:spcPct val="100000"/>
+              </a:lnSpc>
+              <a:spcBef>
+                <a:spcPct val="0"/>
+              </a:spcBef>
+              <a:spcAft>
+                <a:spcPct val="0"/>
+              </a:spcAft>
+              <a:buClrTx/>
+              <a:buSzTx/>
+              <a:buFontTx/>
+              <a:buNone/>
+              <a:tabLst/>
+            </a:pPr>
+            <a:endParaRPr kumimoji="0" lang="ko-KR" altLang="ko-KR" sz="1400" b="0" i="0" u="none" strike="noStrike" cap="none" normalizeH="0" baseline="0" dirty="0">
+              <a:ln>
+                <a:noFill/>
+              </a:ln>
+              <a:solidFill>
+                <a:schemeClr val="tx1"/>
+              </a:solidFill>
+              <a:effectLst/>
+              <a:latin typeface="-윤고딕330" panose="02030504000101010101" pitchFamily="18" charset="-127"/>
+              <a:ea typeface="-윤고딕330" panose="02030504000101010101" pitchFamily="18" charset="-127"/>
+            </a:endParaRPr>
+          </a:p>
+        </p:txBody>
+      </p:sp>
+    </p:spTree>
+    <p:extLst>
+      <p:ext uri="{BB962C8B-B14F-4D97-AF65-F5344CB8AC3E}">
+        <p14:creationId xmlns:p14="http://schemas.microsoft.com/office/powerpoint/2010/main" val="4256006410"/>
       </p:ext>
     </p:extLst>
   </p:cSld>
@@ -8132,7 +15261,7 @@
                   <a:defRPr/>
                 </a:pPr>
                 <a:r>
-                  <a:rPr lang="ko-KR" altLang="en-US" sz="1400" b="1" i="1" dirty="0">
+                  <a:rPr lang="ko-KR" altLang="en-US" sz="2000" b="1" i="1" dirty="0">
                     <a:solidFill>
                       <a:prstClr val="black">
                         <a:lumMod val="65000"/>
@@ -8140,7 +15269,7 @@
                       </a:prstClr>
                     </a:solidFill>
                   </a:rPr>
-                  <a:t>차례</a:t>
+                  <a:t>목차</a:t>
                 </a:r>
               </a:p>
             </p:txBody>
@@ -11437,7 +18566,7 @@
                   </a:prstClr>
                 </a:solidFill>
               </a:rPr>
-              <a:t>모델 학습</a:t>
+              <a:t>모델 학습 및 평가</a:t>
             </a:r>
             <a:endParaRPr lang="en-US" altLang="ko-KR" sz="1200" b="1" dirty="0">
               <a:solidFill>
@@ -12558,7 +19687,7 @@
                   </a:prstClr>
                 </a:solidFill>
               </a:rPr>
-              <a:t>예측과 평가</a:t>
+              <a:t>발생했던 문제점 확인</a:t>
             </a:r>
             <a:endParaRPr lang="en-US" altLang="ko-KR" sz="1200" b="1" dirty="0">
               <a:solidFill>
@@ -13347,7 +20476,7 @@
                   <a:defRPr/>
                 </a:pPr>
                 <a:r>
-                  <a:rPr lang="ko-KR" altLang="en-US" sz="1400" b="1" i="1" kern="0" dirty="0">
+                  <a:rPr lang="ko-KR" altLang="en-US" sz="2000" b="1" i="1" kern="0" dirty="0">
                     <a:ln w="9525">
                       <a:noFill/>
                     </a:ln>
@@ -13361,7 +20490,7 @@
                   </a:rPr>
                   <a:t>데이터 준비 및 목표 설정</a:t>
                 </a:r>
-                <a:endParaRPr lang="en-US" altLang="ko-KR" sz="1400" b="1" i="1" kern="0" dirty="0">
+                <a:endParaRPr lang="en-US" altLang="ko-KR" sz="2000" b="1" i="1" kern="0" dirty="0">
                   <a:ln w="9525">
                     <a:noFill/>
                   </a:ln>
@@ -13854,8 +20983,8 @@
         </p:nvSpPr>
         <p:spPr>
           <a:xfrm>
-            <a:off x="1301537" y="1816726"/>
-            <a:ext cx="3703983" cy="569844"/>
+            <a:off x="364189" y="1816726"/>
+            <a:ext cx="4641331" cy="569844"/>
           </a:xfrm>
           <a:prstGeom prst="wedgeRoundRectCallout">
             <a:avLst>
@@ -13922,8 +21051,8 @@
         </p:nvSpPr>
         <p:spPr>
           <a:xfrm>
-            <a:off x="1301537" y="1881883"/>
-            <a:ext cx="4220817" cy="369332"/>
+            <a:off x="411618" y="1932371"/>
+            <a:ext cx="7097390" cy="338554"/>
           </a:xfrm>
           <a:prstGeom prst="rect">
             <a:avLst/>
@@ -13937,14 +21066,36 @@
           <a:lstStyle/>
           <a:p>
             <a:r>
-              <a:rPr lang="en-US" altLang="ko-KR" dirty="0">
+              <a:rPr lang="ko-KR" altLang="en-US" sz="1600" dirty="0">
+                <a:latin typeface="-윤고딕330" panose="02030504000101010101" pitchFamily="18" charset="-127"/>
+                <a:ea typeface="-윤고딕330" panose="02030504000101010101" pitchFamily="18" charset="-127"/>
+              </a:rPr>
+              <a:t>사용한 데이터 </a:t>
+            </a:r>
+            <a:r>
+              <a:rPr lang="en-US" altLang="ko-KR" sz="1600" dirty="0">
+                <a:latin typeface="-윤고딕330" panose="02030504000101010101" pitchFamily="18" charset="-127"/>
+                <a:ea typeface="-윤고딕330" panose="02030504000101010101" pitchFamily="18" charset="-127"/>
+              </a:rPr>
+              <a:t>: </a:t>
+            </a:r>
+            <a:r>
+              <a:rPr lang="en-US" altLang="ko-KR" sz="1600" dirty="0">
                 <a:latin typeface="-윤고딕330" panose="02030504000101010101" pitchFamily="18" charset="-127"/>
                 <a:ea typeface="-윤고딕330" panose="02030504000101010101" pitchFamily="18" charset="-127"/>
                 <a:hlinkClick r:id="rId4"/>
               </a:rPr>
-              <a:t>Life Expectancy (WHO) | Kaggle</a:t>
+              <a:t>Life Expectancy (WHO)</a:t>
             </a:r>
-            <a:endParaRPr lang="ko-KR" altLang="en-US" dirty="0">
+            <a:r>
+              <a:rPr lang="en-US" altLang="ko-KR" sz="1600" dirty="0">
+                <a:latin typeface="-윤고딕330" panose="02030504000101010101" pitchFamily="18" charset="-127"/>
+                <a:ea typeface="-윤고딕330" panose="02030504000101010101" pitchFamily="18" charset="-127"/>
+                <a:hlinkClick r:id="rId4"/>
+              </a:rPr>
+              <a:t> | Kaggle</a:t>
+            </a:r>
+            <a:endParaRPr lang="ko-KR" altLang="en-US" sz="1600" dirty="0">
               <a:latin typeface="-윤고딕330" panose="02030504000101010101" pitchFamily="18" charset="-127"/>
               <a:ea typeface="-윤고딕330" panose="02030504000101010101" pitchFamily="18" charset="-127"/>
             </a:endParaRPr>
@@ -14586,7 +21737,7 @@
                   <a:defRPr/>
                 </a:pPr>
                 <a:r>
-                  <a:rPr lang="ko-KR" altLang="en-US" sz="1400" b="1" i="1" dirty="0">
+                  <a:rPr lang="ko-KR" altLang="en-US" sz="2000" b="1" i="1" dirty="0">
                     <a:solidFill>
                       <a:prstClr val="black">
                         <a:lumMod val="65000"/>
@@ -15111,11 +22262,32 @@
           <a:lstStyle/>
           <a:p>
             <a:r>
-              <a:rPr lang="en-US" altLang="ko-KR" dirty="0" err="1">
+              <a:rPr lang="en-US" altLang="ko-KR" dirty="0">
                 <a:latin typeface="-윤고딕330" panose="02030504000101010101" pitchFamily="18" charset="-127"/>
                 <a:ea typeface="-윤고딕330" panose="02030504000101010101" pitchFamily="18" charset="-127"/>
               </a:rPr>
-              <a:t>2000~201n</a:t>
+              <a:t>2000</a:t>
+            </a:r>
+            <a:r>
+              <a:rPr lang="ko-KR" altLang="en-US" dirty="0">
+                <a:latin typeface="-윤고딕330" panose="02030504000101010101" pitchFamily="18" charset="-127"/>
+                <a:ea typeface="-윤고딕330" panose="02030504000101010101" pitchFamily="18" charset="-127"/>
+              </a:rPr>
+              <a:t>년 </a:t>
+            </a:r>
+            <a:r>
+              <a:rPr lang="en-US" altLang="ko-KR" dirty="0">
+                <a:latin typeface="-윤고딕330" panose="02030504000101010101" pitchFamily="18" charset="-127"/>
+                <a:ea typeface="-윤고딕330" panose="02030504000101010101" pitchFamily="18" charset="-127"/>
+              </a:rPr>
+              <a:t>~ 2010</a:t>
+            </a:r>
+            <a:r>
+              <a:rPr lang="ko-KR" altLang="en-US" dirty="0">
+                <a:latin typeface="-윤고딕330" panose="02030504000101010101" pitchFamily="18" charset="-127"/>
+                <a:ea typeface="-윤고딕330" panose="02030504000101010101" pitchFamily="18" charset="-127"/>
+              </a:rPr>
+              <a:t>년</a:t>
             </a:r>
             <a:r>
               <a:rPr lang="en-US" altLang="ko-KR" dirty="0">
@@ -15138,11 +22310,32 @@
           </a:p>
           <a:p>
             <a:r>
-              <a:rPr lang="en-US" altLang="ko-KR" dirty="0" err="1">
+              <a:rPr lang="en-US" altLang="ko-KR" dirty="0">
                 <a:latin typeface="-윤고딕330" panose="02030504000101010101" pitchFamily="18" charset="-127"/>
                 <a:ea typeface="-윤고딕330" panose="02030504000101010101" pitchFamily="18" charset="-127"/>
               </a:rPr>
-              <a:t>201n~2015</a:t>
+              <a:t>2011</a:t>
+            </a:r>
+            <a:r>
+              <a:rPr lang="ko-KR" altLang="en-US" dirty="0">
+                <a:latin typeface="-윤고딕330" panose="02030504000101010101" pitchFamily="18" charset="-127"/>
+                <a:ea typeface="-윤고딕330" panose="02030504000101010101" pitchFamily="18" charset="-127"/>
+              </a:rPr>
+              <a:t>년 </a:t>
+            </a:r>
+            <a:r>
+              <a:rPr lang="en-US" altLang="ko-KR" dirty="0">
+                <a:latin typeface="-윤고딕330" panose="02030504000101010101" pitchFamily="18" charset="-127"/>
+                <a:ea typeface="-윤고딕330" panose="02030504000101010101" pitchFamily="18" charset="-127"/>
+              </a:rPr>
+              <a:t>~ 2015</a:t>
+            </a:r>
+            <a:r>
+              <a:rPr lang="ko-KR" altLang="en-US" dirty="0">
+                <a:latin typeface="-윤고딕330" panose="02030504000101010101" pitchFamily="18" charset="-127"/>
+                <a:ea typeface="-윤고딕330" panose="02030504000101010101" pitchFamily="18" charset="-127"/>
+              </a:rPr>
+              <a:t>년</a:t>
             </a:r>
             <a:r>
               <a:rPr lang="en-US" altLang="ko-KR" dirty="0">
@@ -15625,7 +22818,7 @@
                   <a:defRPr/>
                 </a:pPr>
                 <a:r>
-                  <a:rPr lang="ko-KR" altLang="en-US" sz="1400" b="1" i="1" kern="0" dirty="0">
+                  <a:rPr lang="ko-KR" altLang="en-US" sz="2000" b="1" i="1" kern="0" dirty="0">
                     <a:ln w="9525">
                       <a:noFill/>
                     </a:ln>
@@ -15641,7 +22834,7 @@
                   <a:t>데이터 탐색 및 </a:t>
                 </a:r>
                 <a:r>
-                  <a:rPr lang="ko-KR" altLang="en-US" sz="1400" b="1" i="1" kern="0" dirty="0" err="1">
+                  <a:rPr lang="ko-KR" altLang="en-US" sz="2000" b="1" i="1" kern="0" dirty="0" err="1">
                     <a:ln w="9525">
                       <a:noFill/>
                     </a:ln>
@@ -15656,7 +22849,7 @@
                   </a:rPr>
                   <a:t>전처리</a:t>
                 </a:r>
-                <a:endParaRPr lang="ko-KR" altLang="en-US" sz="1400" b="1" dirty="0">
+                <a:endParaRPr lang="ko-KR" altLang="en-US" sz="2000" b="1" dirty="0">
                   <a:solidFill>
                     <a:prstClr val="black">
                       <a:lumMod val="65000"/>
@@ -18063,7 +25256,7 @@
                   <a:defRPr/>
                 </a:pPr>
                 <a:r>
-                  <a:rPr lang="ko-KR" altLang="en-US" sz="1400" b="1" i="1" kern="0" dirty="0">
+                  <a:rPr lang="ko-KR" altLang="en-US" sz="2000" b="1" i="1" kern="0" dirty="0">
                     <a:ln w="9525">
                       <a:noFill/>
                     </a:ln>
@@ -18076,10 +25269,10 @@
                     <a:latin typeface="맑은 고딕" panose="020B0503020000020004" pitchFamily="50" charset="-127"/>
                     <a:ea typeface="맑은 고딕" panose="020B0503020000020004" pitchFamily="50" charset="-127"/>
                   </a:rPr>
-                  <a:t>데이터 탐색 및 </a:t>
+                  <a:t>모델 학습 및 평가 </a:t>
                 </a:r>
                 <a:r>
-                  <a:rPr lang="ko-KR" altLang="en-US" sz="1400" b="1" i="1" kern="0" dirty="0" err="1">
+                  <a:rPr lang="en-US" altLang="ko-KR" sz="2000" b="1" i="1" kern="0" dirty="0">
                     <a:ln w="9525">
                       <a:noFill/>
                     </a:ln>
@@ -18092,9 +25285,9 @@
                     <a:latin typeface="맑은 고딕" panose="020B0503020000020004" pitchFamily="50" charset="-127"/>
                     <a:ea typeface="맑은 고딕" panose="020B0503020000020004" pitchFamily="50" charset="-127"/>
                   </a:rPr>
-                  <a:t>전처리</a:t>
+                  <a:t>– Linear Regression</a:t>
                 </a:r>
-                <a:endParaRPr lang="ko-KR" altLang="en-US" sz="1400" b="1" dirty="0">
+                <a:endParaRPr lang="ko-KR" altLang="en-US" sz="2000" b="1" dirty="0">
                   <a:solidFill>
                     <a:prstClr val="black">
                       <a:lumMod val="65000"/>
@@ -18475,6 +25668,132 @@
           </p:cxnSp>
         </p:grpSp>
       </p:grpSp>
+      <p:pic>
+        <p:nvPicPr>
+          <p:cNvPr id="5" name="그림 4" descr="라인, 도표, 그래프, 스크린샷이(가) 표시된 사진&#10;&#10;자동 생성된 설명">
+            <a:extLst>
+              <a:ext uri="{FF2B5EF4-FFF2-40B4-BE49-F238E27FC236}">
+                <a16:creationId xmlns:a16="http://schemas.microsoft.com/office/drawing/2014/main" id="{24695A33-5A70-A86C-D240-558ED5AFB5E7}"/>
+              </a:ext>
+            </a:extLst>
+          </p:cNvPr>
+          <p:cNvPicPr>
+            <a:picLocks noChangeAspect="1"/>
+          </p:cNvPicPr>
+          <p:nvPr/>
+        </p:nvPicPr>
+        <p:blipFill>
+          <a:blip r:embed="rId2">
+            <a:extLst>
+              <a:ext uri="{28A0092B-C50C-407E-A947-70E740481C1C}">
+                <a14:useLocalDpi xmlns:a14="http://schemas.microsoft.com/office/drawing/2010/main" val="0"/>
+              </a:ext>
+            </a:extLst>
+          </a:blip>
+          <a:stretch>
+            <a:fillRect/>
+          </a:stretch>
+        </p:blipFill>
+        <p:spPr>
+          <a:xfrm>
+            <a:off x="420990" y="1646329"/>
+            <a:ext cx="5340107" cy="4005080"/>
+          </a:xfrm>
+          <a:prstGeom prst="rect">
+            <a:avLst/>
+          </a:prstGeom>
+        </p:spPr>
+      </p:pic>
+      <p:pic>
+        <p:nvPicPr>
+          <p:cNvPr id="8" name="그림 7" descr="텍스트, 스크린샷, 폰트, 번호이(가) 표시된 사진&#10;&#10;자동 생성된 설명">
+            <a:extLst>
+              <a:ext uri="{FF2B5EF4-FFF2-40B4-BE49-F238E27FC236}">
+                <a16:creationId xmlns:a16="http://schemas.microsoft.com/office/drawing/2014/main" id="{2DD76A01-69E3-29DA-00E3-8BF87A64B4B5}"/>
+              </a:ext>
+            </a:extLst>
+          </p:cNvPr>
+          <p:cNvPicPr>
+            <a:picLocks noChangeAspect="1"/>
+          </p:cNvPicPr>
+          <p:nvPr/>
+        </p:nvPicPr>
+        <p:blipFill>
+          <a:blip r:embed="rId3">
+            <a:extLst>
+              <a:ext uri="{28A0092B-C50C-407E-A947-70E740481C1C}">
+                <a14:useLocalDpi xmlns:a14="http://schemas.microsoft.com/office/drawing/2010/main" val="0"/>
+              </a:ext>
+            </a:extLst>
+          </a:blip>
+          <a:stretch>
+            <a:fillRect/>
+          </a:stretch>
+        </p:blipFill>
+        <p:spPr>
+          <a:xfrm>
+            <a:off x="5817954" y="1127789"/>
+            <a:ext cx="5645440" cy="2521080"/>
+          </a:xfrm>
+          <a:prstGeom prst="rect">
+            <a:avLst/>
+          </a:prstGeom>
+        </p:spPr>
+      </p:pic>
+      <p:sp>
+        <p:nvSpPr>
+          <p:cNvPr id="9" name="직사각형 8">
+            <a:extLst>
+              <a:ext uri="{FF2B5EF4-FFF2-40B4-BE49-F238E27FC236}">
+                <a16:creationId xmlns:a16="http://schemas.microsoft.com/office/drawing/2014/main" id="{19E23731-377A-CFAD-378A-995F2C615C17}"/>
+              </a:ext>
+            </a:extLst>
+          </p:cNvPr>
+          <p:cNvSpPr/>
+          <p:nvPr/>
+        </p:nvSpPr>
+        <p:spPr>
+          <a:xfrm>
+            <a:off x="6460435" y="1205948"/>
+            <a:ext cx="2789582" cy="185530"/>
+          </a:xfrm>
+          <a:prstGeom prst="rect">
+            <a:avLst/>
+          </a:prstGeom>
+          <a:solidFill>
+            <a:srgbClr val="F7F7F7"/>
+          </a:solidFill>
+          <a:ln>
+            <a:solidFill>
+              <a:srgbClr val="F7F7F7"/>
+            </a:solidFill>
+          </a:ln>
+        </p:spPr>
+        <p:style>
+          <a:lnRef idx="2">
+            <a:schemeClr val="accent1">
+              <a:shade val="15000"/>
+            </a:schemeClr>
+          </a:lnRef>
+          <a:fillRef idx="1">
+            <a:schemeClr val="accent1"/>
+          </a:fillRef>
+          <a:effectRef idx="0">
+            <a:schemeClr val="accent1"/>
+          </a:effectRef>
+          <a:fontRef idx="minor">
+            <a:schemeClr val="lt1"/>
+          </a:fontRef>
+        </p:style>
+        <p:txBody>
+          <a:bodyPr rtlCol="0" anchor="ctr"/>
+          <a:lstStyle/>
+          <a:p>
+            <a:pPr algn="ctr"/>
+            <a:endParaRPr lang="ko-KR" altLang="en-US"/>
+          </a:p>
+        </p:txBody>
+      </p:sp>
     </p:spTree>
     <p:extLst>
       <p:ext uri="{BB962C8B-B14F-4D97-AF65-F5344CB8AC3E}">
@@ -18527,7 +25846,7 @@
         </p:nvGrpSpPr>
         <p:grpSpPr>
           <a:xfrm>
-            <a:off x="276225" y="173736"/>
+            <a:off x="269599" y="167110"/>
             <a:ext cx="11639550" cy="6446140"/>
             <a:chOff x="276225" y="173736"/>
             <a:chExt cx="11639550" cy="6446140"/>
@@ -18867,7 +26186,7 @@
                   <a:defRPr/>
                 </a:pPr>
                 <a:r>
-                  <a:rPr lang="ko-KR" altLang="en-US" sz="1400" b="1" i="1" kern="0" dirty="0">
+                  <a:rPr lang="ko-KR" altLang="en-US" sz="2000" b="1" i="1" kern="0" dirty="0">
                     <a:ln w="9525">
                       <a:noFill/>
                     </a:ln>
@@ -18880,10 +26199,10 @@
                     <a:latin typeface="맑은 고딕" panose="020B0503020000020004" pitchFamily="50" charset="-127"/>
                     <a:ea typeface="맑은 고딕" panose="020B0503020000020004" pitchFamily="50" charset="-127"/>
                   </a:rPr>
-                  <a:t>데이터 탐색 및 </a:t>
+                  <a:t>모델 학습 및 평가 </a:t>
                 </a:r>
                 <a:r>
-                  <a:rPr lang="ko-KR" altLang="en-US" sz="1400" b="1" i="1" kern="0" dirty="0" err="1">
+                  <a:rPr lang="en-US" altLang="ko-KR" sz="2000" b="1" i="1" kern="0" dirty="0">
                     <a:ln w="9525">
                       <a:noFill/>
                     </a:ln>
@@ -18896,9 +26215,9 @@
                     <a:latin typeface="맑은 고딕" panose="020B0503020000020004" pitchFamily="50" charset="-127"/>
                     <a:ea typeface="맑은 고딕" panose="020B0503020000020004" pitchFamily="50" charset="-127"/>
                   </a:rPr>
-                  <a:t>전처리</a:t>
+                  <a:t>– Random Forest Regressor</a:t>
                 </a:r>
-                <a:endParaRPr lang="ko-KR" altLang="en-US" sz="1400" b="1" dirty="0">
+                <a:endParaRPr lang="ko-KR" altLang="en-US" sz="2000" b="1" dirty="0">
                   <a:solidFill>
                     <a:prstClr val="black">
                       <a:lumMod val="65000"/>
@@ -19279,6 +26598,78 @@
           </p:cxnSp>
         </p:grpSp>
       </p:grpSp>
+      <p:pic>
+        <p:nvPicPr>
+          <p:cNvPr id="5" name="그림 4" descr="그래프, 라인, 도표, 스크린샷이(가) 표시된 사진&#10;&#10;자동 생성된 설명">
+            <a:extLst>
+              <a:ext uri="{FF2B5EF4-FFF2-40B4-BE49-F238E27FC236}">
+                <a16:creationId xmlns:a16="http://schemas.microsoft.com/office/drawing/2014/main" id="{93A73D5E-7DEE-6044-11B9-D887375BC213}"/>
+              </a:ext>
+            </a:extLst>
+          </p:cNvPr>
+          <p:cNvPicPr>
+            <a:picLocks noChangeAspect="1"/>
+          </p:cNvPicPr>
+          <p:nvPr/>
+        </p:nvPicPr>
+        <p:blipFill>
+          <a:blip r:embed="rId2">
+            <a:extLst>
+              <a:ext uri="{28A0092B-C50C-407E-A947-70E740481C1C}">
+                <a14:useLocalDpi xmlns:a14="http://schemas.microsoft.com/office/drawing/2010/main" val="0"/>
+              </a:ext>
+            </a:extLst>
+          </a:blip>
+          <a:stretch>
+            <a:fillRect/>
+          </a:stretch>
+        </p:blipFill>
+        <p:spPr>
+          <a:xfrm>
+            <a:off x="576765" y="1667135"/>
+            <a:ext cx="5221234" cy="3950216"/>
+          </a:xfrm>
+          <a:prstGeom prst="rect">
+            <a:avLst/>
+          </a:prstGeom>
+        </p:spPr>
+      </p:pic>
+      <p:pic>
+        <p:nvPicPr>
+          <p:cNvPr id="8" name="그림 7" descr="텍스트, 스크린샷, 폰트, 디스플레이이(가) 표시된 사진&#10;&#10;자동 생성된 설명">
+            <a:extLst>
+              <a:ext uri="{FF2B5EF4-FFF2-40B4-BE49-F238E27FC236}">
+                <a16:creationId xmlns:a16="http://schemas.microsoft.com/office/drawing/2014/main" id="{CA11499A-A700-4049-F0B4-BDB52BCB11E0}"/>
+              </a:ext>
+            </a:extLst>
+          </p:cNvPr>
+          <p:cNvPicPr>
+            <a:picLocks noChangeAspect="1"/>
+          </p:cNvPicPr>
+          <p:nvPr/>
+        </p:nvPicPr>
+        <p:blipFill>
+          <a:blip r:embed="rId3">
+            <a:extLst>
+              <a:ext uri="{28A0092B-C50C-407E-A947-70E740481C1C}">
+                <a14:useLocalDpi xmlns:a14="http://schemas.microsoft.com/office/drawing/2010/main" val="0"/>
+              </a:ext>
+            </a:extLst>
+          </a:blip>
+          <a:stretch>
+            <a:fillRect/>
+          </a:stretch>
+        </p:blipFill>
+        <p:spPr>
+          <a:xfrm>
+            <a:off x="5797999" y="1144054"/>
+            <a:ext cx="5812192" cy="2284946"/>
+          </a:xfrm>
+          <a:prstGeom prst="rect">
+            <a:avLst/>
+          </a:prstGeom>
+        </p:spPr>
+      </p:pic>
     </p:spTree>
     <p:extLst>
       <p:ext uri="{BB962C8B-B14F-4D97-AF65-F5344CB8AC3E}">
@@ -19671,7 +27062,7 @@
                   <a:defRPr/>
                 </a:pPr>
                 <a:r>
-                  <a:rPr lang="ko-KR" altLang="en-US" sz="1400" b="1" i="1" kern="0" dirty="0">
+                  <a:rPr lang="ko-KR" altLang="en-US" sz="2000" b="1" i="1" kern="0" dirty="0">
                     <a:ln w="9525">
                       <a:noFill/>
                     </a:ln>
@@ -19684,10 +27075,10 @@
                     <a:latin typeface="맑은 고딕" panose="020B0503020000020004" pitchFamily="50" charset="-127"/>
                     <a:ea typeface="맑은 고딕" panose="020B0503020000020004" pitchFamily="50" charset="-127"/>
                   </a:rPr>
-                  <a:t>데이터 탐색 및 </a:t>
+                  <a:t>모델 학습 및 평가 </a:t>
                 </a:r>
                 <a:r>
-                  <a:rPr lang="ko-KR" altLang="en-US" sz="1400" b="1" i="1" kern="0" dirty="0" err="1">
+                  <a:rPr lang="en-US" altLang="ko-KR" sz="2000" b="1" i="1" kern="0" dirty="0">
                     <a:ln w="9525">
                       <a:noFill/>
                     </a:ln>
@@ -19700,9 +27091,25 @@
                     <a:latin typeface="맑은 고딕" panose="020B0503020000020004" pitchFamily="50" charset="-127"/>
                     <a:ea typeface="맑은 고딕" panose="020B0503020000020004" pitchFamily="50" charset="-127"/>
                   </a:rPr>
-                  <a:t>전처리</a:t>
+                  <a:t>- </a:t>
                 </a:r>
-                <a:endParaRPr lang="ko-KR" altLang="en-US" sz="1400" b="1" dirty="0">
+                <a:r>
+                  <a:rPr lang="en-US" altLang="ko-KR" sz="2000" b="1" i="1" kern="0" dirty="0" err="1">
+                    <a:ln w="9525">
+                      <a:noFill/>
+                    </a:ln>
+                    <a:solidFill>
+                      <a:prstClr val="black">
+                        <a:lumMod val="65000"/>
+                        <a:lumOff val="35000"/>
+                      </a:prstClr>
+                    </a:solidFill>
+                    <a:latin typeface="맑은 고딕" panose="020B0503020000020004" pitchFamily="50" charset="-127"/>
+                    <a:ea typeface="맑은 고딕" panose="020B0503020000020004" pitchFamily="50" charset="-127"/>
+                  </a:rPr>
+                  <a:t>SVR</a:t>
+                </a:r>
+                <a:endParaRPr lang="ko-KR" altLang="en-US" sz="2000" b="1" dirty="0">
                   <a:solidFill>
                     <a:prstClr val="black">
                       <a:lumMod val="65000"/>
@@ -20083,10 +27490,898 @@
           </p:cxnSp>
         </p:grpSp>
       </p:grpSp>
+      <p:pic>
+        <p:nvPicPr>
+          <p:cNvPr id="5" name="그림 4" descr="라인, 그래프, 도표, 스크린샷이(가) 표시된 사진&#10;&#10;자동 생성된 설명">
+            <a:extLst>
+              <a:ext uri="{FF2B5EF4-FFF2-40B4-BE49-F238E27FC236}">
+                <a16:creationId xmlns:a16="http://schemas.microsoft.com/office/drawing/2014/main" id="{3468D584-142E-5DE0-D894-5C998435117F}"/>
+              </a:ext>
+            </a:extLst>
+          </p:cNvPr>
+          <p:cNvPicPr>
+            <a:picLocks noChangeAspect="1"/>
+          </p:cNvPicPr>
+          <p:nvPr/>
+        </p:nvPicPr>
+        <p:blipFill>
+          <a:blip r:embed="rId2">
+            <a:extLst>
+              <a:ext uri="{28A0092B-C50C-407E-A947-70E740481C1C}">
+                <a14:useLocalDpi xmlns:a14="http://schemas.microsoft.com/office/drawing/2010/main" val="0"/>
+              </a:ext>
+            </a:extLst>
+          </a:blip>
+          <a:stretch>
+            <a:fillRect/>
+          </a:stretch>
+        </p:blipFill>
+        <p:spPr>
+          <a:xfrm>
+            <a:off x="420990" y="1576460"/>
+            <a:ext cx="5340107" cy="4005080"/>
+          </a:xfrm>
+          <a:prstGeom prst="rect">
+            <a:avLst/>
+          </a:prstGeom>
+        </p:spPr>
+      </p:pic>
+      <p:pic>
+        <p:nvPicPr>
+          <p:cNvPr id="8" name="그림 7" descr="텍스트, 스크린샷, 폰트, 번호이(가) 표시된 사진&#10;&#10;자동 생성된 설명">
+            <a:extLst>
+              <a:ext uri="{FF2B5EF4-FFF2-40B4-BE49-F238E27FC236}">
+                <a16:creationId xmlns:a16="http://schemas.microsoft.com/office/drawing/2014/main" id="{1C0CED73-57ED-1872-40A1-A6D08D5802CA}"/>
+              </a:ext>
+            </a:extLst>
+          </p:cNvPr>
+          <p:cNvPicPr>
+            <a:picLocks noChangeAspect="1"/>
+          </p:cNvPicPr>
+          <p:nvPr/>
+        </p:nvPicPr>
+        <p:blipFill>
+          <a:blip r:embed="rId3">
+            <a:extLst>
+              <a:ext uri="{28A0092B-C50C-407E-A947-70E740481C1C}">
+                <a14:useLocalDpi xmlns:a14="http://schemas.microsoft.com/office/drawing/2010/main" val="0"/>
+              </a:ext>
+            </a:extLst>
+          </a:blip>
+          <a:stretch>
+            <a:fillRect/>
+          </a:stretch>
+        </p:blipFill>
+        <p:spPr>
+          <a:xfrm>
+            <a:off x="5905861" y="1202351"/>
+            <a:ext cx="5384731" cy="2572372"/>
+          </a:xfrm>
+          <a:prstGeom prst="rect">
+            <a:avLst/>
+          </a:prstGeom>
+        </p:spPr>
+      </p:pic>
     </p:spTree>
     <p:extLst>
       <p:ext uri="{BB962C8B-B14F-4D97-AF65-F5344CB8AC3E}">
         <p14:creationId xmlns:p14="http://schemas.microsoft.com/office/powerpoint/2010/main" val="4081765172"/>
+      </p:ext>
+    </p:extLst>
+  </p:cSld>
+  <p:clrMapOvr>
+    <a:masterClrMapping/>
+  </p:clrMapOvr>
+</p:sld>
+</file>
+
+<file path=ppt/slides/slide9.xml><?xml version="1.0" encoding="utf-8"?>
+<p:sld xmlns:a="http://schemas.openxmlformats.org/drawingml/2006/main" xmlns:r="http://schemas.openxmlformats.org/officeDocument/2006/relationships" xmlns:p="http://schemas.openxmlformats.org/presentationml/2006/main">
+  <p:cSld>
+    <p:bg>
+      <p:bgPr>
+        <a:solidFill>
+          <a:srgbClr val="16D3B3"/>
+        </a:solidFill>
+        <a:effectLst/>
+      </p:bgPr>
+    </p:bg>
+    <p:spTree>
+      <p:nvGrpSpPr>
+        <p:cNvPr id="1" name=""/>
+        <p:cNvGrpSpPr/>
+        <p:nvPr/>
+      </p:nvGrpSpPr>
+      <p:grpSpPr>
+        <a:xfrm>
+          <a:off x="0" y="0"/>
+          <a:ext cx="0" cy="0"/>
+          <a:chOff x="0" y="0"/>
+          <a:chExt cx="0" cy="0"/>
+        </a:xfrm>
+      </p:grpSpPr>
+      <p:grpSp>
+        <p:nvGrpSpPr>
+          <p:cNvPr id="19" name="그룹 18">
+            <a:extLst>
+              <a:ext uri="{FF2B5EF4-FFF2-40B4-BE49-F238E27FC236}">
+                <a16:creationId xmlns:a16="http://schemas.microsoft.com/office/drawing/2014/main" id="{68471FE8-50F9-DD29-6382-B9993983BD2C}"/>
+              </a:ext>
+            </a:extLst>
+          </p:cNvPr>
+          <p:cNvGrpSpPr/>
+          <p:nvPr/>
+        </p:nvGrpSpPr>
+        <p:grpSpPr>
+          <a:xfrm>
+            <a:off x="276225" y="173736"/>
+            <a:ext cx="11639550" cy="6446140"/>
+            <a:chOff x="276225" y="173736"/>
+            <a:chExt cx="11639550" cy="6446140"/>
+          </a:xfrm>
+        </p:grpSpPr>
+        <p:sp>
+          <p:nvSpPr>
+            <p:cNvPr id="4" name="사각형: 둥근 위쪽 모서리 3">
+              <a:extLst>
+                <a:ext uri="{FF2B5EF4-FFF2-40B4-BE49-F238E27FC236}">
+                  <a16:creationId xmlns:a16="http://schemas.microsoft.com/office/drawing/2014/main" id="{235E556F-700D-0BAB-2E72-D02143BBB46F}"/>
+                </a:ext>
+              </a:extLst>
+            </p:cNvPr>
+            <p:cNvSpPr/>
+            <p:nvPr/>
+          </p:nvSpPr>
+          <p:spPr>
+            <a:xfrm>
+              <a:off x="276225" y="263524"/>
+              <a:ext cx="11639550" cy="6356352"/>
+            </a:xfrm>
+            <a:prstGeom prst="round2SameRect">
+              <a:avLst>
+                <a:gd name="adj1" fmla="val 4932"/>
+                <a:gd name="adj2" fmla="val 4211"/>
+              </a:avLst>
+            </a:prstGeom>
+            <a:solidFill>
+              <a:srgbClr val="28B2C2"/>
+            </a:solidFill>
+            <a:ln>
+              <a:noFill/>
+            </a:ln>
+            <a:effectLst>
+              <a:outerShdw blurRad="101600" dist="76200" dir="2700000" algn="tl" rotWithShape="0">
+                <a:prstClr val="black">
+                  <a:alpha val="28000"/>
+                </a:prstClr>
+              </a:outerShdw>
+            </a:effectLst>
+          </p:spPr>
+          <p:style>
+            <a:lnRef idx="2">
+              <a:schemeClr val="accent1">
+                <a:shade val="15000"/>
+              </a:schemeClr>
+            </a:lnRef>
+            <a:fillRef idx="1">
+              <a:schemeClr val="accent1"/>
+            </a:fillRef>
+            <a:effectRef idx="0">
+              <a:schemeClr val="accent1"/>
+            </a:effectRef>
+            <a:fontRef idx="minor">
+              <a:schemeClr val="lt1"/>
+            </a:fontRef>
+          </p:style>
+          <p:txBody>
+            <a:bodyPr rtlCol="0" anchor="ctr"/>
+            <a:lstStyle/>
+            <a:p>
+              <a:pPr algn="ctr">
+                <a:defRPr/>
+              </a:pPr>
+              <a:endParaRPr lang="ko-KR" altLang="en-US">
+                <a:solidFill>
+                  <a:prstClr val="white"/>
+                </a:solidFill>
+              </a:endParaRPr>
+            </a:p>
+          </p:txBody>
+        </p:sp>
+        <p:sp>
+          <p:nvSpPr>
+            <p:cNvPr id="2" name="사각형: 둥근 위쪽 모서리 1">
+              <a:extLst>
+                <a:ext uri="{FF2B5EF4-FFF2-40B4-BE49-F238E27FC236}">
+                  <a16:creationId xmlns:a16="http://schemas.microsoft.com/office/drawing/2014/main" id="{26BA66BF-7A19-9E72-6CD7-7CF458793A8C}"/>
+                </a:ext>
+              </a:extLst>
+            </p:cNvPr>
+            <p:cNvSpPr/>
+            <p:nvPr/>
+          </p:nvSpPr>
+          <p:spPr>
+            <a:xfrm>
+              <a:off x="276225" y="677862"/>
+              <a:ext cx="11639550" cy="5942014"/>
+            </a:xfrm>
+            <a:prstGeom prst="round2SameRect">
+              <a:avLst>
+                <a:gd name="adj1" fmla="val 0"/>
+                <a:gd name="adj2" fmla="val 3685"/>
+              </a:avLst>
+            </a:prstGeom>
+            <a:solidFill>
+              <a:schemeClr val="bg1"/>
+            </a:solidFill>
+            <a:ln>
+              <a:noFill/>
+            </a:ln>
+          </p:spPr>
+          <p:style>
+            <a:lnRef idx="2">
+              <a:schemeClr val="accent1">
+                <a:shade val="15000"/>
+              </a:schemeClr>
+            </a:lnRef>
+            <a:fillRef idx="1">
+              <a:schemeClr val="accent1"/>
+            </a:fillRef>
+            <a:effectRef idx="0">
+              <a:schemeClr val="accent1"/>
+            </a:effectRef>
+            <a:fontRef idx="minor">
+              <a:schemeClr val="lt1"/>
+            </a:fontRef>
+          </p:style>
+          <p:txBody>
+            <a:bodyPr rtlCol="0" anchor="ctr"/>
+            <a:lstStyle/>
+            <a:p>
+              <a:pPr algn="ctr">
+                <a:defRPr/>
+              </a:pPr>
+              <a:endParaRPr lang="ko-KR" altLang="en-US" dirty="0">
+                <a:solidFill>
+                  <a:prstClr val="white"/>
+                </a:solidFill>
+              </a:endParaRPr>
+            </a:p>
+          </p:txBody>
+        </p:sp>
+        <p:grpSp>
+          <p:nvGrpSpPr>
+            <p:cNvPr id="12" name="그룹 11">
+              <a:extLst>
+                <a:ext uri="{FF2B5EF4-FFF2-40B4-BE49-F238E27FC236}">
+                  <a16:creationId xmlns:a16="http://schemas.microsoft.com/office/drawing/2014/main" id="{99C181EE-00C3-A88C-2213-CE35054E78F2}"/>
+                </a:ext>
+              </a:extLst>
+            </p:cNvPr>
+            <p:cNvGrpSpPr/>
+            <p:nvPr/>
+          </p:nvGrpSpPr>
+          <p:grpSpPr>
+            <a:xfrm>
+              <a:off x="1207919" y="173736"/>
+              <a:ext cx="10707856" cy="504126"/>
+              <a:chOff x="1325674" y="263524"/>
+              <a:chExt cx="8800720" cy="414338"/>
+            </a:xfrm>
+          </p:grpSpPr>
+          <p:sp>
+            <p:nvSpPr>
+              <p:cNvPr id="30" name="자유형: 도형 29">
+                <a:extLst>
+                  <a:ext uri="{FF2B5EF4-FFF2-40B4-BE49-F238E27FC236}">
+                    <a16:creationId xmlns:a16="http://schemas.microsoft.com/office/drawing/2014/main" id="{07B619FB-E787-B802-3BD4-6F55CFF7EA9A}"/>
+                  </a:ext>
+                </a:extLst>
+              </p:cNvPr>
+              <p:cNvSpPr/>
+              <p:nvPr/>
+            </p:nvSpPr>
+            <p:spPr>
+              <a:xfrm flipV="1">
+                <a:off x="1325674" y="473077"/>
+                <a:ext cx="423864" cy="204785"/>
+              </a:xfrm>
+              <a:custGeom>
+                <a:avLst/>
+                <a:gdLst>
+                  <a:gd name="connsiteX0" fmla="*/ 0 w 423864"/>
+                  <a:gd name="connsiteY0" fmla="*/ 0 h 204785"/>
+                  <a:gd name="connsiteX1" fmla="*/ 238125 w 423864"/>
+                  <a:gd name="connsiteY1" fmla="*/ 0 h 204785"/>
+                  <a:gd name="connsiteX2" fmla="*/ 423864 w 423864"/>
+                  <a:gd name="connsiteY2" fmla="*/ 185739 h 204785"/>
+                  <a:gd name="connsiteX3" fmla="*/ 423864 w 423864"/>
+                  <a:gd name="connsiteY3" fmla="*/ 204785 h 204785"/>
+                  <a:gd name="connsiteX4" fmla="*/ 185739 w 423864"/>
+                  <a:gd name="connsiteY4" fmla="*/ 204785 h 204785"/>
+                  <a:gd name="connsiteX5" fmla="*/ 185739 w 423864"/>
+                  <a:gd name="connsiteY5" fmla="*/ 185739 h 204785"/>
+                  <a:gd name="connsiteX6" fmla="*/ 0 w 423864"/>
+                  <a:gd name="connsiteY6" fmla="*/ 0 h 204785"/>
+                </a:gdLst>
+                <a:ahLst/>
+                <a:cxnLst>
+                  <a:cxn ang="0">
+                    <a:pos x="connsiteX0" y="connsiteY0"/>
+                  </a:cxn>
+                  <a:cxn ang="0">
+                    <a:pos x="connsiteX1" y="connsiteY1"/>
+                  </a:cxn>
+                  <a:cxn ang="0">
+                    <a:pos x="connsiteX2" y="connsiteY2"/>
+                  </a:cxn>
+                  <a:cxn ang="0">
+                    <a:pos x="connsiteX3" y="connsiteY3"/>
+                  </a:cxn>
+                  <a:cxn ang="0">
+                    <a:pos x="connsiteX4" y="connsiteY4"/>
+                  </a:cxn>
+                  <a:cxn ang="0">
+                    <a:pos x="connsiteX5" y="connsiteY5"/>
+                  </a:cxn>
+                  <a:cxn ang="0">
+                    <a:pos x="connsiteX6" y="connsiteY6"/>
+                  </a:cxn>
+                </a:cxnLst>
+                <a:rect l="l" t="t" r="r" b="b"/>
+                <a:pathLst>
+                  <a:path w="423864" h="204785">
+                    <a:moveTo>
+                      <a:pt x="0" y="0"/>
+                    </a:moveTo>
+                    <a:lnTo>
+                      <a:pt x="238125" y="0"/>
+                    </a:lnTo>
+                    <a:cubicBezTo>
+                      <a:pt x="340706" y="0"/>
+                      <a:pt x="423864" y="83158"/>
+                      <a:pt x="423864" y="185739"/>
+                    </a:cubicBezTo>
+                    <a:lnTo>
+                      <a:pt x="423864" y="204785"/>
+                    </a:lnTo>
+                    <a:lnTo>
+                      <a:pt x="185739" y="204785"/>
+                    </a:lnTo>
+                    <a:lnTo>
+                      <a:pt x="185739" y="185739"/>
+                    </a:lnTo>
+                    <a:cubicBezTo>
+                      <a:pt x="185739" y="83158"/>
+                      <a:pt x="102581" y="0"/>
+                      <a:pt x="0" y="0"/>
+                    </a:cubicBezTo>
+                    <a:close/>
+                  </a:path>
+                </a:pathLst>
+              </a:custGeom>
+              <a:solidFill>
+                <a:schemeClr val="bg1"/>
+              </a:solidFill>
+              <a:ln>
+                <a:noFill/>
+              </a:ln>
+            </p:spPr>
+            <p:style>
+              <a:lnRef idx="2">
+                <a:schemeClr val="accent1">
+                  <a:shade val="15000"/>
+                </a:schemeClr>
+              </a:lnRef>
+              <a:fillRef idx="1">
+                <a:schemeClr val="accent1"/>
+              </a:fillRef>
+              <a:effectRef idx="0">
+                <a:schemeClr val="accent1"/>
+              </a:effectRef>
+              <a:fontRef idx="minor">
+                <a:schemeClr val="lt1"/>
+              </a:fontRef>
+            </p:style>
+            <p:txBody>
+              <a:bodyPr wrap="square" rtlCol="0" anchor="ctr">
+                <a:noAutofit/>
+              </a:bodyPr>
+              <a:lstStyle/>
+              <a:p>
+                <a:pPr algn="ctr">
+                  <a:defRPr/>
+                </a:pPr>
+                <a:endParaRPr lang="ko-KR" altLang="en-US">
+                  <a:solidFill>
+                    <a:prstClr val="white"/>
+                  </a:solidFill>
+                </a:endParaRPr>
+              </a:p>
+            </p:txBody>
+          </p:sp>
+          <p:sp>
+            <p:nvSpPr>
+              <p:cNvPr id="6" name="사각형: 둥근 위쪽 모서리 5">
+                <a:extLst>
+                  <a:ext uri="{FF2B5EF4-FFF2-40B4-BE49-F238E27FC236}">
+                    <a16:creationId xmlns:a16="http://schemas.microsoft.com/office/drawing/2014/main" id="{B7B08B0B-5E2D-E144-C52E-E38E3A0660B1}"/>
+                  </a:ext>
+                </a:extLst>
+              </p:cNvPr>
+              <p:cNvSpPr/>
+              <p:nvPr/>
+            </p:nvSpPr>
+            <p:spPr>
+              <a:xfrm>
+                <a:off x="1511411" y="263524"/>
+                <a:ext cx="8614983" cy="414338"/>
+              </a:xfrm>
+              <a:prstGeom prst="round2SameRect">
+                <a:avLst>
+                  <a:gd name="adj1" fmla="val 44828"/>
+                  <a:gd name="adj2" fmla="val 0"/>
+                </a:avLst>
+              </a:prstGeom>
+              <a:solidFill>
+                <a:schemeClr val="bg1"/>
+              </a:solidFill>
+              <a:ln>
+                <a:noFill/>
+              </a:ln>
+            </p:spPr>
+            <p:style>
+              <a:lnRef idx="2">
+                <a:schemeClr val="accent1">
+                  <a:shade val="15000"/>
+                </a:schemeClr>
+              </a:lnRef>
+              <a:fillRef idx="1">
+                <a:schemeClr val="accent1"/>
+              </a:fillRef>
+              <a:effectRef idx="0">
+                <a:schemeClr val="accent1"/>
+              </a:effectRef>
+              <a:fontRef idx="minor">
+                <a:schemeClr val="lt1"/>
+              </a:fontRef>
+            </p:style>
+            <p:txBody>
+              <a:bodyPr rtlCol="0" anchor="ctr"/>
+              <a:lstStyle/>
+              <a:p>
+                <a:pPr marL="92075" lvl="2">
+                  <a:defRPr/>
+                </a:pPr>
+                <a:r>
+                  <a:rPr lang="ko-KR" altLang="en-US" sz="2000" b="1" i="1" kern="0" dirty="0">
+                    <a:ln w="9525">
+                      <a:noFill/>
+                    </a:ln>
+                    <a:solidFill>
+                      <a:prstClr val="black">
+                        <a:lumMod val="65000"/>
+                        <a:lumOff val="35000"/>
+                      </a:prstClr>
+                    </a:solidFill>
+                    <a:latin typeface="맑은 고딕" panose="020B0503020000020004" pitchFamily="50" charset="-127"/>
+                    <a:ea typeface="맑은 고딕" panose="020B0503020000020004" pitchFamily="50" charset="-127"/>
+                  </a:rPr>
+                  <a:t>결론</a:t>
+                </a:r>
+                <a:endParaRPr lang="ko-KR" altLang="en-US" sz="2000" b="1" dirty="0">
+                  <a:solidFill>
+                    <a:prstClr val="black">
+                      <a:lumMod val="65000"/>
+                      <a:lumOff val="35000"/>
+                    </a:prstClr>
+                  </a:solidFill>
+                  <a:latin typeface="맑은 고딕" panose="020B0503020000020004" pitchFamily="50" charset="-127"/>
+                  <a:ea typeface="맑은 고딕" panose="020B0503020000020004" pitchFamily="50" charset="-127"/>
+                </a:endParaRPr>
+              </a:p>
+            </p:txBody>
+          </p:sp>
+        </p:grpSp>
+        <p:sp>
+          <p:nvSpPr>
+            <p:cNvPr id="11" name="TextBox 10">
+              <a:extLst>
+                <a:ext uri="{FF2B5EF4-FFF2-40B4-BE49-F238E27FC236}">
+                  <a16:creationId xmlns:a16="http://schemas.microsoft.com/office/drawing/2014/main" id="{38ECCADD-9553-A900-1210-EE20C64B4A6E}"/>
+                </a:ext>
+              </a:extLst>
+            </p:cNvPr>
+            <p:cNvSpPr txBox="1"/>
+            <p:nvPr/>
+          </p:nvSpPr>
+          <p:spPr>
+            <a:xfrm>
+              <a:off x="420990" y="349142"/>
+              <a:ext cx="945656" cy="253916"/>
+            </a:xfrm>
+            <a:prstGeom prst="rect">
+              <a:avLst/>
+            </a:prstGeom>
+            <a:noFill/>
+          </p:spPr>
+          <p:txBody>
+            <a:bodyPr wrap="square">
+              <a:spAutoFit/>
+            </a:bodyPr>
+            <a:lstStyle/>
+            <a:p>
+              <a:pPr algn="ctr">
+                <a:defRPr/>
+              </a:pPr>
+              <a:r>
+                <a:rPr lang="en-US" altLang="ko-KR" sz="1050" i="1" kern="0" dirty="0">
+                  <a:ln w="9525">
+                    <a:noFill/>
+                  </a:ln>
+                  <a:solidFill>
+                    <a:prstClr val="white"/>
+                  </a:solidFill>
+                  <a:latin typeface="Tmon몬소리 Black" panose="02000A03000000000000" pitchFamily="2" charset="-127"/>
+                  <a:ea typeface="Tmon몬소리 Black" panose="02000A03000000000000" pitchFamily="2" charset="-127"/>
+                </a:rPr>
+                <a:t>CONTENTS</a:t>
+              </a:r>
+              <a:endParaRPr lang="ko-KR" altLang="en-US" sz="1000" dirty="0">
+                <a:solidFill>
+                  <a:prstClr val="white"/>
+                </a:solidFill>
+              </a:endParaRPr>
+            </a:p>
+          </p:txBody>
+        </p:sp>
+        <p:sp>
+          <p:nvSpPr>
+            <p:cNvPr id="13" name="사각형: 둥근 모서리 12">
+              <a:extLst>
+                <a:ext uri="{FF2B5EF4-FFF2-40B4-BE49-F238E27FC236}">
+                  <a16:creationId xmlns:a16="http://schemas.microsoft.com/office/drawing/2014/main" id="{D7A668E9-EB2A-2773-F1BB-CE79CFDC2B78}"/>
+                </a:ext>
+              </a:extLst>
+            </p:cNvPr>
+            <p:cNvSpPr/>
+            <p:nvPr/>
+          </p:nvSpPr>
+          <p:spPr>
+            <a:xfrm>
+              <a:off x="9753601" y="342642"/>
+              <a:ext cx="1536992" cy="393700"/>
+            </a:xfrm>
+            <a:prstGeom prst="roundRect">
+              <a:avLst>
+                <a:gd name="adj" fmla="val 50000"/>
+              </a:avLst>
+            </a:prstGeom>
+            <a:solidFill>
+              <a:schemeClr val="tx1">
+                <a:alpha val="4000"/>
+              </a:schemeClr>
+            </a:solidFill>
+            <a:ln>
+              <a:noFill/>
+            </a:ln>
+          </p:spPr>
+          <p:style>
+            <a:lnRef idx="2">
+              <a:schemeClr val="accent1">
+                <a:shade val="50000"/>
+              </a:schemeClr>
+            </a:lnRef>
+            <a:fillRef idx="1">
+              <a:schemeClr val="accent1"/>
+            </a:fillRef>
+            <a:effectRef idx="0">
+              <a:schemeClr val="accent1"/>
+            </a:effectRef>
+            <a:fontRef idx="minor">
+              <a:schemeClr val="lt1"/>
+            </a:fontRef>
+          </p:style>
+          <p:txBody>
+            <a:bodyPr rtlCol="0" anchor="ctr"/>
+            <a:lstStyle/>
+            <a:p>
+              <a:pPr algn="ctr">
+                <a:defRPr/>
+              </a:pPr>
+              <a:r>
+                <a:rPr lang="en-US" altLang="ko-KR" sz="1000" dirty="0">
+                  <a:solidFill>
+                    <a:prstClr val="white">
+                      <a:lumMod val="65000"/>
+                    </a:prstClr>
+                  </a:solidFill>
+                </a:rPr>
+                <a:t>CONTENT</a:t>
+              </a:r>
+              <a:endParaRPr lang="ko-KR" altLang="en-US" sz="1200" dirty="0">
+                <a:solidFill>
+                  <a:prstClr val="white">
+                    <a:lumMod val="65000"/>
+                  </a:prstClr>
+                </a:solidFill>
+              </a:endParaRPr>
+            </a:p>
+          </p:txBody>
+        </p:sp>
+        <p:sp>
+          <p:nvSpPr>
+            <p:cNvPr id="14" name="타원 13">
+              <a:extLst>
+                <a:ext uri="{FF2B5EF4-FFF2-40B4-BE49-F238E27FC236}">
+                  <a16:creationId xmlns:a16="http://schemas.microsoft.com/office/drawing/2014/main" id="{83B1B4F7-8B81-96BD-9550-2D0F93F505E0}"/>
+                </a:ext>
+              </a:extLst>
+            </p:cNvPr>
+            <p:cNvSpPr/>
+            <p:nvPr/>
+          </p:nvSpPr>
+          <p:spPr>
+            <a:xfrm>
+              <a:off x="11357852" y="342642"/>
+              <a:ext cx="392400" cy="393700"/>
+            </a:xfrm>
+            <a:prstGeom prst="ellipse">
+              <a:avLst/>
+            </a:prstGeom>
+            <a:solidFill>
+              <a:schemeClr val="bg1">
+                <a:lumMod val="50000"/>
+              </a:schemeClr>
+            </a:solidFill>
+            <a:ln>
+              <a:noFill/>
+            </a:ln>
+          </p:spPr>
+          <p:style>
+            <a:lnRef idx="2">
+              <a:schemeClr val="accent1">
+                <a:shade val="50000"/>
+              </a:schemeClr>
+            </a:lnRef>
+            <a:fillRef idx="1">
+              <a:schemeClr val="accent1"/>
+            </a:fillRef>
+            <a:effectRef idx="0">
+              <a:schemeClr val="accent1"/>
+            </a:effectRef>
+            <a:fontRef idx="minor">
+              <a:schemeClr val="lt1"/>
+            </a:fontRef>
+          </p:style>
+          <p:txBody>
+            <a:bodyPr rtlCol="0" anchor="ctr"/>
+            <a:lstStyle/>
+            <a:p>
+              <a:pPr algn="ctr">
+                <a:defRPr/>
+              </a:pPr>
+              <a:endParaRPr lang="ko-KR" altLang="en-US" sz="1200" dirty="0">
+                <a:solidFill>
+                  <a:prstClr val="white"/>
+                </a:solidFill>
+              </a:endParaRPr>
+            </a:p>
+          </p:txBody>
+        </p:sp>
+        <p:grpSp>
+          <p:nvGrpSpPr>
+            <p:cNvPr id="15" name="그룹 14">
+              <a:extLst>
+                <a:ext uri="{FF2B5EF4-FFF2-40B4-BE49-F238E27FC236}">
+                  <a16:creationId xmlns:a16="http://schemas.microsoft.com/office/drawing/2014/main" id="{5813ADFD-5900-AB6E-B2B3-BD2F6CBC36D7}"/>
+                </a:ext>
+              </a:extLst>
+            </p:cNvPr>
+            <p:cNvGrpSpPr/>
+            <p:nvPr/>
+          </p:nvGrpSpPr>
+          <p:grpSpPr>
+            <a:xfrm>
+              <a:off x="11463394" y="428700"/>
+              <a:ext cx="187007" cy="221257"/>
+              <a:chOff x="7903029" y="1102744"/>
+              <a:chExt cx="178934" cy="211706"/>
+            </a:xfrm>
+          </p:grpSpPr>
+          <p:sp>
+            <p:nvSpPr>
+              <p:cNvPr id="16" name="원호 15">
+                <a:extLst>
+                  <a:ext uri="{FF2B5EF4-FFF2-40B4-BE49-F238E27FC236}">
+                    <a16:creationId xmlns:a16="http://schemas.microsoft.com/office/drawing/2014/main" id="{30C8AFF8-F319-9872-84E2-441C77483F03}"/>
+                  </a:ext>
+                </a:extLst>
+              </p:cNvPr>
+              <p:cNvSpPr/>
+              <p:nvPr/>
+            </p:nvSpPr>
+            <p:spPr>
+              <a:xfrm>
+                <a:off x="7903029" y="1102744"/>
+                <a:ext cx="159658" cy="159658"/>
+              </a:xfrm>
+              <a:prstGeom prst="arc">
+                <a:avLst>
+                  <a:gd name="adj1" fmla="val 7661534"/>
+                  <a:gd name="adj2" fmla="val 3290856"/>
+                </a:avLst>
+              </a:prstGeom>
+              <a:ln w="15875" cap="rnd">
+                <a:solidFill>
+                  <a:schemeClr val="bg1"/>
+                </a:solidFill>
+              </a:ln>
+            </p:spPr>
+            <p:style>
+              <a:lnRef idx="1">
+                <a:schemeClr val="accent1"/>
+              </a:lnRef>
+              <a:fillRef idx="0">
+                <a:schemeClr val="accent1"/>
+              </a:fillRef>
+              <a:effectRef idx="0">
+                <a:schemeClr val="accent1"/>
+              </a:effectRef>
+              <a:fontRef idx="minor">
+                <a:schemeClr val="tx1"/>
+              </a:fontRef>
+            </p:style>
+            <p:txBody>
+              <a:bodyPr rtlCol="0" anchor="ctr"/>
+              <a:lstStyle/>
+              <a:p>
+                <a:pPr algn="ctr">
+                  <a:defRPr/>
+                </a:pPr>
+                <a:endParaRPr lang="ko-KR" altLang="en-US">
+                  <a:solidFill>
+                    <a:prstClr val="black"/>
+                  </a:solidFill>
+                </a:endParaRPr>
+              </a:p>
+            </p:txBody>
+          </p:sp>
+          <p:sp>
+            <p:nvSpPr>
+              <p:cNvPr id="17" name="원호 16">
+                <a:extLst>
+                  <a:ext uri="{FF2B5EF4-FFF2-40B4-BE49-F238E27FC236}">
+                    <a16:creationId xmlns:a16="http://schemas.microsoft.com/office/drawing/2014/main" id="{BC6FA750-EBE7-2D49-795E-3A4E41196B56}"/>
+                  </a:ext>
+                </a:extLst>
+              </p:cNvPr>
+              <p:cNvSpPr/>
+              <p:nvPr/>
+            </p:nvSpPr>
+            <p:spPr>
+              <a:xfrm>
+                <a:off x="7903029" y="1102744"/>
+                <a:ext cx="159658" cy="159658"/>
+              </a:xfrm>
+              <a:prstGeom prst="arc">
+                <a:avLst>
+                  <a:gd name="adj1" fmla="val 5171035"/>
+                  <a:gd name="adj2" fmla="val 6163513"/>
+                </a:avLst>
+              </a:prstGeom>
+              <a:ln w="15875" cap="rnd">
+                <a:solidFill>
+                  <a:schemeClr val="bg1"/>
+                </a:solidFill>
+              </a:ln>
+            </p:spPr>
+            <p:style>
+              <a:lnRef idx="1">
+                <a:schemeClr val="accent1"/>
+              </a:lnRef>
+              <a:fillRef idx="0">
+                <a:schemeClr val="accent1"/>
+              </a:fillRef>
+              <a:effectRef idx="0">
+                <a:schemeClr val="accent1"/>
+              </a:effectRef>
+              <a:fontRef idx="minor">
+                <a:schemeClr val="tx1"/>
+              </a:fontRef>
+            </p:style>
+            <p:txBody>
+              <a:bodyPr rtlCol="0" anchor="ctr"/>
+              <a:lstStyle/>
+              <a:p>
+                <a:pPr algn="ctr">
+                  <a:defRPr/>
+                </a:pPr>
+                <a:endParaRPr lang="ko-KR" altLang="en-US">
+                  <a:solidFill>
+                    <a:prstClr val="black"/>
+                  </a:solidFill>
+                </a:endParaRPr>
+              </a:p>
+            </p:txBody>
+          </p:sp>
+          <p:cxnSp>
+            <p:nvCxnSpPr>
+              <p:cNvPr id="18" name="직선 연결선 17">
+                <a:extLst>
+                  <a:ext uri="{FF2B5EF4-FFF2-40B4-BE49-F238E27FC236}">
+                    <a16:creationId xmlns:a16="http://schemas.microsoft.com/office/drawing/2014/main" id="{D5509B5A-00CB-16D0-9CAC-7AE4CA6AA416}"/>
+                  </a:ext>
+                </a:extLst>
+              </p:cNvPr>
+              <p:cNvCxnSpPr>
+                <a:cxnSpLocks/>
+              </p:cNvCxnSpPr>
+              <p:nvPr/>
+            </p:nvCxnSpPr>
+            <p:spPr>
+              <a:xfrm>
+                <a:off x="8029127" y="1250723"/>
+                <a:ext cx="52836" cy="63727"/>
+              </a:xfrm>
+              <a:prstGeom prst="line">
+                <a:avLst/>
+              </a:prstGeom>
+              <a:ln w="15875" cap="rnd">
+                <a:solidFill>
+                  <a:schemeClr val="bg1"/>
+                </a:solidFill>
+              </a:ln>
+            </p:spPr>
+            <p:style>
+              <a:lnRef idx="1">
+                <a:schemeClr val="accent1"/>
+              </a:lnRef>
+              <a:fillRef idx="0">
+                <a:schemeClr val="accent1"/>
+              </a:fillRef>
+              <a:effectRef idx="0">
+                <a:schemeClr val="accent1"/>
+              </a:effectRef>
+              <a:fontRef idx="minor">
+                <a:schemeClr val="tx1"/>
+              </a:fontRef>
+            </p:style>
+          </p:cxnSp>
+        </p:grpSp>
+      </p:grpSp>
+      <p:graphicFrame>
+        <p:nvGraphicFramePr>
+          <p:cNvPr id="3" name="다이어그램 2">
+            <a:extLst>
+              <a:ext uri="{FF2B5EF4-FFF2-40B4-BE49-F238E27FC236}">
+                <a16:creationId xmlns:a16="http://schemas.microsoft.com/office/drawing/2014/main" id="{DE2004EB-6FFD-5F02-FFDF-6C939D2D6435}"/>
+              </a:ext>
+            </a:extLst>
+          </p:cNvPr>
+          <p:cNvGraphicFramePr/>
+          <p:nvPr>
+            <p:extLst>
+              <p:ext uri="{D42A27DB-BD31-4B8C-83A1-F6EECF244321}">
+                <p14:modId xmlns:p14="http://schemas.microsoft.com/office/powerpoint/2010/main" val="342328054"/>
+              </p:ext>
+            </p:extLst>
+          </p:nvPr>
+        </p:nvGraphicFramePr>
+        <p:xfrm>
+          <a:off x="2032000" y="939535"/>
+          <a:ext cx="8128000" cy="5418667"/>
+        </p:xfrm>
+        <a:graphic>
+          <a:graphicData uri="http://schemas.openxmlformats.org/drawingml/2006/diagram">
+            <dgm:relIds xmlns:dgm="http://schemas.openxmlformats.org/drawingml/2006/diagram" xmlns:r="http://schemas.openxmlformats.org/officeDocument/2006/relationships" r:dm="rId2" r:lo="rId3" r:qs="rId4" r:cs="rId5"/>
+          </a:graphicData>
+        </a:graphic>
+      </p:graphicFrame>
+    </p:spTree>
+    <p:extLst>
+      <p:ext uri="{BB962C8B-B14F-4D97-AF65-F5344CB8AC3E}">
+        <p14:creationId xmlns:p14="http://schemas.microsoft.com/office/powerpoint/2010/main" val="3436693701"/>
       </p:ext>
     </p:extLst>
   </p:cSld>
